--- a/lecture/Presentation.pptx
+++ b/lecture/Presentation.pptx
@@ -116,6 +116,11 @@
       </a:defRPr>
     </a:lvl9pPr>
   </p:defaultTextStyle>
+  <p:extLst>
+    <p:ext uri="{EFAFB233-063F-42B5-8137-9DF3F51BA10A}">
+      <p15:sldGuideLst xmlns:p15="http://schemas.microsoft.com/office/powerpoint/2012/main"/>
+    </p:ext>
+  </p:extLst>
 </p:presentation>
 </file>
 
@@ -3659,8 +3664,21 @@
             <a:pPr algn="r" rtl="1"/>
             <a:r>
               <a:rPr lang="he-IL" dirty="0" smtClean="0"/>
-              <a:t>חסכון במשאבים – אפליקציית נוד כמעט ולא צורכת משאבים (זיכרון / מעבד) ביחס למתחרות.</a:t>
-            </a:r>
+              <a:t>חסכון במשאבים – אפליקציית נוד </a:t>
+            </a:r>
+            <a:r>
+              <a:rPr lang="he-IL" dirty="0" smtClean="0"/>
+              <a:t>צורכות מעט מאוד משאבים (זיכרון </a:t>
+            </a:r>
+            <a:r>
+              <a:rPr lang="he-IL" dirty="0" smtClean="0"/>
+              <a:t>/ מעבד</a:t>
+            </a:r>
+            <a:r>
+              <a:rPr lang="he-IL" dirty="0" smtClean="0"/>
+              <a:t>) ביחד למתחרות בצד השרת.</a:t>
+            </a:r>
+            <a:endParaRPr lang="he-IL" dirty="0" smtClean="0"/>
           </a:p>
           <a:p>
             <a:pPr algn="r" rtl="1"/>
@@ -3735,7 +3753,6 @@
               <a:rPr lang="he-IL" dirty="0" smtClean="0"/>
               <a:t> והן בהיבטי חסכון במשאבים (ובכך – בכסף!) לריצה תחת קונטיינרים וסביבות ענן העדכניות ביותר.</a:t>
             </a:r>
-            <a:endParaRPr lang="he-IL" dirty="0" smtClean="0"/>
           </a:p>
           <a:p>
             <a:pPr algn="r" rtl="1"/>
@@ -4275,11 +4292,7 @@
             </a:r>
             <a:r>
               <a:rPr lang="he-IL" dirty="0" smtClean="0"/>
-              <a:t> (טיפול בקבצים, </a:t>
-            </a:r>
-            <a:r>
-              <a:rPr lang="he-IL" dirty="0" smtClean="0"/>
-              <a:t>תקשורת רשת וכד')</a:t>
+              <a:t> (טיפול בקבצים, תקשורת רשת וכד')</a:t>
             </a:r>
           </a:p>
           <a:p>
@@ -4339,11 +4352,7 @@
             <a:pPr algn="r" rtl="1"/>
             <a:r>
               <a:rPr lang="he-IL" dirty="0" smtClean="0"/>
-              <a:t>את היכולו</a:t>
-            </a:r>
-            <a:r>
-              <a:rPr lang="he-IL" dirty="0" smtClean="0"/>
-              <a:t>ת הללו מספק </a:t>
+              <a:t>את היכולות הללו מספק </a:t>
             </a:r>
             <a:r>
               <a:rPr lang="en-US" dirty="0" smtClean="0"/>
@@ -5673,15 +5682,7 @@
             </a:r>
             <a:r>
               <a:rPr lang="he-IL" sz="1700" dirty="0" smtClean="0"/>
-              <a:t> הבודד – </a:t>
-            </a:r>
-            <a:r>
-              <a:rPr lang="he-IL" sz="1700" dirty="0" smtClean="0"/>
-              <a:t>הקצאת משתנים, חישובים, השמות</a:t>
-            </a:r>
-            <a:r>
-              <a:rPr lang="he-IL" sz="1700" dirty="0" smtClean="0"/>
-              <a:t>, בקרת שליטה, לולאות </a:t>
+              <a:t> הבודד – הקצאת משתנים, חישובים, השמות, בקרת שליטה, לולאות </a:t>
             </a:r>
             <a:r>
               <a:rPr lang="he-IL" sz="1700" dirty="0" err="1" smtClean="0"/>
@@ -5716,6 +5717,18 @@
             <a:r>
               <a:rPr lang="he-IL" sz="1700" dirty="0" smtClean="0"/>
               <a:t> מאציל עבודה </a:t>
+            </a:r>
+            <a:r>
+              <a:rPr lang="he-IL" sz="1700" dirty="0" smtClean="0"/>
+              <a:t>דרך </a:t>
+            </a:r>
+            <a:r>
+              <a:rPr lang="en-US" sz="1700" dirty="0" smtClean="0"/>
+              <a:t>Node.JS</a:t>
+            </a:r>
+            <a:r>
+              <a:rPr lang="he-IL" sz="1700" dirty="0" smtClean="0"/>
+              <a:t> ל-</a:t>
             </a:r>
             <a:r>
               <a:rPr lang="en-US" sz="1700" dirty="0" err="1" smtClean="0"/>

--- a/lecture/Presentation.pptx
+++ b/lecture/Presentation.pptx
@@ -3131,18 +3131,26 @@
           <a:p>
             <a:pPr algn="ctr" rtl="1"/>
             <a:r>
-              <a:rPr lang="he-IL" dirty="0" smtClean="0"/>
+              <a:rPr lang="he-IL" dirty="0" smtClean="0">
+                <a:cs typeface="+mn-cs"/>
+              </a:rPr>
               <a:t>המודולים (פונקציונליות) ש-</a:t>
             </a:r>
             <a:r>
-              <a:rPr lang="en-US" dirty="0" smtClean="0"/>
+              <a:rPr lang="en-US" dirty="0" smtClean="0">
+                <a:cs typeface="+mn-cs"/>
+              </a:rPr>
               <a:t>Node.JS</a:t>
             </a:r>
             <a:r>
-              <a:rPr lang="he-IL" dirty="0" smtClean="0"/>
+              <a:rPr lang="he-IL" dirty="0" smtClean="0">
+                <a:cs typeface="+mn-cs"/>
+              </a:rPr>
               <a:t> נותנת לנו</a:t>
             </a:r>
-            <a:endParaRPr lang="en-US" dirty="0"/>
+            <a:endParaRPr lang="en-US" dirty="0">
+              <a:cs typeface="+mn-cs"/>
+            </a:endParaRPr>
           </a:p>
         </p:txBody>
       </p:sp>
@@ -3352,14 +3360,20 @@
           <a:p>
             <a:pPr algn="ctr" rtl="1"/>
             <a:r>
-              <a:rPr lang="he-IL" dirty="0" smtClean="0"/>
+              <a:rPr lang="he-IL" dirty="0" smtClean="0">
+                <a:cs typeface="+mn-cs"/>
+              </a:rPr>
               <a:t>עבודה נכונה עם </a:t>
             </a:r>
             <a:r>
-              <a:rPr lang="en-US" dirty="0" smtClean="0"/>
+              <a:rPr lang="en-US" dirty="0" smtClean="0">
+                <a:cs typeface="+mn-cs"/>
+              </a:rPr>
               <a:t>Node.JS</a:t>
             </a:r>
-            <a:endParaRPr lang="en-US" dirty="0"/>
+            <a:endParaRPr lang="en-US" dirty="0">
+              <a:cs typeface="+mn-cs"/>
+            </a:endParaRPr>
           </a:p>
         </p:txBody>
       </p:sp>
@@ -3601,14 +3615,20 @@
           <a:p>
             <a:pPr algn="ctr" rtl="1"/>
             <a:r>
-              <a:rPr lang="he-IL" dirty="0" smtClean="0"/>
+              <a:rPr lang="he-IL" dirty="0" smtClean="0">
+                <a:cs typeface="+mn-cs"/>
+              </a:rPr>
               <a:t>היתרונות של </a:t>
             </a:r>
             <a:r>
-              <a:rPr lang="en-US" dirty="0" smtClean="0"/>
+              <a:rPr lang="en-US" dirty="0" smtClean="0">
+                <a:cs typeface="+mn-cs"/>
+              </a:rPr>
               <a:t>Node.JS</a:t>
             </a:r>
-            <a:endParaRPr lang="en-US" dirty="0"/>
+            <a:endParaRPr lang="en-US" dirty="0">
+              <a:cs typeface="+mn-cs"/>
+            </a:endParaRPr>
           </a:p>
         </p:txBody>
       </p:sp>
@@ -3664,21 +3684,8 @@
             <a:pPr algn="r" rtl="1"/>
             <a:r>
               <a:rPr lang="he-IL" dirty="0" smtClean="0"/>
-              <a:t>חסכון במשאבים – אפליקציית נוד </a:t>
-            </a:r>
-            <a:r>
-              <a:rPr lang="he-IL" dirty="0" smtClean="0"/>
-              <a:t>צורכות מעט מאוד משאבים (זיכרון </a:t>
-            </a:r>
-            <a:r>
-              <a:rPr lang="he-IL" dirty="0" smtClean="0"/>
-              <a:t>/ מעבד</a:t>
-            </a:r>
-            <a:r>
-              <a:rPr lang="he-IL" dirty="0" smtClean="0"/>
-              <a:t>) ביחד למתחרות בצד השרת.</a:t>
-            </a:r>
-            <a:endParaRPr lang="he-IL" dirty="0" smtClean="0"/>
+              <a:t>חסכון במשאבים – אפליקציית נוד צורכות מעט מאוד משאבים (זיכרון / מעבד) ביחד למתחרות בצד השרת.</a:t>
+            </a:r>
           </a:p>
           <a:p>
             <a:pPr algn="r" rtl="1"/>
@@ -3957,17 +3964,26 @@
             <p:ph type="title"/>
           </p:nvPr>
         </p:nvSpPr>
-        <p:spPr/>
+        <p:spPr>
+          <a:xfrm>
+            <a:off x="838200" y="138702"/>
+            <a:ext cx="10515600" cy="1325563"/>
+          </a:xfrm>
+        </p:spPr>
         <p:txBody>
           <a:bodyPr/>
           <a:lstStyle/>
           <a:p>
             <a:pPr algn="ctr" rtl="1"/>
             <a:r>
-              <a:rPr lang="he-IL" dirty="0" smtClean="0"/>
+              <a:rPr lang="he-IL" dirty="0" smtClean="0">
+                <a:cs typeface="+mn-cs"/>
+              </a:rPr>
               <a:t>הקדמה</a:t>
             </a:r>
-            <a:endParaRPr lang="en-US" dirty="0"/>
+            <a:endParaRPr lang="en-US" dirty="0">
+              <a:cs typeface="+mn-cs"/>
+            </a:endParaRPr>
           </a:p>
         </p:txBody>
       </p:sp>
@@ -4196,10 +4212,14 @@
           <a:p>
             <a:pPr algn="ctr" rtl="1"/>
             <a:r>
-              <a:rPr lang="he-IL" dirty="0" smtClean="0"/>
+              <a:rPr lang="he-IL" dirty="0" smtClean="0">
+                <a:cs typeface="+mn-cs"/>
+              </a:rPr>
               <a:t>התאמות לצד השרת</a:t>
             </a:r>
-            <a:endParaRPr lang="en-US" dirty="0"/>
+            <a:endParaRPr lang="en-US" dirty="0">
+              <a:cs typeface="+mn-cs"/>
+            </a:endParaRPr>
           </a:p>
         </p:txBody>
       </p:sp>
@@ -4211,7 +4231,7 @@
         </p:nvSpPr>
         <p:spPr>
           <a:xfrm>
-            <a:off x="674594" y="1489572"/>
+            <a:off x="674594" y="1620201"/>
             <a:ext cx="10842812" cy="3416320"/>
           </a:xfrm>
           <a:prstGeom prst="rect">
@@ -4409,18 +4429,26 @@
           <a:p>
             <a:pPr algn="ctr" rtl="1"/>
             <a:r>
-              <a:rPr lang="he-IL" dirty="0" smtClean="0"/>
+              <a:rPr lang="he-IL" dirty="0" smtClean="0">
+                <a:cs typeface="+mn-cs"/>
+              </a:rPr>
               <a:t>מה זה </a:t>
             </a:r>
             <a:r>
-              <a:rPr lang="en-US" dirty="0" smtClean="0"/>
+              <a:rPr lang="en-US" dirty="0" smtClean="0">
+                <a:cs typeface="+mn-cs"/>
+              </a:rPr>
               <a:t>Node.JS</a:t>
             </a:r>
             <a:r>
-              <a:rPr lang="he-IL" dirty="0" smtClean="0"/>
+              <a:rPr lang="he-IL" dirty="0" smtClean="0">
+                <a:cs typeface="+mn-cs"/>
+              </a:rPr>
               <a:t> ?</a:t>
             </a:r>
-            <a:endParaRPr lang="en-US" dirty="0"/>
+            <a:endParaRPr lang="en-US" dirty="0">
+              <a:cs typeface="+mn-cs"/>
+            </a:endParaRPr>
           </a:p>
         </p:txBody>
       </p:sp>
@@ -4471,18 +4499,26 @@
           <a:p>
             <a:pPr algn="ctr" rtl="1"/>
             <a:r>
-              <a:rPr lang="he-IL" dirty="0" smtClean="0"/>
+              <a:rPr lang="he-IL" dirty="0" smtClean="0">
+                <a:cs typeface="+mn-cs"/>
+              </a:rPr>
               <a:t>מה זה </a:t>
             </a:r>
             <a:r>
-              <a:rPr lang="en-US" dirty="0" smtClean="0"/>
+              <a:rPr lang="en-US" dirty="0" smtClean="0">
+                <a:cs typeface="+mn-cs"/>
+              </a:rPr>
               <a:t>Node.JS</a:t>
             </a:r>
             <a:r>
-              <a:rPr lang="he-IL" dirty="0" smtClean="0"/>
+              <a:rPr lang="he-IL" dirty="0" smtClean="0">
+                <a:cs typeface="+mn-cs"/>
+              </a:rPr>
               <a:t> ?</a:t>
             </a:r>
-            <a:endParaRPr lang="en-US" dirty="0"/>
+            <a:endParaRPr lang="en-US" dirty="0">
+              <a:cs typeface="+mn-cs"/>
+            </a:endParaRPr>
           </a:p>
         </p:txBody>
       </p:sp>
@@ -4568,18 +4604,26 @@
           <a:p>
             <a:pPr algn="ctr" rtl="1"/>
             <a:r>
-              <a:rPr lang="he-IL" dirty="0" smtClean="0"/>
+              <a:rPr lang="he-IL" dirty="0" smtClean="0">
+                <a:cs typeface="+mn-cs"/>
+              </a:rPr>
               <a:t>מה זה </a:t>
             </a:r>
             <a:r>
-              <a:rPr lang="en-US" dirty="0" smtClean="0"/>
+              <a:rPr lang="en-US" dirty="0" smtClean="0">
+                <a:cs typeface="+mn-cs"/>
+              </a:rPr>
               <a:t>Node.JS</a:t>
             </a:r>
             <a:r>
-              <a:rPr lang="he-IL" dirty="0" smtClean="0"/>
+              <a:rPr lang="he-IL" dirty="0" smtClean="0">
+                <a:cs typeface="+mn-cs"/>
+              </a:rPr>
               <a:t> ?</a:t>
             </a:r>
-            <a:endParaRPr lang="en-US" dirty="0"/>
+            <a:endParaRPr lang="en-US" dirty="0">
+              <a:cs typeface="+mn-cs"/>
+            </a:endParaRPr>
           </a:p>
         </p:txBody>
       </p:sp>
@@ -4758,14 +4802,20 @@
           <a:p>
             <a:pPr algn="ctr" rtl="1"/>
             <a:r>
-              <a:rPr lang="en-US" dirty="0" smtClean="0"/>
+              <a:rPr lang="en-US" dirty="0" smtClean="0">
+                <a:cs typeface="+mn-cs"/>
+              </a:rPr>
               <a:t>Node.JS</a:t>
             </a:r>
             <a:r>
-              <a:rPr lang="he-IL" dirty="0" smtClean="0"/>
+              <a:rPr lang="he-IL" dirty="0" smtClean="0">
+                <a:cs typeface="+mn-cs"/>
+              </a:rPr>
               <a:t> – מתחת למכסה המנוע</a:t>
             </a:r>
-            <a:endParaRPr lang="en-US" dirty="0"/>
+            <a:endParaRPr lang="en-US" dirty="0">
+              <a:cs typeface="+mn-cs"/>
+            </a:endParaRPr>
           </a:p>
         </p:txBody>
       </p:sp>
@@ -5600,18 +5650,26 @@
           <a:p>
             <a:pPr algn="ctr" rtl="1"/>
             <a:r>
-              <a:rPr lang="he-IL" dirty="0" err="1" smtClean="0"/>
+              <a:rPr lang="he-IL" dirty="0" err="1" smtClean="0">
+                <a:cs typeface="+mn-cs"/>
+              </a:rPr>
               <a:t>תוכנית</a:t>
             </a:r>
             <a:r>
-              <a:rPr lang="he-IL" dirty="0" smtClean="0"/>
+              <a:rPr lang="he-IL" dirty="0" smtClean="0">
+                <a:cs typeface="+mn-cs"/>
+              </a:rPr>
               <a:t> </a:t>
             </a:r>
             <a:r>
-              <a:rPr lang="en-US" dirty="0" smtClean="0"/>
+              <a:rPr lang="en-US" dirty="0" smtClean="0">
+                <a:cs typeface="+mn-cs"/>
+              </a:rPr>
               <a:t>Node.JS</a:t>
             </a:r>
-            <a:endParaRPr lang="en-US" dirty="0"/>
+            <a:endParaRPr lang="en-US" dirty="0">
+              <a:cs typeface="+mn-cs"/>
+            </a:endParaRPr>
           </a:p>
         </p:txBody>
       </p:sp>
@@ -5716,11 +5774,7 @@
             </a:r>
             <a:r>
               <a:rPr lang="he-IL" sz="1700" dirty="0" smtClean="0"/>
-              <a:t> מאציל עבודה </a:t>
-            </a:r>
-            <a:r>
-              <a:rPr lang="he-IL" sz="1700" dirty="0" smtClean="0"/>
-              <a:t>דרך </a:t>
+              <a:t> מאציל עבודה דרך </a:t>
             </a:r>
             <a:r>
               <a:rPr lang="en-US" sz="1700" dirty="0" smtClean="0"/>
@@ -6406,26 +6460,38 @@
           <a:p>
             <a:pPr algn="ctr" rtl="1"/>
             <a:r>
-              <a:rPr lang="he-IL" dirty="0" smtClean="0"/>
+              <a:rPr lang="he-IL" dirty="0" smtClean="0">
+                <a:cs typeface="+mn-cs"/>
+              </a:rPr>
               <a:t>האם </a:t>
             </a:r>
             <a:r>
-              <a:rPr lang="en-US" dirty="0" smtClean="0"/>
+              <a:rPr lang="en-US" dirty="0" smtClean="0">
+                <a:cs typeface="+mn-cs"/>
+              </a:rPr>
               <a:t>Node</a:t>
             </a:r>
             <a:r>
-              <a:rPr lang="he-IL" dirty="0" smtClean="0"/>
+              <a:rPr lang="he-IL" dirty="0" smtClean="0">
+                <a:cs typeface="+mn-cs"/>
+              </a:rPr>
               <a:t> היא סינגל </a:t>
             </a:r>
             <a:r>
-              <a:rPr lang="he-IL" dirty="0" err="1" smtClean="0"/>
+              <a:rPr lang="he-IL" dirty="0" err="1" smtClean="0">
+                <a:cs typeface="+mn-cs"/>
+              </a:rPr>
               <a:t>ת'רד</a:t>
             </a:r>
             <a:r>
-              <a:rPr lang="he-IL" dirty="0" smtClean="0"/>
+              <a:rPr lang="he-IL" dirty="0" smtClean="0">
+                <a:cs typeface="+mn-cs"/>
+              </a:rPr>
               <a:t>?</a:t>
             </a:r>
-            <a:endParaRPr lang="en-US" dirty="0"/>
+            <a:endParaRPr lang="en-US" dirty="0">
+              <a:cs typeface="+mn-cs"/>
+            </a:endParaRPr>
           </a:p>
         </p:txBody>
       </p:sp>

--- a/lecture/Presentation.pptx
+++ b/lecture/Presentation.pptx
@@ -14,10 +14,11 @@
     <p:sldId id="261" r:id="rId8"/>
     <p:sldId id="262" r:id="rId9"/>
     <p:sldId id="264" r:id="rId10"/>
-    <p:sldId id="265" r:id="rId11"/>
-    <p:sldId id="266" r:id="rId12"/>
-    <p:sldId id="267" r:id="rId13"/>
-    <p:sldId id="268" r:id="rId14"/>
+    <p:sldId id="266" r:id="rId11"/>
+    <p:sldId id="271" r:id="rId12"/>
+    <p:sldId id="265" r:id="rId13"/>
+    <p:sldId id="267" r:id="rId14"/>
+    <p:sldId id="268" r:id="rId15"/>
   </p:sldIdLst>
   <p:sldSz cx="12192000" cy="6858000"/>
   <p:notesSz cx="6858000" cy="9144000"/>
@@ -267,7 +268,7 @@
           <a:p>
             <a:fld id="{6714E3D0-DDF3-45C6-B086-E5A494B8EE7C}" type="datetimeFigureOut">
               <a:rPr lang="en-US" smtClean="0"/>
-              <a:t>11/25/2019</a:t>
+              <a:t>11/27/2019</a:t>
             </a:fld>
             <a:endParaRPr lang="en-US"/>
           </a:p>
@@ -437,7 +438,7 @@
           <a:p>
             <a:fld id="{6714E3D0-DDF3-45C6-B086-E5A494B8EE7C}" type="datetimeFigureOut">
               <a:rPr lang="en-US" smtClean="0"/>
-              <a:t>11/25/2019</a:t>
+              <a:t>11/27/2019</a:t>
             </a:fld>
             <a:endParaRPr lang="en-US"/>
           </a:p>
@@ -617,7 +618,7 @@
           <a:p>
             <a:fld id="{6714E3D0-DDF3-45C6-B086-E5A494B8EE7C}" type="datetimeFigureOut">
               <a:rPr lang="en-US" smtClean="0"/>
-              <a:t>11/25/2019</a:t>
+              <a:t>11/27/2019</a:t>
             </a:fld>
             <a:endParaRPr lang="en-US"/>
           </a:p>
@@ -787,7 +788,7 @@
           <a:p>
             <a:fld id="{6714E3D0-DDF3-45C6-B086-E5A494B8EE7C}" type="datetimeFigureOut">
               <a:rPr lang="en-US" smtClean="0"/>
-              <a:t>11/25/2019</a:t>
+              <a:t>11/27/2019</a:t>
             </a:fld>
             <a:endParaRPr lang="en-US"/>
           </a:p>
@@ -1033,7 +1034,7 @@
           <a:p>
             <a:fld id="{6714E3D0-DDF3-45C6-B086-E5A494B8EE7C}" type="datetimeFigureOut">
               <a:rPr lang="en-US" smtClean="0"/>
-              <a:t>11/25/2019</a:t>
+              <a:t>11/27/2019</a:t>
             </a:fld>
             <a:endParaRPr lang="en-US"/>
           </a:p>
@@ -1265,7 +1266,7 @@
           <a:p>
             <a:fld id="{6714E3D0-DDF3-45C6-B086-E5A494B8EE7C}" type="datetimeFigureOut">
               <a:rPr lang="en-US" smtClean="0"/>
-              <a:t>11/25/2019</a:t>
+              <a:t>11/27/2019</a:t>
             </a:fld>
             <a:endParaRPr lang="en-US"/>
           </a:p>
@@ -1632,7 +1633,7 @@
           <a:p>
             <a:fld id="{6714E3D0-DDF3-45C6-B086-E5A494B8EE7C}" type="datetimeFigureOut">
               <a:rPr lang="en-US" smtClean="0"/>
-              <a:t>11/25/2019</a:t>
+              <a:t>11/27/2019</a:t>
             </a:fld>
             <a:endParaRPr lang="en-US"/>
           </a:p>
@@ -1750,7 +1751,7 @@
           <a:p>
             <a:fld id="{6714E3D0-DDF3-45C6-B086-E5A494B8EE7C}" type="datetimeFigureOut">
               <a:rPr lang="en-US" smtClean="0"/>
-              <a:t>11/25/2019</a:t>
+              <a:t>11/27/2019</a:t>
             </a:fld>
             <a:endParaRPr lang="en-US"/>
           </a:p>
@@ -1845,7 +1846,7 @@
           <a:p>
             <a:fld id="{6714E3D0-DDF3-45C6-B086-E5A494B8EE7C}" type="datetimeFigureOut">
               <a:rPr lang="en-US" smtClean="0"/>
-              <a:t>11/25/2019</a:t>
+              <a:t>11/27/2019</a:t>
             </a:fld>
             <a:endParaRPr lang="en-US"/>
           </a:p>
@@ -2122,7 +2123,7 @@
           <a:p>
             <a:fld id="{6714E3D0-DDF3-45C6-B086-E5A494B8EE7C}" type="datetimeFigureOut">
               <a:rPr lang="en-US" smtClean="0"/>
-              <a:t>11/25/2019</a:t>
+              <a:t>11/27/2019</a:t>
             </a:fld>
             <a:endParaRPr lang="en-US"/>
           </a:p>
@@ -2375,7 +2376,7 @@
           <a:p>
             <a:fld id="{6714E3D0-DDF3-45C6-B086-E5A494B8EE7C}" type="datetimeFigureOut">
               <a:rPr lang="en-US" smtClean="0"/>
-              <a:t>11/25/2019</a:t>
+              <a:t>11/27/2019</a:t>
             </a:fld>
             <a:endParaRPr lang="en-US"/>
           </a:p>
@@ -2588,7 +2589,7 @@
           <a:p>
             <a:fld id="{6714E3D0-DDF3-45C6-B086-E5A494B8EE7C}" type="datetimeFigureOut">
               <a:rPr lang="en-US" smtClean="0"/>
-              <a:t>11/25/2019</a:t>
+              <a:t>11/27/2019</a:t>
             </a:fld>
             <a:endParaRPr lang="en-US"/>
           </a:p>
@@ -3134,7 +3135,7 @@
               <a:rPr lang="he-IL" dirty="0" smtClean="0">
                 <a:cs typeface="+mn-cs"/>
               </a:rPr>
-              <a:t>המודולים (פונקציונליות) ש-</a:t>
+              <a:t>עבודה נכונה עם </a:t>
             </a:r>
             <a:r>
               <a:rPr lang="en-US" dirty="0" smtClean="0">
@@ -3142,12 +3143,6 @@
               </a:rPr>
               <a:t>Node.JS</a:t>
             </a:r>
-            <a:r>
-              <a:rPr lang="he-IL" dirty="0" smtClean="0">
-                <a:cs typeface="+mn-cs"/>
-              </a:rPr>
-              <a:t> נותנת לנו</a:t>
-            </a:r>
             <a:endParaRPr lang="en-US" dirty="0">
               <a:cs typeface="+mn-cs"/>
             </a:endParaRPr>
@@ -3162,8 +3157,8 @@
         </p:nvSpPr>
         <p:spPr>
           <a:xfrm>
-            <a:off x="941294" y="1690687"/>
-            <a:ext cx="10597237" cy="3693319"/>
+            <a:off x="838200" y="1281384"/>
+            <a:ext cx="10597237" cy="5355312"/>
           </a:xfrm>
           <a:prstGeom prst="rect">
             <a:avLst/>
@@ -3178,128 +3173,307 @@
           <a:p>
             <a:pPr algn="r" rtl="1"/>
             <a:r>
-              <a:rPr lang="he-IL" u="sng" dirty="0" err="1" smtClean="0"/>
-              <a:t>מודולי</a:t>
-            </a:r>
+              <a:rPr lang="he-IL" dirty="0" smtClean="0"/>
+              <a:t>כדי להגיע לביצועים טובים בשרת, כאלה שלא נופלים מהמתחרים ואף טובים יותר, צריך לדעת לעבוד נכון עם המנוע.</a:t>
+            </a:r>
+          </a:p>
+          <a:p>
+            <a:pPr algn="r" rtl="1"/>
+            <a:endParaRPr lang="he-IL" dirty="0"/>
+          </a:p>
+          <a:p>
+            <a:pPr algn="r" rtl="1"/>
+            <a:r>
+              <a:rPr lang="he-IL" dirty="0" smtClean="0"/>
+              <a:t>קוד האפליקציה הסינכרוני – מורץ ע"י </a:t>
+            </a:r>
+            <a:r>
+              <a:rPr lang="en-US" dirty="0" smtClean="0"/>
+              <a:t>V8</a:t>
+            </a:r>
+            <a:r>
+              <a:rPr lang="he-IL" dirty="0"/>
+              <a:t> </a:t>
+            </a:r>
+            <a:r>
+              <a:rPr lang="he-IL" dirty="0" smtClean="0"/>
+              <a:t>בצורה אופטימלית ומהירה.</a:t>
+            </a:r>
+          </a:p>
+          <a:p>
+            <a:pPr algn="r" rtl="1"/>
+            <a:endParaRPr lang="he-IL" dirty="0"/>
+          </a:p>
+          <a:p>
+            <a:pPr algn="r" rtl="1"/>
+            <a:r>
+              <a:rPr lang="he-IL" dirty="0" smtClean="0"/>
+              <a:t>קוד אסינכרוני - מואצל ל-</a:t>
+            </a:r>
+            <a:r>
+              <a:rPr lang="en-US" dirty="0" err="1" smtClean="0"/>
+              <a:t>Libuv</a:t>
+            </a:r>
+            <a:r>
+              <a:rPr lang="he-IL" dirty="0" smtClean="0"/>
+              <a:t> ומבוצע בצורה אופטימלית.</a:t>
+            </a:r>
+          </a:p>
+          <a:p>
+            <a:pPr algn="r" rtl="1"/>
+            <a:endParaRPr lang="he-IL" dirty="0" smtClean="0"/>
+          </a:p>
+          <a:p>
+            <a:pPr algn="r" rtl="1"/>
             <a:r>
               <a:rPr lang="he-IL" u="sng" dirty="0" smtClean="0"/>
-              <a:t> הבסיס:</a:t>
-            </a:r>
-          </a:p>
-          <a:p>
-            <a:pPr algn="r" rtl="1"/>
-            <a:r>
-              <a:rPr lang="he-IL" dirty="0" smtClean="0"/>
-              <a:t>תקשורת רשת – </a:t>
+              <a:t>צוואר הבקבוק נמצא בפעילות של ה-</a:t>
+            </a:r>
+            <a:r>
+              <a:rPr lang="en-US" u="sng" dirty="0" smtClean="0"/>
+              <a:t>Event Loop</a:t>
+            </a:r>
+            <a:r>
+              <a:rPr lang="he-IL" u="sng" dirty="0" smtClean="0"/>
+              <a:t>:</a:t>
+            </a:r>
+          </a:p>
+          <a:p>
+            <a:pPr algn="r" rtl="1"/>
+            <a:r>
+              <a:rPr lang="he-IL" dirty="0" smtClean="0"/>
+              <a:t>בכל </a:t>
+            </a:r>
+            <a:r>
+              <a:rPr lang="he-IL" dirty="0" err="1" smtClean="0"/>
+              <a:t>איטרציה</a:t>
+            </a:r>
+            <a:r>
+              <a:rPr lang="he-IL" dirty="0" smtClean="0"/>
+              <a:t> של ה-</a:t>
             </a:r>
             <a:r>
               <a:rPr lang="en-US" dirty="0" smtClean="0"/>
-              <a:t>http, https</a:t>
-            </a:r>
-            <a:endParaRPr lang="he-IL" dirty="0" smtClean="0"/>
-          </a:p>
-          <a:p>
-            <a:pPr algn="r" rtl="1"/>
-            <a:r>
-              <a:rPr lang="he-IL" dirty="0" smtClean="0"/>
-              <a:t>קבצים – </a:t>
-            </a:r>
-            <a:r>
-              <a:rPr lang="en-US" dirty="0" smtClean="0"/>
-              <a:t>fs</a:t>
-            </a:r>
-            <a:endParaRPr lang="he-IL" dirty="0" smtClean="0"/>
-          </a:p>
-          <a:p>
-            <a:pPr algn="r" rtl="1"/>
+              <a:t>Event Loop</a:t>
+            </a:r>
+            <a:r>
+              <a:rPr lang="he-IL" dirty="0" smtClean="0"/>
+              <a:t> נקראים </a:t>
+            </a:r>
             <a:r>
               <a:rPr lang="he-IL" dirty="0" err="1" smtClean="0"/>
-              <a:t>איבנטים</a:t>
-            </a:r>
-            <a:r>
-              <a:rPr lang="he-IL" dirty="0" smtClean="0"/>
-              <a:t> – </a:t>
+              <a:t>קולבקים</a:t>
+            </a:r>
+            <a:r>
+              <a:rPr lang="he-IL" dirty="0" smtClean="0"/>
+              <a:t> שונים על פי </a:t>
             </a:r>
             <a:r>
               <a:rPr lang="en-US" dirty="0" smtClean="0"/>
               <a:t>events</a:t>
             </a:r>
+            <a:r>
+              <a:rPr lang="he-IL" dirty="0" smtClean="0"/>
+              <a:t> שקרו, </a:t>
+            </a:r>
+            <a:r>
+              <a:rPr lang="he-IL" b="1" dirty="0" smtClean="0"/>
+              <a:t>בצורה סינכרונית</a:t>
+            </a:r>
+            <a:r>
+              <a:rPr lang="he-IL" dirty="0" smtClean="0"/>
+              <a:t>, אחד אחרי השני.</a:t>
+            </a:r>
+          </a:p>
+          <a:p>
+            <a:pPr algn="r" rtl="1"/>
+            <a:r>
+              <a:rPr lang="he-IL" dirty="0" smtClean="0"/>
+              <a:t>(</a:t>
+            </a:r>
+            <a:r>
+              <a:rPr lang="he-IL" dirty="0" err="1" smtClean="0"/>
+              <a:t>קולבק</a:t>
+            </a:r>
+            <a:r>
+              <a:rPr lang="he-IL" dirty="0" smtClean="0"/>
+              <a:t> לבקשת </a:t>
+            </a:r>
+            <a:r>
+              <a:rPr lang="en-US" dirty="0" smtClean="0"/>
+              <a:t>http</a:t>
+            </a:r>
+            <a:r>
+              <a:rPr lang="he-IL" dirty="0" smtClean="0"/>
+              <a:t> נכנסת, </a:t>
+            </a:r>
+            <a:r>
+              <a:rPr lang="he-IL" dirty="0" err="1" smtClean="0"/>
+              <a:t>קולבק</a:t>
+            </a:r>
+            <a:r>
+              <a:rPr lang="he-IL" dirty="0" smtClean="0"/>
+              <a:t> לקובץ שסיימנו לקרוא וכד').</a:t>
+            </a:r>
+          </a:p>
+          <a:p>
+            <a:pPr algn="r" rtl="1"/>
+            <a:r>
+              <a:rPr lang="he-IL" dirty="0" smtClean="0"/>
+              <a:t>אם באחד </a:t>
+            </a:r>
+            <a:r>
+              <a:rPr lang="he-IL" dirty="0" err="1" smtClean="0"/>
+              <a:t>הקולבקים</a:t>
+            </a:r>
+            <a:r>
+              <a:rPr lang="he-IL" dirty="0" smtClean="0"/>
+              <a:t> תתרחש אלגוריתמיקה כבדה (חישובים מתמטיים מסובכים / לולאות </a:t>
+            </a:r>
+            <a:r>
+              <a:rPr lang="en-US" dirty="0" smtClean="0"/>
+              <a:t>while</a:t>
+            </a:r>
+            <a:r>
+              <a:rPr lang="he-IL" dirty="0" smtClean="0"/>
+              <a:t> ארוכות וכד'), המנוע ייאלץ לעבוד הרבה זמן על אותו </a:t>
+            </a:r>
+            <a:r>
+              <a:rPr lang="he-IL" dirty="0" err="1" smtClean="0"/>
+              <a:t>קולבק</a:t>
+            </a:r>
+            <a:r>
+              <a:rPr lang="he-IL" dirty="0" smtClean="0"/>
+              <a:t> וזה יעכב אותו בטיפול </a:t>
+            </a:r>
+            <a:r>
+              <a:rPr lang="he-IL" dirty="0" err="1" smtClean="0"/>
+              <a:t>בקולבקים</a:t>
+            </a:r>
+            <a:r>
+              <a:rPr lang="he-IL" dirty="0" smtClean="0"/>
+              <a:t> אחרים, ובכך יאט משמעותית את ביצועי האפליקציה.</a:t>
+            </a:r>
+          </a:p>
+          <a:p>
+            <a:pPr algn="r" rtl="1"/>
+            <a:endParaRPr lang="he-IL" dirty="0"/>
+          </a:p>
+          <a:p>
+            <a:pPr algn="r" rtl="1"/>
+            <a:r>
+              <a:rPr lang="he-IL" u="sng" dirty="0" smtClean="0"/>
+              <a:t>מסקנה</a:t>
+            </a:r>
+            <a:r>
+              <a:rPr lang="he-IL" dirty="0"/>
+              <a:t>:</a:t>
+            </a:r>
             <a:endParaRPr lang="he-IL" dirty="0" smtClean="0"/>
           </a:p>
           <a:p>
             <a:pPr algn="r" rtl="1"/>
             <a:r>
-              <a:rPr lang="he-IL" dirty="0" err="1" smtClean="0"/>
-              <a:t>סקלביליות</a:t>
-            </a:r>
-            <a:r>
-              <a:rPr lang="he-IL" dirty="0" smtClean="0"/>
-              <a:t> – </a:t>
-            </a:r>
-            <a:r>
-              <a:rPr lang="en-US" dirty="0" smtClean="0"/>
-              <a:t>cluster, worker threads</a:t>
-            </a:r>
-            <a:endParaRPr lang="he-IL" dirty="0" smtClean="0"/>
-          </a:p>
-          <a:p>
-            <a:pPr algn="r" rtl="1"/>
-            <a:endParaRPr lang="he-IL" dirty="0" smtClean="0"/>
-          </a:p>
-          <a:p>
-            <a:pPr algn="r" rtl="1"/>
-            <a:endParaRPr lang="he-IL" dirty="0" smtClean="0"/>
-          </a:p>
-          <a:p>
-            <a:pPr algn="r" rtl="1"/>
-            <a:endParaRPr lang="he-IL" dirty="0"/>
-          </a:p>
-          <a:p>
-            <a:pPr algn="r" rtl="1"/>
-            <a:r>
-              <a:rPr lang="he-IL" u="sng" dirty="0" smtClean="0"/>
-              <a:t>מודולים ייחודיים נוספים:</a:t>
-            </a:r>
-            <a:endParaRPr lang="he-IL" u="sng" dirty="0"/>
-          </a:p>
-          <a:p>
-            <a:pPr algn="r" rtl="1"/>
-            <a:r>
-              <a:rPr lang="he-IL" dirty="0" smtClean="0"/>
-              <a:t>קריפטוגרפיה – </a:t>
-            </a:r>
-            <a:r>
-              <a:rPr lang="en-US" dirty="0" smtClean="0"/>
-              <a:t>crypto</a:t>
-            </a:r>
-            <a:endParaRPr lang="he-IL" dirty="0" smtClean="0"/>
-          </a:p>
-          <a:p>
-            <a:pPr algn="r" rtl="1"/>
-            <a:r>
-              <a:rPr lang="he-IL" dirty="0" smtClean="0"/>
-              <a:t>כיווץ – </a:t>
-            </a:r>
-            <a:r>
-              <a:rPr lang="en-US" dirty="0" err="1" smtClean="0"/>
-              <a:t>zlib</a:t>
-            </a:r>
-            <a:endParaRPr lang="he-IL" dirty="0" smtClean="0"/>
-          </a:p>
-          <a:p>
-            <a:pPr algn="r" rtl="1"/>
-            <a:r>
-              <a:rPr lang="he-IL" dirty="0" err="1" smtClean="0"/>
-              <a:t>סטרימינג</a:t>
-            </a:r>
-            <a:r>
-              <a:rPr lang="he-IL" dirty="0" smtClean="0"/>
-              <a:t> – </a:t>
-            </a:r>
-            <a:r>
-              <a:rPr lang="en-US" dirty="0" smtClean="0"/>
-              <a:t>stream</a:t>
-            </a:r>
+              <a:rPr lang="he-IL" b="1" dirty="0" smtClean="0"/>
+              <a:t>אנחנו צריכים לשמור על ה-</a:t>
+            </a:r>
+            <a:r>
+              <a:rPr lang="en-US" b="1" dirty="0" smtClean="0"/>
+              <a:t>Event Loop</a:t>
+            </a:r>
+            <a:r>
+              <a:rPr lang="he-IL" b="1" dirty="0" smtClean="0"/>
+              <a:t> יעילה ככל האפשר.</a:t>
+            </a:r>
+          </a:p>
+          <a:p>
+            <a:pPr algn="r" rtl="1"/>
+            <a:r>
+              <a:rPr lang="he-IL" b="1" dirty="0" err="1" smtClean="0">
+                <a:solidFill>
+                  <a:srgbClr val="FF0000"/>
+                </a:solidFill>
+              </a:rPr>
+              <a:t>קולבקים</a:t>
+            </a:r>
+            <a:r>
+              <a:rPr lang="he-IL" b="1" dirty="0" smtClean="0">
+                <a:solidFill>
+                  <a:srgbClr val="FF0000"/>
+                </a:solidFill>
+              </a:rPr>
+              <a:t> לא צריכים לבצע אלגוריתמיקה כבדה (</a:t>
+            </a:r>
+            <a:r>
+              <a:rPr lang="he-IL" b="1" dirty="0">
+                <a:solidFill>
+                  <a:srgbClr val="FF0000"/>
+                </a:solidFill>
+              </a:rPr>
+              <a:t>חישובים מתמטיים מסובכים / לולאות </a:t>
+            </a:r>
+            <a:r>
+              <a:rPr lang="en-US" b="1" dirty="0">
+                <a:solidFill>
+                  <a:srgbClr val="FF0000"/>
+                </a:solidFill>
+              </a:rPr>
+              <a:t>while</a:t>
+            </a:r>
+            <a:r>
+              <a:rPr lang="he-IL" b="1" dirty="0">
+                <a:solidFill>
+                  <a:srgbClr val="FF0000"/>
+                </a:solidFill>
+              </a:rPr>
+              <a:t> ארוכות וכד</a:t>
+            </a:r>
+            <a:r>
+              <a:rPr lang="he-IL" b="1" dirty="0" smtClean="0">
+                <a:solidFill>
+                  <a:srgbClr val="FF0000"/>
+                </a:solidFill>
+              </a:rPr>
+              <a:t>').</a:t>
+            </a:r>
+          </a:p>
+          <a:p>
+            <a:pPr algn="r" rtl="1"/>
+            <a:r>
+              <a:rPr lang="he-IL" b="1" dirty="0" err="1" smtClean="0">
+                <a:solidFill>
+                  <a:srgbClr val="00B050"/>
+                </a:solidFill>
+              </a:rPr>
+              <a:t>קולבקים</a:t>
+            </a:r>
+            <a:r>
+              <a:rPr lang="he-IL" b="1" dirty="0" smtClean="0">
+                <a:solidFill>
+                  <a:srgbClr val="00B050"/>
+                </a:solidFill>
+              </a:rPr>
+              <a:t> כן יכולים לבצע פעולות חישוביות פשוטות / תהליכים קצרים / עבודה אסינכרונית שתואצל ל-</a:t>
+            </a:r>
+            <a:r>
+              <a:rPr lang="en-US" b="1" dirty="0" err="1" smtClean="0">
+                <a:solidFill>
+                  <a:srgbClr val="00B050"/>
+                </a:solidFill>
+              </a:rPr>
+              <a:t>Libuv</a:t>
+            </a:r>
+            <a:r>
+              <a:rPr lang="he-IL" b="1" dirty="0" smtClean="0">
+                <a:solidFill>
+                  <a:srgbClr val="00B050"/>
+                </a:solidFill>
+              </a:rPr>
+              <a:t>.</a:t>
+            </a:r>
+          </a:p>
+          <a:p>
+            <a:pPr algn="r" rtl="1"/>
             <a:endParaRPr lang="he-IL" dirty="0" smtClean="0"/>
           </a:p>
           <a:p>
@@ -3311,7 +3485,7 @@
     </p:spTree>
     <p:extLst>
       <p:ext uri="{BB962C8B-B14F-4D97-AF65-F5344CB8AC3E}">
-        <p14:creationId xmlns:p14="http://schemas.microsoft.com/office/powerpoint/2010/main" val="495121418"/>
+        <p14:creationId xmlns:p14="http://schemas.microsoft.com/office/powerpoint/2010/main" val="2583784559"/>
       </p:ext>
     </p:extLst>
   </p:cSld>
@@ -3405,11 +3579,11 @@
               <a:t>70% - פשוט לדעת טוב </a:t>
             </a:r>
             <a:r>
-              <a:rPr lang="en-US" dirty="0" err="1" smtClean="0"/>
-              <a:t>Javascript</a:t>
-            </a:r>
-            <a:r>
-              <a:rPr lang="he-IL" dirty="0"/>
+              <a:rPr lang="en-US" dirty="0" smtClean="0"/>
+              <a:t>JavaScript</a:t>
+            </a:r>
+            <a:r>
+              <a:rPr lang="he-IL" dirty="0" smtClean="0"/>
               <a:t> </a:t>
             </a:r>
             <a:endParaRPr lang="he-IL" dirty="0" smtClean="0"/>
@@ -3566,7 +3740,7 @@
     </p:spTree>
     <p:extLst>
       <p:ext uri="{BB962C8B-B14F-4D97-AF65-F5344CB8AC3E}">
-        <p14:creationId xmlns:p14="http://schemas.microsoft.com/office/powerpoint/2010/main" val="2583784559"/>
+        <p14:creationId xmlns:p14="http://schemas.microsoft.com/office/powerpoint/2010/main" val="1536566230"/>
       </p:ext>
     </p:extLst>
   </p:cSld>
@@ -3618,7 +3792,7 @@
               <a:rPr lang="he-IL" dirty="0" smtClean="0">
                 <a:cs typeface="+mn-cs"/>
               </a:rPr>
-              <a:t>היתרונות של </a:t>
+              <a:t>המודולים (פונקציונליות) ש-</a:t>
             </a:r>
             <a:r>
               <a:rPr lang="en-US" dirty="0" smtClean="0">
@@ -3626,6 +3800,12 @@
               </a:rPr>
               <a:t>Node.JS</a:t>
             </a:r>
+            <a:r>
+              <a:rPr lang="he-IL" dirty="0" smtClean="0">
+                <a:cs typeface="+mn-cs"/>
+              </a:rPr>
+              <a:t> נותנת לנו</a:t>
+            </a:r>
             <a:endParaRPr lang="en-US" dirty="0">
               <a:cs typeface="+mn-cs"/>
             </a:endParaRPr>
@@ -3640,8 +3820,8 @@
         </p:nvSpPr>
         <p:spPr>
           <a:xfrm>
-            <a:off x="959223" y="1197628"/>
-            <a:ext cx="10597237" cy="5355312"/>
+            <a:off x="941294" y="1690687"/>
+            <a:ext cx="10597237" cy="3693319"/>
           </a:xfrm>
           <a:prstGeom prst="rect">
             <a:avLst/>
@@ -3656,212 +3836,565 @@
           <a:p>
             <a:pPr algn="r" rtl="1"/>
             <a:r>
-              <a:rPr lang="he-IL" dirty="0" smtClean="0"/>
-              <a:t>פשטות – כתיבה קצרה ופשוטה. </a:t>
-            </a:r>
+              <a:rPr lang="he-IL" u="sng" dirty="0" err="1" smtClean="0"/>
+              <a:t>מודולי</a:t>
+            </a:r>
+            <a:r>
+              <a:rPr lang="he-IL" u="sng" dirty="0" smtClean="0"/>
+              <a:t> הבסיס:</a:t>
+            </a:r>
+          </a:p>
+          <a:p>
+            <a:pPr algn="r" rtl="1"/>
+            <a:r>
+              <a:rPr lang="he-IL" dirty="0" smtClean="0"/>
+              <a:t>תקשורת רשת – </a:t>
+            </a:r>
+            <a:r>
+              <a:rPr lang="en-US" dirty="0" smtClean="0"/>
+              <a:t>http, https</a:t>
+            </a:r>
+            <a:endParaRPr lang="he-IL" dirty="0" smtClean="0"/>
+          </a:p>
+          <a:p>
+            <a:pPr algn="r" rtl="1"/>
+            <a:r>
+              <a:rPr lang="he-IL" dirty="0" smtClean="0"/>
+              <a:t>קבצים – </a:t>
+            </a:r>
+            <a:r>
+              <a:rPr lang="en-US" dirty="0" smtClean="0"/>
+              <a:t>fs</a:t>
+            </a:r>
+            <a:endParaRPr lang="he-IL" dirty="0" smtClean="0"/>
+          </a:p>
+          <a:p>
+            <a:pPr algn="r" rtl="1"/>
             <a:r>
               <a:rPr lang="he-IL" dirty="0" err="1" smtClean="0"/>
-              <a:t>דיפלוי</a:t>
-            </a:r>
-            <a:r>
-              <a:rPr lang="he-IL" dirty="0" smtClean="0"/>
+              <a:t>איבנטים</a:t>
+            </a:r>
+            <a:r>
+              <a:rPr lang="he-IL" dirty="0" smtClean="0"/>
+              <a:t> – </a:t>
+            </a:r>
+            <a:r>
+              <a:rPr lang="en-US" dirty="0" smtClean="0"/>
+              <a:t>events</a:t>
+            </a:r>
+            <a:endParaRPr lang="he-IL" dirty="0" smtClean="0"/>
+          </a:p>
+          <a:p>
+            <a:pPr algn="r" rtl="1"/>
+            <a:r>
+              <a:rPr lang="he-IL" dirty="0" err="1" smtClean="0"/>
+              <a:t>סקלביליות</a:t>
+            </a:r>
+            <a:r>
+              <a:rPr lang="he-IL" dirty="0" smtClean="0"/>
+              <a:t> – </a:t>
+            </a:r>
+            <a:r>
+              <a:rPr lang="en-US" dirty="0" smtClean="0"/>
+              <a:t>cluster, worker threads</a:t>
+            </a:r>
+            <a:endParaRPr lang="he-IL" dirty="0" smtClean="0"/>
+          </a:p>
+          <a:p>
+            <a:pPr algn="r" rtl="1"/>
+            <a:endParaRPr lang="he-IL" dirty="0" smtClean="0"/>
+          </a:p>
+          <a:p>
+            <a:pPr algn="r" rtl="1"/>
+            <a:endParaRPr lang="he-IL" dirty="0" smtClean="0"/>
+          </a:p>
+          <a:p>
+            <a:pPr algn="r" rtl="1"/>
+            <a:endParaRPr lang="he-IL" dirty="0"/>
+          </a:p>
+          <a:p>
+            <a:pPr algn="r" rtl="1"/>
+            <a:r>
+              <a:rPr lang="he-IL" u="sng" dirty="0" smtClean="0"/>
+              <a:t>מודולים ייחודיים נוספים:</a:t>
+            </a:r>
+            <a:endParaRPr lang="he-IL" u="sng" dirty="0"/>
+          </a:p>
+          <a:p>
+            <a:pPr algn="r" rtl="1"/>
+            <a:r>
+              <a:rPr lang="he-IL" dirty="0" smtClean="0"/>
+              <a:t>קריפטוגרפיה – </a:t>
+            </a:r>
+            <a:r>
+              <a:rPr lang="en-US" dirty="0" smtClean="0"/>
+              <a:t>crypto</a:t>
+            </a:r>
+            <a:endParaRPr lang="he-IL" dirty="0" smtClean="0"/>
+          </a:p>
+          <a:p>
+            <a:pPr algn="r" rtl="1"/>
+            <a:r>
+              <a:rPr lang="he-IL" dirty="0" smtClean="0"/>
+              <a:t>כיווץ – </a:t>
+            </a:r>
+            <a:r>
+              <a:rPr lang="en-US" dirty="0" err="1" smtClean="0"/>
+              <a:t>zlib</a:t>
+            </a:r>
+            <a:endParaRPr lang="he-IL" dirty="0" smtClean="0"/>
+          </a:p>
+          <a:p>
+            <a:pPr algn="r" rtl="1"/>
+            <a:r>
+              <a:rPr lang="he-IL" dirty="0" err="1" smtClean="0"/>
+              <a:t>סטרימינג</a:t>
+            </a:r>
+            <a:r>
+              <a:rPr lang="he-IL" dirty="0" smtClean="0"/>
+              <a:t> – </a:t>
+            </a:r>
+            <a:r>
+              <a:rPr lang="en-US" dirty="0" smtClean="0"/>
+              <a:t>stream</a:t>
+            </a:r>
+            <a:endParaRPr lang="he-IL" dirty="0" smtClean="0"/>
+          </a:p>
+          <a:p>
+            <a:pPr algn="r" rtl="1"/>
+            <a:endParaRPr lang="he-IL" dirty="0" smtClean="0"/>
+          </a:p>
+        </p:txBody>
+      </p:sp>
+    </p:spTree>
+    <p:extLst>
+      <p:ext uri="{BB962C8B-B14F-4D97-AF65-F5344CB8AC3E}">
+        <p14:creationId xmlns:p14="http://schemas.microsoft.com/office/powerpoint/2010/main" val="495121418"/>
+      </p:ext>
+    </p:extLst>
+  </p:cSld>
+  <p:clrMapOvr>
+    <a:masterClrMapping/>
+  </p:clrMapOvr>
+</p:sld>
+</file>
+
+<file path=ppt/slides/slide13.xml><?xml version="1.0" encoding="utf-8"?>
+<p:sld xmlns:a="http://schemas.openxmlformats.org/drawingml/2006/main" xmlns:r="http://schemas.openxmlformats.org/officeDocument/2006/relationships" xmlns:p="http://schemas.openxmlformats.org/presentationml/2006/main">
+  <p:cSld>
+    <p:spTree>
+      <p:nvGrpSpPr>
+        <p:cNvPr id="1" name=""/>
+        <p:cNvGrpSpPr/>
+        <p:nvPr/>
+      </p:nvGrpSpPr>
+      <p:grpSpPr>
+        <a:xfrm>
+          <a:off x="0" y="0"/>
+          <a:ext cx="0" cy="0"/>
+          <a:chOff x="0" y="0"/>
+          <a:chExt cx="0" cy="0"/>
+        </a:xfrm>
+      </p:grpSpPr>
+      <p:sp>
+        <p:nvSpPr>
+          <p:cNvPr id="2" name="Title 1"/>
+          <p:cNvSpPr>
+            <a:spLocks noGrp="1"/>
+          </p:cNvSpPr>
+          <p:nvPr>
+            <p:ph type="title"/>
+          </p:nvPr>
+        </p:nvSpPr>
+        <p:spPr>
+          <a:xfrm>
+            <a:off x="803366" y="121286"/>
+            <a:ext cx="10515600" cy="719604"/>
+          </a:xfrm>
+        </p:spPr>
+        <p:txBody>
+          <a:bodyPr/>
+          <a:lstStyle/>
+          <a:p>
+            <a:pPr algn="ctr" rtl="1"/>
+            <a:r>
+              <a:rPr lang="he-IL" dirty="0" smtClean="0">
+                <a:cs typeface="+mn-cs"/>
+              </a:rPr>
+              <a:t>היתרונות של </a:t>
+            </a:r>
+            <a:r>
+              <a:rPr lang="en-US" dirty="0" smtClean="0">
+                <a:cs typeface="+mn-cs"/>
+              </a:rPr>
+              <a:t>Node.JS</a:t>
+            </a:r>
+            <a:endParaRPr lang="en-US" dirty="0">
+              <a:cs typeface="+mn-cs"/>
+            </a:endParaRPr>
+          </a:p>
+        </p:txBody>
+      </p:sp>
+      <p:sp>
+        <p:nvSpPr>
+          <p:cNvPr id="3" name="TextBox 2"/>
+          <p:cNvSpPr txBox="1"/>
+          <p:nvPr/>
+        </p:nvSpPr>
+        <p:spPr>
+          <a:xfrm>
+            <a:off x="950514" y="840890"/>
+            <a:ext cx="10597237" cy="6247864"/>
+          </a:xfrm>
+          <a:prstGeom prst="rect">
+            <a:avLst/>
+          </a:prstGeom>
+          <a:noFill/>
+        </p:spPr>
+        <p:txBody>
+          <a:bodyPr wrap="square" rtlCol="0">
+            <a:spAutoFit/>
+          </a:bodyPr>
+          <a:lstStyle/>
+          <a:p>
+            <a:pPr algn="r" rtl="1"/>
+            <a:r>
+              <a:rPr lang="he-IL" sz="1600" dirty="0" smtClean="0"/>
+              <a:t>פשטות – </a:t>
+            </a:r>
+            <a:r>
+              <a:rPr lang="he-IL" sz="1600" dirty="0" smtClean="0"/>
+              <a:t>הכתיבה פשוטה, ה-</a:t>
+            </a:r>
+            <a:r>
+              <a:rPr lang="en-US" sz="1600" dirty="0" smtClean="0"/>
+              <a:t>Deploy</a:t>
+            </a:r>
+            <a:r>
+              <a:rPr lang="he-IL" sz="1600" dirty="0" smtClean="0"/>
               <a:t> </a:t>
             </a:r>
             <a:r>
-              <a:rPr lang="he-IL" dirty="0" err="1" smtClean="0"/>
+              <a:rPr lang="he-IL" sz="1600" dirty="0" err="1" smtClean="0"/>
               <a:t>מיידי</a:t>
             </a:r>
             <a:r>
-              <a:rPr lang="he-IL" dirty="0" smtClean="0"/>
-              <a:t> ללא קומפילציות / המרות.</a:t>
-            </a:r>
-          </a:p>
-          <a:p>
-            <a:pPr algn="r" rtl="1"/>
-            <a:endParaRPr lang="he-IL" dirty="0" smtClean="0"/>
-          </a:p>
-          <a:p>
-            <a:pPr algn="r" rtl="1"/>
-            <a:r>
-              <a:rPr lang="he-IL" dirty="0" smtClean="0"/>
-              <a:t>חסכון במשאבים – אפליקציית נוד צורכות מעט מאוד משאבים (זיכרון / מעבד) ביחד למתחרות בצד השרת.</a:t>
-            </a:r>
-          </a:p>
-          <a:p>
-            <a:pPr algn="r" rtl="1"/>
-            <a:endParaRPr lang="he-IL" dirty="0" smtClean="0"/>
-          </a:p>
-          <a:p>
-            <a:pPr algn="r" rtl="1"/>
-            <a:r>
-              <a:rPr lang="he-IL" dirty="0" err="1" smtClean="0"/>
+              <a:rPr lang="he-IL" sz="1600" dirty="0" smtClean="0"/>
+              <a:t> ופשוט.</a:t>
+            </a:r>
+            <a:endParaRPr lang="he-IL" sz="1600" dirty="0" smtClean="0"/>
+          </a:p>
+          <a:p>
+            <a:pPr algn="r" rtl="1"/>
+            <a:endParaRPr lang="he-IL" sz="1600" dirty="0" smtClean="0"/>
+          </a:p>
+          <a:p>
+            <a:pPr algn="r" rtl="1"/>
+            <a:r>
+              <a:rPr lang="he-IL" sz="1600" dirty="0" smtClean="0"/>
+              <a:t>חסכון במשאבים – אפליקציית </a:t>
+            </a:r>
+            <a:r>
+              <a:rPr lang="en-US" sz="1600" dirty="0" smtClean="0"/>
+              <a:t>Node</a:t>
+            </a:r>
+            <a:r>
+              <a:rPr lang="he-IL" sz="1600" dirty="0" smtClean="0"/>
+              <a:t> הן "רזות</a:t>
+            </a:r>
+            <a:r>
+              <a:rPr lang="he-IL" sz="1600" dirty="0" smtClean="0"/>
+              <a:t>" מאוד וכתוצאה מכך </a:t>
+            </a:r>
+            <a:r>
+              <a:rPr lang="he-IL" sz="1600" dirty="0" smtClean="0"/>
+              <a:t>צורכות </a:t>
+            </a:r>
+            <a:r>
+              <a:rPr lang="he-IL" sz="1600" dirty="0" smtClean="0"/>
+              <a:t>מעט מאוד משאבים (זיכרון / מעבד) ביחד למתחרות בצד השרת</a:t>
+            </a:r>
+            <a:r>
+              <a:rPr lang="he-IL" sz="1600" dirty="0" smtClean="0"/>
+              <a:t>.</a:t>
+            </a:r>
+          </a:p>
+          <a:p>
+            <a:pPr algn="r" rtl="1"/>
+            <a:endParaRPr lang="he-IL" sz="1600" dirty="0"/>
+          </a:p>
+          <a:p>
+            <a:pPr algn="r" rtl="1"/>
+            <a:r>
+              <a:rPr lang="en-US" sz="1600" dirty="0" smtClean="0"/>
+              <a:t>Cross Platform</a:t>
+            </a:r>
+            <a:r>
+              <a:rPr lang="he-IL" sz="1600" dirty="0" smtClean="0"/>
+              <a:t> – אפליקציות </a:t>
+            </a:r>
+            <a:r>
+              <a:rPr lang="en-US" sz="1600" dirty="0" smtClean="0"/>
+              <a:t>Node.JS</a:t>
+            </a:r>
+            <a:r>
+              <a:rPr lang="he-IL" sz="1600" dirty="0" smtClean="0"/>
+              <a:t> רצות על כל מערכות ההפעלה ללא צורך בהתאמות. </a:t>
+            </a:r>
+          </a:p>
+          <a:p>
+            <a:pPr algn="r" rtl="1"/>
+            <a:endParaRPr lang="he-IL" sz="1600" dirty="0"/>
+          </a:p>
+          <a:p>
+            <a:pPr algn="r" rtl="1"/>
+            <a:r>
+              <a:rPr lang="he-IL" sz="1600" dirty="0" smtClean="0"/>
+              <a:t>מתאימה ל-</a:t>
+            </a:r>
+            <a:r>
+              <a:rPr lang="en-US" sz="1600" dirty="0" smtClean="0"/>
+              <a:t>Containers</a:t>
+            </a:r>
+            <a:r>
+              <a:rPr lang="he-IL" sz="1600" dirty="0" smtClean="0"/>
+              <a:t> – בזכות היכולת לרוץ על לינוקס </a:t>
+            </a:r>
+            <a:r>
+              <a:rPr lang="he-IL" sz="1600" dirty="0" err="1" smtClean="0"/>
+              <a:t>והחסכון</a:t>
+            </a:r>
+            <a:r>
+              <a:rPr lang="he-IL" sz="1600" dirty="0" smtClean="0"/>
+              <a:t> במשאבים – אפליקציות </a:t>
+            </a:r>
+            <a:r>
+              <a:rPr lang="en-US" sz="1600" dirty="0" smtClean="0"/>
+              <a:t>Node</a:t>
+            </a:r>
+            <a:r>
+              <a:rPr lang="he-IL" sz="1600" dirty="0" smtClean="0"/>
+              <a:t> הן מועמדות מובילות לעיטוף ב-</a:t>
+            </a:r>
+            <a:r>
+              <a:rPr lang="en-US" sz="1600" dirty="0" smtClean="0"/>
+              <a:t>Containers</a:t>
+            </a:r>
+            <a:r>
+              <a:rPr lang="he-IL" sz="1600" dirty="0" smtClean="0"/>
+              <a:t>.</a:t>
+            </a:r>
+            <a:endParaRPr lang="he-IL" sz="1600" dirty="0" smtClean="0"/>
+          </a:p>
+          <a:p>
+            <a:pPr algn="r" rtl="1"/>
+            <a:endParaRPr lang="he-IL" sz="1600" dirty="0" smtClean="0"/>
+          </a:p>
+          <a:p>
+            <a:pPr algn="r" rtl="1"/>
+            <a:r>
+              <a:rPr lang="he-IL" sz="1600" dirty="0" err="1" smtClean="0"/>
               <a:t>סקיילינג</a:t>
             </a:r>
             <a:r>
-              <a:rPr lang="he-IL" dirty="0" smtClean="0"/>
+              <a:rPr lang="he-IL" sz="1600" dirty="0" smtClean="0"/>
               <a:t> ו-</a:t>
             </a:r>
             <a:r>
-              <a:rPr lang="en-US" dirty="0" smtClean="0"/>
+              <a:rPr lang="en-US" sz="1600" dirty="0" smtClean="0"/>
               <a:t>load balancing</a:t>
             </a:r>
             <a:r>
-              <a:rPr lang="he-IL" dirty="0" smtClean="0"/>
+              <a:rPr lang="he-IL" sz="1600" dirty="0" smtClean="0"/>
               <a:t> - ניתן לבצע </a:t>
             </a:r>
             <a:r>
-              <a:rPr lang="he-IL" dirty="0" err="1" smtClean="0"/>
+              <a:rPr lang="he-IL" sz="1600" dirty="0" err="1" smtClean="0"/>
               <a:t>סקייל</a:t>
             </a:r>
             <a:r>
-              <a:rPr lang="he-IL" dirty="0" smtClean="0"/>
+              <a:rPr lang="he-IL" sz="1600" dirty="0" smtClean="0"/>
               <a:t> בקלות (פנימית באמצעות </a:t>
             </a:r>
             <a:r>
-              <a:rPr lang="en-US" dirty="0" smtClean="0"/>
+              <a:rPr lang="en-US" sz="1600" dirty="0" smtClean="0"/>
               <a:t>cluster mode</a:t>
             </a:r>
             <a:r>
-              <a:rPr lang="he-IL" dirty="0" smtClean="0"/>
-              <a:t>, או חיצונית ע"י הגורם המארח)</a:t>
-            </a:r>
-          </a:p>
-          <a:p>
-            <a:pPr algn="r" rtl="1"/>
-            <a:endParaRPr lang="he-IL" dirty="0" smtClean="0"/>
-          </a:p>
-          <a:p>
-            <a:pPr algn="r" rtl="1"/>
-            <a:r>
-              <a:rPr lang="he-IL" dirty="0" smtClean="0"/>
-              <a:t>התאמה לעולם ה-</a:t>
-            </a:r>
-            <a:r>
-              <a:rPr lang="en-US" dirty="0" smtClean="0"/>
-              <a:t>cloud</a:t>
-            </a:r>
-            <a:r>
-              <a:rPr lang="he-IL" dirty="0" smtClean="0"/>
-              <a:t> – בזכות האמור לעיל, אפליקציות </a:t>
-            </a:r>
-            <a:r>
-              <a:rPr lang="en-US" dirty="0" smtClean="0"/>
+              <a:rPr lang="he-IL" sz="1600" dirty="0" smtClean="0"/>
+              <a:t>, או חיצונית ע"י </a:t>
+            </a:r>
+            <a:r>
+              <a:rPr lang="he-IL" sz="1600" dirty="0" smtClean="0"/>
+              <a:t>גורמים מארחים).</a:t>
+            </a:r>
+            <a:endParaRPr lang="he-IL" sz="1600" dirty="0" smtClean="0"/>
+          </a:p>
+          <a:p>
+            <a:pPr algn="r" rtl="1"/>
+            <a:endParaRPr lang="he-IL" sz="1600" dirty="0" smtClean="0"/>
+          </a:p>
+          <a:p>
+            <a:pPr algn="r" rtl="1"/>
+            <a:r>
+              <a:rPr lang="he-IL" sz="1600" dirty="0" smtClean="0"/>
+              <a:t>התאמה לעולם </a:t>
+            </a:r>
+            <a:r>
+              <a:rPr lang="he-IL" sz="1600" dirty="0" smtClean="0"/>
+              <a:t>ה-</a:t>
+            </a:r>
+            <a:r>
+              <a:rPr lang="en-US" sz="1600" dirty="0" smtClean="0"/>
+              <a:t>Cloud</a:t>
+            </a:r>
+            <a:r>
+              <a:rPr lang="he-IL" sz="1600" dirty="0" smtClean="0"/>
+              <a:t> – </a:t>
+            </a:r>
+            <a:r>
+              <a:rPr lang="he-IL" sz="1600" dirty="0" smtClean="0"/>
+              <a:t>בזכות האמור לעיל, אפליקציות </a:t>
+            </a:r>
+            <a:r>
+              <a:rPr lang="en-US" sz="1600" dirty="0" smtClean="0"/>
               <a:t>Node</a:t>
             </a:r>
             <a:r>
-              <a:rPr lang="he-IL" dirty="0" smtClean="0"/>
+              <a:rPr lang="he-IL" sz="1600" dirty="0" smtClean="0"/>
               <a:t> מתאימות באופן אופטימלי הן בהיבטי </a:t>
             </a:r>
             <a:r>
-              <a:rPr lang="en-US" dirty="0" smtClean="0"/>
+              <a:rPr lang="en-US" sz="1600" dirty="0" smtClean="0"/>
               <a:t>deploy</a:t>
             </a:r>
             <a:r>
-              <a:rPr lang="he-IL" dirty="0" smtClean="0"/>
-              <a:t> והן בהיבטי חסכון במשאבים (ובכך – בכסף!) לריצה תחת קונטיינרים וסביבות ענן העדכניות ביותר.</a:t>
-            </a:r>
-          </a:p>
-          <a:p>
-            <a:pPr algn="r" rtl="1"/>
-            <a:endParaRPr lang="he-IL" dirty="0" smtClean="0"/>
-          </a:p>
-          <a:p>
-            <a:pPr algn="r" rtl="1"/>
-            <a:r>
-              <a:rPr lang="he-IL" dirty="0" err="1" smtClean="0"/>
+              <a:rPr lang="he-IL" sz="1600" dirty="0" smtClean="0"/>
+              <a:t> (עיטוף בקונטיינרים והעלאה לענן), והן </a:t>
+            </a:r>
+            <a:r>
+              <a:rPr lang="he-IL" sz="1600" dirty="0" smtClean="0"/>
+              <a:t>בהיבטי חסכון במשאבים </a:t>
+            </a:r>
+            <a:r>
+              <a:rPr lang="he-IL" sz="1600" dirty="0" smtClean="0"/>
+              <a:t>(== כסף בענן).</a:t>
+            </a:r>
+            <a:endParaRPr lang="he-IL" sz="1600" dirty="0" smtClean="0"/>
+          </a:p>
+          <a:p>
+            <a:pPr algn="r" rtl="1"/>
+            <a:endParaRPr lang="he-IL" sz="1600" dirty="0" smtClean="0"/>
+          </a:p>
+          <a:p>
+            <a:pPr algn="r" rtl="1"/>
+            <a:r>
+              <a:rPr lang="he-IL" sz="1600" dirty="0" err="1" smtClean="0"/>
               <a:t>אקוסיסטם</a:t>
             </a:r>
             <a:r>
-              <a:rPr lang="he-IL" dirty="0" smtClean="0"/>
-              <a:t> עצום – </a:t>
-            </a:r>
-            <a:r>
-              <a:rPr lang="en-US" dirty="0" smtClean="0"/>
+              <a:rPr lang="he-IL" sz="1600" dirty="0" smtClean="0"/>
+              <a:t> עצום </a:t>
+            </a:r>
+            <a:r>
+              <a:rPr lang="he-IL" sz="1600" dirty="0" smtClean="0"/>
+              <a:t>  – </a:t>
+            </a:r>
+            <a:r>
+              <a:rPr lang="en-US" sz="1600" dirty="0" smtClean="0"/>
               <a:t>NPM</a:t>
             </a:r>
             <a:r>
-              <a:rPr lang="he-IL" dirty="0"/>
+              <a:rPr lang="he-IL" sz="1600" dirty="0"/>
               <a:t> </a:t>
             </a:r>
-            <a:endParaRPr lang="he-IL" dirty="0" smtClean="0"/>
-          </a:p>
-          <a:p>
-            <a:pPr algn="r" rtl="1"/>
-            <a:r>
-              <a:rPr lang="he-IL" dirty="0" smtClean="0"/>
-              <a:t>	         - קהילה עולמית (וישראלית!) גדולה ותומכת.</a:t>
-            </a:r>
-          </a:p>
-          <a:p>
-            <a:pPr algn="r" rtl="1"/>
-            <a:endParaRPr lang="he-IL" dirty="0"/>
-          </a:p>
-          <a:p>
-            <a:pPr algn="r" rtl="1"/>
-            <a:r>
-              <a:rPr lang="he-IL" dirty="0" smtClean="0"/>
+            <a:endParaRPr lang="he-IL" sz="1600" dirty="0" smtClean="0"/>
+          </a:p>
+          <a:p>
+            <a:pPr algn="r" rtl="1"/>
+            <a:r>
+              <a:rPr lang="he-IL" sz="1600" dirty="0" smtClean="0"/>
+              <a:t>	        </a:t>
+            </a:r>
+            <a:r>
+              <a:rPr lang="he-IL" sz="1600" dirty="0" smtClean="0"/>
+              <a:t>- </a:t>
+            </a:r>
+            <a:r>
+              <a:rPr lang="he-IL" sz="1600" dirty="0" smtClean="0"/>
+              <a:t>קהילה עולמית (וישראלית!) גדולה ותומכת.</a:t>
+            </a:r>
+          </a:p>
+          <a:p>
+            <a:pPr algn="r" rtl="1"/>
+            <a:endParaRPr lang="he-IL" sz="1600" dirty="0"/>
+          </a:p>
+          <a:p>
+            <a:pPr algn="r" rtl="1"/>
+            <a:r>
+              <a:rPr lang="he-IL" sz="1600" dirty="0" smtClean="0"/>
               <a:t>תמיכה בתקני </a:t>
             </a:r>
             <a:r>
-              <a:rPr lang="en-US" dirty="0" smtClean="0"/>
+              <a:rPr lang="en-US" sz="1600" dirty="0" smtClean="0"/>
               <a:t>ES</a:t>
             </a:r>
             <a:r>
-              <a:rPr lang="he-IL" dirty="0" smtClean="0"/>
+              <a:rPr lang="he-IL" sz="1600" dirty="0" smtClean="0"/>
               <a:t> המתקדמים ביותר (</a:t>
             </a:r>
             <a:r>
-              <a:rPr lang="en-US" dirty="0" smtClean="0"/>
+              <a:rPr lang="en-US" sz="1600" dirty="0" smtClean="0"/>
               <a:t>import / export, </a:t>
             </a:r>
             <a:r>
-              <a:rPr lang="en-US" dirty="0" err="1" smtClean="0"/>
+              <a:rPr lang="en-US" sz="1600" dirty="0" err="1" smtClean="0"/>
               <a:t>async</a:t>
             </a:r>
             <a:r>
-              <a:rPr lang="en-US" dirty="0" smtClean="0"/>
+              <a:rPr lang="en-US" sz="1600" dirty="0" smtClean="0"/>
               <a:t>, promises, pipes, event emitters</a:t>
             </a:r>
             <a:r>
-              <a:rPr lang="he-IL" dirty="0" smtClean="0"/>
+              <a:rPr lang="he-IL" sz="1600" dirty="0" smtClean="0"/>
               <a:t>)</a:t>
             </a:r>
           </a:p>
           <a:p>
             <a:pPr algn="r" rtl="1"/>
-            <a:endParaRPr lang="he-IL" dirty="0"/>
-          </a:p>
-          <a:p>
-            <a:pPr algn="r" rtl="1"/>
-            <a:r>
-              <a:rPr lang="he-IL" dirty="0" smtClean="0"/>
+            <a:endParaRPr lang="he-IL" sz="1600" dirty="0"/>
+          </a:p>
+          <a:p>
+            <a:pPr algn="r" rtl="1"/>
+            <a:r>
+              <a:rPr lang="he-IL" sz="1600" dirty="0" smtClean="0"/>
               <a:t>תמיכה ב-</a:t>
             </a:r>
             <a:r>
-              <a:rPr lang="en-US" dirty="0" err="1" smtClean="0"/>
+              <a:rPr lang="en-US" sz="1600" dirty="0" err="1" smtClean="0"/>
               <a:t>TypeScript</a:t>
             </a:r>
-            <a:endParaRPr lang="he-IL" dirty="0" smtClean="0"/>
-          </a:p>
-          <a:p>
-            <a:pPr algn="r" rtl="1"/>
-            <a:endParaRPr lang="he-IL" dirty="0" smtClean="0"/>
-          </a:p>
-          <a:p>
-            <a:pPr algn="r" rtl="1"/>
-            <a:r>
-              <a:rPr lang="he-IL" dirty="0" smtClean="0"/>
+            <a:endParaRPr lang="he-IL" sz="1600" dirty="0" smtClean="0"/>
+          </a:p>
+          <a:p>
+            <a:pPr algn="r" rtl="1"/>
+            <a:endParaRPr lang="he-IL" sz="1600" dirty="0" smtClean="0"/>
+          </a:p>
+          <a:p>
+            <a:pPr algn="r" rtl="1"/>
+            <a:r>
+              <a:rPr lang="he-IL" sz="1600" dirty="0" smtClean="0"/>
               <a:t>ועוד...</a:t>
             </a:r>
-            <a:endParaRPr lang="he-IL" dirty="0"/>
-          </a:p>
-          <a:p>
-            <a:pPr algn="r" rtl="1"/>
-            <a:endParaRPr lang="en-US" dirty="0"/>
-          </a:p>
-          <a:p>
-            <a:pPr algn="r" rtl="1"/>
-            <a:endParaRPr lang="he-IL" dirty="0" smtClean="0"/>
+            <a:endParaRPr lang="he-IL" sz="1600" dirty="0"/>
+          </a:p>
+          <a:p>
+            <a:pPr algn="r" rtl="1"/>
+            <a:endParaRPr lang="en-US" sz="1600" dirty="0"/>
+          </a:p>
+          <a:p>
+            <a:pPr algn="r" rtl="1"/>
+            <a:endParaRPr lang="he-IL" sz="1600" dirty="0" smtClean="0"/>
           </a:p>
         </p:txBody>
       </p:sp>
@@ -3878,7 +4411,7 @@
 </p:sld>
 </file>
 
-<file path=ppt/slides/slide13.xml><?xml version="1.0" encoding="utf-8"?>
+<file path=ppt/slides/slide14.xml><?xml version="1.0" encoding="utf-8"?>
 <p:sld xmlns:a="http://schemas.openxmlformats.org/drawingml/2006/main" xmlns:r="http://schemas.openxmlformats.org/officeDocument/2006/relationships" xmlns:p="http://schemas.openxmlformats.org/presentationml/2006/main">
   <p:cSld>
     <p:spTree>
@@ -6503,8 +7036,8 @@
         </p:nvSpPr>
         <p:spPr>
           <a:xfrm>
-            <a:off x="941294" y="1690687"/>
-            <a:ext cx="10597237" cy="1754326"/>
+            <a:off x="838200" y="1342344"/>
+            <a:ext cx="10597237" cy="3693319"/>
           </a:xfrm>
           <a:prstGeom prst="rect">
             <a:avLst/>
@@ -6583,7 +7116,15 @@
             <a:pPr algn="r" rtl="1"/>
             <a:r>
               <a:rPr lang="he-IL" dirty="0" smtClean="0"/>
-              <a:t>אבל חלק משמעותי בפונקציונלית ש-</a:t>
+              <a:t>אבל </a:t>
+            </a:r>
+            <a:r>
+              <a:rPr lang="he-IL" dirty="0" smtClean="0"/>
+              <a:t>רוב הפונקציונליות </a:t>
+            </a:r>
+            <a:r>
+              <a:rPr lang="he-IL" dirty="0" smtClean="0"/>
+              <a:t>ש-</a:t>
             </a:r>
             <a:r>
               <a:rPr lang="en-US" dirty="0" smtClean="0"/>
@@ -6591,7 +7132,11 @@
             </a:r>
             <a:r>
               <a:rPr lang="he-IL" dirty="0" smtClean="0"/>
-              <a:t> מספקת לנו במנוע </a:t>
+              <a:t> מספקת לנו </a:t>
+            </a:r>
+            <a:r>
+              <a:rPr lang="he-IL" dirty="0" smtClean="0"/>
+              <a:t>תחת מנוע </a:t>
             </a:r>
             <a:r>
               <a:rPr lang="en-US" dirty="0" err="1" smtClean="0"/>
@@ -6609,7 +7154,37 @@
               <a:rPr lang="he-IL" dirty="0" smtClean="0"/>
               <a:t>.</a:t>
             </a:r>
+          </a:p>
+          <a:p>
+            <a:pPr algn="r" rtl="1"/>
+            <a:endParaRPr lang="he-IL" dirty="0" smtClean="0"/>
+          </a:p>
+          <a:p>
+            <a:pPr algn="r" rtl="1"/>
             <a:endParaRPr lang="he-IL" dirty="0"/>
+          </a:p>
+          <a:p>
+            <a:pPr algn="r" rtl="1"/>
+            <a:endParaRPr lang="he-IL" dirty="0" smtClean="0"/>
+          </a:p>
+          <a:p>
+            <a:pPr algn="r" rtl="1"/>
+            <a:r>
+              <a:rPr lang="he-IL" dirty="0" smtClean="0"/>
+              <a:t>מה המשמעות מכך?</a:t>
+            </a:r>
+          </a:p>
+          <a:p>
+            <a:pPr algn="r" rtl="1"/>
+            <a:endParaRPr lang="he-IL" dirty="0"/>
+          </a:p>
+          <a:p>
+            <a:pPr algn="r" rtl="1"/>
+            <a:endParaRPr lang="he-IL" dirty="0"/>
+          </a:p>
+          <a:p>
+            <a:pPr algn="r" rtl="1"/>
+            <a:endParaRPr lang="he-IL" dirty="0" smtClean="0"/>
           </a:p>
         </p:txBody>
       </p:sp>

--- a/lecture/Presentation.pptx
+++ b/lecture/Presentation.pptx
@@ -11,14 +11,22 @@
     <p:sldId id="270" r:id="rId5"/>
     <p:sldId id="259" r:id="rId6"/>
     <p:sldId id="260" r:id="rId7"/>
-    <p:sldId id="261" r:id="rId8"/>
-    <p:sldId id="262" r:id="rId9"/>
-    <p:sldId id="264" r:id="rId10"/>
-    <p:sldId id="266" r:id="rId11"/>
-    <p:sldId id="271" r:id="rId12"/>
-    <p:sldId id="265" r:id="rId13"/>
-    <p:sldId id="267" r:id="rId14"/>
-    <p:sldId id="268" r:id="rId15"/>
+    <p:sldId id="273" r:id="rId8"/>
+    <p:sldId id="261" r:id="rId9"/>
+    <p:sldId id="275" r:id="rId10"/>
+    <p:sldId id="276" r:id="rId11"/>
+    <p:sldId id="277" r:id="rId12"/>
+    <p:sldId id="278" r:id="rId13"/>
+    <p:sldId id="279" r:id="rId14"/>
+    <p:sldId id="272" r:id="rId15"/>
+    <p:sldId id="262" r:id="rId16"/>
+    <p:sldId id="274" r:id="rId17"/>
+    <p:sldId id="264" r:id="rId18"/>
+    <p:sldId id="266" r:id="rId19"/>
+    <p:sldId id="271" r:id="rId20"/>
+    <p:sldId id="265" r:id="rId21"/>
+    <p:sldId id="267" r:id="rId22"/>
+    <p:sldId id="268" r:id="rId23"/>
   </p:sldIdLst>
   <p:sldSz cx="12192000" cy="6858000"/>
   <p:notesSz cx="6858000" cy="9144000"/>
@@ -3122,8 +3130,8 @@
         </p:nvSpPr>
         <p:spPr>
           <a:xfrm>
-            <a:off x="838200" y="365126"/>
-            <a:ext cx="10515600" cy="719604"/>
+            <a:off x="729095" y="153948"/>
+            <a:ext cx="10515600" cy="818216"/>
           </a:xfrm>
         </p:spPr>
         <p:txBody>
@@ -3131,42 +3139,128 @@
           <a:lstStyle/>
           <a:p>
             <a:pPr algn="ctr" rtl="1"/>
-            <a:r>
-              <a:rPr lang="he-IL" dirty="0" smtClean="0">
-                <a:cs typeface="+mn-cs"/>
-              </a:rPr>
-              <a:t>עבודה נכונה עם </a:t>
-            </a:r>
             <a:r>
               <a:rPr lang="en-US" dirty="0" smtClean="0">
                 <a:cs typeface="+mn-cs"/>
               </a:rPr>
               <a:t>Node.JS</a:t>
             </a:r>
+            <a:r>
+              <a:rPr lang="he-IL" dirty="0" smtClean="0">
+                <a:cs typeface="+mn-cs"/>
+              </a:rPr>
+              <a:t> – מתחת למכסה המנוע</a:t>
+            </a:r>
             <a:endParaRPr lang="en-US" dirty="0">
               <a:cs typeface="+mn-cs"/>
             </a:endParaRPr>
           </a:p>
         </p:txBody>
       </p:sp>
-      <p:sp>
-        <p:nvSpPr>
-          <p:cNvPr id="3" name="TextBox 2"/>
-          <p:cNvSpPr txBox="1"/>
+      <p:pic>
+        <p:nvPicPr>
+          <p:cNvPr id="2050" name="Picture 2" descr="Related image"/>
+          <p:cNvPicPr>
+            <a:picLocks noChangeAspect="1" noChangeArrowheads="1"/>
+          </p:cNvPicPr>
           <p:nvPr/>
-        </p:nvSpPr>
-        <p:spPr>
+        </p:nvPicPr>
+        <p:blipFill>
+          <a:blip r:embed="rId2">
+            <a:extLst>
+              <a:ext uri="{28A0092B-C50C-407E-A947-70E740481C1C}">
+                <a14:useLocalDpi xmlns:a14="http://schemas.microsoft.com/office/drawing/2010/main" val="0"/>
+              </a:ext>
+            </a:extLst>
+          </a:blip>
+          <a:srcRect/>
+          <a:stretch>
+            <a:fillRect/>
+          </a:stretch>
+        </p:blipFill>
+        <p:spPr bwMode="auto">
           <a:xfrm>
-            <a:off x="838200" y="1281384"/>
-            <a:ext cx="10597237" cy="5355312"/>
+            <a:off x="1198421" y="1181714"/>
+            <a:ext cx="10046274" cy="3980836"/>
           </a:xfrm>
           <a:prstGeom prst="rect">
             <a:avLst/>
           </a:prstGeom>
           <a:noFill/>
-        </p:spPr>
-        <p:txBody>
-          <a:bodyPr wrap="square" rtlCol="0">
+          <a:extLst>
+            <a:ext uri="{909E8E84-426E-40DD-AFC4-6F175D3DCCD1}">
+              <a14:hiddenFill xmlns:a14="http://schemas.microsoft.com/office/drawing/2010/main">
+                <a:solidFill>
+                  <a:srgbClr val="FFFFFF"/>
+                </a:solidFill>
+              </a14:hiddenFill>
+            </a:ext>
+          </a:extLst>
+        </p:spPr>
+      </p:pic>
+      <p:sp>
+        <p:nvSpPr>
+          <p:cNvPr id="16" name="Rectangle 15"/>
+          <p:cNvSpPr/>
+          <p:nvPr/>
+        </p:nvSpPr>
+        <p:spPr>
+          <a:xfrm>
+            <a:off x="1198421" y="2636132"/>
+            <a:ext cx="2367740" cy="2526418"/>
+          </a:xfrm>
+          <a:prstGeom prst="rect">
+            <a:avLst/>
+          </a:prstGeom>
+          <a:noFill/>
+          <a:ln w="127000">
+            <a:solidFill>
+              <a:srgbClr val="00B0F0"/>
+            </a:solidFill>
+          </a:ln>
+        </p:spPr>
+        <p:style>
+          <a:lnRef idx="2">
+            <a:schemeClr val="accent1">
+              <a:shade val="50000"/>
+            </a:schemeClr>
+          </a:lnRef>
+          <a:fillRef idx="1">
+            <a:schemeClr val="accent1"/>
+          </a:fillRef>
+          <a:effectRef idx="0">
+            <a:schemeClr val="accent1"/>
+          </a:effectRef>
+          <a:fontRef idx="minor">
+            <a:schemeClr val="lt1"/>
+          </a:fontRef>
+        </p:style>
+        <p:txBody>
+          <a:bodyPr rtlCol="0" anchor="ctr"/>
+          <a:lstStyle/>
+          <a:p>
+            <a:pPr algn="ctr"/>
+            <a:endParaRPr lang="en-US"/>
+          </a:p>
+        </p:txBody>
+      </p:sp>
+      <p:sp>
+        <p:nvSpPr>
+          <p:cNvPr id="17" name="Rectangle 16"/>
+          <p:cNvSpPr/>
+          <p:nvPr/>
+        </p:nvSpPr>
+        <p:spPr>
+          <a:xfrm>
+            <a:off x="1962150" y="5563791"/>
+            <a:ext cx="9282545" cy="1200329"/>
+          </a:xfrm>
+          <a:prstGeom prst="rect">
+            <a:avLst/>
+          </a:prstGeom>
+        </p:spPr>
+        <p:txBody>
+          <a:bodyPr wrap="square">
             <a:spAutoFit/>
           </a:bodyPr>
           <a:lstStyle/>
@@ -3174,41 +3268,53 @@
             <a:pPr algn="r" rtl="1"/>
             <a:r>
               <a:rPr lang="he-IL" dirty="0" smtClean="0"/>
-              <a:t>כדי להגיע לביצועים טובים בשרת, כאלה שלא נופלים מהמתחרים ואף טובים יותר, צריך לדעת לעבוד נכון עם המנוע.</a:t>
-            </a:r>
-          </a:p>
-          <a:p>
-            <a:pPr algn="r" rtl="1"/>
-            <a:endParaRPr lang="he-IL" dirty="0"/>
-          </a:p>
-          <a:p>
-            <a:pPr algn="r" rtl="1"/>
-            <a:r>
-              <a:rPr lang="he-IL" dirty="0" smtClean="0"/>
-              <a:t>קוד האפליקציה הסינכרוני – מורץ ע"י </a:t>
+              <a:t>מנוע </a:t>
             </a:r>
             <a:r>
               <a:rPr lang="en-US" dirty="0" smtClean="0"/>
               <a:t>V8</a:t>
             </a:r>
             <a:r>
-              <a:rPr lang="he-IL" dirty="0"/>
-              <a:t> </a:t>
-            </a:r>
-            <a:r>
-              <a:rPr lang="he-IL" dirty="0" smtClean="0"/>
-              <a:t>בצורה אופטימלית ומהירה.</a:t>
-            </a:r>
-          </a:p>
-          <a:p>
-            <a:pPr algn="r" rtl="1"/>
-            <a:endParaRPr lang="he-IL" dirty="0"/>
-          </a:p>
-          <a:p>
-            <a:pPr algn="r" rtl="1"/>
-            <a:r>
-              <a:rPr lang="he-IL" dirty="0" smtClean="0"/>
-              <a:t>קוד אסינכרוני - מואצל ל-</a:t>
+              <a:rPr lang="he-IL" dirty="0" smtClean="0"/>
+              <a:t> שמריץ את הקוד שלנו באופן סינכרוני (סינגל </a:t>
+            </a:r>
+            <a:r>
+              <a:rPr lang="he-IL" dirty="0" err="1" smtClean="0"/>
+              <a:t>ת'רד</a:t>
+            </a:r>
+            <a:r>
+              <a:rPr lang="he-IL" dirty="0" smtClean="0"/>
+              <a:t>)</a:t>
+            </a:r>
+          </a:p>
+          <a:p>
+            <a:pPr algn="r" rtl="1"/>
+            <a:r>
+              <a:rPr lang="he-IL" dirty="0" smtClean="0"/>
+              <a:t>כשנתקל בפעולה חישובית – מבצע אותה</a:t>
+            </a:r>
+          </a:p>
+          <a:p>
+            <a:pPr algn="r" rtl="1"/>
+            <a:r>
+              <a:rPr lang="he-IL" dirty="0" smtClean="0"/>
+              <a:t>כשנתקל בפעולת </a:t>
+            </a:r>
+            <a:r>
+              <a:rPr lang="en-US" dirty="0" smtClean="0"/>
+              <a:t>IO</a:t>
+            </a:r>
+            <a:r>
+              <a:rPr lang="he-IL" dirty="0" smtClean="0"/>
+              <a:t> – מאציל את הפעילות </a:t>
+            </a:r>
+            <a:r>
+              <a:rPr lang="he-IL" dirty="0" err="1" smtClean="0"/>
+              <a:t>לת'רדים</a:t>
+            </a:r>
+            <a:r>
+              <a:rPr lang="he-IL" dirty="0" smtClean="0"/>
+              <a:t> של </a:t>
             </a:r>
             <a:r>
               <a:rPr lang="en-US" dirty="0" err="1" smtClean="0"/>
@@ -3216,80 +3322,7 @@
             </a:r>
             <a:r>
               <a:rPr lang="he-IL" dirty="0" smtClean="0"/>
-              <a:t> ומבוצע בצורה אופטימלית.</a:t>
-            </a:r>
-          </a:p>
-          <a:p>
-            <a:pPr algn="r" rtl="1"/>
-            <a:endParaRPr lang="he-IL" dirty="0" smtClean="0"/>
-          </a:p>
-          <a:p>
-            <a:pPr algn="r" rtl="1"/>
-            <a:r>
-              <a:rPr lang="he-IL" u="sng" dirty="0" smtClean="0"/>
-              <a:t>צוואר הבקבוק נמצא בפעילות של ה-</a:t>
-            </a:r>
-            <a:r>
-              <a:rPr lang="en-US" u="sng" dirty="0" smtClean="0"/>
-              <a:t>Event Loop</a:t>
-            </a:r>
-            <a:r>
-              <a:rPr lang="he-IL" u="sng" dirty="0" smtClean="0"/>
-              <a:t>:</a:t>
-            </a:r>
-          </a:p>
-          <a:p>
-            <a:pPr algn="r" rtl="1"/>
-            <a:r>
-              <a:rPr lang="he-IL" dirty="0" smtClean="0"/>
-              <a:t>בכל </a:t>
-            </a:r>
-            <a:r>
-              <a:rPr lang="he-IL" dirty="0" err="1" smtClean="0"/>
-              <a:t>איטרציה</a:t>
-            </a:r>
-            <a:r>
-              <a:rPr lang="he-IL" dirty="0" smtClean="0"/>
-              <a:t> של ה-</a:t>
-            </a:r>
-            <a:r>
-              <a:rPr lang="en-US" dirty="0" smtClean="0"/>
-              <a:t>Event Loop</a:t>
-            </a:r>
-            <a:r>
-              <a:rPr lang="he-IL" dirty="0" smtClean="0"/>
-              <a:t> נקראים </a:t>
-            </a:r>
-            <a:r>
-              <a:rPr lang="he-IL" dirty="0" err="1" smtClean="0"/>
-              <a:t>קולבקים</a:t>
-            </a:r>
-            <a:r>
-              <a:rPr lang="he-IL" dirty="0" smtClean="0"/>
-              <a:t> שונים על פי </a:t>
-            </a:r>
-            <a:r>
-              <a:rPr lang="en-US" dirty="0" smtClean="0"/>
-              <a:t>events</a:t>
-            </a:r>
-            <a:r>
-              <a:rPr lang="he-IL" dirty="0" smtClean="0"/>
-              <a:t> שקרו, </a:t>
-            </a:r>
-            <a:r>
-              <a:rPr lang="he-IL" b="1" dirty="0" smtClean="0"/>
-              <a:t>בצורה סינכרונית</a:t>
-            </a:r>
-            <a:r>
-              <a:rPr lang="he-IL" dirty="0" smtClean="0"/>
-              <a:t>, אחד אחרי השני.</a:t>
-            </a:r>
-          </a:p>
-          <a:p>
-            <a:pPr algn="r" rtl="1"/>
-            <a:r>
-              <a:rPr lang="he-IL" dirty="0" smtClean="0"/>
-              <a:t>(</a:t>
+              <a:t>, ורושם </a:t>
             </a:r>
             <a:r>
               <a:rPr lang="he-IL" dirty="0" err="1" smtClean="0"/>
@@ -3297,187 +3330,12 @@
             </a:r>
             <a:r>
               <a:rPr lang="he-IL" dirty="0" smtClean="0"/>
-              <a:t> לבקשת </a:t>
+              <a:t> שיופעל בסיום הפעילות. בינתיים ממשיך את הריצה כך שהפעולה האסינכרונית לא חוסמת את ריצת התוכנית – </a:t>
             </a:r>
             <a:r>
               <a:rPr lang="en-US" dirty="0" smtClean="0"/>
-              <a:t>http</a:t>
-            </a:r>
-            <a:r>
-              <a:rPr lang="he-IL" dirty="0" smtClean="0"/>
-              <a:t> נכנסת, </a:t>
-            </a:r>
-            <a:r>
-              <a:rPr lang="he-IL" dirty="0" err="1" smtClean="0"/>
-              <a:t>קולבק</a:t>
-            </a:r>
-            <a:r>
-              <a:rPr lang="he-IL" dirty="0" smtClean="0"/>
-              <a:t> לקובץ שסיימנו לקרוא וכד').</a:t>
-            </a:r>
-          </a:p>
-          <a:p>
-            <a:pPr algn="r" rtl="1"/>
-            <a:r>
-              <a:rPr lang="he-IL" dirty="0" smtClean="0"/>
-              <a:t>אם באחד </a:t>
-            </a:r>
-            <a:r>
-              <a:rPr lang="he-IL" dirty="0" err="1" smtClean="0"/>
-              <a:t>הקולבקים</a:t>
-            </a:r>
-            <a:r>
-              <a:rPr lang="he-IL" dirty="0" smtClean="0"/>
-              <a:t> תתרחש אלגוריתמיקה כבדה (חישובים מתמטיים מסובכים / לולאות </a:t>
-            </a:r>
-            <a:r>
-              <a:rPr lang="en-US" dirty="0" smtClean="0"/>
-              <a:t>while</a:t>
-            </a:r>
-            <a:r>
-              <a:rPr lang="he-IL" dirty="0" smtClean="0"/>
-              <a:t> ארוכות וכד'), המנוע ייאלץ לעבוד הרבה זמן על אותו </a:t>
-            </a:r>
-            <a:r>
-              <a:rPr lang="he-IL" dirty="0" err="1" smtClean="0"/>
-              <a:t>קולבק</a:t>
-            </a:r>
-            <a:r>
-              <a:rPr lang="he-IL" dirty="0" smtClean="0"/>
-              <a:t> וזה יעכב אותו בטיפול </a:t>
-            </a:r>
-            <a:r>
-              <a:rPr lang="he-IL" dirty="0" err="1" smtClean="0"/>
-              <a:t>בקולבקים</a:t>
-            </a:r>
-            <a:r>
-              <a:rPr lang="he-IL" dirty="0" smtClean="0"/>
-              <a:t> אחרים, ובכך יאט משמעותית את ביצועי האפליקציה.</a:t>
-            </a:r>
-          </a:p>
-          <a:p>
-            <a:pPr algn="r" rtl="1"/>
-            <a:endParaRPr lang="he-IL" dirty="0"/>
-          </a:p>
-          <a:p>
-            <a:pPr algn="r" rtl="1"/>
-            <a:r>
-              <a:rPr lang="he-IL" u="sng" dirty="0" smtClean="0"/>
-              <a:t>מסקנה</a:t>
-            </a:r>
-            <a:r>
-              <a:rPr lang="he-IL" dirty="0"/>
-              <a:t>:</a:t>
-            </a:r>
-            <a:endParaRPr lang="he-IL" dirty="0" smtClean="0"/>
-          </a:p>
-          <a:p>
-            <a:pPr algn="r" rtl="1"/>
-            <a:r>
-              <a:rPr lang="he-IL" b="1" dirty="0" smtClean="0"/>
-              <a:t>אנחנו צריכים לשמור על ה-</a:t>
-            </a:r>
-            <a:r>
-              <a:rPr lang="en-US" b="1" dirty="0" smtClean="0"/>
-              <a:t>Event Loop</a:t>
-            </a:r>
-            <a:r>
-              <a:rPr lang="he-IL" b="1" dirty="0" smtClean="0"/>
-              <a:t> יעילה ככל האפשר.</a:t>
-            </a:r>
-          </a:p>
-          <a:p>
-            <a:pPr algn="r" rtl="1"/>
-            <a:r>
-              <a:rPr lang="he-IL" b="1" dirty="0" err="1" smtClean="0">
-                <a:solidFill>
-                  <a:srgbClr val="FF0000"/>
-                </a:solidFill>
-              </a:rPr>
-              <a:t>קולבקים</a:t>
-            </a:r>
-            <a:r>
-              <a:rPr lang="he-IL" b="1" dirty="0" smtClean="0">
-                <a:solidFill>
-                  <a:srgbClr val="FF0000"/>
-                </a:solidFill>
-              </a:rPr>
-              <a:t> לא צריכים לבצע אלגוריתמיקה כבדה (</a:t>
-            </a:r>
-            <a:r>
-              <a:rPr lang="he-IL" b="1" dirty="0">
-                <a:solidFill>
-                  <a:srgbClr val="FF0000"/>
-                </a:solidFill>
-              </a:rPr>
-              <a:t>חישובים מתמטיים מסובכים / לולאות </a:t>
-            </a:r>
-            <a:r>
-              <a:rPr lang="en-US" b="1" dirty="0">
-                <a:solidFill>
-                  <a:srgbClr val="FF0000"/>
-                </a:solidFill>
-              </a:rPr>
-              <a:t>while</a:t>
-            </a:r>
-            <a:r>
-              <a:rPr lang="he-IL" b="1" dirty="0">
-                <a:solidFill>
-                  <a:srgbClr val="FF0000"/>
-                </a:solidFill>
-              </a:rPr>
-              <a:t> ארוכות וכד</a:t>
-            </a:r>
-            <a:r>
-              <a:rPr lang="he-IL" b="1" dirty="0" smtClean="0">
-                <a:solidFill>
-                  <a:srgbClr val="FF0000"/>
-                </a:solidFill>
-              </a:rPr>
-              <a:t>').</a:t>
-            </a:r>
-          </a:p>
-          <a:p>
-            <a:pPr algn="r" rtl="1"/>
-            <a:r>
-              <a:rPr lang="he-IL" b="1" dirty="0" err="1" smtClean="0">
-                <a:solidFill>
-                  <a:srgbClr val="00B050"/>
-                </a:solidFill>
-              </a:rPr>
-              <a:t>קולבקים</a:t>
-            </a:r>
-            <a:r>
-              <a:rPr lang="he-IL" b="1" dirty="0" smtClean="0">
-                <a:solidFill>
-                  <a:srgbClr val="00B050"/>
-                </a:solidFill>
-              </a:rPr>
-              <a:t> כן יכולים לבצע פעולות חישוביות פשוטות / תהליכים קצרים / עבודה אסינכרונית שתואצל ל-</a:t>
-            </a:r>
-            <a:r>
-              <a:rPr lang="en-US" b="1" dirty="0" err="1" smtClean="0">
-                <a:solidFill>
-                  <a:srgbClr val="00B050"/>
-                </a:solidFill>
-              </a:rPr>
-              <a:t>Libuv</a:t>
-            </a:r>
-            <a:r>
-              <a:rPr lang="he-IL" b="1" dirty="0" smtClean="0">
-                <a:solidFill>
-                  <a:srgbClr val="00B050"/>
-                </a:solidFill>
-              </a:rPr>
-              <a:t>.</a:t>
-            </a:r>
-          </a:p>
-          <a:p>
-            <a:pPr algn="r" rtl="1"/>
-            <a:endParaRPr lang="he-IL" dirty="0" smtClean="0"/>
-          </a:p>
-          <a:p>
-            <a:pPr algn="r" rtl="1"/>
+              <a:t>non blocking</a:t>
+            </a:r>
             <a:endParaRPr lang="he-IL" dirty="0" smtClean="0"/>
           </a:p>
         </p:txBody>
@@ -3485,13 +3343,21 @@
     </p:spTree>
     <p:extLst>
       <p:ext uri="{BB962C8B-B14F-4D97-AF65-F5344CB8AC3E}">
-        <p14:creationId xmlns:p14="http://schemas.microsoft.com/office/powerpoint/2010/main" val="2583784559"/>
+        <p14:creationId xmlns:p14="http://schemas.microsoft.com/office/powerpoint/2010/main" val="3624882957"/>
       </p:ext>
     </p:extLst>
   </p:cSld>
   <p:clrMapOvr>
     <a:masterClrMapping/>
   </p:clrMapOvr>
+  <mc:AlternateContent xmlns:mc="http://schemas.openxmlformats.org/markup-compatibility/2006">
+    <mc:Choice xmlns:p14="http://schemas.microsoft.com/office/powerpoint/2010/main" Requires="p14">
+      <p:transition spd="slow" p14:dur="2000"/>
+    </mc:Choice>
+    <mc:Fallback>
+      <p:transition spd="slow"/>
+    </mc:Fallback>
+  </mc:AlternateContent>
 </p:sld>
 </file>
 
@@ -3524,8 +3390,8 @@
         </p:nvSpPr>
         <p:spPr>
           <a:xfrm>
-            <a:off x="838200" y="365126"/>
-            <a:ext cx="10515600" cy="719604"/>
+            <a:off x="729095" y="153948"/>
+            <a:ext cx="10515600" cy="818216"/>
           </a:xfrm>
         </p:spPr>
         <p:txBody>
@@ -3533,220 +3399,210 @@
           <a:lstStyle/>
           <a:p>
             <a:pPr algn="ctr" rtl="1"/>
-            <a:r>
-              <a:rPr lang="he-IL" dirty="0" smtClean="0">
-                <a:cs typeface="+mn-cs"/>
-              </a:rPr>
-              <a:t>עבודה נכונה עם </a:t>
-            </a:r>
             <a:r>
               <a:rPr lang="en-US" dirty="0" smtClean="0">
                 <a:cs typeface="+mn-cs"/>
               </a:rPr>
               <a:t>Node.JS</a:t>
             </a:r>
+            <a:r>
+              <a:rPr lang="he-IL" dirty="0" smtClean="0">
+                <a:cs typeface="+mn-cs"/>
+              </a:rPr>
+              <a:t> – מתחת למכסה המנוע</a:t>
+            </a:r>
             <a:endParaRPr lang="en-US" dirty="0">
               <a:cs typeface="+mn-cs"/>
             </a:endParaRPr>
           </a:p>
         </p:txBody>
       </p:sp>
-      <p:sp>
-        <p:nvSpPr>
-          <p:cNvPr id="3" name="TextBox 2"/>
-          <p:cNvSpPr txBox="1"/>
+      <p:pic>
+        <p:nvPicPr>
+          <p:cNvPr id="2050" name="Picture 2" descr="Related image"/>
+          <p:cNvPicPr>
+            <a:picLocks noChangeAspect="1" noChangeArrowheads="1"/>
+          </p:cNvPicPr>
           <p:nvPr/>
-        </p:nvSpPr>
-        <p:spPr>
+        </p:nvPicPr>
+        <p:blipFill>
+          <a:blip r:embed="rId2">
+            <a:extLst>
+              <a:ext uri="{28A0092B-C50C-407E-A947-70E740481C1C}">
+                <a14:useLocalDpi xmlns:a14="http://schemas.microsoft.com/office/drawing/2010/main" val="0"/>
+              </a:ext>
+            </a:extLst>
+          </a:blip>
+          <a:srcRect/>
+          <a:stretch>
+            <a:fillRect/>
+          </a:stretch>
+        </p:blipFill>
+        <p:spPr bwMode="auto">
           <a:xfrm>
-            <a:off x="941294" y="1690687"/>
-            <a:ext cx="10597237" cy="1200329"/>
+            <a:off x="1198421" y="1181714"/>
+            <a:ext cx="10046274" cy="3980836"/>
           </a:xfrm>
           <a:prstGeom prst="rect">
             <a:avLst/>
           </a:prstGeom>
           <a:noFill/>
-        </p:spPr>
-        <p:txBody>
-          <a:bodyPr wrap="square" rtlCol="0">
-            <a:spAutoFit/>
-          </a:bodyPr>
-          <a:lstStyle/>
-          <a:p>
-            <a:pPr algn="r" rtl="1"/>
-            <a:r>
-              <a:rPr lang="he-IL" dirty="0" smtClean="0"/>
-              <a:t>70% - פשוט לדעת טוב </a:t>
-            </a:r>
-            <a:r>
-              <a:rPr lang="en-US" dirty="0" smtClean="0"/>
-              <a:t>JavaScript</a:t>
-            </a:r>
-            <a:r>
-              <a:rPr lang="he-IL" dirty="0" smtClean="0"/>
-              <a:t> </a:t>
-            </a:r>
-            <a:endParaRPr lang="he-IL" dirty="0" smtClean="0"/>
-          </a:p>
-          <a:p>
-            <a:pPr algn="r" rtl="1"/>
-            <a:r>
-              <a:rPr lang="he-IL" dirty="0" smtClean="0"/>
-              <a:t>10% - להכיר את המודולים של </a:t>
-            </a:r>
-            <a:r>
-              <a:rPr lang="en-US" dirty="0" smtClean="0"/>
-              <a:t>Node.JS</a:t>
-            </a:r>
-            <a:r>
-              <a:rPr lang="he-IL" dirty="0" smtClean="0"/>
-              <a:t> ולדעת איך להשתמש בהם (</a:t>
-            </a:r>
-            <a:r>
-              <a:rPr lang="en-US" dirty="0" smtClean="0"/>
-              <a:t>http, fs, events</a:t>
-            </a:r>
-            <a:r>
-              <a:rPr lang="he-IL" dirty="0" smtClean="0"/>
-              <a:t>)</a:t>
-            </a:r>
-          </a:p>
-          <a:p>
-            <a:pPr algn="r" rtl="1"/>
-            <a:r>
-              <a:rPr lang="he-IL" dirty="0" smtClean="0"/>
-              <a:t>10% - להשתמש באקו-</a:t>
-            </a:r>
-            <a:r>
-              <a:rPr lang="he-IL" dirty="0" err="1" smtClean="0"/>
-              <a:t>סיסטם</a:t>
-            </a:r>
-            <a:r>
-              <a:rPr lang="he-IL" dirty="0" smtClean="0"/>
-              <a:t> העצום של </a:t>
-            </a:r>
-            <a:r>
-              <a:rPr lang="en-US" dirty="0" smtClean="0"/>
-              <a:t>npm</a:t>
-            </a:r>
-            <a:endParaRPr lang="he-IL" dirty="0" smtClean="0"/>
-          </a:p>
-          <a:p>
-            <a:pPr algn="r" rtl="1"/>
-            <a:r>
-              <a:rPr lang="he-IL" dirty="0" smtClean="0"/>
-              <a:t>10% - </a:t>
-            </a:r>
-            <a:r>
-              <a:rPr lang="he-IL" dirty="0" smtClean="0">
+          <a:extLst>
+            <a:ext uri="{909E8E84-426E-40DD-AFC4-6F175D3DCCD1}">
+              <a14:hiddenFill xmlns:a14="http://schemas.microsoft.com/office/drawing/2010/main">
                 <a:solidFill>
-                  <a:srgbClr val="FF0000"/>
+                  <a:srgbClr val="FFFFFF"/>
                 </a:solidFill>
-              </a:rPr>
-              <a:t>לא לתקוע את ה-</a:t>
-            </a:r>
-            <a:r>
-              <a:rPr lang="en-US" dirty="0" smtClean="0">
-                <a:solidFill>
-                  <a:srgbClr val="FF0000"/>
-                </a:solidFill>
-              </a:rPr>
-              <a:t>event loop</a:t>
-            </a:r>
-            <a:endParaRPr lang="he-IL" dirty="0">
-              <a:solidFill>
-                <a:srgbClr val="FF0000"/>
-              </a:solidFill>
-            </a:endParaRPr>
-          </a:p>
-        </p:txBody>
-      </p:sp>
-      <p:pic>
-        <p:nvPicPr>
-          <p:cNvPr id="4" name="Picture 3"/>
-          <p:cNvPicPr/>
+              </a14:hiddenFill>
+            </a:ext>
+          </a:extLst>
+        </p:spPr>
+      </p:pic>
+      <p:sp>
+        <p:nvSpPr>
+          <p:cNvPr id="16" name="Rectangle 15"/>
+          <p:cNvSpPr/>
           <p:nvPr/>
-        </p:nvPicPr>
-        <p:blipFill>
-          <a:blip r:embed="rId2"/>
-          <a:stretch>
-            <a:fillRect/>
-          </a:stretch>
-        </p:blipFill>
+        </p:nvSpPr>
         <p:spPr>
           <a:xfrm>
-            <a:off x="4925359" y="3263059"/>
-            <a:ext cx="3937000" cy="2644775"/>
-          </a:xfrm>
-          <a:prstGeom prst="rect">
-            <a:avLst/>
-          </a:prstGeom>
-        </p:spPr>
-      </p:pic>
-      <p:sp>
-        <p:nvSpPr>
-          <p:cNvPr id="5" name="TextBox 4"/>
-          <p:cNvSpPr txBox="1"/>
-          <p:nvPr/>
-        </p:nvSpPr>
-        <p:spPr>
-          <a:xfrm>
-            <a:off x="1896966" y="4078942"/>
-            <a:ext cx="3028393" cy="369332"/>
+            <a:off x="5295900" y="1573544"/>
+            <a:ext cx="5791199" cy="1855456"/>
           </a:xfrm>
           <a:prstGeom prst="rect">
             <a:avLst/>
           </a:prstGeom>
           <a:noFill/>
-        </p:spPr>
-        <p:txBody>
-          <a:bodyPr wrap="none" rtlCol="0">
+          <a:ln w="127000">
+            <a:solidFill>
+              <a:srgbClr val="00B0F0"/>
+            </a:solidFill>
+          </a:ln>
+        </p:spPr>
+        <p:style>
+          <a:lnRef idx="2">
+            <a:schemeClr val="accent1">
+              <a:shade val="50000"/>
+            </a:schemeClr>
+          </a:lnRef>
+          <a:fillRef idx="1">
+            <a:schemeClr val="accent1"/>
+          </a:fillRef>
+          <a:effectRef idx="0">
+            <a:schemeClr val="accent1"/>
+          </a:effectRef>
+          <a:fontRef idx="minor">
+            <a:schemeClr val="lt1"/>
+          </a:fontRef>
+        </p:style>
+        <p:txBody>
+          <a:bodyPr rtlCol="0" anchor="ctr"/>
+          <a:lstStyle/>
+          <a:p>
+            <a:pPr algn="ctr"/>
+            <a:endParaRPr lang="en-US"/>
+          </a:p>
+        </p:txBody>
+      </p:sp>
+      <p:sp>
+        <p:nvSpPr>
+          <p:cNvPr id="17" name="Rectangle 16"/>
+          <p:cNvSpPr/>
+          <p:nvPr/>
+        </p:nvSpPr>
+        <p:spPr>
+          <a:xfrm>
+            <a:off x="1962150" y="5563791"/>
+            <a:ext cx="9282545" cy="923330"/>
+          </a:xfrm>
+          <a:prstGeom prst="rect">
+            <a:avLst/>
+          </a:prstGeom>
+        </p:spPr>
+        <p:txBody>
+          <a:bodyPr wrap="square">
             <a:spAutoFit/>
           </a:bodyPr>
           <a:lstStyle/>
           <a:p>
-            <a:r>
-              <a:rPr lang="he-IL" dirty="0" smtClean="0">
-                <a:solidFill>
-                  <a:srgbClr val="FF0000"/>
-                </a:solidFill>
-              </a:rPr>
-              <a:t>"חבר, תקעת את </a:t>
-            </a:r>
-            <a:r>
-              <a:rPr lang="he-IL" dirty="0" err="1" smtClean="0">
-                <a:solidFill>
-                  <a:srgbClr val="FF0000"/>
-                </a:solidFill>
-              </a:rPr>
-              <a:t>האיבנט</a:t>
-            </a:r>
-            <a:r>
-              <a:rPr lang="he-IL" dirty="0" smtClean="0">
-                <a:solidFill>
-                  <a:srgbClr val="FF0000"/>
-                </a:solidFill>
-              </a:rPr>
-              <a:t> לופ..."</a:t>
-            </a:r>
-            <a:endParaRPr lang="en-US" dirty="0">
-              <a:solidFill>
-                <a:srgbClr val="FF0000"/>
-              </a:solidFill>
-            </a:endParaRPr>
+            <a:pPr algn="r" rtl="1"/>
+            <a:r>
+              <a:rPr lang="en-US" dirty="0" err="1" smtClean="0"/>
+              <a:t>Libuv</a:t>
+            </a:r>
+            <a:r>
+              <a:rPr lang="he-IL" dirty="0" smtClean="0"/>
+              <a:t> – מנוע שיודע לבצע פעולות </a:t>
+            </a:r>
+            <a:r>
+              <a:rPr lang="en-US" dirty="0" smtClean="0"/>
+              <a:t>IO</a:t>
+            </a:r>
+            <a:r>
+              <a:rPr lang="he-IL" dirty="0" smtClean="0"/>
+              <a:t> מול מערכת ההפעלה (רשת / קבצים וכד').</a:t>
+            </a:r>
+            <a:endParaRPr lang="he-IL" dirty="0"/>
+          </a:p>
+          <a:p>
+            <a:pPr algn="r" rtl="1"/>
+            <a:r>
+              <a:rPr lang="he-IL" dirty="0" smtClean="0"/>
+              <a:t>כאשר מקבל הנחיה לפעול מ-</a:t>
+            </a:r>
+            <a:r>
+              <a:rPr lang="en-US" dirty="0" smtClean="0"/>
+              <a:t>V8</a:t>
+            </a:r>
+            <a:r>
+              <a:rPr lang="he-IL" dirty="0" smtClean="0"/>
+              <a:t> – מקצה </a:t>
+            </a:r>
+            <a:r>
+              <a:rPr lang="he-IL" dirty="0" err="1" smtClean="0"/>
+              <a:t>ת'רד</a:t>
+            </a:r>
+            <a:r>
+              <a:rPr lang="he-IL" dirty="0" smtClean="0"/>
+              <a:t> ומבצע את הפעולה. </a:t>
+            </a:r>
+          </a:p>
+          <a:p>
+            <a:pPr algn="r" rtl="1"/>
+            <a:r>
+              <a:rPr lang="he-IL" dirty="0" smtClean="0"/>
+              <a:t>בסיום הפעולה האסינכרונית – מרים </a:t>
+            </a:r>
+            <a:r>
+              <a:rPr lang="en-US" dirty="0" smtClean="0"/>
+              <a:t>event</a:t>
+            </a:r>
+            <a:r>
+              <a:rPr lang="he-IL" dirty="0"/>
+              <a:t>.</a:t>
+            </a:r>
+            <a:endParaRPr lang="he-IL" dirty="0" smtClean="0"/>
           </a:p>
         </p:txBody>
       </p:sp>
     </p:spTree>
     <p:extLst>
       <p:ext uri="{BB962C8B-B14F-4D97-AF65-F5344CB8AC3E}">
-        <p14:creationId xmlns:p14="http://schemas.microsoft.com/office/powerpoint/2010/main" val="1536566230"/>
+        <p14:creationId xmlns:p14="http://schemas.microsoft.com/office/powerpoint/2010/main" val="3504310112"/>
       </p:ext>
     </p:extLst>
   </p:cSld>
   <p:clrMapOvr>
     <a:masterClrMapping/>
   </p:clrMapOvr>
+  <mc:AlternateContent xmlns:mc="http://schemas.openxmlformats.org/markup-compatibility/2006">
+    <mc:Choice xmlns:p14="http://schemas.microsoft.com/office/powerpoint/2010/main" Requires="p14">
+      <p:transition spd="slow" p14:dur="2000"/>
+    </mc:Choice>
+    <mc:Fallback>
+      <p:transition spd="slow"/>
+    </mc:Fallback>
+  </mc:AlternateContent>
 </p:sld>
 </file>
 
@@ -3779,8 +3635,8 @@
         </p:nvSpPr>
         <p:spPr>
           <a:xfrm>
-            <a:off x="838200" y="365126"/>
-            <a:ext cx="10515600" cy="719604"/>
+            <a:off x="729095" y="153948"/>
+            <a:ext cx="10515600" cy="818216"/>
           </a:xfrm>
         </p:spPr>
         <p:txBody>
@@ -3788,12 +3644,6 @@
           <a:lstStyle/>
           <a:p>
             <a:pPr algn="ctr" rtl="1"/>
-            <a:r>
-              <a:rPr lang="he-IL" dirty="0" smtClean="0">
-                <a:cs typeface="+mn-cs"/>
-              </a:rPr>
-              <a:t>המודולים (פונקציונליות) ש-</a:t>
-            </a:r>
             <a:r>
               <a:rPr lang="en-US" dirty="0" smtClean="0">
                 <a:cs typeface="+mn-cs"/>
@@ -3804,7 +3654,7 @@
               <a:rPr lang="he-IL" dirty="0" smtClean="0">
                 <a:cs typeface="+mn-cs"/>
               </a:rPr>
-              <a:t> נותנת לנו</a:t>
+              <a:t> – מתחת למכסה המנוע</a:t>
             </a:r>
             <a:endParaRPr lang="en-US" dirty="0">
               <a:cs typeface="+mn-cs"/>
@@ -3812,156 +3662,167 @@
           </a:p>
         </p:txBody>
       </p:sp>
-      <p:sp>
-        <p:nvSpPr>
-          <p:cNvPr id="3" name="TextBox 2"/>
-          <p:cNvSpPr txBox="1"/>
+      <p:pic>
+        <p:nvPicPr>
+          <p:cNvPr id="2050" name="Picture 2" descr="Related image"/>
+          <p:cNvPicPr>
+            <a:picLocks noChangeAspect="1" noChangeArrowheads="1"/>
+          </p:cNvPicPr>
           <p:nvPr/>
-        </p:nvSpPr>
-        <p:spPr>
+        </p:nvPicPr>
+        <p:blipFill>
+          <a:blip r:embed="rId2">
+            <a:extLst>
+              <a:ext uri="{28A0092B-C50C-407E-A947-70E740481C1C}">
+                <a14:useLocalDpi xmlns:a14="http://schemas.microsoft.com/office/drawing/2010/main" val="0"/>
+              </a:ext>
+            </a:extLst>
+          </a:blip>
+          <a:srcRect/>
+          <a:stretch>
+            <a:fillRect/>
+          </a:stretch>
+        </p:blipFill>
+        <p:spPr bwMode="auto">
           <a:xfrm>
-            <a:off x="941294" y="1690687"/>
-            <a:ext cx="10597237" cy="3693319"/>
+            <a:off x="1198421" y="1181714"/>
+            <a:ext cx="10046274" cy="3980836"/>
           </a:xfrm>
           <a:prstGeom prst="rect">
             <a:avLst/>
           </a:prstGeom>
           <a:noFill/>
-        </p:spPr>
-        <p:txBody>
-          <a:bodyPr wrap="square" rtlCol="0">
+          <a:extLst>
+            <a:ext uri="{909E8E84-426E-40DD-AFC4-6F175D3DCCD1}">
+              <a14:hiddenFill xmlns:a14="http://schemas.microsoft.com/office/drawing/2010/main">
+                <a:solidFill>
+                  <a:srgbClr val="FFFFFF"/>
+                </a:solidFill>
+              </a14:hiddenFill>
+            </a:ext>
+          </a:extLst>
+        </p:spPr>
+      </p:pic>
+      <p:sp>
+        <p:nvSpPr>
+          <p:cNvPr id="16" name="Rectangle 15"/>
+          <p:cNvSpPr/>
+          <p:nvPr/>
+        </p:nvSpPr>
+        <p:spPr>
+          <a:xfrm>
+            <a:off x="3486149" y="1592594"/>
+            <a:ext cx="1866901" cy="3436606"/>
+          </a:xfrm>
+          <a:prstGeom prst="rect">
+            <a:avLst/>
+          </a:prstGeom>
+          <a:noFill/>
+          <a:ln w="127000">
+            <a:solidFill>
+              <a:srgbClr val="00B0F0"/>
+            </a:solidFill>
+          </a:ln>
+        </p:spPr>
+        <p:style>
+          <a:lnRef idx="2">
+            <a:schemeClr val="accent1">
+              <a:shade val="50000"/>
+            </a:schemeClr>
+          </a:lnRef>
+          <a:fillRef idx="1">
+            <a:schemeClr val="accent1"/>
+          </a:fillRef>
+          <a:effectRef idx="0">
+            <a:schemeClr val="accent1"/>
+          </a:effectRef>
+          <a:fontRef idx="minor">
+            <a:schemeClr val="lt1"/>
+          </a:fontRef>
+        </p:style>
+        <p:txBody>
+          <a:bodyPr rtlCol="0" anchor="ctr"/>
+          <a:lstStyle/>
+          <a:p>
+            <a:pPr algn="ctr"/>
+            <a:endParaRPr lang="en-US"/>
+          </a:p>
+        </p:txBody>
+      </p:sp>
+      <p:sp>
+        <p:nvSpPr>
+          <p:cNvPr id="17" name="Rectangle 16"/>
+          <p:cNvSpPr/>
+          <p:nvPr/>
+        </p:nvSpPr>
+        <p:spPr>
+          <a:xfrm>
+            <a:off x="1962150" y="5563791"/>
+            <a:ext cx="9282545" cy="923330"/>
+          </a:xfrm>
+          <a:prstGeom prst="rect">
+            <a:avLst/>
+          </a:prstGeom>
+        </p:spPr>
+        <p:txBody>
+          <a:bodyPr wrap="square">
             <a:spAutoFit/>
           </a:bodyPr>
           <a:lstStyle/>
           <a:p>
             <a:pPr algn="r" rtl="1"/>
             <a:r>
-              <a:rPr lang="he-IL" u="sng" dirty="0" err="1" smtClean="0"/>
-              <a:t>מודולי</a:t>
-            </a:r>
-            <a:r>
-              <a:rPr lang="he-IL" u="sng" dirty="0" smtClean="0"/>
-              <a:t> הבסיס:</a:t>
-            </a:r>
-          </a:p>
-          <a:p>
-            <a:pPr algn="r" rtl="1"/>
-            <a:r>
-              <a:rPr lang="he-IL" dirty="0" smtClean="0"/>
-              <a:t>תקשורת רשת – </a:t>
+              <a:rPr lang="he-IL" dirty="0" smtClean="0"/>
+              <a:t>מנוע </a:t>
             </a:r>
             <a:r>
               <a:rPr lang="en-US" dirty="0" smtClean="0"/>
-              <a:t>http, https</a:t>
+              <a:t>Node.JS Bindings</a:t>
+            </a:r>
+            <a:r>
+              <a:rPr lang="he-IL" dirty="0" smtClean="0"/>
+              <a:t> – מתרגם בין המנועים </a:t>
+            </a:r>
+            <a:r>
+              <a:rPr lang="en-US" dirty="0" smtClean="0"/>
+              <a:t>V8, </a:t>
+            </a:r>
+            <a:r>
+              <a:rPr lang="en-US" dirty="0" err="1" smtClean="0"/>
+              <a:t>Libuv</a:t>
             </a:r>
             <a:endParaRPr lang="he-IL" dirty="0" smtClean="0"/>
           </a:p>
           <a:p>
             <a:pPr algn="r" rtl="1"/>
             <a:r>
-              <a:rPr lang="he-IL" dirty="0" smtClean="0"/>
-              <a:t>קבצים – </a:t>
-            </a:r>
-            <a:r>
               <a:rPr lang="en-US" dirty="0" smtClean="0"/>
-              <a:t>fs</a:t>
+              <a:t>V8</a:t>
+            </a:r>
+            <a:r>
+              <a:rPr lang="he-IL" dirty="0" smtClean="0"/>
+              <a:t> פועל ב-</a:t>
+            </a:r>
+            <a:r>
+              <a:rPr lang="en-US" dirty="0" smtClean="0"/>
+              <a:t>JS</a:t>
             </a:r>
             <a:endParaRPr lang="he-IL" dirty="0" smtClean="0"/>
           </a:p>
           <a:p>
             <a:pPr algn="r" rtl="1"/>
             <a:r>
-              <a:rPr lang="he-IL" dirty="0" err="1" smtClean="0"/>
-              <a:t>איבנטים</a:t>
-            </a:r>
-            <a:r>
-              <a:rPr lang="he-IL" dirty="0" smtClean="0"/>
-              <a:t> – </a:t>
+              <a:rPr lang="en-US" dirty="0" err="1" smtClean="0"/>
+              <a:t>Libuv</a:t>
+            </a:r>
+            <a:r>
+              <a:rPr lang="he-IL" dirty="0" smtClean="0"/>
+              <a:t> ב-</a:t>
             </a:r>
             <a:r>
               <a:rPr lang="en-US" dirty="0" smtClean="0"/>
-              <a:t>events</a:t>
-            </a:r>
-            <a:endParaRPr lang="he-IL" dirty="0" smtClean="0"/>
-          </a:p>
-          <a:p>
-            <a:pPr algn="r" rtl="1"/>
-            <a:r>
-              <a:rPr lang="he-IL" dirty="0" err="1" smtClean="0"/>
-              <a:t>סקלביליות</a:t>
-            </a:r>
-            <a:r>
-              <a:rPr lang="he-IL" dirty="0" smtClean="0"/>
-              <a:t> – </a:t>
-            </a:r>
-            <a:r>
-              <a:rPr lang="en-US" dirty="0" smtClean="0"/>
-              <a:t>cluster, worker threads</a:t>
-            </a:r>
-            <a:endParaRPr lang="he-IL" dirty="0" smtClean="0"/>
-          </a:p>
-          <a:p>
-            <a:pPr algn="r" rtl="1"/>
-            <a:endParaRPr lang="he-IL" dirty="0" smtClean="0"/>
-          </a:p>
-          <a:p>
-            <a:pPr algn="r" rtl="1"/>
-            <a:endParaRPr lang="he-IL" dirty="0" smtClean="0"/>
-          </a:p>
-          <a:p>
-            <a:pPr algn="r" rtl="1"/>
-            <a:endParaRPr lang="he-IL" dirty="0"/>
-          </a:p>
-          <a:p>
-            <a:pPr algn="r" rtl="1"/>
-            <a:r>
-              <a:rPr lang="he-IL" u="sng" dirty="0" smtClean="0"/>
-              <a:t>מודולים ייחודיים נוספים:</a:t>
-            </a:r>
-            <a:endParaRPr lang="he-IL" u="sng" dirty="0"/>
-          </a:p>
-          <a:p>
-            <a:pPr algn="r" rtl="1"/>
-            <a:r>
-              <a:rPr lang="he-IL" dirty="0" smtClean="0"/>
-              <a:t>קריפטוגרפיה – </a:t>
-            </a:r>
-            <a:r>
-              <a:rPr lang="en-US" dirty="0" smtClean="0"/>
-              <a:t>crypto</a:t>
-            </a:r>
-            <a:endParaRPr lang="he-IL" dirty="0" smtClean="0"/>
-          </a:p>
-          <a:p>
-            <a:pPr algn="r" rtl="1"/>
-            <a:r>
-              <a:rPr lang="he-IL" dirty="0" smtClean="0"/>
-              <a:t>כיווץ – </a:t>
-            </a:r>
-            <a:r>
-              <a:rPr lang="en-US" dirty="0" err="1" smtClean="0"/>
-              <a:t>zlib</a:t>
-            </a:r>
-            <a:endParaRPr lang="he-IL" dirty="0" smtClean="0"/>
-          </a:p>
-          <a:p>
-            <a:pPr algn="r" rtl="1"/>
-            <a:r>
-              <a:rPr lang="he-IL" dirty="0" err="1" smtClean="0"/>
-              <a:t>סטרימינג</a:t>
-            </a:r>
-            <a:r>
-              <a:rPr lang="he-IL" dirty="0" smtClean="0"/>
-              <a:t> – </a:t>
-            </a:r>
-            <a:r>
-              <a:rPr lang="en-US" dirty="0" smtClean="0"/>
-              <a:t>stream</a:t>
-            </a:r>
-            <a:endParaRPr lang="he-IL" dirty="0" smtClean="0"/>
-          </a:p>
-          <a:p>
-            <a:pPr algn="r" rtl="1"/>
+              <a:t>C++</a:t>
+            </a:r>
             <a:endParaRPr lang="he-IL" dirty="0" smtClean="0"/>
           </a:p>
         </p:txBody>
@@ -3969,13 +3830,21 @@
     </p:spTree>
     <p:extLst>
       <p:ext uri="{BB962C8B-B14F-4D97-AF65-F5344CB8AC3E}">
-        <p14:creationId xmlns:p14="http://schemas.microsoft.com/office/powerpoint/2010/main" val="495121418"/>
+        <p14:creationId xmlns:p14="http://schemas.microsoft.com/office/powerpoint/2010/main" val="1790568310"/>
       </p:ext>
     </p:extLst>
   </p:cSld>
   <p:clrMapOvr>
     <a:masterClrMapping/>
   </p:clrMapOvr>
+  <mc:AlternateContent xmlns:mc="http://schemas.openxmlformats.org/markup-compatibility/2006">
+    <mc:Choice xmlns:p14="http://schemas.microsoft.com/office/powerpoint/2010/main" Requires="p14">
+      <p:transition spd="slow" p14:dur="2000"/>
+    </mc:Choice>
+    <mc:Fallback>
+      <p:transition spd="slow"/>
+    </mc:Fallback>
+  </mc:AlternateContent>
 </p:sld>
 </file>
 
@@ -4008,8 +3877,8 @@
         </p:nvSpPr>
         <p:spPr>
           <a:xfrm>
-            <a:off x="803366" y="121286"/>
-            <a:ext cx="10515600" cy="719604"/>
+            <a:off x="729095" y="153948"/>
+            <a:ext cx="10515600" cy="818216"/>
           </a:xfrm>
         </p:spPr>
         <p:txBody>
@@ -4017,397 +3886,217 @@
           <a:lstStyle/>
           <a:p>
             <a:pPr algn="ctr" rtl="1"/>
-            <a:r>
-              <a:rPr lang="he-IL" dirty="0" smtClean="0">
-                <a:cs typeface="+mn-cs"/>
-              </a:rPr>
-              <a:t>היתרונות של </a:t>
-            </a:r>
             <a:r>
               <a:rPr lang="en-US" dirty="0" smtClean="0">
                 <a:cs typeface="+mn-cs"/>
               </a:rPr>
               <a:t>Node.JS</a:t>
             </a:r>
+            <a:r>
+              <a:rPr lang="he-IL" dirty="0" smtClean="0">
+                <a:cs typeface="+mn-cs"/>
+              </a:rPr>
+              <a:t> – מתחת למכסה המנוע</a:t>
+            </a:r>
             <a:endParaRPr lang="en-US" dirty="0">
               <a:cs typeface="+mn-cs"/>
             </a:endParaRPr>
           </a:p>
         </p:txBody>
       </p:sp>
-      <p:sp>
-        <p:nvSpPr>
-          <p:cNvPr id="3" name="TextBox 2"/>
-          <p:cNvSpPr txBox="1"/>
+      <p:pic>
+        <p:nvPicPr>
+          <p:cNvPr id="2050" name="Picture 2" descr="Related image"/>
+          <p:cNvPicPr>
+            <a:picLocks noChangeAspect="1" noChangeArrowheads="1"/>
+          </p:cNvPicPr>
           <p:nvPr/>
-        </p:nvSpPr>
-        <p:spPr>
+        </p:nvPicPr>
+        <p:blipFill>
+          <a:blip r:embed="rId2">
+            <a:extLst>
+              <a:ext uri="{28A0092B-C50C-407E-A947-70E740481C1C}">
+                <a14:useLocalDpi xmlns:a14="http://schemas.microsoft.com/office/drawing/2010/main" val="0"/>
+              </a:ext>
+            </a:extLst>
+          </a:blip>
+          <a:srcRect/>
+          <a:stretch>
+            <a:fillRect/>
+          </a:stretch>
+        </p:blipFill>
+        <p:spPr bwMode="auto">
           <a:xfrm>
-            <a:off x="950514" y="840890"/>
-            <a:ext cx="10597237" cy="6247864"/>
+            <a:off x="1198421" y="1181714"/>
+            <a:ext cx="10046274" cy="3980836"/>
           </a:xfrm>
           <a:prstGeom prst="rect">
             <a:avLst/>
           </a:prstGeom>
           <a:noFill/>
-        </p:spPr>
-        <p:txBody>
-          <a:bodyPr wrap="square" rtlCol="0">
+          <a:extLst>
+            <a:ext uri="{909E8E84-426E-40DD-AFC4-6F175D3DCCD1}">
+              <a14:hiddenFill xmlns:a14="http://schemas.microsoft.com/office/drawing/2010/main">
+                <a:solidFill>
+                  <a:srgbClr val="FFFFFF"/>
+                </a:solidFill>
+              </a14:hiddenFill>
+            </a:ext>
+          </a:extLst>
+        </p:spPr>
+      </p:pic>
+      <p:sp>
+        <p:nvSpPr>
+          <p:cNvPr id="16" name="Rectangle 15"/>
+          <p:cNvSpPr/>
+          <p:nvPr/>
+        </p:nvSpPr>
+        <p:spPr>
+          <a:xfrm>
+            <a:off x="5257800" y="2244404"/>
+            <a:ext cx="5791199" cy="2765746"/>
+          </a:xfrm>
+          <a:prstGeom prst="rect">
+            <a:avLst/>
+          </a:prstGeom>
+          <a:noFill/>
+          <a:ln w="127000">
+            <a:solidFill>
+              <a:srgbClr val="00B0F0"/>
+            </a:solidFill>
+          </a:ln>
+        </p:spPr>
+        <p:style>
+          <a:lnRef idx="2">
+            <a:schemeClr val="accent1">
+              <a:shade val="50000"/>
+            </a:schemeClr>
+          </a:lnRef>
+          <a:fillRef idx="1">
+            <a:schemeClr val="accent1"/>
+          </a:fillRef>
+          <a:effectRef idx="0">
+            <a:schemeClr val="accent1"/>
+          </a:effectRef>
+          <a:fontRef idx="minor">
+            <a:schemeClr val="lt1"/>
+          </a:fontRef>
+        </p:style>
+        <p:txBody>
+          <a:bodyPr rtlCol="0" anchor="ctr"/>
+          <a:lstStyle/>
+          <a:p>
+            <a:pPr algn="ctr"/>
+            <a:endParaRPr lang="en-US"/>
+          </a:p>
+        </p:txBody>
+      </p:sp>
+      <p:sp>
+        <p:nvSpPr>
+          <p:cNvPr id="17" name="Rectangle 16"/>
+          <p:cNvSpPr/>
+          <p:nvPr/>
+        </p:nvSpPr>
+        <p:spPr>
+          <a:xfrm>
+            <a:off x="571500" y="5563791"/>
+            <a:ext cx="10673195" cy="1200329"/>
+          </a:xfrm>
+          <a:prstGeom prst="rect">
+            <a:avLst/>
+          </a:prstGeom>
+        </p:spPr>
+        <p:txBody>
+          <a:bodyPr wrap="square">
             <a:spAutoFit/>
           </a:bodyPr>
           <a:lstStyle/>
           <a:p>
             <a:pPr algn="r" rtl="1"/>
             <a:r>
-              <a:rPr lang="he-IL" sz="1600" dirty="0" smtClean="0"/>
-              <a:t>פשטות – </a:t>
-            </a:r>
-            <a:r>
-              <a:rPr lang="he-IL" sz="1600" dirty="0" smtClean="0"/>
-              <a:t>הכתיבה פשוטה, ה-</a:t>
-            </a:r>
-            <a:r>
-              <a:rPr lang="en-US" sz="1600" dirty="0" smtClean="0"/>
-              <a:t>Deploy</a:t>
-            </a:r>
-            <a:r>
-              <a:rPr lang="he-IL" sz="1600" dirty="0" smtClean="0"/>
-              <a:t> </a:t>
-            </a:r>
-            <a:r>
-              <a:rPr lang="he-IL" sz="1600" dirty="0" err="1" smtClean="0"/>
-              <a:t>מיידי</a:t>
-            </a:r>
-            <a:r>
-              <a:rPr lang="he-IL" sz="1600" dirty="0" smtClean="0"/>
-              <a:t> ופשוט.</a:t>
-            </a:r>
-            <a:endParaRPr lang="he-IL" sz="1600" dirty="0" smtClean="0"/>
-          </a:p>
-          <a:p>
-            <a:pPr algn="r" rtl="1"/>
-            <a:endParaRPr lang="he-IL" sz="1600" dirty="0" smtClean="0"/>
-          </a:p>
-          <a:p>
-            <a:pPr algn="r" rtl="1"/>
-            <a:r>
-              <a:rPr lang="he-IL" sz="1600" dirty="0" smtClean="0"/>
-              <a:t>חסכון במשאבים – אפליקציית </a:t>
-            </a:r>
-            <a:r>
-              <a:rPr lang="en-US" sz="1600" dirty="0" smtClean="0"/>
-              <a:t>Node</a:t>
-            </a:r>
-            <a:r>
-              <a:rPr lang="he-IL" sz="1600" dirty="0" smtClean="0"/>
-              <a:t> הן "רזות</a:t>
-            </a:r>
-            <a:r>
-              <a:rPr lang="he-IL" sz="1600" dirty="0" smtClean="0"/>
-              <a:t>" מאוד וכתוצאה מכך </a:t>
-            </a:r>
-            <a:r>
-              <a:rPr lang="he-IL" sz="1600" dirty="0" smtClean="0"/>
-              <a:t>צורכות </a:t>
-            </a:r>
-            <a:r>
-              <a:rPr lang="he-IL" sz="1600" dirty="0" smtClean="0"/>
-              <a:t>מעט מאוד משאבים (זיכרון / מעבד) ביחד למתחרות בצד השרת</a:t>
-            </a:r>
-            <a:r>
-              <a:rPr lang="he-IL" sz="1600" dirty="0" smtClean="0"/>
+              <a:rPr lang="en-US" dirty="0" smtClean="0"/>
+              <a:t>Event Loop</a:t>
+            </a:r>
+            <a:r>
+              <a:rPr lang="he-IL" dirty="0" smtClean="0"/>
+              <a:t> – לולאת התוכנית – סינכרונית (סינגל </a:t>
+            </a:r>
+            <a:r>
+              <a:rPr lang="he-IL" dirty="0" err="1" smtClean="0"/>
+              <a:t>ת'רד</a:t>
+            </a:r>
+            <a:r>
+              <a:rPr lang="he-IL" dirty="0"/>
+              <a:t>)</a:t>
+            </a:r>
+            <a:endParaRPr lang="he-IL" dirty="0" smtClean="0"/>
+          </a:p>
+          <a:p>
+            <a:pPr algn="r" rtl="1"/>
+            <a:r>
+              <a:rPr lang="he-IL" dirty="0" smtClean="0"/>
+              <a:t>בכל </a:t>
+            </a:r>
+            <a:r>
+              <a:rPr lang="he-IL" dirty="0" err="1" smtClean="0"/>
+              <a:t>איטרציה</a:t>
+            </a:r>
+            <a:r>
+              <a:rPr lang="he-IL" dirty="0" smtClean="0"/>
+              <a:t> מגיבה לאירועים שקרו ע"י קריאה </a:t>
+            </a:r>
+            <a:r>
+              <a:rPr lang="he-IL" dirty="0" err="1" smtClean="0"/>
+              <a:t>לקולבקים</a:t>
+            </a:r>
+            <a:r>
+              <a:rPr lang="he-IL" dirty="0" smtClean="0"/>
               <a:t>.</a:t>
             </a:r>
           </a:p>
           <a:p>
             <a:pPr algn="r" rtl="1"/>
-            <a:endParaRPr lang="he-IL" sz="1600" dirty="0"/>
-          </a:p>
-          <a:p>
-            <a:pPr algn="r" rtl="1"/>
-            <a:r>
-              <a:rPr lang="en-US" sz="1600" dirty="0" smtClean="0"/>
-              <a:t>Cross Platform</a:t>
-            </a:r>
-            <a:r>
-              <a:rPr lang="he-IL" sz="1600" dirty="0" smtClean="0"/>
-              <a:t> – אפליקציות </a:t>
-            </a:r>
-            <a:r>
-              <a:rPr lang="en-US" sz="1600" dirty="0" smtClean="0"/>
-              <a:t>Node.JS</a:t>
-            </a:r>
-            <a:r>
-              <a:rPr lang="he-IL" sz="1600" dirty="0" smtClean="0"/>
-              <a:t> רצות על כל מערכות ההפעלה ללא צורך בהתאמות. </a:t>
-            </a:r>
-          </a:p>
-          <a:p>
-            <a:pPr algn="r" rtl="1"/>
-            <a:endParaRPr lang="he-IL" sz="1600" dirty="0"/>
-          </a:p>
-          <a:p>
-            <a:pPr algn="r" rtl="1"/>
-            <a:r>
-              <a:rPr lang="he-IL" sz="1600" dirty="0" smtClean="0"/>
-              <a:t>מתאימה ל-</a:t>
-            </a:r>
-            <a:r>
-              <a:rPr lang="en-US" sz="1600" dirty="0" smtClean="0"/>
-              <a:t>Containers</a:t>
-            </a:r>
-            <a:r>
-              <a:rPr lang="he-IL" sz="1600" dirty="0" smtClean="0"/>
-              <a:t> – בזכות היכולת לרוץ על לינוקס </a:t>
-            </a:r>
-            <a:r>
-              <a:rPr lang="he-IL" sz="1600" dirty="0" err="1" smtClean="0"/>
-              <a:t>והחסכון</a:t>
-            </a:r>
-            <a:r>
-              <a:rPr lang="he-IL" sz="1600" dirty="0" smtClean="0"/>
-              <a:t> במשאבים – אפליקציות </a:t>
-            </a:r>
-            <a:r>
-              <a:rPr lang="en-US" sz="1600" dirty="0" smtClean="0"/>
-              <a:t>Node</a:t>
-            </a:r>
-            <a:r>
-              <a:rPr lang="he-IL" sz="1600" dirty="0" smtClean="0"/>
-              <a:t> הן מועמדות מובילות לעיטוף ב-</a:t>
-            </a:r>
-            <a:r>
-              <a:rPr lang="en-US" sz="1600" dirty="0" smtClean="0"/>
-              <a:t>Containers</a:t>
-            </a:r>
-            <a:r>
-              <a:rPr lang="he-IL" sz="1600" dirty="0" smtClean="0"/>
-              <a:t>.</a:t>
-            </a:r>
-            <a:endParaRPr lang="he-IL" sz="1600" dirty="0" smtClean="0"/>
-          </a:p>
-          <a:p>
-            <a:pPr algn="r" rtl="1"/>
-            <a:endParaRPr lang="he-IL" sz="1600" dirty="0" smtClean="0"/>
-          </a:p>
-          <a:p>
-            <a:pPr algn="r" rtl="1"/>
-            <a:r>
-              <a:rPr lang="he-IL" sz="1600" dirty="0" err="1" smtClean="0"/>
-              <a:t>סקיילינג</a:t>
-            </a:r>
-            <a:r>
-              <a:rPr lang="he-IL" sz="1600" dirty="0" smtClean="0"/>
-              <a:t> ו-</a:t>
-            </a:r>
-            <a:r>
-              <a:rPr lang="en-US" sz="1600" dirty="0" smtClean="0"/>
-              <a:t>load balancing</a:t>
-            </a:r>
-            <a:r>
-              <a:rPr lang="he-IL" sz="1600" dirty="0" smtClean="0"/>
-              <a:t> - ניתן לבצע </a:t>
-            </a:r>
-            <a:r>
-              <a:rPr lang="he-IL" sz="1600" dirty="0" err="1" smtClean="0"/>
-              <a:t>סקייל</a:t>
-            </a:r>
-            <a:r>
-              <a:rPr lang="he-IL" sz="1600" dirty="0" smtClean="0"/>
-              <a:t> בקלות (פנימית באמצעות </a:t>
-            </a:r>
-            <a:r>
-              <a:rPr lang="en-US" sz="1600" dirty="0" smtClean="0"/>
-              <a:t>cluster mode</a:t>
-            </a:r>
-            <a:r>
-              <a:rPr lang="he-IL" sz="1600" dirty="0" smtClean="0"/>
-              <a:t>, או חיצונית ע"י </a:t>
-            </a:r>
-            <a:r>
-              <a:rPr lang="he-IL" sz="1600" dirty="0" smtClean="0"/>
-              <a:t>גורמים מארחים).</a:t>
-            </a:r>
-            <a:endParaRPr lang="he-IL" sz="1600" dirty="0" smtClean="0"/>
-          </a:p>
-          <a:p>
-            <a:pPr algn="r" rtl="1"/>
-            <a:endParaRPr lang="he-IL" sz="1600" dirty="0" smtClean="0"/>
-          </a:p>
-          <a:p>
-            <a:pPr algn="r" rtl="1"/>
-            <a:r>
-              <a:rPr lang="he-IL" sz="1600" dirty="0" smtClean="0"/>
-              <a:t>התאמה לעולם </a:t>
-            </a:r>
-            <a:r>
-              <a:rPr lang="he-IL" sz="1600" dirty="0" smtClean="0"/>
-              <a:t>ה-</a:t>
-            </a:r>
-            <a:r>
-              <a:rPr lang="en-US" sz="1600" dirty="0" smtClean="0"/>
-              <a:t>Cloud</a:t>
-            </a:r>
-            <a:r>
-              <a:rPr lang="he-IL" sz="1600" dirty="0" smtClean="0"/>
-              <a:t> – </a:t>
-            </a:r>
-            <a:r>
-              <a:rPr lang="he-IL" sz="1600" dirty="0" smtClean="0"/>
-              <a:t>בזכות האמור לעיל, אפליקציות </a:t>
-            </a:r>
-            <a:r>
-              <a:rPr lang="en-US" sz="1600" dirty="0" smtClean="0"/>
-              <a:t>Node</a:t>
-            </a:r>
-            <a:r>
-              <a:rPr lang="he-IL" sz="1600" dirty="0" smtClean="0"/>
-              <a:t> מתאימות באופן אופטימלי הן בהיבטי </a:t>
-            </a:r>
-            <a:r>
-              <a:rPr lang="en-US" sz="1600" dirty="0" smtClean="0"/>
-              <a:t>deploy</a:t>
-            </a:r>
-            <a:r>
-              <a:rPr lang="he-IL" sz="1600" dirty="0" smtClean="0"/>
-              <a:t> (עיטוף בקונטיינרים והעלאה לענן), והן </a:t>
-            </a:r>
-            <a:r>
-              <a:rPr lang="he-IL" sz="1600" dirty="0" smtClean="0"/>
-              <a:t>בהיבטי חסכון במשאבים </a:t>
-            </a:r>
-            <a:r>
-              <a:rPr lang="he-IL" sz="1600" dirty="0" smtClean="0"/>
-              <a:t>(== כסף בענן).</a:t>
-            </a:r>
-            <a:endParaRPr lang="he-IL" sz="1600" dirty="0" smtClean="0"/>
-          </a:p>
-          <a:p>
-            <a:pPr algn="r" rtl="1"/>
-            <a:endParaRPr lang="he-IL" sz="1600" dirty="0" smtClean="0"/>
-          </a:p>
-          <a:p>
-            <a:pPr algn="r" rtl="1"/>
-            <a:r>
-              <a:rPr lang="he-IL" sz="1600" dirty="0" err="1" smtClean="0"/>
-              <a:t>אקוסיסטם</a:t>
-            </a:r>
-            <a:r>
-              <a:rPr lang="he-IL" sz="1600" dirty="0" smtClean="0"/>
-              <a:t> עצום </a:t>
-            </a:r>
-            <a:r>
-              <a:rPr lang="he-IL" sz="1600" dirty="0" smtClean="0"/>
-              <a:t>  – </a:t>
-            </a:r>
-            <a:r>
-              <a:rPr lang="en-US" sz="1600" dirty="0" smtClean="0"/>
-              <a:t>NPM</a:t>
-            </a:r>
-            <a:r>
-              <a:rPr lang="he-IL" sz="1600" dirty="0"/>
-              <a:t> </a:t>
-            </a:r>
-            <a:endParaRPr lang="he-IL" sz="1600" dirty="0" smtClean="0"/>
-          </a:p>
-          <a:p>
-            <a:pPr algn="r" rtl="1"/>
-            <a:r>
-              <a:rPr lang="he-IL" sz="1600" dirty="0" smtClean="0"/>
-              <a:t>	        </a:t>
-            </a:r>
-            <a:r>
-              <a:rPr lang="he-IL" sz="1600" dirty="0" smtClean="0"/>
-              <a:t>- </a:t>
-            </a:r>
-            <a:r>
-              <a:rPr lang="he-IL" sz="1600" dirty="0" smtClean="0"/>
-              <a:t>קהילה עולמית (וישראלית!) גדולה ותומכת.</a:t>
-            </a:r>
-          </a:p>
-          <a:p>
-            <a:pPr algn="r" rtl="1"/>
-            <a:endParaRPr lang="he-IL" sz="1600" dirty="0"/>
-          </a:p>
-          <a:p>
-            <a:pPr algn="r" rtl="1"/>
-            <a:r>
-              <a:rPr lang="he-IL" sz="1600" dirty="0" smtClean="0"/>
-              <a:t>תמיכה בתקני </a:t>
-            </a:r>
-            <a:r>
-              <a:rPr lang="en-US" sz="1600" dirty="0" smtClean="0"/>
-              <a:t>ES</a:t>
-            </a:r>
-            <a:r>
-              <a:rPr lang="he-IL" sz="1600" dirty="0" smtClean="0"/>
-              <a:t> המתקדמים ביותר (</a:t>
-            </a:r>
-            <a:r>
-              <a:rPr lang="en-US" sz="1600" dirty="0" smtClean="0"/>
-              <a:t>import / export, </a:t>
-            </a:r>
-            <a:r>
-              <a:rPr lang="en-US" sz="1600" dirty="0" err="1" smtClean="0"/>
-              <a:t>async</a:t>
-            </a:r>
-            <a:r>
-              <a:rPr lang="en-US" sz="1600" dirty="0" smtClean="0"/>
-              <a:t>, promises, pipes, event emitters</a:t>
-            </a:r>
-            <a:r>
-              <a:rPr lang="he-IL" sz="1600" dirty="0" smtClean="0"/>
-              <a:t>)</a:t>
-            </a:r>
-          </a:p>
-          <a:p>
-            <a:pPr algn="r" rtl="1"/>
-            <a:endParaRPr lang="he-IL" sz="1600" dirty="0"/>
-          </a:p>
-          <a:p>
-            <a:pPr algn="r" rtl="1"/>
-            <a:r>
-              <a:rPr lang="he-IL" sz="1600" dirty="0" smtClean="0"/>
-              <a:t>תמיכה ב-</a:t>
-            </a:r>
-            <a:r>
-              <a:rPr lang="en-US" sz="1600" dirty="0" err="1" smtClean="0"/>
-              <a:t>TypeScript</a:t>
-            </a:r>
-            <a:endParaRPr lang="he-IL" sz="1600" dirty="0" smtClean="0"/>
-          </a:p>
-          <a:p>
-            <a:pPr algn="r" rtl="1"/>
-            <a:endParaRPr lang="he-IL" sz="1600" dirty="0" smtClean="0"/>
-          </a:p>
-          <a:p>
-            <a:pPr algn="r" rtl="1"/>
-            <a:r>
-              <a:rPr lang="he-IL" sz="1600" dirty="0" smtClean="0"/>
-              <a:t>ועוד...</a:t>
-            </a:r>
-            <a:endParaRPr lang="he-IL" sz="1600" dirty="0"/>
-          </a:p>
-          <a:p>
-            <a:pPr algn="r" rtl="1"/>
-            <a:endParaRPr lang="en-US" sz="1600" dirty="0"/>
-          </a:p>
-          <a:p>
-            <a:pPr algn="r" rtl="1"/>
-            <a:endParaRPr lang="he-IL" sz="1600" dirty="0" smtClean="0"/>
+            <a:endParaRPr lang="he-IL" dirty="0" smtClean="0"/>
+          </a:p>
+          <a:p>
+            <a:pPr algn="r" rtl="1"/>
+            <a:r>
+              <a:rPr lang="he-IL" dirty="0" err="1" smtClean="0"/>
+              <a:t>הקולבקים</a:t>
+            </a:r>
+            <a:r>
+              <a:rPr lang="he-IL" dirty="0" smtClean="0"/>
+              <a:t> עצמם יכולים לגרום לעוד חישובים / פעולות אסינכרוניות / אירועים נוספים </a:t>
+            </a:r>
+            <a:r>
+              <a:rPr lang="he-IL" dirty="0" err="1" smtClean="0"/>
+              <a:t>ולאיטרציות</a:t>
+            </a:r>
+            <a:r>
+              <a:rPr lang="he-IL" dirty="0" smtClean="0"/>
+              <a:t> חוזרות ונשנות.</a:t>
+            </a:r>
           </a:p>
         </p:txBody>
       </p:sp>
     </p:spTree>
     <p:extLst>
       <p:ext uri="{BB962C8B-B14F-4D97-AF65-F5344CB8AC3E}">
-        <p14:creationId xmlns:p14="http://schemas.microsoft.com/office/powerpoint/2010/main" val="2621451421"/>
+        <p14:creationId xmlns:p14="http://schemas.microsoft.com/office/powerpoint/2010/main" val="3106029831"/>
       </p:ext>
     </p:extLst>
   </p:cSld>
   <p:clrMapOvr>
     <a:masterClrMapping/>
   </p:clrMapOvr>
+  <mc:AlternateContent xmlns:mc="http://schemas.openxmlformats.org/markup-compatibility/2006">
+    <mc:Choice xmlns:p14="http://schemas.microsoft.com/office/powerpoint/2010/main" Requires="p14">
+      <p:transition spd="slow" p14:dur="2000"/>
+    </mc:Choice>
+    <mc:Fallback>
+      <p:transition spd="slow"/>
+    </mc:Fallback>
+  </mc:AlternateContent>
 </p:sld>
 </file>
 
@@ -4428,39 +4117,2178 @@
           <a:chExt cx="0" cy="0"/>
         </a:xfrm>
       </p:grpSpPr>
-      <p:sp>
-        <p:nvSpPr>
-          <p:cNvPr id="4" name="Rectangle 3"/>
-          <p:cNvSpPr/>
+      <p:pic>
+        <p:nvPicPr>
+          <p:cNvPr id="1026" name="Picture 2" descr="enter image description here"/>
+          <p:cNvPicPr>
+            <a:picLocks noChangeAspect="1" noChangeArrowheads="1"/>
+          </p:cNvPicPr>
           <p:nvPr/>
-        </p:nvSpPr>
-        <p:spPr>
+        </p:nvPicPr>
+        <p:blipFill>
+          <a:blip r:embed="rId2">
+            <a:extLst>
+              <a:ext uri="{28A0092B-C50C-407E-A947-70E740481C1C}">
+                <a14:useLocalDpi xmlns:a14="http://schemas.microsoft.com/office/drawing/2010/main" val="0"/>
+              </a:ext>
+            </a:extLst>
+          </a:blip>
+          <a:srcRect/>
+          <a:stretch>
+            <a:fillRect/>
+          </a:stretch>
+        </p:blipFill>
+        <p:spPr bwMode="auto">
           <a:xfrm>
-            <a:off x="3540031" y="2993322"/>
-            <a:ext cx="5069016" cy="830997"/>
+            <a:off x="248552" y="240631"/>
+            <a:ext cx="11750943" cy="6411077"/>
           </a:xfrm>
           <a:prstGeom prst="rect">
             <a:avLst/>
           </a:prstGeom>
-        </p:spPr>
-        <p:txBody>
-          <a:bodyPr wrap="none">
-            <a:spAutoFit/>
-          </a:bodyPr>
-          <a:lstStyle/>
-          <a:p>
-            <a:r>
-              <a:rPr lang="he-IL" sz="4800" dirty="0" smtClean="0"/>
-              <a:t>בואו נכתוב קצת קוד!</a:t>
-            </a:r>
-            <a:endParaRPr lang="en-US" sz="4800" dirty="0"/>
-          </a:p>
-        </p:txBody>
-      </p:sp>
+          <a:noFill/>
+          <a:extLst>
+            <a:ext uri="{909E8E84-426E-40DD-AFC4-6F175D3DCCD1}">
+              <a14:hiddenFill xmlns:a14="http://schemas.microsoft.com/office/drawing/2010/main">
+                <a:solidFill>
+                  <a:srgbClr val="FFFFFF"/>
+                </a:solidFill>
+              </a14:hiddenFill>
+            </a:ext>
+          </a:extLst>
+        </p:spPr>
+      </p:pic>
     </p:spTree>
     <p:extLst>
       <p:ext uri="{BB962C8B-B14F-4D97-AF65-F5344CB8AC3E}">
-        <p14:creationId xmlns:p14="http://schemas.microsoft.com/office/powerpoint/2010/main" val="3024671827"/>
+        <p14:creationId xmlns:p14="http://schemas.microsoft.com/office/powerpoint/2010/main" val="384666226"/>
+      </p:ext>
+    </p:extLst>
+  </p:cSld>
+  <p:clrMapOvr>
+    <a:masterClrMapping/>
+  </p:clrMapOvr>
+</p:sld>
+</file>
+
+<file path=ppt/slides/slide15.xml><?xml version="1.0" encoding="utf-8"?>
+<p:sld xmlns:a="http://schemas.openxmlformats.org/drawingml/2006/main" xmlns:r="http://schemas.openxmlformats.org/officeDocument/2006/relationships" xmlns:p="http://schemas.openxmlformats.org/presentationml/2006/main">
+  <p:cSld>
+    <p:spTree>
+      <p:nvGrpSpPr>
+        <p:cNvPr id="1" name=""/>
+        <p:cNvGrpSpPr/>
+        <p:nvPr/>
+      </p:nvGrpSpPr>
+      <p:grpSpPr>
+        <a:xfrm>
+          <a:off x="0" y="0"/>
+          <a:ext cx="0" cy="0"/>
+          <a:chOff x="0" y="0"/>
+          <a:chExt cx="0" cy="0"/>
+        </a:xfrm>
+      </p:grpSpPr>
+      <p:sp>
+        <p:nvSpPr>
+          <p:cNvPr id="2" name="Title 1"/>
+          <p:cNvSpPr>
+            <a:spLocks noGrp="1"/>
+          </p:cNvSpPr>
+          <p:nvPr>
+            <p:ph type="title"/>
+          </p:nvPr>
+        </p:nvSpPr>
+        <p:spPr>
+          <a:xfrm>
+            <a:off x="859715" y="96184"/>
+            <a:ext cx="10515600" cy="603063"/>
+          </a:xfrm>
+        </p:spPr>
+        <p:txBody>
+          <a:bodyPr>
+            <a:normAutofit fontScale="90000"/>
+          </a:bodyPr>
+          <a:lstStyle/>
+          <a:p>
+            <a:pPr algn="ctr" rtl="1"/>
+            <a:r>
+              <a:rPr lang="he-IL" dirty="0" err="1" smtClean="0">
+                <a:cs typeface="+mn-cs"/>
+              </a:rPr>
+              <a:t>תוכנית</a:t>
+            </a:r>
+            <a:r>
+              <a:rPr lang="he-IL" dirty="0" smtClean="0">
+                <a:cs typeface="+mn-cs"/>
+              </a:rPr>
+              <a:t> </a:t>
+            </a:r>
+            <a:r>
+              <a:rPr lang="en-US" dirty="0" smtClean="0">
+                <a:cs typeface="+mn-cs"/>
+              </a:rPr>
+              <a:t>Node.JS</a:t>
+            </a:r>
+            <a:endParaRPr lang="en-US" dirty="0">
+              <a:cs typeface="+mn-cs"/>
+            </a:endParaRPr>
+          </a:p>
+        </p:txBody>
+      </p:sp>
+      <p:sp>
+        <p:nvSpPr>
+          <p:cNvPr id="3" name="TextBox 2"/>
+          <p:cNvSpPr txBox="1"/>
+          <p:nvPr/>
+        </p:nvSpPr>
+        <p:spPr>
+          <a:xfrm>
+            <a:off x="295836" y="742274"/>
+            <a:ext cx="11253454" cy="6109365"/>
+          </a:xfrm>
+          <a:prstGeom prst="rect">
+            <a:avLst/>
+          </a:prstGeom>
+          <a:noFill/>
+        </p:spPr>
+        <p:txBody>
+          <a:bodyPr wrap="square" rtlCol="0">
+            <a:spAutoFit/>
+          </a:bodyPr>
+          <a:lstStyle/>
+          <a:p>
+            <a:pPr algn="r" rtl="1"/>
+            <a:r>
+              <a:rPr lang="he-IL" sz="1700" dirty="0" smtClean="0"/>
+              <a:t>מנוע ה-</a:t>
+            </a:r>
+            <a:r>
+              <a:rPr lang="en-US" sz="1700" dirty="0" smtClean="0"/>
+              <a:t>V8</a:t>
+            </a:r>
+            <a:r>
+              <a:rPr lang="he-IL" sz="1700" dirty="0" smtClean="0"/>
+              <a:t> מריץ את הקוד שלנו בקובץ ה-</a:t>
+            </a:r>
+            <a:r>
+              <a:rPr lang="en-US" sz="1700" dirty="0" smtClean="0"/>
+              <a:t>main.js</a:t>
+            </a:r>
+            <a:r>
+              <a:rPr lang="he-IL" sz="1700" dirty="0" smtClean="0"/>
+              <a:t> מתחילתו ועד סופו בצורה סינכרונית:</a:t>
+            </a:r>
+          </a:p>
+          <a:p>
+            <a:pPr marL="285750" indent="-285750" algn="r" rtl="1">
+              <a:buFont typeface="Arial" panose="020B0604020202020204" pitchFamily="34" charset="0"/>
+              <a:buChar char="•"/>
+            </a:pPr>
+            <a:r>
+              <a:rPr lang="he-IL" sz="1700" dirty="0" smtClean="0"/>
+              <a:t>פעולות "חישוב" – מנוע </a:t>
+            </a:r>
+            <a:r>
+              <a:rPr lang="en-US" sz="1700" dirty="0" smtClean="0"/>
+              <a:t>V8</a:t>
+            </a:r>
+            <a:r>
+              <a:rPr lang="he-IL" sz="1700" dirty="0" smtClean="0"/>
+              <a:t> מבצע בעצמו </a:t>
+            </a:r>
+            <a:r>
+              <a:rPr lang="he-IL" sz="1700" dirty="0" err="1" smtClean="0"/>
+              <a:t>בת'רד</a:t>
+            </a:r>
+            <a:r>
+              <a:rPr lang="he-IL" sz="1700" dirty="0" smtClean="0"/>
+              <a:t> הבודד – הקצאת משתנים, חישובים, השמות, בקרת שליטה, לולאות </a:t>
+            </a:r>
+            <a:r>
+              <a:rPr lang="he-IL" sz="1700" dirty="0" err="1" smtClean="0"/>
+              <a:t>וכו</a:t>
+            </a:r>
+            <a:r>
+              <a:rPr lang="he-IL" sz="1700" dirty="0" smtClean="0"/>
+              <a:t>'.</a:t>
+            </a:r>
+          </a:p>
+          <a:p>
+            <a:pPr marL="285750" indent="-285750" algn="r" rtl="1">
+              <a:buFont typeface="Arial" panose="020B0604020202020204" pitchFamily="34" charset="0"/>
+              <a:buChar char="•"/>
+            </a:pPr>
+            <a:r>
+              <a:rPr lang="he-IL" sz="1700" dirty="0" smtClean="0"/>
+              <a:t>פעולות "</a:t>
+            </a:r>
+            <a:r>
+              <a:rPr lang="en-US" sz="1700" dirty="0" smtClean="0"/>
+              <a:t>IO</a:t>
+            </a:r>
+            <a:r>
+              <a:rPr lang="he-IL" sz="1700" dirty="0" smtClean="0"/>
+              <a:t>" – מנוע </a:t>
+            </a:r>
+            <a:r>
+              <a:rPr lang="en-US" sz="1700" dirty="0" smtClean="0"/>
+              <a:t>V8</a:t>
+            </a:r>
+            <a:r>
+              <a:rPr lang="he-IL" sz="1700" dirty="0" smtClean="0"/>
+              <a:t> מאציל עבודה דרך </a:t>
+            </a:r>
+            <a:r>
+              <a:rPr lang="en-US" sz="1700" dirty="0" smtClean="0"/>
+              <a:t>Node.JS</a:t>
+            </a:r>
+            <a:r>
+              <a:rPr lang="he-IL" sz="1700" dirty="0" smtClean="0"/>
+              <a:t> ל-</a:t>
+            </a:r>
+            <a:r>
+              <a:rPr lang="en-US" sz="1700" dirty="0" err="1" smtClean="0"/>
+              <a:t>Libuv</a:t>
+            </a:r>
+            <a:r>
+              <a:rPr lang="he-IL" sz="1700" dirty="0" smtClean="0"/>
+              <a:t> </a:t>
+            </a:r>
+            <a:r>
+              <a:rPr lang="he-IL" sz="1700" dirty="0" err="1" smtClean="0"/>
+              <a:t>המולטית'רד</a:t>
+            </a:r>
+            <a:r>
+              <a:rPr lang="he-IL" sz="1700" dirty="0" smtClean="0"/>
+              <a:t> – ומקצה </a:t>
+            </a:r>
+            <a:r>
+              <a:rPr lang="he-IL" sz="1700" dirty="0" err="1" smtClean="0"/>
+              <a:t>קולבקים</a:t>
+            </a:r>
+            <a:r>
+              <a:rPr lang="he-IL" sz="1700" dirty="0" smtClean="0"/>
+              <a:t> שיופעלו כאשר </a:t>
+            </a:r>
+            <a:r>
+              <a:rPr lang="en-US" sz="1700" dirty="0" err="1" smtClean="0"/>
+              <a:t>Libuv</a:t>
+            </a:r>
+            <a:r>
+              <a:rPr lang="he-IL" sz="1700" dirty="0" smtClean="0"/>
+              <a:t> יאותת שסיים.</a:t>
+            </a:r>
+          </a:p>
+          <a:p>
+            <a:pPr algn="r" rtl="1"/>
+            <a:r>
+              <a:rPr lang="he-IL" sz="1700" dirty="0" smtClean="0"/>
+              <a:t>בסוף הריצה הסינכרונית של </a:t>
+            </a:r>
+            <a:r>
+              <a:rPr lang="en-US" sz="1700" dirty="0" smtClean="0"/>
+              <a:t>V8</a:t>
+            </a:r>
+            <a:r>
+              <a:rPr lang="he-IL" sz="1700" dirty="0"/>
+              <a:t>,</a:t>
+            </a:r>
+            <a:r>
+              <a:rPr lang="he-IL" sz="1700" dirty="0" smtClean="0"/>
+              <a:t> ה-</a:t>
+            </a:r>
+            <a:r>
+              <a:rPr lang="en-US" sz="1700" dirty="0" smtClean="0"/>
+              <a:t>Event Loop</a:t>
+            </a:r>
+            <a:r>
+              <a:rPr lang="he-IL" sz="1700" dirty="0" smtClean="0"/>
+              <a:t> מתחילה לעבוד.</a:t>
+            </a:r>
+          </a:p>
+          <a:p>
+            <a:pPr algn="r" rtl="1"/>
+            <a:endParaRPr lang="he-IL" sz="1700" dirty="0" smtClean="0"/>
+          </a:p>
+          <a:p>
+            <a:pPr algn="r" rtl="1"/>
+            <a:r>
+              <a:rPr lang="he-IL" sz="1700" dirty="0" smtClean="0"/>
+              <a:t>ה- </a:t>
+            </a:r>
+            <a:r>
+              <a:rPr lang="en-US" sz="1700" dirty="0" smtClean="0"/>
+              <a:t>Event Loop</a:t>
+            </a:r>
+            <a:r>
+              <a:rPr lang="he-IL" sz="1700" dirty="0" smtClean="0"/>
+              <a:t> היא לולאה שבכל </a:t>
+            </a:r>
+            <a:r>
+              <a:rPr lang="he-IL" sz="1700" dirty="0" err="1" smtClean="0"/>
+              <a:t>איטרציה</a:t>
+            </a:r>
+            <a:r>
+              <a:rPr lang="he-IL" sz="1700" dirty="0" smtClean="0"/>
+              <a:t> עושה את הדברים הבאים:</a:t>
+            </a:r>
+          </a:p>
+          <a:p>
+            <a:pPr algn="r" rtl="1"/>
+            <a:endParaRPr lang="he-IL" sz="1700" dirty="0" smtClean="0"/>
+          </a:p>
+          <a:p>
+            <a:pPr algn="r" rtl="1"/>
+            <a:r>
+              <a:rPr lang="he-IL" sz="1700" dirty="0" smtClean="0"/>
+              <a:t>בדיקת מצב התוכנית:</a:t>
+            </a:r>
+          </a:p>
+          <a:p>
+            <a:pPr marL="285750" lvl="0" indent="-285750" algn="r" rtl="1">
+              <a:buFont typeface="Arial" panose="020B0604020202020204" pitchFamily="34" charset="0"/>
+              <a:buChar char="•"/>
+            </a:pPr>
+            <a:r>
+              <a:rPr lang="he-IL" sz="1700" dirty="0"/>
+              <a:t>האם יש טיימרים שהגיע הזמן לטפל בהם (</a:t>
+            </a:r>
+            <a:r>
+              <a:rPr lang="en-US" sz="1700" dirty="0" err="1"/>
+              <a:t>setTimout</a:t>
+            </a:r>
+            <a:r>
+              <a:rPr lang="en-US" sz="1700" dirty="0"/>
+              <a:t>, </a:t>
+            </a:r>
+            <a:r>
+              <a:rPr lang="en-US" sz="1700" dirty="0" err="1"/>
+              <a:t>setInterval</a:t>
+            </a:r>
+            <a:r>
+              <a:rPr lang="en-US" sz="1700" dirty="0"/>
+              <a:t>, </a:t>
+            </a:r>
+            <a:r>
+              <a:rPr lang="en-US" sz="1700" dirty="0" err="1"/>
+              <a:t>setImmediate</a:t>
+            </a:r>
+            <a:r>
+              <a:rPr lang="he-IL" sz="1700" dirty="0"/>
+              <a:t>) ?</a:t>
+            </a:r>
+            <a:endParaRPr lang="en-US" sz="1700" dirty="0"/>
+          </a:p>
+          <a:p>
+            <a:pPr marL="285750" lvl="0" indent="-285750" algn="r" rtl="1">
+              <a:buFont typeface="Arial" panose="020B0604020202020204" pitchFamily="34" charset="0"/>
+              <a:buChar char="•"/>
+            </a:pPr>
+            <a:r>
+              <a:rPr lang="he-IL" sz="1700" dirty="0"/>
+              <a:t>האם יש משימות </a:t>
+            </a:r>
+            <a:r>
+              <a:rPr lang="en-US" sz="1700" dirty="0"/>
+              <a:t>OS</a:t>
+            </a:r>
+            <a:r>
+              <a:rPr lang="he-IL" sz="1700" dirty="0"/>
+              <a:t> </a:t>
+            </a:r>
+            <a:r>
+              <a:rPr lang="he-IL" sz="1700" dirty="0" smtClean="0"/>
+              <a:t>בטיפול</a:t>
+            </a:r>
+            <a:r>
+              <a:rPr lang="en-US" sz="1700" dirty="0" smtClean="0"/>
+              <a:t> </a:t>
+            </a:r>
+            <a:r>
+              <a:rPr lang="he-IL" sz="1700" dirty="0" smtClean="0"/>
+              <a:t> </a:t>
+            </a:r>
+            <a:r>
+              <a:rPr lang="he-IL" sz="1700" dirty="0"/>
+              <a:t>(למשל האזנה לפורט)?</a:t>
+            </a:r>
+            <a:endParaRPr lang="en-US" sz="1700" dirty="0"/>
+          </a:p>
+          <a:p>
+            <a:pPr marL="285750" lvl="0" indent="-285750" algn="r" rtl="1">
+              <a:buFont typeface="Arial" panose="020B0604020202020204" pitchFamily="34" charset="0"/>
+              <a:buChar char="•"/>
+            </a:pPr>
+            <a:r>
+              <a:rPr lang="he-IL" sz="1700" dirty="0"/>
+              <a:t>האם יש אופרציה בביצוע כרגע (למשל קריאת קובץ)?</a:t>
+            </a:r>
+            <a:endParaRPr lang="en-US" sz="1700" dirty="0"/>
+          </a:p>
+          <a:p>
+            <a:pPr algn="r" rtl="1"/>
+            <a:endParaRPr lang="he-IL" sz="1700" dirty="0" smtClean="0"/>
+          </a:p>
+          <a:p>
+            <a:pPr algn="r" rtl="1"/>
+            <a:endParaRPr lang="he-IL" sz="1700" dirty="0" smtClean="0"/>
+          </a:p>
+          <a:p>
+            <a:pPr algn="r" rtl="1"/>
+            <a:r>
+              <a:rPr lang="he-IL" sz="1700" dirty="0" smtClean="0"/>
+              <a:t>אם כל התשובות הן "לא" – התוכנית מסתיימת.</a:t>
+            </a:r>
+          </a:p>
+          <a:p>
+            <a:pPr algn="r" rtl="1"/>
+            <a:endParaRPr lang="he-IL" sz="1700" dirty="0" smtClean="0"/>
+          </a:p>
+          <a:p>
+            <a:pPr algn="r" rtl="1"/>
+            <a:endParaRPr lang="he-IL" sz="1700" dirty="0" smtClean="0"/>
+          </a:p>
+          <a:p>
+            <a:pPr algn="r" rtl="1"/>
+            <a:r>
+              <a:rPr lang="he-IL" sz="1700" dirty="0" smtClean="0"/>
+              <a:t>אם אחת התשובות היא "כן" – הלולאה תבצע "עבודה":</a:t>
+            </a:r>
+            <a:endParaRPr lang="he-IL" sz="1700" dirty="0"/>
+          </a:p>
+          <a:p>
+            <a:pPr marL="285750" indent="-285750" algn="r" rtl="1">
+              <a:buFont typeface="Arial" panose="020B0604020202020204" pitchFamily="34" charset="0"/>
+              <a:buChar char="•"/>
+            </a:pPr>
+            <a:r>
+              <a:rPr lang="he-IL" sz="1700" dirty="0" smtClean="0"/>
+              <a:t>טיפול בטיימר – ע"י קריאה </a:t>
+            </a:r>
+            <a:r>
+              <a:rPr lang="he-IL" sz="1700" dirty="0" err="1" smtClean="0"/>
+              <a:t>לקולבק</a:t>
+            </a:r>
+            <a:r>
+              <a:rPr lang="he-IL" sz="1700" dirty="0" smtClean="0"/>
+              <a:t> שלו</a:t>
+            </a:r>
+          </a:p>
+          <a:p>
+            <a:pPr marL="285750" indent="-285750" algn="r" rtl="1">
+              <a:buFont typeface="Arial" panose="020B0604020202020204" pitchFamily="34" charset="0"/>
+              <a:buChar char="•"/>
+            </a:pPr>
+            <a:r>
+              <a:rPr lang="he-IL" sz="1700" dirty="0" smtClean="0"/>
+              <a:t>טיפול ב-</a:t>
+            </a:r>
+            <a:r>
+              <a:rPr lang="en-US" sz="1700" dirty="0" smtClean="0"/>
+              <a:t>events</a:t>
+            </a:r>
+            <a:r>
+              <a:rPr lang="he-IL" sz="1700" dirty="0" smtClean="0"/>
+              <a:t> שקרו – ע"י קריאה </a:t>
+            </a:r>
+            <a:r>
+              <a:rPr lang="he-IL" sz="1700" dirty="0" err="1" smtClean="0"/>
+              <a:t>לקולבק</a:t>
+            </a:r>
+            <a:r>
+              <a:rPr lang="he-IL" sz="1700" dirty="0" smtClean="0"/>
+              <a:t> שלהם – (למשל </a:t>
+            </a:r>
+            <a:r>
+              <a:rPr lang="he-IL" sz="1700" dirty="0" err="1" smtClean="0"/>
+              <a:t>קולבק</a:t>
+            </a:r>
+            <a:r>
+              <a:rPr lang="he-IL" sz="1700" dirty="0" smtClean="0"/>
+              <a:t> של בקשת </a:t>
+            </a:r>
+            <a:r>
+              <a:rPr lang="en-US" sz="1700" dirty="0" smtClean="0"/>
+              <a:t>http</a:t>
+            </a:r>
+            <a:r>
+              <a:rPr lang="he-IL" sz="1700" dirty="0" smtClean="0"/>
+              <a:t> נכנסת, או של קטע קובץ שנקרא)</a:t>
+            </a:r>
+          </a:p>
+          <a:p>
+            <a:pPr marL="285750" indent="-285750" algn="r" rtl="1">
+              <a:buFont typeface="Arial" panose="020B0604020202020204" pitchFamily="34" charset="0"/>
+              <a:buChar char="•"/>
+            </a:pPr>
+            <a:r>
+              <a:rPr lang="he-IL" sz="1700" dirty="0" smtClean="0"/>
+              <a:t>טיפול ב-</a:t>
+            </a:r>
+            <a:r>
+              <a:rPr lang="en-US" sz="1700" dirty="0" smtClean="0"/>
+              <a:t>cleanup / garbage collection</a:t>
+            </a:r>
+            <a:endParaRPr lang="he-IL" sz="1700" dirty="0" smtClean="0"/>
+          </a:p>
+          <a:p>
+            <a:pPr marL="285750" indent="-285750" algn="r" rtl="1">
+              <a:buFont typeface="Arial" panose="020B0604020202020204" pitchFamily="34" charset="0"/>
+              <a:buChar char="•"/>
+            </a:pPr>
+            <a:endParaRPr lang="he-IL" sz="1700" dirty="0" smtClean="0"/>
+          </a:p>
+          <a:p>
+            <a:pPr marL="285750" indent="-285750" algn="r" rtl="1">
+              <a:buFont typeface="Arial" panose="020B0604020202020204" pitchFamily="34" charset="0"/>
+              <a:buChar char="•"/>
+            </a:pPr>
+            <a:endParaRPr lang="he-IL" sz="1700" dirty="0"/>
+          </a:p>
+          <a:p>
+            <a:pPr algn="r" rtl="1"/>
+            <a:r>
+              <a:rPr lang="he-IL" sz="1700" dirty="0" smtClean="0"/>
+              <a:t>בסוף </a:t>
+            </a:r>
+            <a:r>
+              <a:rPr lang="he-IL" sz="1700" dirty="0" err="1" smtClean="0"/>
+              <a:t>האיטרציה</a:t>
+            </a:r>
+            <a:r>
+              <a:rPr lang="he-IL" sz="1700" dirty="0" smtClean="0"/>
+              <a:t> הנוכחית התוכנית נכנסת למצב </a:t>
+            </a:r>
+            <a:r>
+              <a:rPr lang="en-US" sz="1700" b="1" dirty="0" smtClean="0"/>
+              <a:t>idle</a:t>
+            </a:r>
+            <a:r>
+              <a:rPr lang="he-IL" sz="1700" dirty="0" smtClean="0"/>
+              <a:t>, עד שנורה </a:t>
+            </a:r>
+            <a:r>
+              <a:rPr lang="en-US" sz="1700" dirty="0" smtClean="0"/>
+              <a:t>event</a:t>
+            </a:r>
+            <a:r>
+              <a:rPr lang="he-IL" sz="1700" dirty="0" smtClean="0"/>
+              <a:t> שקשור לאחת מ-3 הפעולות הנ"ל ואז הלולאה מתחילה שוב</a:t>
+            </a:r>
+          </a:p>
+        </p:txBody>
+      </p:sp>
+      <p:sp>
+        <p:nvSpPr>
+          <p:cNvPr id="5" name="Down Arrow 4"/>
+          <p:cNvSpPr/>
+          <p:nvPr/>
+        </p:nvSpPr>
+        <p:spPr>
+          <a:xfrm>
+            <a:off x="10515600" y="3625652"/>
+            <a:ext cx="236668" cy="441063"/>
+          </a:xfrm>
+          <a:prstGeom prst="downArrow">
+            <a:avLst/>
+          </a:prstGeom>
+        </p:spPr>
+        <p:style>
+          <a:lnRef idx="2">
+            <a:schemeClr val="accent1">
+              <a:shade val="50000"/>
+            </a:schemeClr>
+          </a:lnRef>
+          <a:fillRef idx="1">
+            <a:schemeClr val="accent1"/>
+          </a:fillRef>
+          <a:effectRef idx="0">
+            <a:schemeClr val="accent1"/>
+          </a:effectRef>
+          <a:fontRef idx="minor">
+            <a:schemeClr val="lt1"/>
+          </a:fontRef>
+        </p:style>
+        <p:txBody>
+          <a:bodyPr rtlCol="0" anchor="ctr"/>
+          <a:lstStyle/>
+          <a:p>
+            <a:pPr algn="ctr"/>
+            <a:endParaRPr lang="en-US"/>
+          </a:p>
+        </p:txBody>
+      </p:sp>
+      <p:sp>
+        <p:nvSpPr>
+          <p:cNvPr id="7" name="Left Arrow 6"/>
+          <p:cNvSpPr/>
+          <p:nvPr/>
+        </p:nvSpPr>
+        <p:spPr>
+          <a:xfrm>
+            <a:off x="6802419" y="4179672"/>
+            <a:ext cx="602429" cy="231287"/>
+          </a:xfrm>
+          <a:prstGeom prst="leftArrow">
+            <a:avLst/>
+          </a:prstGeom>
+        </p:spPr>
+        <p:style>
+          <a:lnRef idx="2">
+            <a:schemeClr val="accent1">
+              <a:shade val="50000"/>
+            </a:schemeClr>
+          </a:lnRef>
+          <a:fillRef idx="1">
+            <a:schemeClr val="accent1"/>
+          </a:fillRef>
+          <a:effectRef idx="0">
+            <a:schemeClr val="accent1"/>
+          </a:effectRef>
+          <a:fontRef idx="minor">
+            <a:schemeClr val="lt1"/>
+          </a:fontRef>
+        </p:style>
+        <p:txBody>
+          <a:bodyPr rtlCol="0" anchor="ctr"/>
+          <a:lstStyle/>
+          <a:p>
+            <a:pPr algn="ctr"/>
+            <a:endParaRPr lang="en-US"/>
+          </a:p>
+        </p:txBody>
+      </p:sp>
+      <p:sp>
+        <p:nvSpPr>
+          <p:cNvPr id="8" name="Multiply 7"/>
+          <p:cNvSpPr/>
+          <p:nvPr/>
+        </p:nvSpPr>
+        <p:spPr>
+          <a:xfrm>
+            <a:off x="6067120" y="3976906"/>
+            <a:ext cx="723870" cy="636818"/>
+          </a:xfrm>
+          <a:prstGeom prst="mathMultiply">
+            <a:avLst/>
+          </a:prstGeom>
+          <a:solidFill>
+            <a:srgbClr val="FF0000"/>
+          </a:solidFill>
+          <a:ln>
+            <a:solidFill>
+              <a:srgbClr val="C00000"/>
+            </a:solidFill>
+          </a:ln>
+        </p:spPr>
+        <p:style>
+          <a:lnRef idx="2">
+            <a:schemeClr val="accent1">
+              <a:shade val="50000"/>
+            </a:schemeClr>
+          </a:lnRef>
+          <a:fillRef idx="1">
+            <a:schemeClr val="accent1"/>
+          </a:fillRef>
+          <a:effectRef idx="0">
+            <a:schemeClr val="accent1"/>
+          </a:effectRef>
+          <a:fontRef idx="minor">
+            <a:schemeClr val="lt1"/>
+          </a:fontRef>
+        </p:style>
+        <p:txBody>
+          <a:bodyPr rtlCol="0" anchor="ctr"/>
+          <a:lstStyle/>
+          <a:p>
+            <a:pPr algn="ctr"/>
+            <a:endParaRPr lang="en-US"/>
+          </a:p>
+        </p:txBody>
+      </p:sp>
+      <p:sp>
+        <p:nvSpPr>
+          <p:cNvPr id="9" name="Down Arrow 8"/>
+          <p:cNvSpPr/>
+          <p:nvPr/>
+        </p:nvSpPr>
+        <p:spPr>
+          <a:xfrm>
+            <a:off x="10518230" y="4502685"/>
+            <a:ext cx="236668" cy="441063"/>
+          </a:xfrm>
+          <a:prstGeom prst="downArrow">
+            <a:avLst/>
+          </a:prstGeom>
+        </p:spPr>
+        <p:style>
+          <a:lnRef idx="2">
+            <a:schemeClr val="accent1">
+              <a:shade val="50000"/>
+            </a:schemeClr>
+          </a:lnRef>
+          <a:fillRef idx="1">
+            <a:schemeClr val="accent1"/>
+          </a:fillRef>
+          <a:effectRef idx="0">
+            <a:schemeClr val="accent1"/>
+          </a:effectRef>
+          <a:fontRef idx="minor">
+            <a:schemeClr val="lt1"/>
+          </a:fontRef>
+        </p:style>
+        <p:txBody>
+          <a:bodyPr rtlCol="0" anchor="ctr"/>
+          <a:lstStyle/>
+          <a:p>
+            <a:pPr algn="ctr"/>
+            <a:endParaRPr lang="en-US"/>
+          </a:p>
+        </p:txBody>
+      </p:sp>
+      <p:sp>
+        <p:nvSpPr>
+          <p:cNvPr id="10" name="Down Arrow 9"/>
+          <p:cNvSpPr/>
+          <p:nvPr/>
+        </p:nvSpPr>
+        <p:spPr>
+          <a:xfrm>
+            <a:off x="10515600" y="6076282"/>
+            <a:ext cx="236668" cy="441063"/>
+          </a:xfrm>
+          <a:prstGeom prst="downArrow">
+            <a:avLst/>
+          </a:prstGeom>
+        </p:spPr>
+        <p:style>
+          <a:lnRef idx="2">
+            <a:schemeClr val="accent1">
+              <a:shade val="50000"/>
+            </a:schemeClr>
+          </a:lnRef>
+          <a:fillRef idx="1">
+            <a:schemeClr val="accent1"/>
+          </a:fillRef>
+          <a:effectRef idx="0">
+            <a:schemeClr val="accent1"/>
+          </a:effectRef>
+          <a:fontRef idx="minor">
+            <a:schemeClr val="lt1"/>
+          </a:fontRef>
+        </p:style>
+        <p:txBody>
+          <a:bodyPr rtlCol="0" anchor="ctr"/>
+          <a:lstStyle/>
+          <a:p>
+            <a:pPr algn="ctr"/>
+            <a:endParaRPr lang="en-US"/>
+          </a:p>
+        </p:txBody>
+      </p:sp>
+      <p:sp>
+        <p:nvSpPr>
+          <p:cNvPr id="13" name="Rectangle 12"/>
+          <p:cNvSpPr/>
+          <p:nvPr/>
+        </p:nvSpPr>
+        <p:spPr>
+          <a:xfrm>
+            <a:off x="11549289" y="6535271"/>
+            <a:ext cx="473619" cy="85487"/>
+          </a:xfrm>
+          <a:prstGeom prst="rect">
+            <a:avLst/>
+          </a:prstGeom>
+        </p:spPr>
+        <p:style>
+          <a:lnRef idx="2">
+            <a:schemeClr val="accent1">
+              <a:shade val="50000"/>
+            </a:schemeClr>
+          </a:lnRef>
+          <a:fillRef idx="1">
+            <a:schemeClr val="accent1"/>
+          </a:fillRef>
+          <a:effectRef idx="0">
+            <a:schemeClr val="accent1"/>
+          </a:effectRef>
+          <a:fontRef idx="minor">
+            <a:schemeClr val="lt1"/>
+          </a:fontRef>
+        </p:style>
+        <p:txBody>
+          <a:bodyPr rtlCol="0" anchor="ctr"/>
+          <a:lstStyle/>
+          <a:p>
+            <a:pPr algn="ctr"/>
+            <a:endParaRPr lang="en-US"/>
+          </a:p>
+        </p:txBody>
+      </p:sp>
+      <p:sp>
+        <p:nvSpPr>
+          <p:cNvPr id="11" name="Bent-Up Arrow 10"/>
+          <p:cNvSpPr/>
+          <p:nvPr/>
+        </p:nvSpPr>
+        <p:spPr>
+          <a:xfrm rot="16200000">
+            <a:off x="9794764" y="4392614"/>
+            <a:ext cx="3994099" cy="462188"/>
+          </a:xfrm>
+          <a:prstGeom prst="bentUpArrow">
+            <a:avLst>
+              <a:gd name="adj1" fmla="val 17090"/>
+              <a:gd name="adj2" fmla="val 23870"/>
+              <a:gd name="adj3" fmla="val 25000"/>
+            </a:avLst>
+          </a:prstGeom>
+        </p:spPr>
+        <p:style>
+          <a:lnRef idx="2">
+            <a:schemeClr val="accent1">
+              <a:shade val="50000"/>
+            </a:schemeClr>
+          </a:lnRef>
+          <a:fillRef idx="1">
+            <a:schemeClr val="accent1"/>
+          </a:fillRef>
+          <a:effectRef idx="0">
+            <a:schemeClr val="accent1"/>
+          </a:effectRef>
+          <a:fontRef idx="minor">
+            <a:schemeClr val="lt1"/>
+          </a:fontRef>
+        </p:style>
+        <p:txBody>
+          <a:bodyPr rtlCol="0" anchor="ctr"/>
+          <a:lstStyle/>
+          <a:p>
+            <a:pPr algn="ctr"/>
+            <a:endParaRPr lang="en-US"/>
+          </a:p>
+        </p:txBody>
+      </p:sp>
+    </p:spTree>
+    <p:extLst>
+      <p:ext uri="{BB962C8B-B14F-4D97-AF65-F5344CB8AC3E}">
+        <p14:creationId xmlns:p14="http://schemas.microsoft.com/office/powerpoint/2010/main" val="4253057970"/>
+      </p:ext>
+    </p:extLst>
+  </p:cSld>
+  <p:clrMapOvr>
+    <a:masterClrMapping/>
+  </p:clrMapOvr>
+</p:sld>
+</file>
+
+<file path=ppt/slides/slide16.xml><?xml version="1.0" encoding="utf-8"?>
+<p:sld xmlns:a="http://schemas.openxmlformats.org/drawingml/2006/main" xmlns:r="http://schemas.openxmlformats.org/officeDocument/2006/relationships" xmlns:p="http://schemas.openxmlformats.org/presentationml/2006/main">
+  <p:cSld>
+    <p:spTree>
+      <p:nvGrpSpPr>
+        <p:cNvPr id="1" name=""/>
+        <p:cNvGrpSpPr/>
+        <p:nvPr/>
+      </p:nvGrpSpPr>
+      <p:grpSpPr>
+        <a:xfrm>
+          <a:off x="0" y="0"/>
+          <a:ext cx="0" cy="0"/>
+          <a:chOff x="0" y="0"/>
+          <a:chExt cx="0" cy="0"/>
+        </a:xfrm>
+      </p:grpSpPr>
+      <p:sp>
+        <p:nvSpPr>
+          <p:cNvPr id="5" name="Title 1"/>
+          <p:cNvSpPr>
+            <a:spLocks noGrp="1"/>
+          </p:cNvSpPr>
+          <p:nvPr>
+            <p:ph type="title"/>
+          </p:nvPr>
+        </p:nvSpPr>
+        <p:spPr>
+          <a:xfrm>
+            <a:off x="729095" y="153948"/>
+            <a:ext cx="10515600" cy="818216"/>
+          </a:xfrm>
+        </p:spPr>
+        <p:txBody>
+          <a:bodyPr/>
+          <a:lstStyle/>
+          <a:p>
+            <a:pPr algn="ctr" rtl="1"/>
+            <a:r>
+              <a:rPr lang="en-US" dirty="0" smtClean="0">
+                <a:cs typeface="+mn-cs"/>
+              </a:rPr>
+              <a:t>Hello World</a:t>
+            </a:r>
+            <a:endParaRPr lang="en-US" dirty="0">
+              <a:cs typeface="+mn-cs"/>
+            </a:endParaRPr>
+          </a:p>
+        </p:txBody>
+      </p:sp>
+      <p:pic>
+        <p:nvPicPr>
+          <p:cNvPr id="7" name="Picture 6"/>
+          <p:cNvPicPr>
+            <a:picLocks noChangeAspect="1"/>
+          </p:cNvPicPr>
+          <p:nvPr/>
+        </p:nvPicPr>
+        <p:blipFill>
+          <a:blip r:embed="rId2"/>
+          <a:stretch>
+            <a:fillRect/>
+          </a:stretch>
+        </p:blipFill>
+        <p:spPr>
+          <a:xfrm>
+            <a:off x="3169919" y="972164"/>
+            <a:ext cx="6361027" cy="3193287"/>
+          </a:xfrm>
+          <a:prstGeom prst="rect">
+            <a:avLst/>
+          </a:prstGeom>
+        </p:spPr>
+      </p:pic>
+      <p:sp>
+        <p:nvSpPr>
+          <p:cNvPr id="8" name="TextBox 7"/>
+          <p:cNvSpPr txBox="1"/>
+          <p:nvPr/>
+        </p:nvSpPr>
+        <p:spPr>
+          <a:xfrm>
+            <a:off x="983462" y="4334899"/>
+            <a:ext cx="10597237" cy="2677656"/>
+          </a:xfrm>
+          <a:prstGeom prst="rect">
+            <a:avLst/>
+          </a:prstGeom>
+          <a:noFill/>
+        </p:spPr>
+        <p:txBody>
+          <a:bodyPr wrap="square" rtlCol="0">
+            <a:spAutoFit/>
+          </a:bodyPr>
+          <a:lstStyle/>
+          <a:p>
+            <a:pPr marL="342900" lvl="8" indent="-342900" algn="r" rtl="1">
+              <a:buFontTx/>
+              <a:buAutoNum type="arabicParenR"/>
+            </a:pPr>
+            <a:r>
+              <a:rPr lang="he-IL" sz="1400" dirty="0"/>
+              <a:t>מנוע </a:t>
+            </a:r>
+            <a:r>
+              <a:rPr lang="en-US" sz="1400" dirty="0"/>
+              <a:t>V8</a:t>
+            </a:r>
+            <a:r>
+              <a:rPr lang="he-IL" sz="1400" dirty="0"/>
+              <a:t> מריץ את הקוד שלנו סינכרונית מלמעלה </a:t>
+            </a:r>
+            <a:r>
+              <a:rPr lang="he-IL" sz="1400" dirty="0" smtClean="0"/>
+              <a:t>למטה</a:t>
+            </a:r>
+          </a:p>
+          <a:p>
+            <a:pPr marL="342900" lvl="8" indent="-342900" algn="r" rtl="1">
+              <a:buFontTx/>
+              <a:buAutoNum type="arabicParenR"/>
+            </a:pPr>
+            <a:r>
+              <a:rPr lang="he-IL" sz="1400" dirty="0" smtClean="0"/>
+              <a:t>מודול </a:t>
+            </a:r>
+            <a:r>
+              <a:rPr lang="en-US" sz="1400" dirty="0" smtClean="0"/>
+              <a:t>http</a:t>
+            </a:r>
+            <a:r>
+              <a:rPr lang="he-IL" sz="1400" dirty="0" smtClean="0"/>
+              <a:t> של </a:t>
+            </a:r>
+            <a:r>
+              <a:rPr lang="en-US" sz="1400" dirty="0" smtClean="0"/>
+              <a:t>Node</a:t>
+            </a:r>
+            <a:r>
+              <a:rPr lang="he-IL" sz="1400" dirty="0" smtClean="0"/>
+              <a:t> מיובא</a:t>
+            </a:r>
+          </a:p>
+          <a:p>
+            <a:pPr marL="342900" lvl="8" indent="-342900" algn="r" rtl="1">
+              <a:buFontTx/>
+              <a:buAutoNum type="arabicParenR"/>
+            </a:pPr>
+            <a:r>
+              <a:rPr lang="en-US" sz="1400" dirty="0" smtClean="0"/>
+              <a:t>V8</a:t>
+            </a:r>
+            <a:r>
+              <a:rPr lang="he-IL" sz="1400" dirty="0" smtClean="0"/>
+              <a:t> </a:t>
+            </a:r>
+            <a:r>
+              <a:rPr lang="he-IL" sz="1400" dirty="0" smtClean="0"/>
+              <a:t>סינכרוני - נוצר אובייקט שרת</a:t>
+            </a:r>
+          </a:p>
+          <a:p>
+            <a:pPr marL="342900" lvl="8" indent="-342900" algn="r" rtl="1">
+              <a:buFontTx/>
+              <a:buAutoNum type="arabicParenR"/>
+            </a:pPr>
+            <a:r>
+              <a:rPr lang="en-US" sz="1400" dirty="0" smtClean="0"/>
+              <a:t>V8</a:t>
+            </a:r>
+            <a:r>
+              <a:rPr lang="he-IL" sz="1400" dirty="0" smtClean="0"/>
+              <a:t> סינכרוני – רישום </a:t>
+            </a:r>
+            <a:r>
+              <a:rPr lang="he-IL" sz="1400" dirty="0" err="1" smtClean="0"/>
+              <a:t>קולבק</a:t>
+            </a:r>
+            <a:r>
+              <a:rPr lang="he-IL" sz="1400" dirty="0" smtClean="0"/>
+              <a:t> לטיפול בבקשות נכנסות</a:t>
+            </a:r>
+          </a:p>
+          <a:p>
+            <a:pPr marL="342900" lvl="8" indent="-342900" algn="r" rtl="1">
+              <a:buFontTx/>
+              <a:buAutoNum type="arabicParenR"/>
+            </a:pPr>
+            <a:r>
+              <a:rPr lang="en-US" sz="1400" dirty="0" smtClean="0"/>
+              <a:t>V8</a:t>
+            </a:r>
+            <a:r>
+              <a:rPr lang="he-IL" sz="1400" dirty="0" smtClean="0"/>
+              <a:t> סינכרוני – הפעלת </a:t>
+            </a:r>
+            <a:r>
+              <a:rPr lang="en-US" sz="1400" dirty="0" smtClean="0"/>
+              <a:t>listen</a:t>
+            </a:r>
+            <a:r>
+              <a:rPr lang="he-IL" sz="1400" dirty="0" smtClean="0"/>
+              <a:t> בצד ה-</a:t>
+            </a:r>
+            <a:r>
+              <a:rPr lang="en-US" sz="1400" dirty="0" smtClean="0"/>
+              <a:t>JS</a:t>
+            </a:r>
+            <a:r>
+              <a:rPr lang="he-IL" sz="1400" dirty="0" smtClean="0"/>
+              <a:t> (דרך </a:t>
+            </a:r>
+            <a:r>
+              <a:rPr lang="en-US" sz="1400" dirty="0" smtClean="0"/>
+              <a:t>binding</a:t>
+            </a:r>
+            <a:r>
+              <a:rPr lang="he-IL" sz="1400" dirty="0" smtClean="0"/>
+              <a:t> יעבור ל-</a:t>
+            </a:r>
+            <a:r>
+              <a:rPr lang="en-US" sz="1400" dirty="0" err="1" smtClean="0"/>
+              <a:t>Libuv</a:t>
+            </a:r>
+            <a:r>
+              <a:rPr lang="he-IL" sz="1400" dirty="0" smtClean="0"/>
+              <a:t>)</a:t>
+            </a:r>
+          </a:p>
+          <a:p>
+            <a:pPr marL="342900" lvl="8" indent="-342900" algn="r" rtl="1">
+              <a:buFontTx/>
+              <a:buAutoNum type="arabicParenR"/>
+            </a:pPr>
+            <a:r>
+              <a:rPr lang="en-US" sz="1400" dirty="0" smtClean="0"/>
+              <a:t>V8</a:t>
+            </a:r>
+            <a:r>
+              <a:rPr lang="he-IL" sz="1400" dirty="0" smtClean="0"/>
+              <a:t> סינכרוני </a:t>
+            </a:r>
+            <a:r>
+              <a:rPr lang="he-IL" sz="1400" dirty="0"/>
+              <a:t>– </a:t>
+            </a:r>
+            <a:r>
+              <a:rPr lang="he-IL" sz="1400" dirty="0" smtClean="0"/>
+              <a:t>רישום </a:t>
+            </a:r>
+            <a:r>
+              <a:rPr lang="he-IL" sz="1400" dirty="0" err="1" smtClean="0"/>
+              <a:t>קולבק</a:t>
+            </a:r>
+            <a:r>
+              <a:rPr lang="he-IL" sz="1400" dirty="0" smtClean="0"/>
+              <a:t> לטיפול באירוע "האזנה בתהליך"</a:t>
+            </a:r>
+          </a:p>
+          <a:p>
+            <a:pPr marL="342900" lvl="8" indent="-342900" algn="r" rtl="1">
+              <a:buFontTx/>
+              <a:buAutoNum type="arabicParenR"/>
+            </a:pPr>
+            <a:r>
+              <a:rPr lang="en-US" sz="1400" dirty="0" err="1" smtClean="0"/>
+              <a:t>Libuv</a:t>
+            </a:r>
+            <a:r>
+              <a:rPr lang="he-IL" sz="1400" dirty="0" smtClean="0"/>
+              <a:t> אסינכרוני – הפעלת </a:t>
+            </a:r>
+            <a:r>
+              <a:rPr lang="en-US" sz="1400" dirty="0" smtClean="0"/>
+              <a:t>listen</a:t>
+            </a:r>
+            <a:r>
+              <a:rPr lang="he-IL" sz="1400" dirty="0" smtClean="0"/>
+              <a:t> בצד ה-</a:t>
+            </a:r>
+            <a:r>
+              <a:rPr lang="en-US" sz="1400" dirty="0" err="1" smtClean="0"/>
+              <a:t>Libuv</a:t>
+            </a:r>
+            <a:r>
+              <a:rPr lang="he-IL" sz="1400" dirty="0" smtClean="0"/>
+              <a:t> באמצעות </a:t>
+            </a:r>
+            <a:r>
+              <a:rPr lang="he-IL" sz="1400" dirty="0" err="1" smtClean="0"/>
+              <a:t>ת'רד</a:t>
+            </a:r>
+            <a:r>
+              <a:rPr lang="he-IL" sz="1400" dirty="0" smtClean="0"/>
+              <a:t> נפרד – פתיחת פורט דרך מערכת ההפעלה</a:t>
+            </a:r>
+          </a:p>
+          <a:p>
+            <a:pPr marL="342900" lvl="8" indent="-342900" algn="r" rtl="1">
+              <a:buFontTx/>
+              <a:buAutoNum type="arabicParenR"/>
+            </a:pPr>
+            <a:r>
+              <a:rPr lang="en-US" sz="1400" dirty="0" err="1" smtClean="0"/>
+              <a:t>Libuv</a:t>
+            </a:r>
+            <a:r>
+              <a:rPr lang="he-IL" sz="1400" dirty="0" smtClean="0"/>
+              <a:t> </a:t>
+            </a:r>
+            <a:r>
+              <a:rPr lang="he-IL" sz="1400" dirty="0"/>
+              <a:t>אסינכרוני – </a:t>
+            </a:r>
+            <a:r>
+              <a:rPr lang="he-IL" sz="1400" dirty="0" smtClean="0"/>
+              <a:t>הרמת </a:t>
+            </a:r>
+            <a:r>
+              <a:rPr lang="en-US" sz="1400" dirty="0" smtClean="0"/>
+              <a:t>event</a:t>
+            </a:r>
+            <a:r>
+              <a:rPr lang="he-IL" sz="1400" dirty="0" smtClean="0"/>
+              <a:t> "האזנה בתהליך"</a:t>
+            </a:r>
+          </a:p>
+          <a:p>
+            <a:pPr marL="342900" lvl="8" indent="-342900" algn="r" rtl="1">
+              <a:buFontTx/>
+              <a:buAutoNum type="arabicParenR"/>
+            </a:pPr>
+            <a:r>
+              <a:rPr lang="en-US" sz="1400" dirty="0" smtClean="0"/>
+              <a:t>EL</a:t>
+            </a:r>
+            <a:r>
+              <a:rPr lang="he-IL" sz="1400" dirty="0" smtClean="0"/>
+              <a:t> סינכרוני – מגיב ל-</a:t>
+            </a:r>
+            <a:r>
+              <a:rPr lang="en-US" sz="1400" dirty="0" smtClean="0"/>
+              <a:t>event</a:t>
+            </a:r>
+            <a:r>
+              <a:rPr lang="he-IL" sz="1400" dirty="0" smtClean="0"/>
+              <a:t> "האזנה בתהליך" – מריץ את </a:t>
+            </a:r>
+            <a:r>
+              <a:rPr lang="he-IL" sz="1400" dirty="0" err="1" smtClean="0"/>
+              <a:t>הקולבק</a:t>
+            </a:r>
+            <a:endParaRPr lang="he-IL" sz="1400" dirty="0"/>
+          </a:p>
+          <a:p>
+            <a:pPr marL="342900" lvl="8" indent="-342900" algn="r" rtl="1">
+              <a:buFontTx/>
+              <a:buAutoNum type="arabicParenR"/>
+            </a:pPr>
+            <a:r>
+              <a:rPr lang="he-IL" sz="1400" dirty="0" smtClean="0"/>
+              <a:t>אסינכרוני – בקשה נכנסת – מורם </a:t>
+            </a:r>
+            <a:r>
+              <a:rPr lang="en-US" sz="1400" dirty="0" smtClean="0"/>
+              <a:t>event</a:t>
+            </a:r>
+            <a:r>
+              <a:rPr lang="he-IL" sz="1400" dirty="0" smtClean="0"/>
+              <a:t> של בקשה נכנסת</a:t>
+            </a:r>
+          </a:p>
+          <a:p>
+            <a:pPr marL="342900" lvl="8" indent="-342900" algn="r" rtl="1">
+              <a:buFontTx/>
+              <a:buAutoNum type="arabicParenR"/>
+            </a:pPr>
+            <a:r>
+              <a:rPr lang="en-US" sz="1400" dirty="0" smtClean="0"/>
+              <a:t>EL</a:t>
+            </a:r>
+            <a:r>
+              <a:rPr lang="he-IL" sz="1400" dirty="0" smtClean="0"/>
+              <a:t> סינכרוני – מגיב ל-</a:t>
+            </a:r>
+            <a:r>
+              <a:rPr lang="en-US" sz="1400" dirty="0" smtClean="0"/>
+              <a:t>event</a:t>
+            </a:r>
+            <a:r>
+              <a:rPr lang="he-IL" sz="1400" dirty="0" smtClean="0"/>
+              <a:t> של בקשה נכנסת – קורא </a:t>
+            </a:r>
+            <a:r>
+              <a:rPr lang="he-IL" sz="1400" dirty="0" err="1" smtClean="0"/>
+              <a:t>לקולבק</a:t>
+            </a:r>
+            <a:r>
+              <a:rPr lang="he-IL" sz="1400" dirty="0" smtClean="0"/>
+              <a:t> לטיפול בבקשה נכנסת</a:t>
+            </a:r>
+            <a:endParaRPr lang="he-IL" sz="1400" dirty="0"/>
+          </a:p>
+          <a:p>
+            <a:pPr marL="342900" indent="-342900" algn="r" rtl="1">
+              <a:buAutoNum type="arabicParenR"/>
+            </a:pPr>
+            <a:endParaRPr lang="en-US" sz="1400" dirty="0"/>
+          </a:p>
+        </p:txBody>
+      </p:sp>
+    </p:spTree>
+    <p:extLst>
+      <p:ext uri="{BB962C8B-B14F-4D97-AF65-F5344CB8AC3E}">
+        <p14:creationId xmlns:p14="http://schemas.microsoft.com/office/powerpoint/2010/main" val="2459336237"/>
+      </p:ext>
+    </p:extLst>
+  </p:cSld>
+  <p:clrMapOvr>
+    <a:masterClrMapping/>
+  </p:clrMapOvr>
+</p:sld>
+</file>
+
+<file path=ppt/slides/slide17.xml><?xml version="1.0" encoding="utf-8"?>
+<p:sld xmlns:a="http://schemas.openxmlformats.org/drawingml/2006/main" xmlns:r="http://schemas.openxmlformats.org/officeDocument/2006/relationships" xmlns:p="http://schemas.openxmlformats.org/presentationml/2006/main">
+  <p:cSld>
+    <p:spTree>
+      <p:nvGrpSpPr>
+        <p:cNvPr id="1" name=""/>
+        <p:cNvGrpSpPr/>
+        <p:nvPr/>
+      </p:nvGrpSpPr>
+      <p:grpSpPr>
+        <a:xfrm>
+          <a:off x="0" y="0"/>
+          <a:ext cx="0" cy="0"/>
+          <a:chOff x="0" y="0"/>
+          <a:chExt cx="0" cy="0"/>
+        </a:xfrm>
+      </p:grpSpPr>
+      <p:sp>
+        <p:nvSpPr>
+          <p:cNvPr id="2" name="Title 1"/>
+          <p:cNvSpPr>
+            <a:spLocks noGrp="1"/>
+          </p:cNvSpPr>
+          <p:nvPr>
+            <p:ph type="title"/>
+          </p:nvPr>
+        </p:nvSpPr>
+        <p:spPr>
+          <a:xfrm>
+            <a:off x="838200" y="365126"/>
+            <a:ext cx="10515600" cy="719604"/>
+          </a:xfrm>
+        </p:spPr>
+        <p:txBody>
+          <a:bodyPr/>
+          <a:lstStyle/>
+          <a:p>
+            <a:pPr algn="ctr" rtl="1"/>
+            <a:r>
+              <a:rPr lang="he-IL" dirty="0" smtClean="0">
+                <a:cs typeface="+mn-cs"/>
+              </a:rPr>
+              <a:t>האם </a:t>
+            </a:r>
+            <a:r>
+              <a:rPr lang="en-US" dirty="0" smtClean="0">
+                <a:cs typeface="+mn-cs"/>
+              </a:rPr>
+              <a:t>Node</a:t>
+            </a:r>
+            <a:r>
+              <a:rPr lang="he-IL" dirty="0" smtClean="0">
+                <a:cs typeface="+mn-cs"/>
+              </a:rPr>
+              <a:t> היא סינגל </a:t>
+            </a:r>
+            <a:r>
+              <a:rPr lang="he-IL" dirty="0" err="1" smtClean="0">
+                <a:cs typeface="+mn-cs"/>
+              </a:rPr>
+              <a:t>ת'רד</a:t>
+            </a:r>
+            <a:r>
+              <a:rPr lang="he-IL" dirty="0" smtClean="0">
+                <a:cs typeface="+mn-cs"/>
+              </a:rPr>
+              <a:t>?</a:t>
+            </a:r>
+            <a:endParaRPr lang="en-US" dirty="0">
+              <a:cs typeface="+mn-cs"/>
+            </a:endParaRPr>
+          </a:p>
+        </p:txBody>
+      </p:sp>
+      <p:sp>
+        <p:nvSpPr>
+          <p:cNvPr id="3" name="TextBox 2"/>
+          <p:cNvSpPr txBox="1"/>
+          <p:nvPr/>
+        </p:nvSpPr>
+        <p:spPr>
+          <a:xfrm>
+            <a:off x="838200" y="1342344"/>
+            <a:ext cx="10597237" cy="3693319"/>
+          </a:xfrm>
+          <a:prstGeom prst="rect">
+            <a:avLst/>
+          </a:prstGeom>
+          <a:noFill/>
+        </p:spPr>
+        <p:txBody>
+          <a:bodyPr wrap="square" rtlCol="0">
+            <a:spAutoFit/>
+          </a:bodyPr>
+          <a:lstStyle/>
+          <a:p>
+            <a:pPr algn="r" rtl="1"/>
+            <a:r>
+              <a:rPr lang="he-IL" dirty="0" smtClean="0"/>
+              <a:t>התשובה היא כן ולא:</a:t>
+            </a:r>
+            <a:endParaRPr lang="en-US" dirty="0" smtClean="0"/>
+          </a:p>
+          <a:p>
+            <a:pPr algn="r" rtl="1"/>
+            <a:endParaRPr lang="he-IL" dirty="0" smtClean="0"/>
+          </a:p>
+          <a:p>
+            <a:pPr algn="r" rtl="1"/>
+            <a:r>
+              <a:rPr lang="he-IL" dirty="0" smtClean="0"/>
+              <a:t>ריצת </a:t>
+            </a:r>
+            <a:r>
+              <a:rPr lang="en-US" dirty="0" smtClean="0"/>
+              <a:t>V8</a:t>
+            </a:r>
+            <a:r>
+              <a:rPr lang="he-IL" dirty="0" smtClean="0"/>
+              <a:t> היא סינגל </a:t>
+            </a:r>
+            <a:r>
+              <a:rPr lang="he-IL" dirty="0" err="1" smtClean="0"/>
+              <a:t>ת'רד</a:t>
+            </a:r>
+            <a:r>
+              <a:rPr lang="he-IL" dirty="0" smtClean="0"/>
+              <a:t>.</a:t>
+            </a:r>
+          </a:p>
+          <a:p>
+            <a:pPr algn="r" rtl="1"/>
+            <a:r>
+              <a:rPr lang="he-IL" dirty="0" smtClean="0"/>
+              <a:t>ה-</a:t>
+            </a:r>
+            <a:r>
+              <a:rPr lang="en-US" dirty="0" smtClean="0"/>
+              <a:t>Event Loop</a:t>
+            </a:r>
+            <a:r>
+              <a:rPr lang="he-IL" dirty="0" smtClean="0"/>
+              <a:t> היא סינגל </a:t>
+            </a:r>
+            <a:r>
+              <a:rPr lang="he-IL" dirty="0" err="1" smtClean="0"/>
+              <a:t>ת'רד</a:t>
+            </a:r>
+            <a:r>
+              <a:rPr lang="he-IL" dirty="0" smtClean="0"/>
+              <a:t>.</a:t>
+            </a:r>
+            <a:endParaRPr lang="en-US" dirty="0" smtClean="0"/>
+          </a:p>
+          <a:p>
+            <a:pPr algn="r" rtl="1"/>
+            <a:endParaRPr lang="he-IL" dirty="0" smtClean="0"/>
+          </a:p>
+          <a:p>
+            <a:pPr algn="r" rtl="1"/>
+            <a:r>
+              <a:rPr lang="he-IL" dirty="0" smtClean="0"/>
+              <a:t>אבל רוב הפונקציונליות ש-</a:t>
+            </a:r>
+            <a:r>
+              <a:rPr lang="en-US" dirty="0" smtClean="0"/>
+              <a:t>Node</a:t>
+            </a:r>
+            <a:r>
+              <a:rPr lang="he-IL" dirty="0" smtClean="0"/>
+              <a:t> מספקת לנו תחת מנוע </a:t>
+            </a:r>
+            <a:r>
+              <a:rPr lang="en-US" dirty="0" err="1" smtClean="0"/>
+              <a:t>Libuv</a:t>
+            </a:r>
+            <a:r>
+              <a:rPr lang="he-IL" dirty="0" smtClean="0"/>
+              <a:t> – היא מולטי </a:t>
+            </a:r>
+            <a:r>
+              <a:rPr lang="he-IL" dirty="0" err="1" smtClean="0"/>
+              <a:t>ת'רד</a:t>
+            </a:r>
+            <a:r>
+              <a:rPr lang="he-IL" dirty="0" smtClean="0"/>
+              <a:t>.</a:t>
+            </a:r>
+          </a:p>
+          <a:p>
+            <a:pPr algn="r" rtl="1"/>
+            <a:endParaRPr lang="he-IL" dirty="0" smtClean="0"/>
+          </a:p>
+          <a:p>
+            <a:pPr algn="r" rtl="1"/>
+            <a:endParaRPr lang="he-IL" dirty="0"/>
+          </a:p>
+          <a:p>
+            <a:pPr algn="r" rtl="1"/>
+            <a:endParaRPr lang="he-IL" dirty="0" smtClean="0"/>
+          </a:p>
+          <a:p>
+            <a:pPr algn="r" rtl="1"/>
+            <a:r>
+              <a:rPr lang="he-IL" dirty="0" smtClean="0"/>
+              <a:t>מה המשמעות מכך?</a:t>
+            </a:r>
+          </a:p>
+          <a:p>
+            <a:pPr algn="r" rtl="1"/>
+            <a:endParaRPr lang="he-IL" dirty="0"/>
+          </a:p>
+          <a:p>
+            <a:pPr algn="r" rtl="1"/>
+            <a:endParaRPr lang="he-IL" dirty="0"/>
+          </a:p>
+          <a:p>
+            <a:pPr algn="r" rtl="1"/>
+            <a:endParaRPr lang="he-IL" dirty="0" smtClean="0"/>
+          </a:p>
+        </p:txBody>
+      </p:sp>
+    </p:spTree>
+    <p:extLst>
+      <p:ext uri="{BB962C8B-B14F-4D97-AF65-F5344CB8AC3E}">
+        <p14:creationId xmlns:p14="http://schemas.microsoft.com/office/powerpoint/2010/main" val="1705815735"/>
+      </p:ext>
+    </p:extLst>
+  </p:cSld>
+  <p:clrMapOvr>
+    <a:masterClrMapping/>
+  </p:clrMapOvr>
+</p:sld>
+</file>
+
+<file path=ppt/slides/slide18.xml><?xml version="1.0" encoding="utf-8"?>
+<p:sld xmlns:a="http://schemas.openxmlformats.org/drawingml/2006/main" xmlns:r="http://schemas.openxmlformats.org/officeDocument/2006/relationships" xmlns:p="http://schemas.openxmlformats.org/presentationml/2006/main">
+  <p:cSld>
+    <p:spTree>
+      <p:nvGrpSpPr>
+        <p:cNvPr id="1" name=""/>
+        <p:cNvGrpSpPr/>
+        <p:nvPr/>
+      </p:nvGrpSpPr>
+      <p:grpSpPr>
+        <a:xfrm>
+          <a:off x="0" y="0"/>
+          <a:ext cx="0" cy="0"/>
+          <a:chOff x="0" y="0"/>
+          <a:chExt cx="0" cy="0"/>
+        </a:xfrm>
+      </p:grpSpPr>
+      <p:sp>
+        <p:nvSpPr>
+          <p:cNvPr id="2" name="Title 1"/>
+          <p:cNvSpPr>
+            <a:spLocks noGrp="1"/>
+          </p:cNvSpPr>
+          <p:nvPr>
+            <p:ph type="title"/>
+          </p:nvPr>
+        </p:nvSpPr>
+        <p:spPr>
+          <a:xfrm>
+            <a:off x="838200" y="365126"/>
+            <a:ext cx="10515600" cy="719604"/>
+          </a:xfrm>
+        </p:spPr>
+        <p:txBody>
+          <a:bodyPr/>
+          <a:lstStyle/>
+          <a:p>
+            <a:pPr algn="ctr" rtl="1"/>
+            <a:r>
+              <a:rPr lang="he-IL" dirty="0" smtClean="0">
+                <a:cs typeface="+mn-cs"/>
+              </a:rPr>
+              <a:t>עבודה נכונה עם </a:t>
+            </a:r>
+            <a:r>
+              <a:rPr lang="en-US" dirty="0" smtClean="0">
+                <a:cs typeface="+mn-cs"/>
+              </a:rPr>
+              <a:t>Node.JS</a:t>
+            </a:r>
+            <a:endParaRPr lang="en-US" dirty="0">
+              <a:cs typeface="+mn-cs"/>
+            </a:endParaRPr>
+          </a:p>
+        </p:txBody>
+      </p:sp>
+      <p:sp>
+        <p:nvSpPr>
+          <p:cNvPr id="3" name="TextBox 2"/>
+          <p:cNvSpPr txBox="1"/>
+          <p:nvPr/>
+        </p:nvSpPr>
+        <p:spPr>
+          <a:xfrm>
+            <a:off x="838200" y="1281384"/>
+            <a:ext cx="10597237" cy="5355312"/>
+          </a:xfrm>
+          <a:prstGeom prst="rect">
+            <a:avLst/>
+          </a:prstGeom>
+          <a:noFill/>
+        </p:spPr>
+        <p:txBody>
+          <a:bodyPr wrap="square" rtlCol="0">
+            <a:spAutoFit/>
+          </a:bodyPr>
+          <a:lstStyle/>
+          <a:p>
+            <a:pPr algn="r" rtl="1"/>
+            <a:r>
+              <a:rPr lang="he-IL" dirty="0" smtClean="0"/>
+              <a:t>כדי להגיע לביצועים טובים בשרת, כאלה שלא נופלים מהמתחרים ואף טובים יותר, צריך לדעת לעבוד נכון עם המנוע.</a:t>
+            </a:r>
+          </a:p>
+          <a:p>
+            <a:pPr algn="r" rtl="1"/>
+            <a:endParaRPr lang="he-IL" dirty="0"/>
+          </a:p>
+          <a:p>
+            <a:pPr algn="r" rtl="1"/>
+            <a:r>
+              <a:rPr lang="he-IL" dirty="0" smtClean="0"/>
+              <a:t>קוד האפליקציה הסינכרוני – מורץ ע"י </a:t>
+            </a:r>
+            <a:r>
+              <a:rPr lang="en-US" dirty="0" smtClean="0"/>
+              <a:t>V8</a:t>
+            </a:r>
+            <a:r>
+              <a:rPr lang="he-IL" dirty="0"/>
+              <a:t> </a:t>
+            </a:r>
+            <a:r>
+              <a:rPr lang="he-IL" dirty="0" smtClean="0"/>
+              <a:t>בצורה אופטימלית ומהירה.</a:t>
+            </a:r>
+          </a:p>
+          <a:p>
+            <a:pPr algn="r" rtl="1"/>
+            <a:endParaRPr lang="he-IL" dirty="0"/>
+          </a:p>
+          <a:p>
+            <a:pPr algn="r" rtl="1"/>
+            <a:r>
+              <a:rPr lang="he-IL" dirty="0" smtClean="0"/>
+              <a:t>קוד אסינכרוני - מואצל ל-</a:t>
+            </a:r>
+            <a:r>
+              <a:rPr lang="en-US" dirty="0" err="1" smtClean="0"/>
+              <a:t>Libuv</a:t>
+            </a:r>
+            <a:r>
+              <a:rPr lang="he-IL" dirty="0" smtClean="0"/>
+              <a:t> ומבוצע בצורה אופטימלית.</a:t>
+            </a:r>
+          </a:p>
+          <a:p>
+            <a:pPr algn="r" rtl="1"/>
+            <a:endParaRPr lang="he-IL" dirty="0" smtClean="0"/>
+          </a:p>
+          <a:p>
+            <a:pPr algn="r" rtl="1"/>
+            <a:r>
+              <a:rPr lang="he-IL" u="sng" dirty="0" smtClean="0"/>
+              <a:t>צוואר הבקבוק נמצא בפעילות של ה-</a:t>
+            </a:r>
+            <a:r>
+              <a:rPr lang="en-US" u="sng" dirty="0" smtClean="0"/>
+              <a:t>Event Loop</a:t>
+            </a:r>
+            <a:r>
+              <a:rPr lang="he-IL" u="sng" dirty="0" smtClean="0"/>
+              <a:t>:</a:t>
+            </a:r>
+          </a:p>
+          <a:p>
+            <a:pPr algn="r" rtl="1"/>
+            <a:r>
+              <a:rPr lang="he-IL" dirty="0" smtClean="0"/>
+              <a:t>בכל </a:t>
+            </a:r>
+            <a:r>
+              <a:rPr lang="he-IL" dirty="0" err="1" smtClean="0"/>
+              <a:t>איטרציה</a:t>
+            </a:r>
+            <a:r>
+              <a:rPr lang="he-IL" dirty="0" smtClean="0"/>
+              <a:t> של ה-</a:t>
+            </a:r>
+            <a:r>
+              <a:rPr lang="en-US" dirty="0" smtClean="0"/>
+              <a:t>Event Loop</a:t>
+            </a:r>
+            <a:r>
+              <a:rPr lang="he-IL" dirty="0" smtClean="0"/>
+              <a:t> נקראים </a:t>
+            </a:r>
+            <a:r>
+              <a:rPr lang="he-IL" dirty="0" err="1" smtClean="0"/>
+              <a:t>קולבקים</a:t>
+            </a:r>
+            <a:r>
+              <a:rPr lang="he-IL" dirty="0" smtClean="0"/>
+              <a:t> שונים על פי </a:t>
+            </a:r>
+            <a:r>
+              <a:rPr lang="en-US" dirty="0" smtClean="0"/>
+              <a:t>events</a:t>
+            </a:r>
+            <a:r>
+              <a:rPr lang="he-IL" dirty="0" smtClean="0"/>
+              <a:t> שקרו, </a:t>
+            </a:r>
+            <a:r>
+              <a:rPr lang="he-IL" b="1" dirty="0" smtClean="0"/>
+              <a:t>בצורה סינכרונית</a:t>
+            </a:r>
+            <a:r>
+              <a:rPr lang="he-IL" dirty="0" smtClean="0"/>
+              <a:t>, אחד אחרי השני.</a:t>
+            </a:r>
+          </a:p>
+          <a:p>
+            <a:pPr algn="r" rtl="1"/>
+            <a:r>
+              <a:rPr lang="he-IL" dirty="0" smtClean="0"/>
+              <a:t>(</a:t>
+            </a:r>
+            <a:r>
+              <a:rPr lang="he-IL" dirty="0" err="1" smtClean="0"/>
+              <a:t>קולבק</a:t>
+            </a:r>
+            <a:r>
+              <a:rPr lang="he-IL" dirty="0" smtClean="0"/>
+              <a:t> לבקשת </a:t>
+            </a:r>
+            <a:r>
+              <a:rPr lang="en-US" dirty="0" smtClean="0"/>
+              <a:t>http</a:t>
+            </a:r>
+            <a:r>
+              <a:rPr lang="he-IL" dirty="0" smtClean="0"/>
+              <a:t> נכנסת, </a:t>
+            </a:r>
+            <a:r>
+              <a:rPr lang="he-IL" dirty="0" err="1" smtClean="0"/>
+              <a:t>קולבק</a:t>
+            </a:r>
+            <a:r>
+              <a:rPr lang="he-IL" dirty="0" smtClean="0"/>
+              <a:t> לקובץ שסיימנו לקרוא וכד').</a:t>
+            </a:r>
+          </a:p>
+          <a:p>
+            <a:pPr algn="r" rtl="1"/>
+            <a:r>
+              <a:rPr lang="he-IL" dirty="0" smtClean="0"/>
+              <a:t>אם באחד </a:t>
+            </a:r>
+            <a:r>
+              <a:rPr lang="he-IL" dirty="0" err="1" smtClean="0"/>
+              <a:t>הקולבקים</a:t>
+            </a:r>
+            <a:r>
+              <a:rPr lang="he-IL" dirty="0" smtClean="0"/>
+              <a:t> תתרחש אלגוריתמיקה כבדה (חישובים מתמטיים מסובכים / לולאות </a:t>
+            </a:r>
+            <a:r>
+              <a:rPr lang="en-US" dirty="0" smtClean="0"/>
+              <a:t>while</a:t>
+            </a:r>
+            <a:r>
+              <a:rPr lang="he-IL" dirty="0" smtClean="0"/>
+              <a:t> ארוכות וכד'), המנוע ייאלץ לעבוד הרבה זמן על אותו </a:t>
+            </a:r>
+            <a:r>
+              <a:rPr lang="he-IL" dirty="0" err="1" smtClean="0"/>
+              <a:t>קולבק</a:t>
+            </a:r>
+            <a:r>
+              <a:rPr lang="he-IL" dirty="0" smtClean="0"/>
+              <a:t> וזה יעכב אותו בטיפול </a:t>
+            </a:r>
+            <a:r>
+              <a:rPr lang="he-IL" dirty="0" err="1" smtClean="0"/>
+              <a:t>בקולבקים</a:t>
+            </a:r>
+            <a:r>
+              <a:rPr lang="he-IL" dirty="0" smtClean="0"/>
+              <a:t> אחרים, ובכך יאט משמעותית את ביצועי האפליקציה.</a:t>
+            </a:r>
+          </a:p>
+          <a:p>
+            <a:pPr algn="r" rtl="1"/>
+            <a:endParaRPr lang="he-IL" dirty="0"/>
+          </a:p>
+          <a:p>
+            <a:pPr algn="r" rtl="1"/>
+            <a:r>
+              <a:rPr lang="he-IL" u="sng" dirty="0" smtClean="0"/>
+              <a:t>מסקנה</a:t>
+            </a:r>
+            <a:r>
+              <a:rPr lang="he-IL" dirty="0"/>
+              <a:t>:</a:t>
+            </a:r>
+            <a:endParaRPr lang="he-IL" dirty="0" smtClean="0"/>
+          </a:p>
+          <a:p>
+            <a:pPr algn="r" rtl="1"/>
+            <a:r>
+              <a:rPr lang="he-IL" b="1" dirty="0" smtClean="0"/>
+              <a:t>אנחנו צריכים לשמור על ה-</a:t>
+            </a:r>
+            <a:r>
+              <a:rPr lang="en-US" b="1" dirty="0" smtClean="0"/>
+              <a:t>Event Loop</a:t>
+            </a:r>
+            <a:r>
+              <a:rPr lang="he-IL" b="1" dirty="0" smtClean="0"/>
+              <a:t> יעילה ככל האפשר.</a:t>
+            </a:r>
+          </a:p>
+          <a:p>
+            <a:pPr algn="r" rtl="1"/>
+            <a:r>
+              <a:rPr lang="he-IL" b="1" dirty="0" err="1" smtClean="0">
+                <a:solidFill>
+                  <a:srgbClr val="FF0000"/>
+                </a:solidFill>
+              </a:rPr>
+              <a:t>קולבקים</a:t>
+            </a:r>
+            <a:r>
+              <a:rPr lang="he-IL" b="1" dirty="0" smtClean="0">
+                <a:solidFill>
+                  <a:srgbClr val="FF0000"/>
+                </a:solidFill>
+              </a:rPr>
+              <a:t> לא צריכים לבצע אלגוריתמיקה כבדה (</a:t>
+            </a:r>
+            <a:r>
+              <a:rPr lang="he-IL" b="1" dirty="0">
+                <a:solidFill>
+                  <a:srgbClr val="FF0000"/>
+                </a:solidFill>
+              </a:rPr>
+              <a:t>חישובים מתמטיים מסובכים / לולאות </a:t>
+            </a:r>
+            <a:r>
+              <a:rPr lang="en-US" b="1" dirty="0">
+                <a:solidFill>
+                  <a:srgbClr val="FF0000"/>
+                </a:solidFill>
+              </a:rPr>
+              <a:t>while</a:t>
+            </a:r>
+            <a:r>
+              <a:rPr lang="he-IL" b="1" dirty="0">
+                <a:solidFill>
+                  <a:srgbClr val="FF0000"/>
+                </a:solidFill>
+              </a:rPr>
+              <a:t> ארוכות וכד</a:t>
+            </a:r>
+            <a:r>
+              <a:rPr lang="he-IL" b="1" dirty="0" smtClean="0">
+                <a:solidFill>
+                  <a:srgbClr val="FF0000"/>
+                </a:solidFill>
+              </a:rPr>
+              <a:t>').</a:t>
+            </a:r>
+          </a:p>
+          <a:p>
+            <a:pPr algn="r" rtl="1"/>
+            <a:r>
+              <a:rPr lang="he-IL" b="1" dirty="0" err="1" smtClean="0">
+                <a:solidFill>
+                  <a:srgbClr val="00B050"/>
+                </a:solidFill>
+              </a:rPr>
+              <a:t>קולבקים</a:t>
+            </a:r>
+            <a:r>
+              <a:rPr lang="he-IL" b="1" dirty="0" smtClean="0">
+                <a:solidFill>
+                  <a:srgbClr val="00B050"/>
+                </a:solidFill>
+              </a:rPr>
+              <a:t> כן יכולים לבצע פעולות חישוביות פשוטות / תהליכים קצרים / עבודה אסינכרונית שתואצל ל-</a:t>
+            </a:r>
+            <a:r>
+              <a:rPr lang="en-US" b="1" dirty="0" err="1" smtClean="0">
+                <a:solidFill>
+                  <a:srgbClr val="00B050"/>
+                </a:solidFill>
+              </a:rPr>
+              <a:t>Libuv</a:t>
+            </a:r>
+            <a:r>
+              <a:rPr lang="he-IL" b="1" dirty="0" smtClean="0">
+                <a:solidFill>
+                  <a:srgbClr val="00B050"/>
+                </a:solidFill>
+              </a:rPr>
+              <a:t>.</a:t>
+            </a:r>
+          </a:p>
+          <a:p>
+            <a:pPr algn="r" rtl="1"/>
+            <a:endParaRPr lang="he-IL" dirty="0" smtClean="0"/>
+          </a:p>
+          <a:p>
+            <a:pPr algn="r" rtl="1"/>
+            <a:endParaRPr lang="he-IL" dirty="0" smtClean="0"/>
+          </a:p>
+        </p:txBody>
+      </p:sp>
+    </p:spTree>
+    <p:extLst>
+      <p:ext uri="{BB962C8B-B14F-4D97-AF65-F5344CB8AC3E}">
+        <p14:creationId xmlns:p14="http://schemas.microsoft.com/office/powerpoint/2010/main" val="2583784559"/>
+      </p:ext>
+    </p:extLst>
+  </p:cSld>
+  <p:clrMapOvr>
+    <a:masterClrMapping/>
+  </p:clrMapOvr>
+</p:sld>
+</file>
+
+<file path=ppt/slides/slide19.xml><?xml version="1.0" encoding="utf-8"?>
+<p:sld xmlns:a="http://schemas.openxmlformats.org/drawingml/2006/main" xmlns:r="http://schemas.openxmlformats.org/officeDocument/2006/relationships" xmlns:p="http://schemas.openxmlformats.org/presentationml/2006/main">
+  <p:cSld>
+    <p:spTree>
+      <p:nvGrpSpPr>
+        <p:cNvPr id="1" name=""/>
+        <p:cNvGrpSpPr/>
+        <p:nvPr/>
+      </p:nvGrpSpPr>
+      <p:grpSpPr>
+        <a:xfrm>
+          <a:off x="0" y="0"/>
+          <a:ext cx="0" cy="0"/>
+          <a:chOff x="0" y="0"/>
+          <a:chExt cx="0" cy="0"/>
+        </a:xfrm>
+      </p:grpSpPr>
+      <p:sp>
+        <p:nvSpPr>
+          <p:cNvPr id="2" name="Title 1"/>
+          <p:cNvSpPr>
+            <a:spLocks noGrp="1"/>
+          </p:cNvSpPr>
+          <p:nvPr>
+            <p:ph type="title"/>
+          </p:nvPr>
+        </p:nvSpPr>
+        <p:spPr>
+          <a:xfrm>
+            <a:off x="838200" y="365126"/>
+            <a:ext cx="10515600" cy="719604"/>
+          </a:xfrm>
+        </p:spPr>
+        <p:txBody>
+          <a:bodyPr/>
+          <a:lstStyle/>
+          <a:p>
+            <a:pPr algn="ctr" rtl="1"/>
+            <a:r>
+              <a:rPr lang="he-IL" dirty="0" smtClean="0">
+                <a:cs typeface="+mn-cs"/>
+              </a:rPr>
+              <a:t>עבודה נכונה עם </a:t>
+            </a:r>
+            <a:r>
+              <a:rPr lang="en-US" dirty="0" smtClean="0">
+                <a:cs typeface="+mn-cs"/>
+              </a:rPr>
+              <a:t>Node.JS</a:t>
+            </a:r>
+            <a:endParaRPr lang="en-US" dirty="0">
+              <a:cs typeface="+mn-cs"/>
+            </a:endParaRPr>
+          </a:p>
+        </p:txBody>
+      </p:sp>
+      <p:sp>
+        <p:nvSpPr>
+          <p:cNvPr id="3" name="TextBox 2"/>
+          <p:cNvSpPr txBox="1"/>
+          <p:nvPr/>
+        </p:nvSpPr>
+        <p:spPr>
+          <a:xfrm>
+            <a:off x="941294" y="1690687"/>
+            <a:ext cx="10597237" cy="1200329"/>
+          </a:xfrm>
+          <a:prstGeom prst="rect">
+            <a:avLst/>
+          </a:prstGeom>
+          <a:noFill/>
+        </p:spPr>
+        <p:txBody>
+          <a:bodyPr wrap="square" rtlCol="0">
+            <a:spAutoFit/>
+          </a:bodyPr>
+          <a:lstStyle/>
+          <a:p>
+            <a:pPr algn="r" rtl="1"/>
+            <a:r>
+              <a:rPr lang="he-IL" dirty="0" smtClean="0"/>
+              <a:t>70% - פשוט לדעת טוב </a:t>
+            </a:r>
+            <a:r>
+              <a:rPr lang="en-US" dirty="0" smtClean="0"/>
+              <a:t>JavaScript</a:t>
+            </a:r>
+            <a:r>
+              <a:rPr lang="he-IL" dirty="0" smtClean="0"/>
+              <a:t> </a:t>
+            </a:r>
+          </a:p>
+          <a:p>
+            <a:pPr algn="r" rtl="1"/>
+            <a:r>
+              <a:rPr lang="he-IL" dirty="0" smtClean="0"/>
+              <a:t>10% - להכיר את המודולים של </a:t>
+            </a:r>
+            <a:r>
+              <a:rPr lang="en-US" dirty="0" smtClean="0"/>
+              <a:t>Node.JS</a:t>
+            </a:r>
+            <a:r>
+              <a:rPr lang="he-IL" dirty="0" smtClean="0"/>
+              <a:t> ולדעת איך להשתמש בהם (</a:t>
+            </a:r>
+            <a:r>
+              <a:rPr lang="en-US" dirty="0" smtClean="0"/>
+              <a:t>http, fs, events</a:t>
+            </a:r>
+            <a:r>
+              <a:rPr lang="he-IL" dirty="0" smtClean="0"/>
+              <a:t>)</a:t>
+            </a:r>
+          </a:p>
+          <a:p>
+            <a:pPr algn="r" rtl="1"/>
+            <a:r>
+              <a:rPr lang="he-IL" dirty="0" smtClean="0"/>
+              <a:t>10% - להשתמש באקו-</a:t>
+            </a:r>
+            <a:r>
+              <a:rPr lang="he-IL" dirty="0" err="1" smtClean="0"/>
+              <a:t>סיסטם</a:t>
+            </a:r>
+            <a:r>
+              <a:rPr lang="he-IL" dirty="0" smtClean="0"/>
+              <a:t> העצום של </a:t>
+            </a:r>
+            <a:r>
+              <a:rPr lang="en-US" dirty="0" smtClean="0"/>
+              <a:t>npm</a:t>
+            </a:r>
+            <a:endParaRPr lang="he-IL" dirty="0" smtClean="0"/>
+          </a:p>
+          <a:p>
+            <a:pPr algn="r" rtl="1"/>
+            <a:r>
+              <a:rPr lang="he-IL" dirty="0" smtClean="0"/>
+              <a:t>10% - </a:t>
+            </a:r>
+            <a:r>
+              <a:rPr lang="he-IL" dirty="0" smtClean="0">
+                <a:solidFill>
+                  <a:srgbClr val="FF0000"/>
+                </a:solidFill>
+              </a:rPr>
+              <a:t>לא לתקוע את ה-</a:t>
+            </a:r>
+            <a:r>
+              <a:rPr lang="en-US" dirty="0" smtClean="0">
+                <a:solidFill>
+                  <a:srgbClr val="FF0000"/>
+                </a:solidFill>
+              </a:rPr>
+              <a:t>event loop</a:t>
+            </a:r>
+            <a:endParaRPr lang="he-IL" dirty="0">
+              <a:solidFill>
+                <a:srgbClr val="FF0000"/>
+              </a:solidFill>
+            </a:endParaRPr>
+          </a:p>
+        </p:txBody>
+      </p:sp>
+      <p:pic>
+        <p:nvPicPr>
+          <p:cNvPr id="4" name="Picture 3"/>
+          <p:cNvPicPr/>
+          <p:nvPr/>
+        </p:nvPicPr>
+        <p:blipFill>
+          <a:blip r:embed="rId2"/>
+          <a:stretch>
+            <a:fillRect/>
+          </a:stretch>
+        </p:blipFill>
+        <p:spPr>
+          <a:xfrm>
+            <a:off x="4925359" y="3263059"/>
+            <a:ext cx="3937000" cy="2644775"/>
+          </a:xfrm>
+          <a:prstGeom prst="rect">
+            <a:avLst/>
+          </a:prstGeom>
+        </p:spPr>
+      </p:pic>
+      <p:sp>
+        <p:nvSpPr>
+          <p:cNvPr id="5" name="TextBox 4"/>
+          <p:cNvSpPr txBox="1"/>
+          <p:nvPr/>
+        </p:nvSpPr>
+        <p:spPr>
+          <a:xfrm>
+            <a:off x="1896966" y="4078942"/>
+            <a:ext cx="3028393" cy="369332"/>
+          </a:xfrm>
+          <a:prstGeom prst="rect">
+            <a:avLst/>
+          </a:prstGeom>
+          <a:noFill/>
+        </p:spPr>
+        <p:txBody>
+          <a:bodyPr wrap="none" rtlCol="0">
+            <a:spAutoFit/>
+          </a:bodyPr>
+          <a:lstStyle/>
+          <a:p>
+            <a:r>
+              <a:rPr lang="he-IL" dirty="0" smtClean="0">
+                <a:solidFill>
+                  <a:srgbClr val="FF0000"/>
+                </a:solidFill>
+              </a:rPr>
+              <a:t>"חבר, תקעת את </a:t>
+            </a:r>
+            <a:r>
+              <a:rPr lang="he-IL" dirty="0" err="1" smtClean="0">
+                <a:solidFill>
+                  <a:srgbClr val="FF0000"/>
+                </a:solidFill>
+              </a:rPr>
+              <a:t>האיבנט</a:t>
+            </a:r>
+            <a:r>
+              <a:rPr lang="he-IL" dirty="0" smtClean="0">
+                <a:solidFill>
+                  <a:srgbClr val="FF0000"/>
+                </a:solidFill>
+              </a:rPr>
+              <a:t> לופ..."</a:t>
+            </a:r>
+            <a:endParaRPr lang="en-US" dirty="0">
+              <a:solidFill>
+                <a:srgbClr val="FF0000"/>
+              </a:solidFill>
+            </a:endParaRPr>
+          </a:p>
+        </p:txBody>
+      </p:sp>
+    </p:spTree>
+    <p:extLst>
+      <p:ext uri="{BB962C8B-B14F-4D97-AF65-F5344CB8AC3E}">
+        <p14:creationId xmlns:p14="http://schemas.microsoft.com/office/powerpoint/2010/main" val="1536566230"/>
       </p:ext>
     </p:extLst>
   </p:cSld>
@@ -4711,6 +6539,705 @@
 </p:sld>
 </file>
 
+<file path=ppt/slides/slide20.xml><?xml version="1.0" encoding="utf-8"?>
+<p:sld xmlns:a="http://schemas.openxmlformats.org/drawingml/2006/main" xmlns:r="http://schemas.openxmlformats.org/officeDocument/2006/relationships" xmlns:p="http://schemas.openxmlformats.org/presentationml/2006/main">
+  <p:cSld>
+    <p:spTree>
+      <p:nvGrpSpPr>
+        <p:cNvPr id="1" name=""/>
+        <p:cNvGrpSpPr/>
+        <p:nvPr/>
+      </p:nvGrpSpPr>
+      <p:grpSpPr>
+        <a:xfrm>
+          <a:off x="0" y="0"/>
+          <a:ext cx="0" cy="0"/>
+          <a:chOff x="0" y="0"/>
+          <a:chExt cx="0" cy="0"/>
+        </a:xfrm>
+      </p:grpSpPr>
+      <p:sp>
+        <p:nvSpPr>
+          <p:cNvPr id="2" name="Title 1"/>
+          <p:cNvSpPr>
+            <a:spLocks noGrp="1"/>
+          </p:cNvSpPr>
+          <p:nvPr>
+            <p:ph type="title"/>
+          </p:nvPr>
+        </p:nvSpPr>
+        <p:spPr>
+          <a:xfrm>
+            <a:off x="838200" y="365126"/>
+            <a:ext cx="10515600" cy="719604"/>
+          </a:xfrm>
+        </p:spPr>
+        <p:txBody>
+          <a:bodyPr/>
+          <a:lstStyle/>
+          <a:p>
+            <a:pPr algn="ctr" rtl="1"/>
+            <a:r>
+              <a:rPr lang="he-IL" dirty="0" smtClean="0">
+                <a:cs typeface="+mn-cs"/>
+              </a:rPr>
+              <a:t>המודולים (פונקציונליות) ש-</a:t>
+            </a:r>
+            <a:r>
+              <a:rPr lang="en-US" dirty="0" smtClean="0">
+                <a:cs typeface="+mn-cs"/>
+              </a:rPr>
+              <a:t>Node.JS</a:t>
+            </a:r>
+            <a:r>
+              <a:rPr lang="he-IL" dirty="0" smtClean="0">
+                <a:cs typeface="+mn-cs"/>
+              </a:rPr>
+              <a:t> נותנת לנו</a:t>
+            </a:r>
+            <a:endParaRPr lang="en-US" dirty="0">
+              <a:cs typeface="+mn-cs"/>
+            </a:endParaRPr>
+          </a:p>
+        </p:txBody>
+      </p:sp>
+      <p:sp>
+        <p:nvSpPr>
+          <p:cNvPr id="3" name="TextBox 2"/>
+          <p:cNvSpPr txBox="1"/>
+          <p:nvPr/>
+        </p:nvSpPr>
+        <p:spPr>
+          <a:xfrm>
+            <a:off x="941294" y="1690687"/>
+            <a:ext cx="10597237" cy="3693319"/>
+          </a:xfrm>
+          <a:prstGeom prst="rect">
+            <a:avLst/>
+          </a:prstGeom>
+          <a:noFill/>
+        </p:spPr>
+        <p:txBody>
+          <a:bodyPr wrap="square" rtlCol="0">
+            <a:spAutoFit/>
+          </a:bodyPr>
+          <a:lstStyle/>
+          <a:p>
+            <a:pPr algn="r" rtl="1"/>
+            <a:r>
+              <a:rPr lang="he-IL" u="sng" dirty="0" err="1" smtClean="0"/>
+              <a:t>מודולי</a:t>
+            </a:r>
+            <a:r>
+              <a:rPr lang="he-IL" u="sng" dirty="0" smtClean="0"/>
+              <a:t> הבסיס:</a:t>
+            </a:r>
+          </a:p>
+          <a:p>
+            <a:pPr algn="r" rtl="1"/>
+            <a:r>
+              <a:rPr lang="he-IL" dirty="0" smtClean="0"/>
+              <a:t>תקשורת רשת – </a:t>
+            </a:r>
+            <a:r>
+              <a:rPr lang="en-US" dirty="0" smtClean="0"/>
+              <a:t>http, https</a:t>
+            </a:r>
+            <a:endParaRPr lang="he-IL" dirty="0" smtClean="0"/>
+          </a:p>
+          <a:p>
+            <a:pPr algn="r" rtl="1"/>
+            <a:r>
+              <a:rPr lang="he-IL" dirty="0" smtClean="0"/>
+              <a:t>קבצים – </a:t>
+            </a:r>
+            <a:r>
+              <a:rPr lang="en-US" dirty="0" smtClean="0"/>
+              <a:t>fs</a:t>
+            </a:r>
+            <a:endParaRPr lang="he-IL" dirty="0" smtClean="0"/>
+          </a:p>
+          <a:p>
+            <a:pPr algn="r" rtl="1"/>
+            <a:r>
+              <a:rPr lang="he-IL" dirty="0" err="1" smtClean="0"/>
+              <a:t>איבנטים</a:t>
+            </a:r>
+            <a:r>
+              <a:rPr lang="he-IL" dirty="0" smtClean="0"/>
+              <a:t> – </a:t>
+            </a:r>
+            <a:r>
+              <a:rPr lang="en-US" dirty="0" smtClean="0"/>
+              <a:t>events</a:t>
+            </a:r>
+            <a:endParaRPr lang="he-IL" dirty="0" smtClean="0"/>
+          </a:p>
+          <a:p>
+            <a:pPr algn="r" rtl="1"/>
+            <a:r>
+              <a:rPr lang="he-IL" dirty="0" err="1" smtClean="0"/>
+              <a:t>סקלביליות</a:t>
+            </a:r>
+            <a:r>
+              <a:rPr lang="he-IL" dirty="0" smtClean="0"/>
+              <a:t> – </a:t>
+            </a:r>
+            <a:r>
+              <a:rPr lang="en-US" dirty="0" smtClean="0"/>
+              <a:t>cluster, worker threads</a:t>
+            </a:r>
+            <a:endParaRPr lang="he-IL" dirty="0" smtClean="0"/>
+          </a:p>
+          <a:p>
+            <a:pPr algn="r" rtl="1"/>
+            <a:endParaRPr lang="he-IL" dirty="0" smtClean="0"/>
+          </a:p>
+          <a:p>
+            <a:pPr algn="r" rtl="1"/>
+            <a:endParaRPr lang="he-IL" dirty="0" smtClean="0"/>
+          </a:p>
+          <a:p>
+            <a:pPr algn="r" rtl="1"/>
+            <a:endParaRPr lang="he-IL" dirty="0"/>
+          </a:p>
+          <a:p>
+            <a:pPr algn="r" rtl="1"/>
+            <a:r>
+              <a:rPr lang="he-IL" u="sng" dirty="0" smtClean="0"/>
+              <a:t>מודולים ייחודיים נוספים:</a:t>
+            </a:r>
+            <a:endParaRPr lang="he-IL" u="sng" dirty="0"/>
+          </a:p>
+          <a:p>
+            <a:pPr algn="r" rtl="1"/>
+            <a:r>
+              <a:rPr lang="he-IL" dirty="0" smtClean="0"/>
+              <a:t>קריפטוגרפיה – </a:t>
+            </a:r>
+            <a:r>
+              <a:rPr lang="en-US" dirty="0" smtClean="0"/>
+              <a:t>crypto</a:t>
+            </a:r>
+            <a:endParaRPr lang="he-IL" dirty="0" smtClean="0"/>
+          </a:p>
+          <a:p>
+            <a:pPr algn="r" rtl="1"/>
+            <a:r>
+              <a:rPr lang="he-IL" dirty="0" smtClean="0"/>
+              <a:t>כיווץ – </a:t>
+            </a:r>
+            <a:r>
+              <a:rPr lang="en-US" dirty="0" err="1" smtClean="0"/>
+              <a:t>zlib</a:t>
+            </a:r>
+            <a:endParaRPr lang="he-IL" dirty="0" smtClean="0"/>
+          </a:p>
+          <a:p>
+            <a:pPr algn="r" rtl="1"/>
+            <a:r>
+              <a:rPr lang="he-IL" dirty="0" err="1" smtClean="0"/>
+              <a:t>סטרימינג</a:t>
+            </a:r>
+            <a:r>
+              <a:rPr lang="he-IL" dirty="0" smtClean="0"/>
+              <a:t> – </a:t>
+            </a:r>
+            <a:r>
+              <a:rPr lang="en-US" dirty="0" smtClean="0"/>
+              <a:t>stream</a:t>
+            </a:r>
+            <a:endParaRPr lang="he-IL" dirty="0" smtClean="0"/>
+          </a:p>
+          <a:p>
+            <a:pPr algn="r" rtl="1"/>
+            <a:endParaRPr lang="he-IL" dirty="0" smtClean="0"/>
+          </a:p>
+        </p:txBody>
+      </p:sp>
+    </p:spTree>
+    <p:extLst>
+      <p:ext uri="{BB962C8B-B14F-4D97-AF65-F5344CB8AC3E}">
+        <p14:creationId xmlns:p14="http://schemas.microsoft.com/office/powerpoint/2010/main" val="495121418"/>
+      </p:ext>
+    </p:extLst>
+  </p:cSld>
+  <p:clrMapOvr>
+    <a:masterClrMapping/>
+  </p:clrMapOvr>
+</p:sld>
+</file>
+
+<file path=ppt/slides/slide21.xml><?xml version="1.0" encoding="utf-8"?>
+<p:sld xmlns:a="http://schemas.openxmlformats.org/drawingml/2006/main" xmlns:r="http://schemas.openxmlformats.org/officeDocument/2006/relationships" xmlns:p="http://schemas.openxmlformats.org/presentationml/2006/main">
+  <p:cSld>
+    <p:spTree>
+      <p:nvGrpSpPr>
+        <p:cNvPr id="1" name=""/>
+        <p:cNvGrpSpPr/>
+        <p:nvPr/>
+      </p:nvGrpSpPr>
+      <p:grpSpPr>
+        <a:xfrm>
+          <a:off x="0" y="0"/>
+          <a:ext cx="0" cy="0"/>
+          <a:chOff x="0" y="0"/>
+          <a:chExt cx="0" cy="0"/>
+        </a:xfrm>
+      </p:grpSpPr>
+      <p:sp>
+        <p:nvSpPr>
+          <p:cNvPr id="2" name="Title 1"/>
+          <p:cNvSpPr>
+            <a:spLocks noGrp="1"/>
+          </p:cNvSpPr>
+          <p:nvPr>
+            <p:ph type="title"/>
+          </p:nvPr>
+        </p:nvSpPr>
+        <p:spPr>
+          <a:xfrm>
+            <a:off x="803366" y="121286"/>
+            <a:ext cx="10515600" cy="719604"/>
+          </a:xfrm>
+        </p:spPr>
+        <p:txBody>
+          <a:bodyPr/>
+          <a:lstStyle/>
+          <a:p>
+            <a:pPr algn="ctr" rtl="1"/>
+            <a:r>
+              <a:rPr lang="he-IL" dirty="0" smtClean="0">
+                <a:cs typeface="+mn-cs"/>
+              </a:rPr>
+              <a:t>היתרונות של </a:t>
+            </a:r>
+            <a:r>
+              <a:rPr lang="en-US" dirty="0" smtClean="0">
+                <a:cs typeface="+mn-cs"/>
+              </a:rPr>
+              <a:t>Node.JS</a:t>
+            </a:r>
+            <a:endParaRPr lang="en-US" dirty="0">
+              <a:cs typeface="+mn-cs"/>
+            </a:endParaRPr>
+          </a:p>
+        </p:txBody>
+      </p:sp>
+      <p:sp>
+        <p:nvSpPr>
+          <p:cNvPr id="3" name="TextBox 2"/>
+          <p:cNvSpPr txBox="1"/>
+          <p:nvPr/>
+        </p:nvSpPr>
+        <p:spPr>
+          <a:xfrm>
+            <a:off x="950514" y="840890"/>
+            <a:ext cx="10597237" cy="4524315"/>
+          </a:xfrm>
+          <a:prstGeom prst="rect">
+            <a:avLst/>
+          </a:prstGeom>
+          <a:noFill/>
+        </p:spPr>
+        <p:txBody>
+          <a:bodyPr wrap="square" rtlCol="0">
+            <a:spAutoFit/>
+          </a:bodyPr>
+          <a:lstStyle/>
+          <a:p>
+            <a:pPr algn="r" rtl="1"/>
+            <a:r>
+              <a:rPr lang="he-IL" sz="1600" b="1" u="sng" dirty="0" smtClean="0"/>
+              <a:t>פשטות</a:t>
+            </a:r>
+            <a:r>
+              <a:rPr lang="he-IL" sz="1600" dirty="0" smtClean="0"/>
+              <a:t> – הכתיבה פשוטה, ה-</a:t>
+            </a:r>
+            <a:r>
+              <a:rPr lang="en-US" sz="1600" dirty="0" smtClean="0"/>
+              <a:t>Deploy</a:t>
+            </a:r>
+            <a:r>
+              <a:rPr lang="he-IL" sz="1600" dirty="0" smtClean="0"/>
+              <a:t> </a:t>
+            </a:r>
+            <a:r>
+              <a:rPr lang="he-IL" sz="1600" dirty="0" err="1" smtClean="0"/>
+              <a:t>מיידי</a:t>
+            </a:r>
+            <a:r>
+              <a:rPr lang="he-IL" sz="1600" dirty="0" smtClean="0"/>
+              <a:t> </a:t>
+            </a:r>
+            <a:r>
+              <a:rPr lang="he-IL" sz="1600" dirty="0" smtClean="0"/>
+              <a:t>ופשוט. מעבר קל בתהליכי </a:t>
+            </a:r>
+            <a:r>
+              <a:rPr lang="en-US" sz="1600" dirty="0" smtClean="0"/>
+              <a:t>CI\CD</a:t>
+            </a:r>
+            <a:r>
+              <a:rPr lang="he-IL" sz="1600" dirty="0" smtClean="0"/>
+              <a:t>.</a:t>
+            </a:r>
+            <a:endParaRPr lang="he-IL" sz="1600" dirty="0" smtClean="0"/>
+          </a:p>
+          <a:p>
+            <a:pPr algn="r" rtl="1"/>
+            <a:endParaRPr lang="he-IL" sz="1600" dirty="0" smtClean="0"/>
+          </a:p>
+          <a:p>
+            <a:pPr algn="r" rtl="1"/>
+            <a:r>
+              <a:rPr lang="en-US" sz="1600" b="1" u="sng" dirty="0" smtClean="0"/>
+              <a:t>Lightweight</a:t>
+            </a:r>
+            <a:r>
+              <a:rPr lang="en-US" sz="1600" dirty="0" smtClean="0"/>
+              <a:t> </a:t>
+            </a:r>
+            <a:r>
+              <a:rPr lang="he-IL" sz="1600" dirty="0" smtClean="0"/>
+              <a:t> – </a:t>
+            </a:r>
+            <a:r>
+              <a:rPr lang="he-IL" sz="1600" dirty="0" smtClean="0"/>
+              <a:t>אפליקציית </a:t>
+            </a:r>
+            <a:r>
+              <a:rPr lang="en-US" sz="1600" dirty="0" smtClean="0"/>
+              <a:t>Node</a:t>
+            </a:r>
+            <a:r>
+              <a:rPr lang="he-IL" sz="1600" dirty="0" smtClean="0"/>
+              <a:t> הן "רזות" </a:t>
+            </a:r>
+            <a:r>
+              <a:rPr lang="he-IL" sz="1600" dirty="0" smtClean="0"/>
+              <a:t>מאוד וכתוצאה מכך חסכוניות במשאבים (</a:t>
+            </a:r>
+            <a:r>
+              <a:rPr lang="he-IL" sz="1600" dirty="0" smtClean="0"/>
+              <a:t>זיכרון / מעבד) </a:t>
+            </a:r>
+            <a:r>
+              <a:rPr lang="he-IL" sz="1600" dirty="0" smtClean="0"/>
+              <a:t>ביחס </a:t>
+            </a:r>
+            <a:r>
+              <a:rPr lang="he-IL" sz="1600" dirty="0" smtClean="0"/>
+              <a:t>למתחרות בצד השרת.</a:t>
+            </a:r>
+          </a:p>
+          <a:p>
+            <a:pPr algn="r" rtl="1"/>
+            <a:endParaRPr lang="he-IL" sz="1600" dirty="0"/>
+          </a:p>
+          <a:p>
+            <a:pPr algn="r" rtl="1"/>
+            <a:r>
+              <a:rPr lang="en-US" sz="1600" b="1" u="sng" dirty="0" smtClean="0"/>
+              <a:t>Cross Platform</a:t>
+            </a:r>
+            <a:r>
+              <a:rPr lang="he-IL" sz="1600" b="1" u="sng" dirty="0" smtClean="0"/>
+              <a:t> </a:t>
+            </a:r>
+            <a:r>
+              <a:rPr lang="he-IL" sz="1600" dirty="0" smtClean="0"/>
+              <a:t>– אפליקציות </a:t>
+            </a:r>
+            <a:r>
+              <a:rPr lang="en-US" sz="1600" dirty="0" smtClean="0"/>
+              <a:t>Node.JS</a:t>
+            </a:r>
+            <a:r>
+              <a:rPr lang="he-IL" sz="1600" dirty="0" smtClean="0"/>
+              <a:t> רצות על כל מערכות ההפעלה ללא צורך </a:t>
+            </a:r>
+            <a:r>
+              <a:rPr lang="he-IL" sz="1600" dirty="0" smtClean="0"/>
+              <a:t>בהתאמות מיוחדות. </a:t>
+            </a:r>
+            <a:endParaRPr lang="he-IL" sz="1600" dirty="0" smtClean="0"/>
+          </a:p>
+          <a:p>
+            <a:pPr algn="r" rtl="1"/>
+            <a:endParaRPr lang="he-IL" sz="1600" dirty="0"/>
+          </a:p>
+          <a:p>
+            <a:pPr algn="r" rtl="1"/>
+            <a:r>
+              <a:rPr lang="he-IL" sz="1600" b="1" u="sng" dirty="0" smtClean="0"/>
+              <a:t>התאמה ל-</a:t>
+            </a:r>
+            <a:r>
+              <a:rPr lang="en-US" sz="1600" b="1" u="sng" dirty="0" smtClean="0"/>
+              <a:t>Containers</a:t>
+            </a:r>
+            <a:r>
+              <a:rPr lang="he-IL" sz="1600" b="1" u="sng" dirty="0" smtClean="0"/>
+              <a:t> </a:t>
+            </a:r>
+            <a:r>
+              <a:rPr lang="he-IL" sz="1600" dirty="0" smtClean="0"/>
+              <a:t>– היכולת </a:t>
+            </a:r>
+            <a:r>
+              <a:rPr lang="he-IL" sz="1600" dirty="0" smtClean="0"/>
+              <a:t>לרוץ על לינוקס </a:t>
+            </a:r>
+            <a:r>
+              <a:rPr lang="he-IL" sz="1600" dirty="0" smtClean="0"/>
+              <a:t>והחסכוניות במשאבים הופכות אפליקציות </a:t>
+            </a:r>
+            <a:r>
+              <a:rPr lang="en-US" sz="1600" dirty="0" smtClean="0"/>
+              <a:t>Node</a:t>
+            </a:r>
+            <a:r>
+              <a:rPr lang="he-IL" sz="1600" dirty="0" smtClean="0"/>
+              <a:t> </a:t>
+            </a:r>
+            <a:r>
+              <a:rPr lang="he-IL" sz="1600" dirty="0" smtClean="0"/>
+              <a:t>למועמדות </a:t>
+            </a:r>
+            <a:r>
+              <a:rPr lang="he-IL" sz="1600" dirty="0" smtClean="0"/>
+              <a:t>מובילות לעיטוף ב-</a:t>
+            </a:r>
+            <a:r>
+              <a:rPr lang="en-US" sz="1600" dirty="0" smtClean="0"/>
+              <a:t>Containers</a:t>
+            </a:r>
+            <a:r>
+              <a:rPr lang="he-IL" sz="1600" dirty="0" smtClean="0"/>
+              <a:t>.</a:t>
+            </a:r>
+          </a:p>
+          <a:p>
+            <a:pPr algn="r" rtl="1"/>
+            <a:endParaRPr lang="he-IL" sz="1600" dirty="0" smtClean="0"/>
+          </a:p>
+          <a:p>
+            <a:pPr algn="r" rtl="1"/>
+            <a:r>
+              <a:rPr lang="en-US" sz="1600" b="1" u="sng" dirty="0" smtClean="0"/>
+              <a:t>Scaling</a:t>
+            </a:r>
+            <a:r>
+              <a:rPr lang="he-IL" sz="1600" dirty="0" smtClean="0"/>
+              <a:t>- </a:t>
+            </a:r>
+            <a:r>
+              <a:rPr lang="he-IL" sz="1600" dirty="0" smtClean="0"/>
+              <a:t>ניתן לבצע </a:t>
+            </a:r>
+            <a:r>
+              <a:rPr lang="en-US" sz="1600" dirty="0" smtClean="0"/>
+              <a:t>upscale</a:t>
+            </a:r>
+            <a:r>
+              <a:rPr lang="he-IL" sz="1600" dirty="0" smtClean="0"/>
+              <a:t> </a:t>
+            </a:r>
+            <a:r>
+              <a:rPr lang="he-IL" sz="1600" dirty="0" smtClean="0"/>
+              <a:t>בקלות (פנימית באמצעות </a:t>
+            </a:r>
+            <a:r>
+              <a:rPr lang="en-US" sz="1600" dirty="0" smtClean="0"/>
+              <a:t>cluster mode</a:t>
+            </a:r>
+            <a:r>
+              <a:rPr lang="he-IL" sz="1600" dirty="0" smtClean="0"/>
+              <a:t>, או חיצונית ע"י גורמים מארחים).</a:t>
+            </a:r>
+          </a:p>
+          <a:p>
+            <a:pPr algn="r" rtl="1"/>
+            <a:endParaRPr lang="he-IL" sz="1600" dirty="0" smtClean="0"/>
+          </a:p>
+          <a:p>
+            <a:pPr algn="r" rtl="1"/>
+            <a:r>
+              <a:rPr lang="he-IL" sz="1600" dirty="0" smtClean="0"/>
+              <a:t>התאמה לעולם ה-</a:t>
+            </a:r>
+            <a:r>
+              <a:rPr lang="en-US" sz="1600" dirty="0" smtClean="0"/>
+              <a:t>Cloud</a:t>
+            </a:r>
+            <a:r>
+              <a:rPr lang="he-IL" sz="1600" dirty="0" smtClean="0"/>
+              <a:t> – בזכות </a:t>
+            </a:r>
+            <a:r>
+              <a:rPr lang="he-IL" sz="1600" dirty="0" smtClean="0"/>
+              <a:t>כל האמור </a:t>
+            </a:r>
+            <a:r>
+              <a:rPr lang="he-IL" sz="1600" dirty="0" smtClean="0"/>
+              <a:t>לעיל, אפליקציות </a:t>
+            </a:r>
+            <a:r>
+              <a:rPr lang="en-US" sz="1600" dirty="0" smtClean="0"/>
+              <a:t>Node</a:t>
+            </a:r>
+            <a:r>
+              <a:rPr lang="he-IL" sz="1600" dirty="0" smtClean="0"/>
+              <a:t> מתאימות באופן </a:t>
+            </a:r>
+            <a:r>
+              <a:rPr lang="he-IL" sz="1600" dirty="0" smtClean="0"/>
+              <a:t>אופטימלי לשירותי ענן </a:t>
+            </a:r>
+            <a:r>
+              <a:rPr lang="he-IL" sz="1600" dirty="0" smtClean="0"/>
+              <a:t>הן בהיבטי </a:t>
+            </a:r>
+            <a:r>
+              <a:rPr lang="en-US" sz="1600" dirty="0" smtClean="0"/>
+              <a:t>deploy</a:t>
+            </a:r>
+            <a:r>
+              <a:rPr lang="he-IL" sz="1600" dirty="0" smtClean="0"/>
+              <a:t> (עיטוף </a:t>
+            </a:r>
+            <a:r>
+              <a:rPr lang="he-IL" sz="1600" dirty="0" smtClean="0"/>
+              <a:t>בקונטיינרים, העלאה לענן), </a:t>
+            </a:r>
+            <a:r>
+              <a:rPr lang="he-IL" sz="1600" dirty="0" smtClean="0"/>
+              <a:t>והן בהיבטי חסכון במשאבים (== כסף בענן).</a:t>
+            </a:r>
+          </a:p>
+          <a:p>
+            <a:pPr algn="r" rtl="1"/>
+            <a:endParaRPr lang="he-IL" sz="1600" dirty="0" smtClean="0"/>
+          </a:p>
+          <a:p>
+            <a:pPr algn="r" rtl="1"/>
+            <a:r>
+              <a:rPr lang="he-IL" sz="1600" b="1" u="sng" dirty="0" err="1" smtClean="0"/>
+              <a:t>אקוסיסטם</a:t>
+            </a:r>
+            <a:r>
+              <a:rPr lang="he-IL" sz="1600" b="1" u="sng" dirty="0" smtClean="0"/>
+              <a:t> </a:t>
+            </a:r>
+            <a:r>
+              <a:rPr lang="he-IL" sz="1600" b="1" dirty="0" smtClean="0"/>
+              <a:t>	        </a:t>
+            </a:r>
+            <a:r>
+              <a:rPr lang="he-IL" sz="1600" dirty="0" smtClean="0"/>
+              <a:t>– </a:t>
+            </a:r>
+            <a:r>
+              <a:rPr lang="en-US" sz="1600" dirty="0" smtClean="0"/>
+              <a:t>NPM</a:t>
+            </a:r>
+            <a:r>
+              <a:rPr lang="he-IL" sz="1600" dirty="0"/>
+              <a:t> </a:t>
+            </a:r>
+            <a:endParaRPr lang="he-IL" sz="1600" dirty="0" smtClean="0"/>
+          </a:p>
+          <a:p>
+            <a:pPr algn="r" rtl="1"/>
+            <a:r>
+              <a:rPr lang="he-IL" sz="1600" dirty="0" smtClean="0"/>
+              <a:t>	        - קהילה עולמית (וישראלית!) גדולה ותומכת.</a:t>
+            </a:r>
+          </a:p>
+          <a:p>
+            <a:pPr algn="r" rtl="1"/>
+            <a:endParaRPr lang="he-IL" sz="1600" dirty="0"/>
+          </a:p>
+          <a:p>
+            <a:pPr algn="r" rtl="1"/>
+            <a:endParaRPr lang="he-IL" sz="1600" dirty="0" smtClean="0"/>
+          </a:p>
+        </p:txBody>
+      </p:sp>
+    </p:spTree>
+    <p:extLst>
+      <p:ext uri="{BB962C8B-B14F-4D97-AF65-F5344CB8AC3E}">
+        <p14:creationId xmlns:p14="http://schemas.microsoft.com/office/powerpoint/2010/main" val="2621451421"/>
+      </p:ext>
+    </p:extLst>
+  </p:cSld>
+  <p:clrMapOvr>
+    <a:masterClrMapping/>
+  </p:clrMapOvr>
+</p:sld>
+</file>
+
+<file path=ppt/slides/slide22.xml><?xml version="1.0" encoding="utf-8"?>
+<p:sld xmlns:a="http://schemas.openxmlformats.org/drawingml/2006/main" xmlns:r="http://schemas.openxmlformats.org/officeDocument/2006/relationships" xmlns:p="http://schemas.openxmlformats.org/presentationml/2006/main">
+  <p:cSld>
+    <p:spTree>
+      <p:nvGrpSpPr>
+        <p:cNvPr id="1" name=""/>
+        <p:cNvGrpSpPr/>
+        <p:nvPr/>
+      </p:nvGrpSpPr>
+      <p:grpSpPr>
+        <a:xfrm>
+          <a:off x="0" y="0"/>
+          <a:ext cx="0" cy="0"/>
+          <a:chOff x="0" y="0"/>
+          <a:chExt cx="0" cy="0"/>
+        </a:xfrm>
+      </p:grpSpPr>
+      <p:sp>
+        <p:nvSpPr>
+          <p:cNvPr id="4" name="Rectangle 3"/>
+          <p:cNvSpPr/>
+          <p:nvPr/>
+        </p:nvSpPr>
+        <p:spPr>
+          <a:xfrm>
+            <a:off x="3540031" y="2993322"/>
+            <a:ext cx="5069016" cy="830997"/>
+          </a:xfrm>
+          <a:prstGeom prst="rect">
+            <a:avLst/>
+          </a:prstGeom>
+        </p:spPr>
+        <p:txBody>
+          <a:bodyPr wrap="none">
+            <a:spAutoFit/>
+          </a:bodyPr>
+          <a:lstStyle/>
+          <a:p>
+            <a:r>
+              <a:rPr lang="he-IL" sz="4800" dirty="0" smtClean="0"/>
+              <a:t>בואו נכתוב קצת קוד!</a:t>
+            </a:r>
+            <a:endParaRPr lang="en-US" sz="4800" dirty="0"/>
+          </a:p>
+        </p:txBody>
+      </p:sp>
+    </p:spTree>
+    <p:extLst>
+      <p:ext uri="{BB962C8B-B14F-4D97-AF65-F5344CB8AC3E}">
+        <p14:creationId xmlns:p14="http://schemas.microsoft.com/office/powerpoint/2010/main" val="3024671827"/>
+      </p:ext>
+    </p:extLst>
+  </p:cSld>
+  <p:clrMapOvr>
+    <a:masterClrMapping/>
+  </p:clrMapOvr>
+</p:sld>
+</file>
+
 <file path=ppt/slides/slide3.xml><?xml version="1.0" encoding="utf-8"?>
 <p:sld xmlns:a="http://schemas.openxmlformats.org/drawingml/2006/main" xmlns:r="http://schemas.openxmlformats.org/officeDocument/2006/relationships" xmlns:p="http://schemas.openxmlformats.org/presentationml/2006/main">
   <p:cSld>
@@ -4765,7 +7292,7 @@
         <p:spPr>
           <a:xfrm>
             <a:off x="674594" y="1620201"/>
-            <a:ext cx="10842812" cy="3416320"/>
+            <a:ext cx="10842812" cy="3139321"/>
           </a:xfrm>
           <a:prstGeom prst="rect">
             <a:avLst/>
@@ -4855,25 +7382,11 @@
             </a:pPr>
             <a:r>
               <a:rPr lang="he-IL" dirty="0" smtClean="0"/>
-              <a:t>יכולת להגיב </a:t>
-            </a:r>
-            <a:r>
-              <a:rPr lang="he-IL" dirty="0" err="1" smtClean="0"/>
-              <a:t>לאיבנטים</a:t>
-            </a:r>
-            <a:r>
-              <a:rPr lang="he-IL" dirty="0" smtClean="0"/>
-              <a:t> של מערכת ההפעלה</a:t>
-            </a:r>
-          </a:p>
-          <a:p>
-            <a:pPr marL="285750" indent="-285750" algn="r" rtl="1">
-              <a:buFont typeface="Arial" panose="020B0604020202020204" pitchFamily="34" charset="0"/>
-              <a:buChar char="•"/>
-            </a:pPr>
-            <a:r>
-              <a:rPr lang="he-IL" dirty="0" smtClean="0"/>
-              <a:t>תמיכה בהרחבות / ספריות</a:t>
+              <a:t>תמיכה </a:t>
+            </a:r>
+            <a:r>
+              <a:rPr lang="he-IL" dirty="0" smtClean="0"/>
+              <a:t>בהרחבות / ספריות</a:t>
             </a:r>
           </a:p>
           <a:p>
@@ -5315,6 +7828,124 @@
       </p:grpSpPr>
       <p:sp>
         <p:nvSpPr>
+          <p:cNvPr id="5" name="Title 1"/>
+          <p:cNvSpPr>
+            <a:spLocks noGrp="1"/>
+          </p:cNvSpPr>
+          <p:nvPr>
+            <p:ph type="title"/>
+          </p:nvPr>
+        </p:nvSpPr>
+        <p:spPr>
+          <a:xfrm>
+            <a:off x="729095" y="153948"/>
+            <a:ext cx="10515600" cy="818216"/>
+          </a:xfrm>
+        </p:spPr>
+        <p:txBody>
+          <a:bodyPr/>
+          <a:lstStyle/>
+          <a:p>
+            <a:pPr algn="ctr" rtl="1"/>
+            <a:r>
+              <a:rPr lang="en-US" dirty="0" smtClean="0">
+                <a:cs typeface="+mn-cs"/>
+              </a:rPr>
+              <a:t>Hello World</a:t>
+            </a:r>
+            <a:endParaRPr lang="en-US" dirty="0">
+              <a:cs typeface="+mn-cs"/>
+            </a:endParaRPr>
+          </a:p>
+        </p:txBody>
+      </p:sp>
+      <p:pic>
+        <p:nvPicPr>
+          <p:cNvPr id="7" name="Picture 6"/>
+          <p:cNvPicPr>
+            <a:picLocks noChangeAspect="1"/>
+          </p:cNvPicPr>
+          <p:nvPr/>
+        </p:nvPicPr>
+        <p:blipFill>
+          <a:blip r:embed="rId2"/>
+          <a:stretch>
+            <a:fillRect/>
+          </a:stretch>
+        </p:blipFill>
+        <p:spPr>
+          <a:xfrm>
+            <a:off x="3169919" y="972164"/>
+            <a:ext cx="6361027" cy="3193287"/>
+          </a:xfrm>
+          <a:prstGeom prst="rect">
+            <a:avLst/>
+          </a:prstGeom>
+        </p:spPr>
+      </p:pic>
+      <p:sp>
+        <p:nvSpPr>
+          <p:cNvPr id="9" name="TextBox 8"/>
+          <p:cNvSpPr txBox="1"/>
+          <p:nvPr/>
+        </p:nvSpPr>
+        <p:spPr>
+          <a:xfrm>
+            <a:off x="5029199" y="4625952"/>
+            <a:ext cx="2095501" cy="369332"/>
+          </a:xfrm>
+          <a:prstGeom prst="rect">
+            <a:avLst/>
+          </a:prstGeom>
+          <a:noFill/>
+        </p:spPr>
+        <p:txBody>
+          <a:bodyPr wrap="square" rtlCol="0">
+            <a:spAutoFit/>
+          </a:bodyPr>
+          <a:lstStyle/>
+          <a:p>
+            <a:pPr marL="0" lvl="8" algn="r" rtl="1"/>
+            <a:r>
+              <a:rPr lang="he-IL" b="1" dirty="0" smtClean="0"/>
+              <a:t>מה בעצם קורה כאן?</a:t>
+            </a:r>
+            <a:endParaRPr lang="en-US" b="1" dirty="0"/>
+          </a:p>
+        </p:txBody>
+      </p:sp>
+    </p:spTree>
+    <p:extLst>
+      <p:ext uri="{BB962C8B-B14F-4D97-AF65-F5344CB8AC3E}">
+        <p14:creationId xmlns:p14="http://schemas.microsoft.com/office/powerpoint/2010/main" val="1033726852"/>
+      </p:ext>
+    </p:extLst>
+  </p:cSld>
+  <p:clrMapOvr>
+    <a:masterClrMapping/>
+  </p:clrMapOvr>
+</p:sld>
+</file>
+
+<file path=ppt/slides/slide8.xml><?xml version="1.0" encoding="utf-8"?>
+<p:sld xmlns:a="http://schemas.openxmlformats.org/drawingml/2006/main" xmlns:r="http://schemas.openxmlformats.org/officeDocument/2006/relationships" xmlns:p="http://schemas.openxmlformats.org/presentationml/2006/main" show="0">
+  <p:cSld>
+    <p:spTree>
+      <p:nvGrpSpPr>
+        <p:cNvPr id="1" name=""/>
+        <p:cNvGrpSpPr/>
+        <p:nvPr/>
+      </p:nvGrpSpPr>
+      <p:grpSpPr>
+        <a:xfrm>
+          <a:off x="0" y="0"/>
+          <a:ext cx="0" cy="0"/>
+          <a:chOff x="0" y="0"/>
+          <a:chExt cx="0" cy="0"/>
+        </a:xfrm>
+      </p:grpSpPr>
+      <p:sp>
+        <p:nvSpPr>
           <p:cNvPr id="2" name="Title 1"/>
           <p:cNvSpPr>
             <a:spLocks noGrp="1"/>
@@ -5518,15 +8149,15 @@
           </a:p>
           <a:p>
             <a:pPr algn="r" rtl="1"/>
-            <a:endParaRPr lang="he-IL" dirty="0" smtClean="0"/>
-          </a:p>
-          <a:p>
-            <a:pPr algn="r" rtl="1"/>
-            <a:endParaRPr lang="he-IL" dirty="0" smtClean="0"/>
-          </a:p>
-          <a:p>
-            <a:pPr algn="r" rtl="1"/>
-            <a:endParaRPr lang="he-IL" dirty="0" smtClean="0"/>
+            <a:endParaRPr lang="en-US" dirty="0" smtClean="0"/>
+          </a:p>
+          <a:p>
+            <a:pPr algn="r" rtl="1"/>
+            <a:endParaRPr lang="en-US" dirty="0"/>
+          </a:p>
+          <a:p>
+            <a:pPr algn="r" rtl="1"/>
+            <a:endParaRPr lang="en-US" dirty="0" smtClean="0"/>
           </a:p>
           <a:p>
             <a:pPr algn="r" rtl="1"/>
@@ -6139,818 +8770,14 @@
   <p:clrMapOvr>
     <a:masterClrMapping/>
   </p:clrMapOvr>
-</p:sld>
-</file>
-
-<file path=ppt/slides/slide8.xml><?xml version="1.0" encoding="utf-8"?>
-<p:sld xmlns:a="http://schemas.openxmlformats.org/drawingml/2006/main" xmlns:r="http://schemas.openxmlformats.org/officeDocument/2006/relationships" xmlns:p="http://schemas.openxmlformats.org/presentationml/2006/main">
-  <p:cSld>
-    <p:spTree>
-      <p:nvGrpSpPr>
-        <p:cNvPr id="1" name=""/>
-        <p:cNvGrpSpPr/>
-        <p:nvPr/>
-      </p:nvGrpSpPr>
-      <p:grpSpPr>
-        <a:xfrm>
-          <a:off x="0" y="0"/>
-          <a:ext cx="0" cy="0"/>
-          <a:chOff x="0" y="0"/>
-          <a:chExt cx="0" cy="0"/>
-        </a:xfrm>
-      </p:grpSpPr>
-      <p:sp>
-        <p:nvSpPr>
-          <p:cNvPr id="2" name="Title 1"/>
-          <p:cNvSpPr>
-            <a:spLocks noGrp="1"/>
-          </p:cNvSpPr>
-          <p:nvPr>
-            <p:ph type="title"/>
-          </p:nvPr>
-        </p:nvSpPr>
-        <p:spPr>
-          <a:xfrm>
-            <a:off x="859715" y="96184"/>
-            <a:ext cx="10515600" cy="603063"/>
-          </a:xfrm>
-        </p:spPr>
-        <p:txBody>
-          <a:bodyPr>
-            <a:normAutofit fontScale="90000"/>
-          </a:bodyPr>
-          <a:lstStyle/>
-          <a:p>
-            <a:pPr algn="ctr" rtl="1"/>
-            <a:r>
-              <a:rPr lang="he-IL" dirty="0" err="1" smtClean="0">
-                <a:cs typeface="+mn-cs"/>
-              </a:rPr>
-              <a:t>תוכנית</a:t>
-            </a:r>
-            <a:r>
-              <a:rPr lang="he-IL" dirty="0" smtClean="0">
-                <a:cs typeface="+mn-cs"/>
-              </a:rPr>
-              <a:t> </a:t>
-            </a:r>
-            <a:r>
-              <a:rPr lang="en-US" dirty="0" smtClean="0">
-                <a:cs typeface="+mn-cs"/>
-              </a:rPr>
-              <a:t>Node.JS</a:t>
-            </a:r>
-            <a:endParaRPr lang="en-US" dirty="0">
-              <a:cs typeface="+mn-cs"/>
-            </a:endParaRPr>
-          </a:p>
-        </p:txBody>
-      </p:sp>
-      <p:sp>
-        <p:nvSpPr>
-          <p:cNvPr id="3" name="TextBox 2"/>
-          <p:cNvSpPr txBox="1"/>
-          <p:nvPr/>
-        </p:nvSpPr>
-        <p:spPr>
-          <a:xfrm>
-            <a:off x="295836" y="742274"/>
-            <a:ext cx="11253454" cy="6109365"/>
-          </a:xfrm>
-          <a:prstGeom prst="rect">
-            <a:avLst/>
-          </a:prstGeom>
-          <a:noFill/>
-        </p:spPr>
-        <p:txBody>
-          <a:bodyPr wrap="square" rtlCol="0">
-            <a:spAutoFit/>
-          </a:bodyPr>
-          <a:lstStyle/>
-          <a:p>
-            <a:pPr algn="r" rtl="1"/>
-            <a:r>
-              <a:rPr lang="he-IL" sz="1700" dirty="0" smtClean="0"/>
-              <a:t>מנוע ה-</a:t>
-            </a:r>
-            <a:r>
-              <a:rPr lang="en-US" sz="1700" dirty="0" smtClean="0"/>
-              <a:t>V8</a:t>
-            </a:r>
-            <a:r>
-              <a:rPr lang="he-IL" sz="1700" dirty="0" smtClean="0"/>
-              <a:t> מריץ את הקוד שלנו בקובץ ה-</a:t>
-            </a:r>
-            <a:r>
-              <a:rPr lang="en-US" sz="1700" dirty="0" smtClean="0"/>
-              <a:t>main.js</a:t>
-            </a:r>
-            <a:r>
-              <a:rPr lang="he-IL" sz="1700" dirty="0" smtClean="0"/>
-              <a:t> מתחילתו ועד סופו בצורה סינכרונית:</a:t>
-            </a:r>
-          </a:p>
-          <a:p>
-            <a:pPr marL="285750" indent="-285750" algn="r" rtl="1">
-              <a:buFont typeface="Arial" panose="020B0604020202020204" pitchFamily="34" charset="0"/>
-              <a:buChar char="•"/>
-            </a:pPr>
-            <a:r>
-              <a:rPr lang="he-IL" sz="1700" dirty="0" smtClean="0"/>
-              <a:t>פעולות "חישוב" – מנוע </a:t>
-            </a:r>
-            <a:r>
-              <a:rPr lang="en-US" sz="1700" dirty="0" smtClean="0"/>
-              <a:t>V8</a:t>
-            </a:r>
-            <a:r>
-              <a:rPr lang="he-IL" sz="1700" dirty="0" smtClean="0"/>
-              <a:t> מבצע בעצמו </a:t>
-            </a:r>
-            <a:r>
-              <a:rPr lang="he-IL" sz="1700" dirty="0" err="1" smtClean="0"/>
-              <a:t>בת'רד</a:t>
-            </a:r>
-            <a:r>
-              <a:rPr lang="he-IL" sz="1700" dirty="0" smtClean="0"/>
-              <a:t> הבודד – הקצאת משתנים, חישובים, השמות, בקרת שליטה, לולאות </a:t>
-            </a:r>
-            <a:r>
-              <a:rPr lang="he-IL" sz="1700" dirty="0" err="1" smtClean="0"/>
-              <a:t>וכו</a:t>
-            </a:r>
-            <a:r>
-              <a:rPr lang="he-IL" sz="1700" dirty="0" smtClean="0"/>
-              <a:t>'.</a:t>
-            </a:r>
-          </a:p>
-          <a:p>
-            <a:pPr marL="285750" indent="-285750" algn="r" rtl="1">
-              <a:buFont typeface="Arial" panose="020B0604020202020204" pitchFamily="34" charset="0"/>
-              <a:buChar char="•"/>
-            </a:pPr>
-            <a:r>
-              <a:rPr lang="he-IL" sz="1700" dirty="0" smtClean="0"/>
-              <a:t>פעולות "</a:t>
-            </a:r>
-            <a:r>
-              <a:rPr lang="en-US" sz="1700" dirty="0" smtClean="0"/>
-              <a:t>IO</a:t>
-            </a:r>
-            <a:r>
-              <a:rPr lang="he-IL" sz="1700" dirty="0" smtClean="0"/>
-              <a:t>" – מנוע </a:t>
-            </a:r>
-            <a:r>
-              <a:rPr lang="en-US" sz="1700" dirty="0" smtClean="0"/>
-              <a:t>V8</a:t>
-            </a:r>
-            <a:r>
-              <a:rPr lang="he-IL" sz="1700" dirty="0" smtClean="0"/>
-              <a:t> מאציל עבודה דרך </a:t>
-            </a:r>
-            <a:r>
-              <a:rPr lang="en-US" sz="1700" dirty="0" smtClean="0"/>
-              <a:t>Node.JS</a:t>
-            </a:r>
-            <a:r>
-              <a:rPr lang="he-IL" sz="1700" dirty="0" smtClean="0"/>
-              <a:t> ל-</a:t>
-            </a:r>
-            <a:r>
-              <a:rPr lang="en-US" sz="1700" dirty="0" err="1" smtClean="0"/>
-              <a:t>Libuv</a:t>
-            </a:r>
-            <a:r>
-              <a:rPr lang="he-IL" sz="1700" dirty="0" smtClean="0"/>
-              <a:t> </a:t>
-            </a:r>
-            <a:r>
-              <a:rPr lang="he-IL" sz="1700" dirty="0" err="1" smtClean="0"/>
-              <a:t>המולטית'רד</a:t>
-            </a:r>
-            <a:r>
-              <a:rPr lang="he-IL" sz="1700" dirty="0" smtClean="0"/>
-              <a:t> – ומקצה </a:t>
-            </a:r>
-            <a:r>
-              <a:rPr lang="he-IL" sz="1700" dirty="0" err="1" smtClean="0"/>
-              <a:t>קולבקים</a:t>
-            </a:r>
-            <a:r>
-              <a:rPr lang="he-IL" sz="1700" dirty="0" smtClean="0"/>
-              <a:t> שיופעלו כאשר </a:t>
-            </a:r>
-            <a:r>
-              <a:rPr lang="en-US" sz="1700" dirty="0" err="1" smtClean="0"/>
-              <a:t>Libuv</a:t>
-            </a:r>
-            <a:r>
-              <a:rPr lang="he-IL" sz="1700" dirty="0" smtClean="0"/>
-              <a:t> יאותת שסיים.</a:t>
-            </a:r>
-          </a:p>
-          <a:p>
-            <a:pPr algn="r" rtl="1"/>
-            <a:r>
-              <a:rPr lang="he-IL" sz="1700" dirty="0" smtClean="0"/>
-              <a:t>בסוף הריצה הסינכרונית של </a:t>
-            </a:r>
-            <a:r>
-              <a:rPr lang="en-US" sz="1700" dirty="0" smtClean="0"/>
-              <a:t>V8</a:t>
-            </a:r>
-            <a:r>
-              <a:rPr lang="he-IL" sz="1700" dirty="0"/>
-              <a:t>,</a:t>
-            </a:r>
-            <a:r>
-              <a:rPr lang="he-IL" sz="1700" dirty="0" smtClean="0"/>
-              <a:t> ה-</a:t>
-            </a:r>
-            <a:r>
-              <a:rPr lang="en-US" sz="1700" dirty="0" smtClean="0"/>
-              <a:t>Event Loop</a:t>
-            </a:r>
-            <a:r>
-              <a:rPr lang="he-IL" sz="1700" dirty="0" smtClean="0"/>
-              <a:t> מתחילה לעבוד.</a:t>
-            </a:r>
-          </a:p>
-          <a:p>
-            <a:pPr algn="r" rtl="1"/>
-            <a:endParaRPr lang="he-IL" sz="1700" dirty="0" smtClean="0"/>
-          </a:p>
-          <a:p>
-            <a:pPr algn="r" rtl="1"/>
-            <a:r>
-              <a:rPr lang="he-IL" sz="1700" dirty="0" smtClean="0"/>
-              <a:t>ה- </a:t>
-            </a:r>
-            <a:r>
-              <a:rPr lang="en-US" sz="1700" dirty="0" smtClean="0"/>
-              <a:t>Event Loop</a:t>
-            </a:r>
-            <a:r>
-              <a:rPr lang="he-IL" sz="1700" dirty="0" smtClean="0"/>
-              <a:t> היא לולאה שבכל </a:t>
-            </a:r>
-            <a:r>
-              <a:rPr lang="he-IL" sz="1700" dirty="0" err="1" smtClean="0"/>
-              <a:t>איטרציה</a:t>
-            </a:r>
-            <a:r>
-              <a:rPr lang="he-IL" sz="1700" dirty="0" smtClean="0"/>
-              <a:t> עושה את הדברים הבאים:</a:t>
-            </a:r>
-          </a:p>
-          <a:p>
-            <a:pPr algn="r" rtl="1"/>
-            <a:endParaRPr lang="he-IL" sz="1700" dirty="0" smtClean="0"/>
-          </a:p>
-          <a:p>
-            <a:pPr algn="r" rtl="1"/>
-            <a:r>
-              <a:rPr lang="he-IL" sz="1700" dirty="0" smtClean="0"/>
-              <a:t>בדיקת מצב התוכנית:</a:t>
-            </a:r>
-          </a:p>
-          <a:p>
-            <a:pPr marL="285750" lvl="0" indent="-285750" algn="r" rtl="1">
-              <a:buFont typeface="Arial" panose="020B0604020202020204" pitchFamily="34" charset="0"/>
-              <a:buChar char="•"/>
-            </a:pPr>
-            <a:r>
-              <a:rPr lang="he-IL" sz="1700" dirty="0"/>
-              <a:t>האם יש טיימרים שהגיע הזמן לטפל בהם (</a:t>
-            </a:r>
-            <a:r>
-              <a:rPr lang="en-US" sz="1700" dirty="0" err="1"/>
-              <a:t>setTimout</a:t>
-            </a:r>
-            <a:r>
-              <a:rPr lang="en-US" sz="1700" dirty="0"/>
-              <a:t>, </a:t>
-            </a:r>
-            <a:r>
-              <a:rPr lang="en-US" sz="1700" dirty="0" err="1"/>
-              <a:t>setInterval</a:t>
-            </a:r>
-            <a:r>
-              <a:rPr lang="en-US" sz="1700" dirty="0"/>
-              <a:t>, </a:t>
-            </a:r>
-            <a:r>
-              <a:rPr lang="en-US" sz="1700" dirty="0" err="1"/>
-              <a:t>setImmediate</a:t>
-            </a:r>
-            <a:r>
-              <a:rPr lang="he-IL" sz="1700" dirty="0"/>
-              <a:t>) ?</a:t>
-            </a:r>
-            <a:endParaRPr lang="en-US" sz="1700" dirty="0"/>
-          </a:p>
-          <a:p>
-            <a:pPr marL="285750" lvl="0" indent="-285750" algn="r" rtl="1">
-              <a:buFont typeface="Arial" panose="020B0604020202020204" pitchFamily="34" charset="0"/>
-              <a:buChar char="•"/>
-            </a:pPr>
-            <a:r>
-              <a:rPr lang="he-IL" sz="1700" dirty="0"/>
-              <a:t>האם יש משימות </a:t>
-            </a:r>
-            <a:r>
-              <a:rPr lang="en-US" sz="1700" dirty="0"/>
-              <a:t>OS</a:t>
-            </a:r>
-            <a:r>
-              <a:rPr lang="he-IL" sz="1700" dirty="0"/>
-              <a:t> </a:t>
-            </a:r>
-            <a:r>
-              <a:rPr lang="he-IL" sz="1700" dirty="0" smtClean="0"/>
-              <a:t>בטיפול</a:t>
-            </a:r>
-            <a:r>
-              <a:rPr lang="en-US" sz="1700" dirty="0" smtClean="0"/>
-              <a:t> </a:t>
-            </a:r>
-            <a:r>
-              <a:rPr lang="he-IL" sz="1700" dirty="0" smtClean="0"/>
-              <a:t> </a:t>
-            </a:r>
-            <a:r>
-              <a:rPr lang="he-IL" sz="1700" dirty="0"/>
-              <a:t>(למשל האזנה לפורט)?</a:t>
-            </a:r>
-            <a:endParaRPr lang="en-US" sz="1700" dirty="0"/>
-          </a:p>
-          <a:p>
-            <a:pPr marL="285750" lvl="0" indent="-285750" algn="r" rtl="1">
-              <a:buFont typeface="Arial" panose="020B0604020202020204" pitchFamily="34" charset="0"/>
-              <a:buChar char="•"/>
-            </a:pPr>
-            <a:r>
-              <a:rPr lang="he-IL" sz="1700" dirty="0"/>
-              <a:t>האם יש אופרציה בביצוע כרגע (למשל קריאת קובץ)?</a:t>
-            </a:r>
-            <a:endParaRPr lang="en-US" sz="1700" dirty="0"/>
-          </a:p>
-          <a:p>
-            <a:pPr algn="r" rtl="1"/>
-            <a:endParaRPr lang="he-IL" sz="1700" dirty="0" smtClean="0"/>
-          </a:p>
-          <a:p>
-            <a:pPr algn="r" rtl="1"/>
-            <a:endParaRPr lang="he-IL" sz="1700" dirty="0" smtClean="0"/>
-          </a:p>
-          <a:p>
-            <a:pPr algn="r" rtl="1"/>
-            <a:r>
-              <a:rPr lang="he-IL" sz="1700" dirty="0" smtClean="0"/>
-              <a:t>אם כל התשובות הן "לא" – התוכנית מסתיימת.</a:t>
-            </a:r>
-          </a:p>
-          <a:p>
-            <a:pPr algn="r" rtl="1"/>
-            <a:endParaRPr lang="he-IL" sz="1700" dirty="0" smtClean="0"/>
-          </a:p>
-          <a:p>
-            <a:pPr algn="r" rtl="1"/>
-            <a:endParaRPr lang="he-IL" sz="1700" dirty="0" smtClean="0"/>
-          </a:p>
-          <a:p>
-            <a:pPr algn="r" rtl="1"/>
-            <a:r>
-              <a:rPr lang="he-IL" sz="1700" dirty="0" smtClean="0"/>
-              <a:t>אם אחת התשובות היא "כן" – הלולאה תבצע "עבודה":</a:t>
-            </a:r>
-            <a:endParaRPr lang="he-IL" sz="1700" dirty="0"/>
-          </a:p>
-          <a:p>
-            <a:pPr marL="285750" indent="-285750" algn="r" rtl="1">
-              <a:buFont typeface="Arial" panose="020B0604020202020204" pitchFamily="34" charset="0"/>
-              <a:buChar char="•"/>
-            </a:pPr>
-            <a:r>
-              <a:rPr lang="he-IL" sz="1700" dirty="0" smtClean="0"/>
-              <a:t>טיפול בטיימר – ע"י קריאה </a:t>
-            </a:r>
-            <a:r>
-              <a:rPr lang="he-IL" sz="1700" dirty="0" err="1" smtClean="0"/>
-              <a:t>לקולבק</a:t>
-            </a:r>
-            <a:r>
-              <a:rPr lang="he-IL" sz="1700" dirty="0" smtClean="0"/>
-              <a:t> שלו</a:t>
-            </a:r>
-          </a:p>
-          <a:p>
-            <a:pPr marL="285750" indent="-285750" algn="r" rtl="1">
-              <a:buFont typeface="Arial" panose="020B0604020202020204" pitchFamily="34" charset="0"/>
-              <a:buChar char="•"/>
-            </a:pPr>
-            <a:r>
-              <a:rPr lang="he-IL" sz="1700" dirty="0" smtClean="0"/>
-              <a:t>טיפול ב-</a:t>
-            </a:r>
-            <a:r>
-              <a:rPr lang="en-US" sz="1700" dirty="0" smtClean="0"/>
-              <a:t>events</a:t>
-            </a:r>
-            <a:r>
-              <a:rPr lang="he-IL" sz="1700" dirty="0" smtClean="0"/>
-              <a:t> שקרו – ע"י קריאה </a:t>
-            </a:r>
-            <a:r>
-              <a:rPr lang="he-IL" sz="1700" dirty="0" err="1" smtClean="0"/>
-              <a:t>לקולבק</a:t>
-            </a:r>
-            <a:r>
-              <a:rPr lang="he-IL" sz="1700" dirty="0" smtClean="0"/>
-              <a:t> שלהם – (למשל </a:t>
-            </a:r>
-            <a:r>
-              <a:rPr lang="he-IL" sz="1700" dirty="0" err="1" smtClean="0"/>
-              <a:t>קולבק</a:t>
-            </a:r>
-            <a:r>
-              <a:rPr lang="he-IL" sz="1700" dirty="0" smtClean="0"/>
-              <a:t> של בקשת </a:t>
-            </a:r>
-            <a:r>
-              <a:rPr lang="en-US" sz="1700" dirty="0" smtClean="0"/>
-              <a:t>http</a:t>
-            </a:r>
-            <a:r>
-              <a:rPr lang="he-IL" sz="1700" dirty="0" smtClean="0"/>
-              <a:t> נכנסת, או של קטע קובץ שנקרא)</a:t>
-            </a:r>
-          </a:p>
-          <a:p>
-            <a:pPr marL="285750" indent="-285750" algn="r" rtl="1">
-              <a:buFont typeface="Arial" panose="020B0604020202020204" pitchFamily="34" charset="0"/>
-              <a:buChar char="•"/>
-            </a:pPr>
-            <a:r>
-              <a:rPr lang="he-IL" sz="1700" dirty="0" smtClean="0"/>
-              <a:t>טיפול ב-</a:t>
-            </a:r>
-            <a:r>
-              <a:rPr lang="en-US" sz="1700" dirty="0" smtClean="0"/>
-              <a:t>cleanup / garbage collection</a:t>
-            </a:r>
-            <a:endParaRPr lang="he-IL" sz="1700" dirty="0" smtClean="0"/>
-          </a:p>
-          <a:p>
-            <a:pPr marL="285750" indent="-285750" algn="r" rtl="1">
-              <a:buFont typeface="Arial" panose="020B0604020202020204" pitchFamily="34" charset="0"/>
-              <a:buChar char="•"/>
-            </a:pPr>
-            <a:endParaRPr lang="he-IL" sz="1700" dirty="0" smtClean="0"/>
-          </a:p>
-          <a:p>
-            <a:pPr marL="285750" indent="-285750" algn="r" rtl="1">
-              <a:buFont typeface="Arial" panose="020B0604020202020204" pitchFamily="34" charset="0"/>
-              <a:buChar char="•"/>
-            </a:pPr>
-            <a:endParaRPr lang="he-IL" sz="1700" dirty="0"/>
-          </a:p>
-          <a:p>
-            <a:pPr algn="r" rtl="1"/>
-            <a:r>
-              <a:rPr lang="he-IL" sz="1700" dirty="0" smtClean="0"/>
-              <a:t>בסוף </a:t>
-            </a:r>
-            <a:r>
-              <a:rPr lang="he-IL" sz="1700" dirty="0" err="1" smtClean="0"/>
-              <a:t>האיטרציה</a:t>
-            </a:r>
-            <a:r>
-              <a:rPr lang="he-IL" sz="1700" dirty="0" smtClean="0"/>
-              <a:t> הנוכחית התוכנית נכנסת למצב </a:t>
-            </a:r>
-            <a:r>
-              <a:rPr lang="en-US" sz="1700" b="1" dirty="0" smtClean="0"/>
-              <a:t>idle</a:t>
-            </a:r>
-            <a:r>
-              <a:rPr lang="he-IL" sz="1700" dirty="0" smtClean="0"/>
-              <a:t>, עד שנורה </a:t>
-            </a:r>
-            <a:r>
-              <a:rPr lang="en-US" sz="1700" dirty="0" smtClean="0"/>
-              <a:t>event</a:t>
-            </a:r>
-            <a:r>
-              <a:rPr lang="he-IL" sz="1700" dirty="0" smtClean="0"/>
-              <a:t> שקשור לאחת מ-3 הפעולות הנ"ל ואז הלולאה מתחילה שוב</a:t>
-            </a:r>
-          </a:p>
-        </p:txBody>
-      </p:sp>
-      <p:sp>
-        <p:nvSpPr>
-          <p:cNvPr id="5" name="Down Arrow 4"/>
-          <p:cNvSpPr/>
-          <p:nvPr/>
-        </p:nvSpPr>
-        <p:spPr>
-          <a:xfrm>
-            <a:off x="10515600" y="3625652"/>
-            <a:ext cx="236668" cy="441063"/>
-          </a:xfrm>
-          <a:prstGeom prst="downArrow">
-            <a:avLst/>
-          </a:prstGeom>
-        </p:spPr>
-        <p:style>
-          <a:lnRef idx="2">
-            <a:schemeClr val="accent1">
-              <a:shade val="50000"/>
-            </a:schemeClr>
-          </a:lnRef>
-          <a:fillRef idx="1">
-            <a:schemeClr val="accent1"/>
-          </a:fillRef>
-          <a:effectRef idx="0">
-            <a:schemeClr val="accent1"/>
-          </a:effectRef>
-          <a:fontRef idx="minor">
-            <a:schemeClr val="lt1"/>
-          </a:fontRef>
-        </p:style>
-        <p:txBody>
-          <a:bodyPr rtlCol="0" anchor="ctr"/>
-          <a:lstStyle/>
-          <a:p>
-            <a:pPr algn="ctr"/>
-            <a:endParaRPr lang="en-US"/>
-          </a:p>
-        </p:txBody>
-      </p:sp>
-      <p:sp>
-        <p:nvSpPr>
-          <p:cNvPr id="7" name="Left Arrow 6"/>
-          <p:cNvSpPr/>
-          <p:nvPr/>
-        </p:nvSpPr>
-        <p:spPr>
-          <a:xfrm>
-            <a:off x="6802419" y="4179672"/>
-            <a:ext cx="602429" cy="231287"/>
-          </a:xfrm>
-          <a:prstGeom prst="leftArrow">
-            <a:avLst/>
-          </a:prstGeom>
-        </p:spPr>
-        <p:style>
-          <a:lnRef idx="2">
-            <a:schemeClr val="accent1">
-              <a:shade val="50000"/>
-            </a:schemeClr>
-          </a:lnRef>
-          <a:fillRef idx="1">
-            <a:schemeClr val="accent1"/>
-          </a:fillRef>
-          <a:effectRef idx="0">
-            <a:schemeClr val="accent1"/>
-          </a:effectRef>
-          <a:fontRef idx="minor">
-            <a:schemeClr val="lt1"/>
-          </a:fontRef>
-        </p:style>
-        <p:txBody>
-          <a:bodyPr rtlCol="0" anchor="ctr"/>
-          <a:lstStyle/>
-          <a:p>
-            <a:pPr algn="ctr"/>
-            <a:endParaRPr lang="en-US"/>
-          </a:p>
-        </p:txBody>
-      </p:sp>
-      <p:sp>
-        <p:nvSpPr>
-          <p:cNvPr id="8" name="Multiply 7"/>
-          <p:cNvSpPr/>
-          <p:nvPr/>
-        </p:nvSpPr>
-        <p:spPr>
-          <a:xfrm>
-            <a:off x="6067120" y="3976906"/>
-            <a:ext cx="723870" cy="636818"/>
-          </a:xfrm>
-          <a:prstGeom prst="mathMultiply">
-            <a:avLst/>
-          </a:prstGeom>
-          <a:solidFill>
-            <a:srgbClr val="FF0000"/>
-          </a:solidFill>
-          <a:ln>
-            <a:solidFill>
-              <a:srgbClr val="C00000"/>
-            </a:solidFill>
-          </a:ln>
-        </p:spPr>
-        <p:style>
-          <a:lnRef idx="2">
-            <a:schemeClr val="accent1">
-              <a:shade val="50000"/>
-            </a:schemeClr>
-          </a:lnRef>
-          <a:fillRef idx="1">
-            <a:schemeClr val="accent1"/>
-          </a:fillRef>
-          <a:effectRef idx="0">
-            <a:schemeClr val="accent1"/>
-          </a:effectRef>
-          <a:fontRef idx="minor">
-            <a:schemeClr val="lt1"/>
-          </a:fontRef>
-        </p:style>
-        <p:txBody>
-          <a:bodyPr rtlCol="0" anchor="ctr"/>
-          <a:lstStyle/>
-          <a:p>
-            <a:pPr algn="ctr"/>
-            <a:endParaRPr lang="en-US"/>
-          </a:p>
-        </p:txBody>
-      </p:sp>
-      <p:sp>
-        <p:nvSpPr>
-          <p:cNvPr id="9" name="Down Arrow 8"/>
-          <p:cNvSpPr/>
-          <p:nvPr/>
-        </p:nvSpPr>
-        <p:spPr>
-          <a:xfrm>
-            <a:off x="10518230" y="4502685"/>
-            <a:ext cx="236668" cy="441063"/>
-          </a:xfrm>
-          <a:prstGeom prst="downArrow">
-            <a:avLst/>
-          </a:prstGeom>
-        </p:spPr>
-        <p:style>
-          <a:lnRef idx="2">
-            <a:schemeClr val="accent1">
-              <a:shade val="50000"/>
-            </a:schemeClr>
-          </a:lnRef>
-          <a:fillRef idx="1">
-            <a:schemeClr val="accent1"/>
-          </a:fillRef>
-          <a:effectRef idx="0">
-            <a:schemeClr val="accent1"/>
-          </a:effectRef>
-          <a:fontRef idx="minor">
-            <a:schemeClr val="lt1"/>
-          </a:fontRef>
-        </p:style>
-        <p:txBody>
-          <a:bodyPr rtlCol="0" anchor="ctr"/>
-          <a:lstStyle/>
-          <a:p>
-            <a:pPr algn="ctr"/>
-            <a:endParaRPr lang="en-US"/>
-          </a:p>
-        </p:txBody>
-      </p:sp>
-      <p:sp>
-        <p:nvSpPr>
-          <p:cNvPr id="10" name="Down Arrow 9"/>
-          <p:cNvSpPr/>
-          <p:nvPr/>
-        </p:nvSpPr>
-        <p:spPr>
-          <a:xfrm>
-            <a:off x="10515600" y="6076282"/>
-            <a:ext cx="236668" cy="441063"/>
-          </a:xfrm>
-          <a:prstGeom prst="downArrow">
-            <a:avLst/>
-          </a:prstGeom>
-        </p:spPr>
-        <p:style>
-          <a:lnRef idx="2">
-            <a:schemeClr val="accent1">
-              <a:shade val="50000"/>
-            </a:schemeClr>
-          </a:lnRef>
-          <a:fillRef idx="1">
-            <a:schemeClr val="accent1"/>
-          </a:fillRef>
-          <a:effectRef idx="0">
-            <a:schemeClr val="accent1"/>
-          </a:effectRef>
-          <a:fontRef idx="minor">
-            <a:schemeClr val="lt1"/>
-          </a:fontRef>
-        </p:style>
-        <p:txBody>
-          <a:bodyPr rtlCol="0" anchor="ctr"/>
-          <a:lstStyle/>
-          <a:p>
-            <a:pPr algn="ctr"/>
-            <a:endParaRPr lang="en-US"/>
-          </a:p>
-        </p:txBody>
-      </p:sp>
-      <p:sp>
-        <p:nvSpPr>
-          <p:cNvPr id="13" name="Rectangle 12"/>
-          <p:cNvSpPr/>
-          <p:nvPr/>
-        </p:nvSpPr>
-        <p:spPr>
-          <a:xfrm>
-            <a:off x="11549289" y="6535271"/>
-            <a:ext cx="473619" cy="85487"/>
-          </a:xfrm>
-          <a:prstGeom prst="rect">
-            <a:avLst/>
-          </a:prstGeom>
-        </p:spPr>
-        <p:style>
-          <a:lnRef idx="2">
-            <a:schemeClr val="accent1">
-              <a:shade val="50000"/>
-            </a:schemeClr>
-          </a:lnRef>
-          <a:fillRef idx="1">
-            <a:schemeClr val="accent1"/>
-          </a:fillRef>
-          <a:effectRef idx="0">
-            <a:schemeClr val="accent1"/>
-          </a:effectRef>
-          <a:fontRef idx="minor">
-            <a:schemeClr val="lt1"/>
-          </a:fontRef>
-        </p:style>
-        <p:txBody>
-          <a:bodyPr rtlCol="0" anchor="ctr"/>
-          <a:lstStyle/>
-          <a:p>
-            <a:pPr algn="ctr"/>
-            <a:endParaRPr lang="en-US"/>
-          </a:p>
-        </p:txBody>
-      </p:sp>
-      <p:sp>
-        <p:nvSpPr>
-          <p:cNvPr id="11" name="Bent-Up Arrow 10"/>
-          <p:cNvSpPr/>
-          <p:nvPr/>
-        </p:nvSpPr>
-        <p:spPr>
-          <a:xfrm rot="16200000">
-            <a:off x="9794764" y="4392614"/>
-            <a:ext cx="3994099" cy="462188"/>
-          </a:xfrm>
-          <a:prstGeom prst="bentUpArrow">
-            <a:avLst>
-              <a:gd name="adj1" fmla="val 17090"/>
-              <a:gd name="adj2" fmla="val 23870"/>
-              <a:gd name="adj3" fmla="val 25000"/>
-            </a:avLst>
-          </a:prstGeom>
-        </p:spPr>
-        <p:style>
-          <a:lnRef idx="2">
-            <a:schemeClr val="accent1">
-              <a:shade val="50000"/>
-            </a:schemeClr>
-          </a:lnRef>
-          <a:fillRef idx="1">
-            <a:schemeClr val="accent1"/>
-          </a:fillRef>
-          <a:effectRef idx="0">
-            <a:schemeClr val="accent1"/>
-          </a:effectRef>
-          <a:fontRef idx="minor">
-            <a:schemeClr val="lt1"/>
-          </a:fontRef>
-        </p:style>
-        <p:txBody>
-          <a:bodyPr rtlCol="0" anchor="ctr"/>
-          <a:lstStyle/>
-          <a:p>
-            <a:pPr algn="ctr"/>
-            <a:endParaRPr lang="en-US"/>
-          </a:p>
-        </p:txBody>
-      </p:sp>
-    </p:spTree>
-    <p:extLst>
-      <p:ext uri="{BB962C8B-B14F-4D97-AF65-F5344CB8AC3E}">
-        <p14:creationId xmlns:p14="http://schemas.microsoft.com/office/powerpoint/2010/main" val="4253057970"/>
-      </p:ext>
-    </p:extLst>
-  </p:cSld>
-  <p:clrMapOvr>
-    <a:masterClrMapping/>
-  </p:clrMapOvr>
+  <mc:AlternateContent xmlns:mc="http://schemas.openxmlformats.org/markup-compatibility/2006">
+    <mc:Choice xmlns:p14="http://schemas.microsoft.com/office/powerpoint/2010/main" Requires="p14">
+      <p:transition spd="slow" p14:dur="2000"/>
+    </mc:Choice>
+    <mc:Fallback>
+      <p:transition spd="slow"/>
+    </mc:Fallback>
+  </mc:AlternateContent>
 </p:sld>
 </file>
 
@@ -6983,8 +8810,8 @@
         </p:nvSpPr>
         <p:spPr>
           <a:xfrm>
-            <a:off x="838200" y="365126"/>
-            <a:ext cx="10515600" cy="719604"/>
+            <a:off x="729095" y="153948"/>
+            <a:ext cx="10515600" cy="818216"/>
           </a:xfrm>
         </p:spPr>
         <p:txBody>
@@ -6992,35 +8819,17 @@
           <a:lstStyle/>
           <a:p>
             <a:pPr algn="ctr" rtl="1"/>
+            <a:r>
+              <a:rPr lang="en-US" dirty="0" smtClean="0">
+                <a:cs typeface="+mn-cs"/>
+              </a:rPr>
+              <a:t>Node.JS</a:t>
+            </a:r>
             <a:r>
               <a:rPr lang="he-IL" dirty="0" smtClean="0">
                 <a:cs typeface="+mn-cs"/>
               </a:rPr>
-              <a:t>האם </a:t>
-            </a:r>
-            <a:r>
-              <a:rPr lang="en-US" dirty="0" smtClean="0">
-                <a:cs typeface="+mn-cs"/>
-              </a:rPr>
-              <a:t>Node</a:t>
-            </a:r>
-            <a:r>
-              <a:rPr lang="he-IL" dirty="0" smtClean="0">
-                <a:cs typeface="+mn-cs"/>
-              </a:rPr>
-              <a:t> היא סינגל </a:t>
-            </a:r>
-            <a:r>
-              <a:rPr lang="he-IL" dirty="0" err="1" smtClean="0">
-                <a:cs typeface="+mn-cs"/>
-              </a:rPr>
-              <a:t>ת'רד</a:t>
-            </a:r>
-            <a:r>
-              <a:rPr lang="he-IL" dirty="0" smtClean="0">
-                <a:cs typeface="+mn-cs"/>
-              </a:rPr>
-              <a:t>?</a:t>
+              <a:t> – מתחת למכסה המנוע</a:t>
             </a:r>
             <a:endParaRPr lang="en-US" dirty="0">
               <a:cs typeface="+mn-cs"/>
@@ -7028,24 +8837,110 @@
           </a:p>
         </p:txBody>
       </p:sp>
-      <p:sp>
-        <p:nvSpPr>
-          <p:cNvPr id="3" name="TextBox 2"/>
-          <p:cNvSpPr txBox="1"/>
+      <p:pic>
+        <p:nvPicPr>
+          <p:cNvPr id="2050" name="Picture 2" descr="Related image"/>
+          <p:cNvPicPr>
+            <a:picLocks noChangeAspect="1" noChangeArrowheads="1"/>
+          </p:cNvPicPr>
           <p:nvPr/>
-        </p:nvSpPr>
-        <p:spPr>
+        </p:nvPicPr>
+        <p:blipFill>
+          <a:blip r:embed="rId2">
+            <a:extLst>
+              <a:ext uri="{28A0092B-C50C-407E-A947-70E740481C1C}">
+                <a14:useLocalDpi xmlns:a14="http://schemas.microsoft.com/office/drawing/2010/main" val="0"/>
+              </a:ext>
+            </a:extLst>
+          </a:blip>
+          <a:srcRect/>
+          <a:stretch>
+            <a:fillRect/>
+          </a:stretch>
+        </p:blipFill>
+        <p:spPr bwMode="auto">
           <a:xfrm>
-            <a:off x="838200" y="1342344"/>
-            <a:ext cx="10597237" cy="3693319"/>
+            <a:off x="1198421" y="1181714"/>
+            <a:ext cx="10046274" cy="3980836"/>
           </a:xfrm>
           <a:prstGeom prst="rect">
             <a:avLst/>
           </a:prstGeom>
           <a:noFill/>
-        </p:spPr>
-        <p:txBody>
-          <a:bodyPr wrap="square" rtlCol="0">
+          <a:extLst>
+            <a:ext uri="{909E8E84-426E-40DD-AFC4-6F175D3DCCD1}">
+              <a14:hiddenFill xmlns:a14="http://schemas.microsoft.com/office/drawing/2010/main">
+                <a:solidFill>
+                  <a:srgbClr val="FFFFFF"/>
+                </a:solidFill>
+              </a14:hiddenFill>
+            </a:ext>
+          </a:extLst>
+        </p:spPr>
+      </p:pic>
+      <p:sp>
+        <p:nvSpPr>
+          <p:cNvPr id="16" name="Rectangle 15"/>
+          <p:cNvSpPr/>
+          <p:nvPr/>
+        </p:nvSpPr>
+        <p:spPr>
+          <a:xfrm>
+            <a:off x="1198421" y="1181714"/>
+            <a:ext cx="2367740" cy="1835806"/>
+          </a:xfrm>
+          <a:prstGeom prst="rect">
+            <a:avLst/>
+          </a:prstGeom>
+          <a:noFill/>
+          <a:ln w="127000">
+            <a:solidFill>
+              <a:srgbClr val="00B0F0"/>
+            </a:solidFill>
+          </a:ln>
+        </p:spPr>
+        <p:style>
+          <a:lnRef idx="2">
+            <a:schemeClr val="accent1">
+              <a:shade val="50000"/>
+            </a:schemeClr>
+          </a:lnRef>
+          <a:fillRef idx="1">
+            <a:schemeClr val="accent1"/>
+          </a:fillRef>
+          <a:effectRef idx="0">
+            <a:schemeClr val="accent1"/>
+          </a:effectRef>
+          <a:fontRef idx="minor">
+            <a:schemeClr val="lt1"/>
+          </a:fontRef>
+        </p:style>
+        <p:txBody>
+          <a:bodyPr rtlCol="0" anchor="ctr"/>
+          <a:lstStyle/>
+          <a:p>
+            <a:pPr algn="ctr"/>
+            <a:endParaRPr lang="en-US"/>
+          </a:p>
+        </p:txBody>
+      </p:sp>
+      <p:sp>
+        <p:nvSpPr>
+          <p:cNvPr id="17" name="Rectangle 16"/>
+          <p:cNvSpPr/>
+          <p:nvPr/>
+        </p:nvSpPr>
+        <p:spPr>
+          <a:xfrm>
+            <a:off x="5148695" y="5563791"/>
+            <a:ext cx="6096000" cy="369332"/>
+          </a:xfrm>
+          <a:prstGeom prst="rect">
+            <a:avLst/>
+          </a:prstGeom>
+        </p:spPr>
+        <p:txBody>
+          <a:bodyPr>
             <a:spAutoFit/>
           </a:bodyPr>
           <a:lstStyle/>
@@ -7053,151 +8948,34 @@
             <a:pPr algn="r" rtl="1"/>
             <a:r>
               <a:rPr lang="he-IL" dirty="0" smtClean="0"/>
-              <a:t>התשובה היא כן ולא:</a:t>
-            </a:r>
-            <a:endParaRPr lang="en-US" dirty="0" smtClean="0"/>
-          </a:p>
-          <a:p>
-            <a:pPr algn="r" rtl="1"/>
-            <a:endParaRPr lang="he-IL" dirty="0" smtClean="0"/>
-          </a:p>
-          <a:p>
-            <a:pPr algn="r" rtl="1"/>
-            <a:r>
-              <a:rPr lang="he-IL" dirty="0" smtClean="0"/>
-              <a:t>ריצת </a:t>
+              <a:t>קוד האפליקציה שלנו – כתוב ב-</a:t>
             </a:r>
             <a:r>
               <a:rPr lang="en-US" dirty="0" smtClean="0"/>
-              <a:t>V8</a:t>
-            </a:r>
-            <a:r>
-              <a:rPr lang="he-IL" dirty="0" smtClean="0"/>
-              <a:t> היא סינגל </a:t>
-            </a:r>
-            <a:r>
-              <a:rPr lang="he-IL" dirty="0" err="1" smtClean="0"/>
-              <a:t>ת'רד</a:t>
-            </a:r>
-            <a:r>
-              <a:rPr lang="he-IL" dirty="0" smtClean="0"/>
-              <a:t>.</a:t>
-            </a:r>
-          </a:p>
-          <a:p>
-            <a:pPr algn="r" rtl="1"/>
-            <a:r>
-              <a:rPr lang="he-IL" dirty="0" smtClean="0"/>
-              <a:t>ה-</a:t>
-            </a:r>
-            <a:r>
-              <a:rPr lang="en-US" dirty="0" smtClean="0"/>
-              <a:t>Event Loop</a:t>
-            </a:r>
-            <a:r>
-              <a:rPr lang="he-IL" dirty="0" smtClean="0"/>
-              <a:t> היא סינגל </a:t>
-            </a:r>
-            <a:r>
-              <a:rPr lang="he-IL" dirty="0" err="1" smtClean="0"/>
-              <a:t>ת'רד</a:t>
-            </a:r>
-            <a:r>
-              <a:rPr lang="he-IL" dirty="0" smtClean="0"/>
-              <a:t>.</a:t>
-            </a:r>
-            <a:endParaRPr lang="en-US" dirty="0" smtClean="0"/>
-          </a:p>
-          <a:p>
-            <a:pPr algn="r" rtl="1"/>
-            <a:endParaRPr lang="he-IL" dirty="0" smtClean="0"/>
-          </a:p>
-          <a:p>
-            <a:pPr algn="r" rtl="1"/>
-            <a:r>
-              <a:rPr lang="he-IL" dirty="0" smtClean="0"/>
-              <a:t>אבל </a:t>
-            </a:r>
-            <a:r>
-              <a:rPr lang="he-IL" dirty="0" smtClean="0"/>
-              <a:t>רוב הפונקציונליות </a:t>
-            </a:r>
-            <a:r>
-              <a:rPr lang="he-IL" dirty="0" smtClean="0"/>
-              <a:t>ש-</a:t>
-            </a:r>
-            <a:r>
-              <a:rPr lang="en-US" dirty="0" smtClean="0"/>
-              <a:t>Node</a:t>
-            </a:r>
-            <a:r>
-              <a:rPr lang="he-IL" dirty="0" smtClean="0"/>
-              <a:t> מספקת לנו </a:t>
-            </a:r>
-            <a:r>
-              <a:rPr lang="he-IL" dirty="0" smtClean="0"/>
-              <a:t>תחת מנוע </a:t>
-            </a:r>
-            <a:r>
-              <a:rPr lang="en-US" dirty="0" err="1" smtClean="0"/>
-              <a:t>Libuv</a:t>
-            </a:r>
-            <a:r>
-              <a:rPr lang="he-IL" dirty="0" smtClean="0"/>
-              <a:t> – היא מולטי </a:t>
-            </a:r>
-            <a:r>
-              <a:rPr lang="he-IL" dirty="0" err="1" smtClean="0"/>
-              <a:t>ת'רד</a:t>
-            </a:r>
-            <a:r>
-              <a:rPr lang="he-IL" dirty="0" smtClean="0"/>
-              <a:t>.</a:t>
-            </a:r>
-          </a:p>
-          <a:p>
-            <a:pPr algn="r" rtl="1"/>
-            <a:endParaRPr lang="he-IL" dirty="0" smtClean="0"/>
-          </a:p>
-          <a:p>
-            <a:pPr algn="r" rtl="1"/>
-            <a:endParaRPr lang="he-IL" dirty="0"/>
-          </a:p>
-          <a:p>
-            <a:pPr algn="r" rtl="1"/>
-            <a:endParaRPr lang="he-IL" dirty="0" smtClean="0"/>
-          </a:p>
-          <a:p>
-            <a:pPr algn="r" rtl="1"/>
-            <a:r>
-              <a:rPr lang="he-IL" dirty="0" smtClean="0"/>
-              <a:t>מה המשמעות מכך?</a:t>
-            </a:r>
-          </a:p>
-          <a:p>
-            <a:pPr algn="r" rtl="1"/>
-            <a:endParaRPr lang="he-IL" dirty="0"/>
-          </a:p>
-          <a:p>
-            <a:pPr algn="r" rtl="1"/>
-            <a:endParaRPr lang="he-IL" dirty="0"/>
-          </a:p>
-          <a:p>
-            <a:pPr algn="r" rtl="1"/>
-            <a:endParaRPr lang="he-IL" dirty="0" smtClean="0"/>
+              <a:t>JS</a:t>
+            </a:r>
+            <a:endParaRPr lang="en-US" dirty="0"/>
           </a:p>
         </p:txBody>
       </p:sp>
     </p:spTree>
     <p:extLst>
       <p:ext uri="{BB962C8B-B14F-4D97-AF65-F5344CB8AC3E}">
-        <p14:creationId xmlns:p14="http://schemas.microsoft.com/office/powerpoint/2010/main" val="1705815735"/>
+        <p14:creationId xmlns:p14="http://schemas.microsoft.com/office/powerpoint/2010/main" val="1827151398"/>
       </p:ext>
     </p:extLst>
   </p:cSld>
   <p:clrMapOvr>
     <a:masterClrMapping/>
   </p:clrMapOvr>
+  <mc:AlternateContent xmlns:mc="http://schemas.openxmlformats.org/markup-compatibility/2006">
+    <mc:Choice xmlns:p14="http://schemas.microsoft.com/office/powerpoint/2010/main" Requires="p14">
+      <p:transition spd="slow" p14:dur="2000"/>
+    </mc:Choice>
+    <mc:Fallback>
+      <p:transition spd="slow"/>
+    </mc:Fallback>
+  </mc:AlternateContent>
 </p:sld>
 </file>
 

--- a/lecture/Presentation.pptx
+++ b/lecture/Presentation.pptx
@@ -14,19 +14,21 @@
     <p:sldId id="273" r:id="rId8"/>
     <p:sldId id="261" r:id="rId9"/>
     <p:sldId id="275" r:id="rId10"/>
-    <p:sldId id="276" r:id="rId11"/>
-    <p:sldId id="277" r:id="rId12"/>
-    <p:sldId id="278" r:id="rId13"/>
-    <p:sldId id="279" r:id="rId14"/>
-    <p:sldId id="272" r:id="rId15"/>
-    <p:sldId id="262" r:id="rId16"/>
-    <p:sldId id="274" r:id="rId17"/>
-    <p:sldId id="264" r:id="rId18"/>
-    <p:sldId id="266" r:id="rId19"/>
-    <p:sldId id="271" r:id="rId20"/>
-    <p:sldId id="265" r:id="rId21"/>
-    <p:sldId id="267" r:id="rId22"/>
-    <p:sldId id="268" r:id="rId23"/>
+    <p:sldId id="281" r:id="rId11"/>
+    <p:sldId id="276" r:id="rId12"/>
+    <p:sldId id="277" r:id="rId13"/>
+    <p:sldId id="278" r:id="rId14"/>
+    <p:sldId id="279" r:id="rId15"/>
+    <p:sldId id="272" r:id="rId16"/>
+    <p:sldId id="262" r:id="rId17"/>
+    <p:sldId id="274" r:id="rId18"/>
+    <p:sldId id="264" r:id="rId19"/>
+    <p:sldId id="266" r:id="rId20"/>
+    <p:sldId id="271" r:id="rId21"/>
+    <p:sldId id="280" r:id="rId22"/>
+    <p:sldId id="265" r:id="rId23"/>
+    <p:sldId id="267" r:id="rId24"/>
+    <p:sldId id="268" r:id="rId25"/>
   </p:sldIdLst>
   <p:sldSz cx="12192000" cy="6858000"/>
   <p:notesSz cx="6858000" cy="9144000"/>
@@ -3118,45 +3120,6 @@
           <a:chExt cx="0" cy="0"/>
         </a:xfrm>
       </p:grpSpPr>
-      <p:sp>
-        <p:nvSpPr>
-          <p:cNvPr id="2" name="Title 1"/>
-          <p:cNvSpPr>
-            <a:spLocks noGrp="1"/>
-          </p:cNvSpPr>
-          <p:nvPr>
-            <p:ph type="title"/>
-          </p:nvPr>
-        </p:nvSpPr>
-        <p:spPr>
-          <a:xfrm>
-            <a:off x="729095" y="153948"/>
-            <a:ext cx="10515600" cy="818216"/>
-          </a:xfrm>
-        </p:spPr>
-        <p:txBody>
-          <a:bodyPr/>
-          <a:lstStyle/>
-          <a:p>
-            <a:pPr algn="ctr" rtl="1"/>
-            <a:r>
-              <a:rPr lang="en-US" dirty="0" smtClean="0">
-                <a:cs typeface="+mn-cs"/>
-              </a:rPr>
-              <a:t>Node.JS</a:t>
-            </a:r>
-            <a:r>
-              <a:rPr lang="he-IL" dirty="0" smtClean="0">
-                <a:cs typeface="+mn-cs"/>
-              </a:rPr>
-              <a:t> – מתחת למכסה המנוע</a:t>
-            </a:r>
-            <a:endParaRPr lang="en-US" dirty="0">
-              <a:cs typeface="+mn-cs"/>
-            </a:endParaRPr>
-          </a:p>
-        </p:txBody>
-      </p:sp>
       <p:pic>
         <p:nvPicPr>
           <p:cNvPr id="2050" name="Picture 2" descr="Related image"/>
@@ -3206,8 +3169,8 @@
         </p:nvSpPr>
         <p:spPr>
           <a:xfrm>
-            <a:off x="1198421" y="2636132"/>
-            <a:ext cx="2367740" cy="2526418"/>
+            <a:off x="1198421" y="1181714"/>
+            <a:ext cx="2367740" cy="1835806"/>
           </a:xfrm>
           <a:prstGeom prst="rect">
             <a:avLst/>
@@ -3252,15 +3215,15 @@
         </p:nvSpPr>
         <p:spPr>
           <a:xfrm>
-            <a:off x="1962150" y="5563791"/>
-            <a:ext cx="9282545" cy="1200329"/>
+            <a:off x="5148695" y="5563791"/>
+            <a:ext cx="6096000" cy="369332"/>
           </a:xfrm>
           <a:prstGeom prst="rect">
             <a:avLst/>
           </a:prstGeom>
         </p:spPr>
         <p:txBody>
-          <a:bodyPr wrap="square">
+          <a:bodyPr>
             <a:spAutoFit/>
           </a:bodyPr>
           <a:lstStyle/>
@@ -3268,82 +3231,74 @@
             <a:pPr algn="r" rtl="1"/>
             <a:r>
               <a:rPr lang="he-IL" dirty="0" smtClean="0"/>
-              <a:t>מנוע </a:t>
+              <a:t>קוד האפליקציה שלנו – כתוב ב-</a:t>
             </a:r>
             <a:r>
               <a:rPr lang="en-US" dirty="0" smtClean="0"/>
-              <a:t>V8</a:t>
-            </a:r>
-            <a:r>
-              <a:rPr lang="he-IL" dirty="0" smtClean="0"/>
-              <a:t> שמריץ את הקוד שלנו באופן סינכרוני (סינגל </a:t>
-            </a:r>
-            <a:r>
-              <a:rPr lang="he-IL" dirty="0" err="1" smtClean="0"/>
-              <a:t>ת'רד</a:t>
-            </a:r>
-            <a:r>
-              <a:rPr lang="he-IL" dirty="0" smtClean="0"/>
-              <a:t>)</a:t>
-            </a:r>
-          </a:p>
-          <a:p>
-            <a:pPr algn="r" rtl="1"/>
-            <a:r>
-              <a:rPr lang="he-IL" dirty="0" smtClean="0"/>
-              <a:t>כשנתקל בפעולה חישובית – מבצע אותה</a:t>
-            </a:r>
-          </a:p>
-          <a:p>
-            <a:pPr algn="r" rtl="1"/>
-            <a:r>
-              <a:rPr lang="he-IL" dirty="0" smtClean="0"/>
-              <a:t>כשנתקל בפעולת </a:t>
-            </a:r>
-            <a:r>
-              <a:rPr lang="en-US" dirty="0" smtClean="0"/>
-              <a:t>IO</a:t>
-            </a:r>
-            <a:r>
-              <a:rPr lang="he-IL" dirty="0" smtClean="0"/>
-              <a:t> – מאציל את הפעילות </a:t>
-            </a:r>
-            <a:r>
-              <a:rPr lang="he-IL" dirty="0" err="1" smtClean="0"/>
-              <a:t>לת'רדים</a:t>
-            </a:r>
-            <a:r>
-              <a:rPr lang="he-IL" dirty="0" smtClean="0"/>
-              <a:t> של </a:t>
-            </a:r>
-            <a:r>
-              <a:rPr lang="en-US" dirty="0" err="1" smtClean="0"/>
-              <a:t>Libuv</a:t>
-            </a:r>
-            <a:r>
-              <a:rPr lang="he-IL" dirty="0" smtClean="0"/>
-              <a:t>, ורושם </a:t>
-            </a:r>
-            <a:r>
-              <a:rPr lang="he-IL" dirty="0" err="1" smtClean="0"/>
-              <a:t>קולבק</a:t>
-            </a:r>
-            <a:r>
-              <a:rPr lang="he-IL" dirty="0" smtClean="0"/>
-              <a:t> שיופעל בסיום הפעילות. בינתיים ממשיך את הריצה כך שהפעולה האסינכרונית לא חוסמת את ריצת התוכנית – </a:t>
-            </a:r>
-            <a:r>
-              <a:rPr lang="en-US" dirty="0" smtClean="0"/>
-              <a:t>non blocking</a:t>
-            </a:r>
-            <a:endParaRPr lang="he-IL" dirty="0" smtClean="0"/>
+              <a:t>JS</a:t>
+            </a:r>
+            <a:endParaRPr lang="en-US" dirty="0"/>
+          </a:p>
+        </p:txBody>
+      </p:sp>
+      <p:sp>
+        <p:nvSpPr>
+          <p:cNvPr id="7" name="Title 1"/>
+          <p:cNvSpPr txBox="1">
+            <a:spLocks/>
+          </p:cNvSpPr>
+          <p:nvPr/>
+        </p:nvSpPr>
+        <p:spPr>
+          <a:xfrm>
+            <a:off x="729095" y="153948"/>
+            <a:ext cx="10515600" cy="818216"/>
+          </a:xfrm>
+          <a:prstGeom prst="rect">
+            <a:avLst/>
+          </a:prstGeom>
+        </p:spPr>
+        <p:txBody>
+          <a:bodyPr vert="horz" lIns="91440" tIns="45720" rIns="91440" bIns="45720" rtlCol="0" anchor="ctr">
+            <a:normAutofit/>
+          </a:bodyPr>
+          <a:lstStyle>
+            <a:lvl1pPr algn="l" defTabSz="914400" rtl="0" eaLnBrk="1" latinLnBrk="0" hangingPunct="1">
+              <a:lnSpc>
+                <a:spcPct val="90000"/>
+              </a:lnSpc>
+              <a:spcBef>
+                <a:spcPct val="0"/>
+              </a:spcBef>
+              <a:buNone/>
+              <a:defRPr sz="4400" kern="1200">
+                <a:solidFill>
+                  <a:schemeClr val="tx1"/>
+                </a:solidFill>
+                <a:latin typeface="+mj-lt"/>
+                <a:ea typeface="+mj-ea"/>
+                <a:cs typeface="+mj-cs"/>
+              </a:defRPr>
+            </a:lvl1pPr>
+          </a:lstStyle>
+          <a:p>
+            <a:pPr algn="ctr" rtl="1"/>
+            <a:r>
+              <a:rPr lang="en-US" dirty="0" smtClean="0">
+                <a:cs typeface="+mn-cs"/>
+              </a:rPr>
+              <a:t>Node.JS – Under The Hood</a:t>
+            </a:r>
+            <a:endParaRPr lang="en-US" dirty="0">
+              <a:cs typeface="+mn-cs"/>
+            </a:endParaRPr>
           </a:p>
         </p:txBody>
       </p:sp>
     </p:spTree>
     <p:extLst>
       <p:ext uri="{BB962C8B-B14F-4D97-AF65-F5344CB8AC3E}">
-        <p14:creationId xmlns:p14="http://schemas.microsoft.com/office/powerpoint/2010/main" val="3624882957"/>
+        <p14:creationId xmlns:p14="http://schemas.microsoft.com/office/powerpoint/2010/main" val="3571532683"/>
       </p:ext>
     </p:extLst>
   </p:cSld>
@@ -3378,45 +3333,6 @@
           <a:chExt cx="0" cy="0"/>
         </a:xfrm>
       </p:grpSpPr>
-      <p:sp>
-        <p:nvSpPr>
-          <p:cNvPr id="2" name="Title 1"/>
-          <p:cNvSpPr>
-            <a:spLocks noGrp="1"/>
-          </p:cNvSpPr>
-          <p:nvPr>
-            <p:ph type="title"/>
-          </p:nvPr>
-        </p:nvSpPr>
-        <p:spPr>
-          <a:xfrm>
-            <a:off x="729095" y="153948"/>
-            <a:ext cx="10515600" cy="818216"/>
-          </a:xfrm>
-        </p:spPr>
-        <p:txBody>
-          <a:bodyPr/>
-          <a:lstStyle/>
-          <a:p>
-            <a:pPr algn="ctr" rtl="1"/>
-            <a:r>
-              <a:rPr lang="en-US" dirty="0" smtClean="0">
-                <a:cs typeface="+mn-cs"/>
-              </a:rPr>
-              <a:t>Node.JS</a:t>
-            </a:r>
-            <a:r>
-              <a:rPr lang="he-IL" dirty="0" smtClean="0">
-                <a:cs typeface="+mn-cs"/>
-              </a:rPr>
-              <a:t> – מתחת למכסה המנוע</a:t>
-            </a:r>
-            <a:endParaRPr lang="en-US" dirty="0">
-              <a:cs typeface="+mn-cs"/>
-            </a:endParaRPr>
-          </a:p>
-        </p:txBody>
-      </p:sp>
       <p:pic>
         <p:nvPicPr>
           <p:cNvPr id="2050" name="Picture 2" descr="Related image"/>
@@ -3466,8 +3382,8 @@
         </p:nvSpPr>
         <p:spPr>
           <a:xfrm>
-            <a:off x="5295900" y="1573544"/>
-            <a:ext cx="5791199" cy="1855456"/>
+            <a:off x="1198421" y="2636132"/>
+            <a:ext cx="2367740" cy="2526418"/>
           </a:xfrm>
           <a:prstGeom prst="rect">
             <a:avLst/>
@@ -3513,7 +3429,7 @@
         <p:spPr>
           <a:xfrm>
             <a:off x="1962150" y="5563791"/>
-            <a:ext cx="9282545" cy="923330"/>
+            <a:ext cx="9282545" cy="1200329"/>
           </a:xfrm>
           <a:prstGeom prst="rect">
             <a:avLst/>
@@ -3527,79 +3443,148 @@
           <a:p>
             <a:pPr algn="r" rtl="1"/>
             <a:r>
+              <a:rPr lang="he-IL" dirty="0" smtClean="0"/>
+              <a:t>מנוע </a:t>
+            </a:r>
+            <a:r>
+              <a:rPr lang="en-US" dirty="0" smtClean="0"/>
+              <a:t>V8</a:t>
+            </a:r>
+            <a:r>
+              <a:rPr lang="he-IL" dirty="0" smtClean="0"/>
+              <a:t> שמריץ את הקוד שלנו באופן סינכרוני (סינגל </a:t>
+            </a:r>
+            <a:r>
+              <a:rPr lang="he-IL" dirty="0" err="1" smtClean="0"/>
+              <a:t>ת'רד</a:t>
+            </a:r>
+            <a:r>
+              <a:rPr lang="he-IL" dirty="0" smtClean="0"/>
+              <a:t>)</a:t>
+            </a:r>
+          </a:p>
+          <a:p>
+            <a:pPr algn="r" rtl="1"/>
+            <a:r>
+              <a:rPr lang="he-IL" dirty="0" smtClean="0"/>
+              <a:t>כשנתקל בפעולה חישובית – מבצע אותה</a:t>
+            </a:r>
+          </a:p>
+          <a:p>
+            <a:pPr algn="r" rtl="1"/>
+            <a:r>
+              <a:rPr lang="he-IL" dirty="0" smtClean="0"/>
+              <a:t>כשנתקל בפעולת </a:t>
+            </a:r>
+            <a:r>
+              <a:rPr lang="en-US" dirty="0" smtClean="0"/>
+              <a:t>IO</a:t>
+            </a:r>
+            <a:r>
+              <a:rPr lang="he-IL" dirty="0" smtClean="0"/>
+              <a:t> – מאציל את הפעילות </a:t>
+            </a:r>
+            <a:r>
+              <a:rPr lang="he-IL" dirty="0" err="1" smtClean="0"/>
+              <a:t>לת'רדים</a:t>
+            </a:r>
+            <a:r>
+              <a:rPr lang="he-IL" dirty="0" smtClean="0"/>
+              <a:t> של </a:t>
+            </a:r>
+            <a:r>
               <a:rPr lang="en-US" dirty="0" err="1" smtClean="0"/>
               <a:t>Libuv</a:t>
             </a:r>
             <a:r>
               <a:rPr lang="he-IL" dirty="0" smtClean="0"/>
-              <a:t> – מנוע שיודע לבצע פעולות </a:t>
+              <a:t>, ורושם </a:t>
+            </a:r>
+            <a:r>
+              <a:rPr lang="he-IL" dirty="0" err="1" smtClean="0"/>
+              <a:t>קולבק</a:t>
+            </a:r>
+            <a:r>
+              <a:rPr lang="he-IL" dirty="0" smtClean="0"/>
+              <a:t> שיופעל בסיום הפעילות. בינתיים ממשיך את הריצה כך שהפעולה האסינכרונית לא חוסמת את ריצת התוכנית – </a:t>
             </a:r>
             <a:r>
               <a:rPr lang="en-US" dirty="0" smtClean="0"/>
-              <a:t>IO</a:t>
-            </a:r>
-            <a:r>
-              <a:rPr lang="he-IL" dirty="0" smtClean="0"/>
-              <a:t> מול מערכת ההפעלה (רשת / קבצים וכד').</a:t>
-            </a:r>
-            <a:endParaRPr lang="he-IL" dirty="0"/>
-          </a:p>
-          <a:p>
-            <a:pPr algn="r" rtl="1"/>
-            <a:r>
-              <a:rPr lang="he-IL" dirty="0" smtClean="0"/>
-              <a:t>כאשר מקבל הנחיה לפעול מ-</a:t>
-            </a:r>
-            <a:r>
-              <a:rPr lang="en-US" dirty="0" smtClean="0"/>
-              <a:t>V8</a:t>
-            </a:r>
-            <a:r>
-              <a:rPr lang="he-IL" dirty="0" smtClean="0"/>
-              <a:t> – מקצה </a:t>
-            </a:r>
-            <a:r>
-              <a:rPr lang="he-IL" dirty="0" err="1" smtClean="0"/>
-              <a:t>ת'רד</a:t>
-            </a:r>
-            <a:r>
-              <a:rPr lang="he-IL" dirty="0" smtClean="0"/>
-              <a:t> ומבצע את הפעולה. </a:t>
-            </a:r>
-          </a:p>
-          <a:p>
-            <a:pPr algn="r" rtl="1"/>
-            <a:r>
-              <a:rPr lang="he-IL" dirty="0" smtClean="0"/>
-              <a:t>בסיום הפעולה האסינכרונית – מרים </a:t>
-            </a:r>
-            <a:r>
-              <a:rPr lang="en-US" dirty="0" smtClean="0"/>
-              <a:t>event</a:t>
-            </a:r>
-            <a:r>
-              <a:rPr lang="he-IL" dirty="0"/>
-              <a:t>.</a:t>
+              <a:t>non blocking</a:t>
             </a:r>
             <a:endParaRPr lang="he-IL" dirty="0" smtClean="0"/>
+          </a:p>
+        </p:txBody>
+      </p:sp>
+      <p:sp>
+        <p:nvSpPr>
+          <p:cNvPr id="8" name="Title 1"/>
+          <p:cNvSpPr txBox="1">
+            <a:spLocks/>
+          </p:cNvSpPr>
+          <p:nvPr/>
+        </p:nvSpPr>
+        <p:spPr>
+          <a:xfrm>
+            <a:off x="729095" y="153948"/>
+            <a:ext cx="10515600" cy="818216"/>
+          </a:xfrm>
+          <a:prstGeom prst="rect">
+            <a:avLst/>
+          </a:prstGeom>
+        </p:spPr>
+        <p:txBody>
+          <a:bodyPr vert="horz" lIns="91440" tIns="45720" rIns="91440" bIns="45720" rtlCol="0" anchor="ctr">
+            <a:normAutofit/>
+          </a:bodyPr>
+          <a:lstStyle>
+            <a:lvl1pPr algn="l" defTabSz="914400" rtl="0" eaLnBrk="1" latinLnBrk="0" hangingPunct="1">
+              <a:lnSpc>
+                <a:spcPct val="90000"/>
+              </a:lnSpc>
+              <a:spcBef>
+                <a:spcPct val="0"/>
+              </a:spcBef>
+              <a:buNone/>
+              <a:defRPr sz="4400" kern="1200">
+                <a:solidFill>
+                  <a:schemeClr val="tx1"/>
+                </a:solidFill>
+                <a:latin typeface="+mj-lt"/>
+                <a:ea typeface="+mj-ea"/>
+                <a:cs typeface="+mj-cs"/>
+              </a:defRPr>
+            </a:lvl1pPr>
+          </a:lstStyle>
+          <a:p>
+            <a:pPr algn="ctr" rtl="1"/>
+            <a:r>
+              <a:rPr lang="en-US" dirty="0" smtClean="0">
+                <a:cs typeface="+mn-cs"/>
+              </a:rPr>
+              <a:t>Node.JS – Under The Hood</a:t>
+            </a:r>
+            <a:endParaRPr lang="en-US" dirty="0">
+              <a:cs typeface="+mn-cs"/>
+            </a:endParaRPr>
           </a:p>
         </p:txBody>
       </p:sp>
     </p:spTree>
     <p:extLst>
       <p:ext uri="{BB962C8B-B14F-4D97-AF65-F5344CB8AC3E}">
-        <p14:creationId xmlns:p14="http://schemas.microsoft.com/office/powerpoint/2010/main" val="3504310112"/>
+        <p14:creationId xmlns:p14="http://schemas.microsoft.com/office/powerpoint/2010/main" val="3624882957"/>
       </p:ext>
     </p:extLst>
   </p:cSld>
   <p:clrMapOvr>
     <a:masterClrMapping/>
   </p:clrMapOvr>
-  <mc:AlternateContent xmlns:mc="http://schemas.openxmlformats.org/markup-compatibility/2006">
-    <mc:Choice xmlns:p14="http://schemas.microsoft.com/office/powerpoint/2010/main" Requires="p14">
+  <mc:AlternateContent xmlns:mc="http://schemas.openxmlformats.org/markup-compatibility/2006" xmlns:p14="http://schemas.microsoft.com/office/powerpoint/2010/main">
+    <mc:Choice Requires="p14">
       <p:transition spd="slow" p14:dur="2000"/>
     </mc:Choice>
-    <mc:Fallback>
+    <mc:Fallback xmlns="">
       <p:transition spd="slow"/>
     </mc:Fallback>
   </mc:AlternateContent>
@@ -3623,45 +3608,6 @@
           <a:chExt cx="0" cy="0"/>
         </a:xfrm>
       </p:grpSpPr>
-      <p:sp>
-        <p:nvSpPr>
-          <p:cNvPr id="2" name="Title 1"/>
-          <p:cNvSpPr>
-            <a:spLocks noGrp="1"/>
-          </p:cNvSpPr>
-          <p:nvPr>
-            <p:ph type="title"/>
-          </p:nvPr>
-        </p:nvSpPr>
-        <p:spPr>
-          <a:xfrm>
-            <a:off x="729095" y="153948"/>
-            <a:ext cx="10515600" cy="818216"/>
-          </a:xfrm>
-        </p:spPr>
-        <p:txBody>
-          <a:bodyPr/>
-          <a:lstStyle/>
-          <a:p>
-            <a:pPr algn="ctr" rtl="1"/>
-            <a:r>
-              <a:rPr lang="en-US" dirty="0" smtClean="0">
-                <a:cs typeface="+mn-cs"/>
-              </a:rPr>
-              <a:t>Node.JS</a:t>
-            </a:r>
-            <a:r>
-              <a:rPr lang="he-IL" dirty="0" smtClean="0">
-                <a:cs typeface="+mn-cs"/>
-              </a:rPr>
-              <a:t> – מתחת למכסה המנוע</a:t>
-            </a:r>
-            <a:endParaRPr lang="en-US" dirty="0">
-              <a:cs typeface="+mn-cs"/>
-            </a:endParaRPr>
-          </a:p>
-        </p:txBody>
-      </p:sp>
       <p:pic>
         <p:nvPicPr>
           <p:cNvPr id="2050" name="Picture 2" descr="Related image"/>
@@ -3711,8 +3657,8 @@
         </p:nvSpPr>
         <p:spPr>
           <a:xfrm>
-            <a:off x="3486149" y="1592594"/>
-            <a:ext cx="1866901" cy="3436606"/>
+            <a:off x="5295900" y="1573544"/>
+            <a:ext cx="5791199" cy="1855456"/>
           </a:xfrm>
           <a:prstGeom prst="rect">
             <a:avLst/>
@@ -3772,76 +3718,133 @@
           <a:p>
             <a:pPr algn="r" rtl="1"/>
             <a:r>
-              <a:rPr lang="he-IL" dirty="0" smtClean="0"/>
-              <a:t>מנוע </a:t>
-            </a:r>
-            <a:r>
-              <a:rPr lang="en-US" dirty="0" smtClean="0"/>
-              <a:t>Node.JS Bindings</a:t>
-            </a:r>
-            <a:r>
-              <a:rPr lang="he-IL" dirty="0" smtClean="0"/>
-              <a:t> – מתרגם בין המנועים </a:t>
-            </a:r>
-            <a:r>
-              <a:rPr lang="en-US" dirty="0" smtClean="0"/>
-              <a:t>V8, </a:t>
-            </a:r>
-            <a:r>
               <a:rPr lang="en-US" dirty="0" err="1" smtClean="0"/>
               <a:t>Libuv</a:t>
             </a:r>
-            <a:endParaRPr lang="he-IL" dirty="0" smtClean="0"/>
-          </a:p>
-          <a:p>
-            <a:pPr algn="r" rtl="1"/>
+            <a:r>
+              <a:rPr lang="he-IL" dirty="0" smtClean="0"/>
+              <a:t> – מנוע שיודע לבצע פעולות </a:t>
+            </a:r>
+            <a:r>
+              <a:rPr lang="en-US" dirty="0" smtClean="0"/>
+              <a:t>IO</a:t>
+            </a:r>
+            <a:r>
+              <a:rPr lang="he-IL" dirty="0" smtClean="0"/>
+              <a:t> מול מערכת ההפעלה (רשת / קבצים וכד').</a:t>
+            </a:r>
+            <a:endParaRPr lang="he-IL" dirty="0"/>
+          </a:p>
+          <a:p>
+            <a:pPr algn="r" rtl="1"/>
+            <a:r>
+              <a:rPr lang="he-IL" dirty="0" smtClean="0"/>
+              <a:t>כאשר מקבל הנחיה לפעול מ-</a:t>
+            </a:r>
             <a:r>
               <a:rPr lang="en-US" dirty="0" smtClean="0"/>
               <a:t>V8</a:t>
             </a:r>
             <a:r>
               <a:rPr lang="he-IL" dirty="0" smtClean="0"/>
-              <a:t> פועל ב-</a:t>
+              <a:t> – מקצה </a:t>
+            </a:r>
+            <a:r>
+              <a:rPr lang="he-IL" dirty="0" err="1" smtClean="0"/>
+              <a:t>ת'רד</a:t>
+            </a:r>
+            <a:r>
+              <a:rPr lang="he-IL" dirty="0" smtClean="0"/>
+              <a:t> ומבצע את הפעולה. </a:t>
+            </a:r>
+          </a:p>
+          <a:p>
+            <a:pPr algn="r" rtl="1"/>
+            <a:r>
+              <a:rPr lang="he-IL" dirty="0" smtClean="0"/>
+              <a:t>בסיום הפעולה האסינכרונית – מרים </a:t>
             </a:r>
             <a:r>
               <a:rPr lang="en-US" dirty="0" smtClean="0"/>
-              <a:t>JS</a:t>
+              <a:t>event</a:t>
+            </a:r>
+            <a:r>
+              <a:rPr lang="he-IL" dirty="0"/>
+              <a:t>.</a:t>
             </a:r>
             <a:endParaRPr lang="he-IL" dirty="0" smtClean="0"/>
           </a:p>
-          <a:p>
-            <a:pPr algn="r" rtl="1"/>
-            <a:r>
-              <a:rPr lang="en-US" dirty="0" err="1" smtClean="0"/>
-              <a:t>Libuv</a:t>
-            </a:r>
-            <a:r>
-              <a:rPr lang="he-IL" dirty="0" smtClean="0"/>
-              <a:t> ב-</a:t>
-            </a:r>
-            <a:r>
-              <a:rPr lang="en-US" dirty="0" smtClean="0"/>
-              <a:t>C++</a:t>
-            </a:r>
-            <a:endParaRPr lang="he-IL" dirty="0" smtClean="0"/>
+        </p:txBody>
+      </p:sp>
+      <p:sp>
+        <p:nvSpPr>
+          <p:cNvPr id="7" name="Title 1"/>
+          <p:cNvSpPr txBox="1">
+            <a:spLocks/>
+          </p:cNvSpPr>
+          <p:nvPr/>
+        </p:nvSpPr>
+        <p:spPr>
+          <a:xfrm>
+            <a:off x="729095" y="153948"/>
+            <a:ext cx="10515600" cy="818216"/>
+          </a:xfrm>
+          <a:prstGeom prst="rect">
+            <a:avLst/>
+          </a:prstGeom>
+        </p:spPr>
+        <p:txBody>
+          <a:bodyPr vert="horz" lIns="91440" tIns="45720" rIns="91440" bIns="45720" rtlCol="0" anchor="ctr">
+            <a:normAutofit/>
+          </a:bodyPr>
+          <a:lstStyle>
+            <a:lvl1pPr algn="l" defTabSz="914400" rtl="0" eaLnBrk="1" latinLnBrk="0" hangingPunct="1">
+              <a:lnSpc>
+                <a:spcPct val="90000"/>
+              </a:lnSpc>
+              <a:spcBef>
+                <a:spcPct val="0"/>
+              </a:spcBef>
+              <a:buNone/>
+              <a:defRPr sz="4400" kern="1200">
+                <a:solidFill>
+                  <a:schemeClr val="tx1"/>
+                </a:solidFill>
+                <a:latin typeface="+mj-lt"/>
+                <a:ea typeface="+mj-ea"/>
+                <a:cs typeface="+mj-cs"/>
+              </a:defRPr>
+            </a:lvl1pPr>
+          </a:lstStyle>
+          <a:p>
+            <a:pPr algn="ctr" rtl="1"/>
+            <a:r>
+              <a:rPr lang="en-US" dirty="0" smtClean="0">
+                <a:cs typeface="+mn-cs"/>
+              </a:rPr>
+              <a:t>Node.JS – Under The Hood</a:t>
+            </a:r>
+            <a:endParaRPr lang="en-US" dirty="0">
+              <a:cs typeface="+mn-cs"/>
+            </a:endParaRPr>
           </a:p>
         </p:txBody>
       </p:sp>
     </p:spTree>
     <p:extLst>
       <p:ext uri="{BB962C8B-B14F-4D97-AF65-F5344CB8AC3E}">
-        <p14:creationId xmlns:p14="http://schemas.microsoft.com/office/powerpoint/2010/main" val="1790568310"/>
+        <p14:creationId xmlns:p14="http://schemas.microsoft.com/office/powerpoint/2010/main" val="3504310112"/>
       </p:ext>
     </p:extLst>
   </p:cSld>
   <p:clrMapOvr>
     <a:masterClrMapping/>
   </p:clrMapOvr>
-  <mc:AlternateContent xmlns:mc="http://schemas.openxmlformats.org/markup-compatibility/2006">
-    <mc:Choice xmlns:p14="http://schemas.microsoft.com/office/powerpoint/2010/main" Requires="p14">
+  <mc:AlternateContent xmlns:mc="http://schemas.openxmlformats.org/markup-compatibility/2006" xmlns:p14="http://schemas.microsoft.com/office/powerpoint/2010/main">
+    <mc:Choice Requires="p14">
       <p:transition spd="slow" p14:dur="2000"/>
     </mc:Choice>
-    <mc:Fallback>
+    <mc:Fallback xmlns="">
       <p:transition spd="slow"/>
     </mc:Fallback>
   </mc:AlternateContent>
@@ -3865,45 +3868,6 @@
           <a:chExt cx="0" cy="0"/>
         </a:xfrm>
       </p:grpSpPr>
-      <p:sp>
-        <p:nvSpPr>
-          <p:cNvPr id="2" name="Title 1"/>
-          <p:cNvSpPr>
-            <a:spLocks noGrp="1"/>
-          </p:cNvSpPr>
-          <p:nvPr>
-            <p:ph type="title"/>
-          </p:nvPr>
-        </p:nvSpPr>
-        <p:spPr>
-          <a:xfrm>
-            <a:off x="729095" y="153948"/>
-            <a:ext cx="10515600" cy="818216"/>
-          </a:xfrm>
-        </p:spPr>
-        <p:txBody>
-          <a:bodyPr/>
-          <a:lstStyle/>
-          <a:p>
-            <a:pPr algn="ctr" rtl="1"/>
-            <a:r>
-              <a:rPr lang="en-US" dirty="0" smtClean="0">
-                <a:cs typeface="+mn-cs"/>
-              </a:rPr>
-              <a:t>Node.JS</a:t>
-            </a:r>
-            <a:r>
-              <a:rPr lang="he-IL" dirty="0" smtClean="0">
-                <a:cs typeface="+mn-cs"/>
-              </a:rPr>
-              <a:t> – מתחת למכסה המנוע</a:t>
-            </a:r>
-            <a:endParaRPr lang="en-US" dirty="0">
-              <a:cs typeface="+mn-cs"/>
-            </a:endParaRPr>
-          </a:p>
-        </p:txBody>
-      </p:sp>
       <p:pic>
         <p:nvPicPr>
           <p:cNvPr id="2050" name="Picture 2" descr="Related image"/>
@@ -3953,6 +3917,263 @@
         </p:nvSpPr>
         <p:spPr>
           <a:xfrm>
+            <a:off x="3486149" y="1592594"/>
+            <a:ext cx="1866901" cy="3436606"/>
+          </a:xfrm>
+          <a:prstGeom prst="rect">
+            <a:avLst/>
+          </a:prstGeom>
+          <a:noFill/>
+          <a:ln w="127000">
+            <a:solidFill>
+              <a:srgbClr val="00B0F0"/>
+            </a:solidFill>
+          </a:ln>
+        </p:spPr>
+        <p:style>
+          <a:lnRef idx="2">
+            <a:schemeClr val="accent1">
+              <a:shade val="50000"/>
+            </a:schemeClr>
+          </a:lnRef>
+          <a:fillRef idx="1">
+            <a:schemeClr val="accent1"/>
+          </a:fillRef>
+          <a:effectRef idx="0">
+            <a:schemeClr val="accent1"/>
+          </a:effectRef>
+          <a:fontRef idx="minor">
+            <a:schemeClr val="lt1"/>
+          </a:fontRef>
+        </p:style>
+        <p:txBody>
+          <a:bodyPr rtlCol="0" anchor="ctr"/>
+          <a:lstStyle/>
+          <a:p>
+            <a:pPr algn="ctr"/>
+            <a:endParaRPr lang="en-US"/>
+          </a:p>
+        </p:txBody>
+      </p:sp>
+      <p:sp>
+        <p:nvSpPr>
+          <p:cNvPr id="17" name="Rectangle 16"/>
+          <p:cNvSpPr/>
+          <p:nvPr/>
+        </p:nvSpPr>
+        <p:spPr>
+          <a:xfrm>
+            <a:off x="1962150" y="5563791"/>
+            <a:ext cx="9282545" cy="923330"/>
+          </a:xfrm>
+          <a:prstGeom prst="rect">
+            <a:avLst/>
+          </a:prstGeom>
+        </p:spPr>
+        <p:txBody>
+          <a:bodyPr wrap="square">
+            <a:spAutoFit/>
+          </a:bodyPr>
+          <a:lstStyle/>
+          <a:p>
+            <a:pPr algn="r" rtl="1"/>
+            <a:r>
+              <a:rPr lang="he-IL" dirty="0" smtClean="0"/>
+              <a:t>מנוע </a:t>
+            </a:r>
+            <a:r>
+              <a:rPr lang="en-US" dirty="0" smtClean="0"/>
+              <a:t>Node.JS Bindings</a:t>
+            </a:r>
+            <a:r>
+              <a:rPr lang="he-IL" dirty="0" smtClean="0"/>
+              <a:t> – מתרגם בין המנועים </a:t>
+            </a:r>
+            <a:r>
+              <a:rPr lang="en-US" dirty="0" smtClean="0"/>
+              <a:t>V8, </a:t>
+            </a:r>
+            <a:r>
+              <a:rPr lang="en-US" dirty="0" err="1" smtClean="0"/>
+              <a:t>Libuv</a:t>
+            </a:r>
+            <a:endParaRPr lang="he-IL" dirty="0" smtClean="0"/>
+          </a:p>
+          <a:p>
+            <a:pPr algn="r" rtl="1"/>
+            <a:r>
+              <a:rPr lang="en-US" dirty="0" smtClean="0"/>
+              <a:t>V8</a:t>
+            </a:r>
+            <a:r>
+              <a:rPr lang="he-IL" dirty="0" smtClean="0"/>
+              <a:t> פועל ב-</a:t>
+            </a:r>
+            <a:r>
+              <a:rPr lang="en-US" dirty="0" smtClean="0"/>
+              <a:t>JS</a:t>
+            </a:r>
+            <a:endParaRPr lang="he-IL" dirty="0" smtClean="0"/>
+          </a:p>
+          <a:p>
+            <a:pPr algn="r" rtl="1"/>
+            <a:r>
+              <a:rPr lang="en-US" dirty="0" err="1" smtClean="0"/>
+              <a:t>Libuv</a:t>
+            </a:r>
+            <a:r>
+              <a:rPr lang="he-IL" dirty="0" smtClean="0"/>
+              <a:t> ב-</a:t>
+            </a:r>
+            <a:r>
+              <a:rPr lang="en-US" dirty="0" smtClean="0"/>
+              <a:t>C++</a:t>
+            </a:r>
+            <a:endParaRPr lang="he-IL" dirty="0" smtClean="0"/>
+          </a:p>
+        </p:txBody>
+      </p:sp>
+      <p:sp>
+        <p:nvSpPr>
+          <p:cNvPr id="7" name="Title 1"/>
+          <p:cNvSpPr txBox="1">
+            <a:spLocks/>
+          </p:cNvSpPr>
+          <p:nvPr/>
+        </p:nvSpPr>
+        <p:spPr>
+          <a:xfrm>
+            <a:off x="729095" y="153948"/>
+            <a:ext cx="10515600" cy="818216"/>
+          </a:xfrm>
+          <a:prstGeom prst="rect">
+            <a:avLst/>
+          </a:prstGeom>
+        </p:spPr>
+        <p:txBody>
+          <a:bodyPr vert="horz" lIns="91440" tIns="45720" rIns="91440" bIns="45720" rtlCol="0" anchor="ctr">
+            <a:normAutofit/>
+          </a:bodyPr>
+          <a:lstStyle>
+            <a:lvl1pPr algn="l" defTabSz="914400" rtl="0" eaLnBrk="1" latinLnBrk="0" hangingPunct="1">
+              <a:lnSpc>
+                <a:spcPct val="90000"/>
+              </a:lnSpc>
+              <a:spcBef>
+                <a:spcPct val="0"/>
+              </a:spcBef>
+              <a:buNone/>
+              <a:defRPr sz="4400" kern="1200">
+                <a:solidFill>
+                  <a:schemeClr val="tx1"/>
+                </a:solidFill>
+                <a:latin typeface="+mj-lt"/>
+                <a:ea typeface="+mj-ea"/>
+                <a:cs typeface="+mj-cs"/>
+              </a:defRPr>
+            </a:lvl1pPr>
+          </a:lstStyle>
+          <a:p>
+            <a:pPr algn="ctr" rtl="1"/>
+            <a:r>
+              <a:rPr lang="en-US" dirty="0" smtClean="0">
+                <a:cs typeface="+mn-cs"/>
+              </a:rPr>
+              <a:t>Node.JS – Under The Hood</a:t>
+            </a:r>
+            <a:endParaRPr lang="en-US" dirty="0">
+              <a:cs typeface="+mn-cs"/>
+            </a:endParaRPr>
+          </a:p>
+        </p:txBody>
+      </p:sp>
+    </p:spTree>
+    <p:extLst>
+      <p:ext uri="{BB962C8B-B14F-4D97-AF65-F5344CB8AC3E}">
+        <p14:creationId xmlns:p14="http://schemas.microsoft.com/office/powerpoint/2010/main" val="1790568310"/>
+      </p:ext>
+    </p:extLst>
+  </p:cSld>
+  <p:clrMapOvr>
+    <a:masterClrMapping/>
+  </p:clrMapOvr>
+  <mc:AlternateContent xmlns:mc="http://schemas.openxmlformats.org/markup-compatibility/2006" xmlns:p14="http://schemas.microsoft.com/office/powerpoint/2010/main">
+    <mc:Choice Requires="p14">
+      <p:transition spd="slow" p14:dur="2000"/>
+    </mc:Choice>
+    <mc:Fallback xmlns="">
+      <p:transition spd="slow"/>
+    </mc:Fallback>
+  </mc:AlternateContent>
+</p:sld>
+</file>
+
+<file path=ppt/slides/slide14.xml><?xml version="1.0" encoding="utf-8"?>
+<p:sld xmlns:a="http://schemas.openxmlformats.org/drawingml/2006/main" xmlns:r="http://schemas.openxmlformats.org/officeDocument/2006/relationships" xmlns:p="http://schemas.openxmlformats.org/presentationml/2006/main">
+  <p:cSld>
+    <p:spTree>
+      <p:nvGrpSpPr>
+        <p:cNvPr id="1" name=""/>
+        <p:cNvGrpSpPr/>
+        <p:nvPr/>
+      </p:nvGrpSpPr>
+      <p:grpSpPr>
+        <a:xfrm>
+          <a:off x="0" y="0"/>
+          <a:ext cx="0" cy="0"/>
+          <a:chOff x="0" y="0"/>
+          <a:chExt cx="0" cy="0"/>
+        </a:xfrm>
+      </p:grpSpPr>
+      <p:pic>
+        <p:nvPicPr>
+          <p:cNvPr id="2050" name="Picture 2" descr="Related image"/>
+          <p:cNvPicPr>
+            <a:picLocks noChangeAspect="1" noChangeArrowheads="1"/>
+          </p:cNvPicPr>
+          <p:nvPr/>
+        </p:nvPicPr>
+        <p:blipFill>
+          <a:blip r:embed="rId2">
+            <a:extLst>
+              <a:ext uri="{28A0092B-C50C-407E-A947-70E740481C1C}">
+                <a14:useLocalDpi xmlns:a14="http://schemas.microsoft.com/office/drawing/2010/main" val="0"/>
+              </a:ext>
+            </a:extLst>
+          </a:blip>
+          <a:srcRect/>
+          <a:stretch>
+            <a:fillRect/>
+          </a:stretch>
+        </p:blipFill>
+        <p:spPr bwMode="auto">
+          <a:xfrm>
+            <a:off x="1198421" y="1181714"/>
+            <a:ext cx="10046274" cy="3980836"/>
+          </a:xfrm>
+          <a:prstGeom prst="rect">
+            <a:avLst/>
+          </a:prstGeom>
+          <a:noFill/>
+          <a:extLst>
+            <a:ext uri="{909E8E84-426E-40DD-AFC4-6F175D3DCCD1}">
+              <a14:hiddenFill xmlns:a14="http://schemas.microsoft.com/office/drawing/2010/main">
+                <a:solidFill>
+                  <a:srgbClr val="FFFFFF"/>
+                </a:solidFill>
+              </a14:hiddenFill>
+            </a:ext>
+          </a:extLst>
+        </p:spPr>
+      </p:pic>
+      <p:sp>
+        <p:nvSpPr>
+          <p:cNvPr id="16" name="Rectangle 15"/>
+          <p:cNvSpPr/>
+          <p:nvPr/>
+        </p:nvSpPr>
+        <p:spPr>
+          <a:xfrm>
             <a:off x="5257800" y="2244404"/>
             <a:ext cx="5791199" cy="2765746"/>
           </a:xfrm>
@@ -4079,6 +4300,60 @@
           </a:p>
         </p:txBody>
       </p:sp>
+      <p:sp>
+        <p:nvSpPr>
+          <p:cNvPr id="7" name="Title 1"/>
+          <p:cNvSpPr txBox="1">
+            <a:spLocks/>
+          </p:cNvSpPr>
+          <p:nvPr/>
+        </p:nvSpPr>
+        <p:spPr>
+          <a:xfrm>
+            <a:off x="729095" y="153948"/>
+            <a:ext cx="10515600" cy="818216"/>
+          </a:xfrm>
+          <a:prstGeom prst="rect">
+            <a:avLst/>
+          </a:prstGeom>
+        </p:spPr>
+        <p:txBody>
+          <a:bodyPr vert="horz" lIns="91440" tIns="45720" rIns="91440" bIns="45720" rtlCol="0" anchor="ctr">
+            <a:normAutofit/>
+          </a:bodyPr>
+          <a:lstStyle>
+            <a:lvl1pPr algn="l" defTabSz="914400" rtl="0" eaLnBrk="1" latinLnBrk="0" hangingPunct="1">
+              <a:lnSpc>
+                <a:spcPct val="90000"/>
+              </a:lnSpc>
+              <a:spcBef>
+                <a:spcPct val="0"/>
+              </a:spcBef>
+              <a:buNone/>
+              <a:defRPr sz="4400" kern="1200">
+                <a:solidFill>
+                  <a:schemeClr val="tx1"/>
+                </a:solidFill>
+                <a:latin typeface="+mj-lt"/>
+                <a:ea typeface="+mj-ea"/>
+                <a:cs typeface="+mj-cs"/>
+              </a:defRPr>
+            </a:lvl1pPr>
+          </a:lstStyle>
+          <a:p>
+            <a:pPr algn="ctr" rtl="1"/>
+            <a:r>
+              <a:rPr lang="en-US" dirty="0" smtClean="0">
+                <a:cs typeface="+mn-cs"/>
+              </a:rPr>
+              <a:t>Node.JS – Under The Hood</a:t>
+            </a:r>
+            <a:endParaRPr lang="en-US" dirty="0">
+              <a:cs typeface="+mn-cs"/>
+            </a:endParaRPr>
+          </a:p>
+        </p:txBody>
+      </p:sp>
     </p:spTree>
     <p:extLst>
       <p:ext uri="{BB962C8B-B14F-4D97-AF65-F5344CB8AC3E}">
@@ -4089,18 +4364,18 @@
   <p:clrMapOvr>
     <a:masterClrMapping/>
   </p:clrMapOvr>
-  <mc:AlternateContent xmlns:mc="http://schemas.openxmlformats.org/markup-compatibility/2006">
-    <mc:Choice xmlns:p14="http://schemas.microsoft.com/office/powerpoint/2010/main" Requires="p14">
+  <mc:AlternateContent xmlns:mc="http://schemas.openxmlformats.org/markup-compatibility/2006" xmlns:p14="http://schemas.microsoft.com/office/powerpoint/2010/main">
+    <mc:Choice Requires="p14">
       <p:transition spd="slow" p14:dur="2000"/>
     </mc:Choice>
-    <mc:Fallback>
+    <mc:Fallback xmlns="">
       <p:transition spd="slow"/>
     </mc:Fallback>
   </mc:AlternateContent>
 </p:sld>
 </file>
 
-<file path=ppt/slides/slide14.xml><?xml version="1.0" encoding="utf-8"?>
+<file path=ppt/slides/slide15.xml><?xml version="1.0" encoding="utf-8"?>
 <p:sld xmlns:a="http://schemas.openxmlformats.org/drawingml/2006/main" xmlns:r="http://schemas.openxmlformats.org/officeDocument/2006/relationships" xmlns:p="http://schemas.openxmlformats.org/presentationml/2006/main">
   <p:cSld>
     <p:spTree>
@@ -4171,7 +4446,7 @@
 </p:sld>
 </file>
 
-<file path=ppt/slides/slide15.xml><?xml version="1.0" encoding="utf-8"?>
+<file path=ppt/slides/slide16.xml><?xml version="1.0" encoding="utf-8"?>
 <p:sld xmlns:a="http://schemas.openxmlformats.org/drawingml/2006/main" xmlns:r="http://schemas.openxmlformats.org/officeDocument/2006/relationships" xmlns:p="http://schemas.openxmlformats.org/presentationml/2006/main">
   <p:cSld>
     <p:spTree>
@@ -4211,6 +4486,12 @@
           <a:lstStyle/>
           <a:p>
             <a:pPr algn="ctr" rtl="1"/>
+            <a:r>
+              <a:rPr lang="he-IL" dirty="0" smtClean="0">
+                <a:cs typeface="+mn-cs"/>
+              </a:rPr>
+              <a:t>ריצת </a:t>
+            </a:r>
             <a:r>
               <a:rPr lang="he-IL" dirty="0" err="1" smtClean="0">
                 <a:cs typeface="+mn-cs"/>
@@ -4983,7 +5264,7 @@
 </p:sld>
 </file>
 
-<file path=ppt/slides/slide16.xml><?xml version="1.0" encoding="utf-8"?>
+<file path=ppt/slides/slide17.xml><?xml version="1.0" encoding="utf-8"?>
 <p:sld xmlns:a="http://schemas.openxmlformats.org/drawingml/2006/main" xmlns:r="http://schemas.openxmlformats.org/officeDocument/2006/relationships" xmlns:p="http://schemas.openxmlformats.org/presentationml/2006/main">
   <p:cSld>
     <p:spTree>
@@ -5137,11 +5418,7 @@
             </a:r>
             <a:r>
               <a:rPr lang="he-IL" sz="1400" dirty="0" smtClean="0"/>
-              <a:t> </a:t>
-            </a:r>
-            <a:r>
-              <a:rPr lang="he-IL" sz="1400" dirty="0" smtClean="0"/>
-              <a:t>סינכרוני - נוצר אובייקט שרת</a:t>
+              <a:t> סינכרוני - נוצר אובייקט שרת</a:t>
             </a:r>
           </a:p>
           <a:p>
@@ -5398,241 +5675,6 @@
     <p:extLst>
       <p:ext uri="{BB962C8B-B14F-4D97-AF65-F5344CB8AC3E}">
         <p14:creationId xmlns:p14="http://schemas.microsoft.com/office/powerpoint/2010/main" val="2459336237"/>
-      </p:ext>
-    </p:extLst>
-  </p:cSld>
-  <p:clrMapOvr>
-    <a:masterClrMapping/>
-  </p:clrMapOvr>
-</p:sld>
-</file>
-
-<file path=ppt/slides/slide17.xml><?xml version="1.0" encoding="utf-8"?>
-<p:sld xmlns:a="http://schemas.openxmlformats.org/drawingml/2006/main" xmlns:r="http://schemas.openxmlformats.org/officeDocument/2006/relationships" xmlns:p="http://schemas.openxmlformats.org/presentationml/2006/main">
-  <p:cSld>
-    <p:spTree>
-      <p:nvGrpSpPr>
-        <p:cNvPr id="1" name=""/>
-        <p:cNvGrpSpPr/>
-        <p:nvPr/>
-      </p:nvGrpSpPr>
-      <p:grpSpPr>
-        <a:xfrm>
-          <a:off x="0" y="0"/>
-          <a:ext cx="0" cy="0"/>
-          <a:chOff x="0" y="0"/>
-          <a:chExt cx="0" cy="0"/>
-        </a:xfrm>
-      </p:grpSpPr>
-      <p:sp>
-        <p:nvSpPr>
-          <p:cNvPr id="2" name="Title 1"/>
-          <p:cNvSpPr>
-            <a:spLocks noGrp="1"/>
-          </p:cNvSpPr>
-          <p:nvPr>
-            <p:ph type="title"/>
-          </p:nvPr>
-        </p:nvSpPr>
-        <p:spPr>
-          <a:xfrm>
-            <a:off x="838200" y="365126"/>
-            <a:ext cx="10515600" cy="719604"/>
-          </a:xfrm>
-        </p:spPr>
-        <p:txBody>
-          <a:bodyPr/>
-          <a:lstStyle/>
-          <a:p>
-            <a:pPr algn="ctr" rtl="1"/>
-            <a:r>
-              <a:rPr lang="he-IL" dirty="0" smtClean="0">
-                <a:cs typeface="+mn-cs"/>
-              </a:rPr>
-              <a:t>האם </a:t>
-            </a:r>
-            <a:r>
-              <a:rPr lang="en-US" dirty="0" smtClean="0">
-                <a:cs typeface="+mn-cs"/>
-              </a:rPr>
-              <a:t>Node</a:t>
-            </a:r>
-            <a:r>
-              <a:rPr lang="he-IL" dirty="0" smtClean="0">
-                <a:cs typeface="+mn-cs"/>
-              </a:rPr>
-              <a:t> היא סינגל </a:t>
-            </a:r>
-            <a:r>
-              <a:rPr lang="he-IL" dirty="0" err="1" smtClean="0">
-                <a:cs typeface="+mn-cs"/>
-              </a:rPr>
-              <a:t>ת'רד</a:t>
-            </a:r>
-            <a:r>
-              <a:rPr lang="he-IL" dirty="0" smtClean="0">
-                <a:cs typeface="+mn-cs"/>
-              </a:rPr>
-              <a:t>?</a:t>
-            </a:r>
-            <a:endParaRPr lang="en-US" dirty="0">
-              <a:cs typeface="+mn-cs"/>
-            </a:endParaRPr>
-          </a:p>
-        </p:txBody>
-      </p:sp>
-      <p:sp>
-        <p:nvSpPr>
-          <p:cNvPr id="3" name="TextBox 2"/>
-          <p:cNvSpPr txBox="1"/>
-          <p:nvPr/>
-        </p:nvSpPr>
-        <p:spPr>
-          <a:xfrm>
-            <a:off x="838200" y="1342344"/>
-            <a:ext cx="10597237" cy="3693319"/>
-          </a:xfrm>
-          <a:prstGeom prst="rect">
-            <a:avLst/>
-          </a:prstGeom>
-          <a:noFill/>
-        </p:spPr>
-        <p:txBody>
-          <a:bodyPr wrap="square" rtlCol="0">
-            <a:spAutoFit/>
-          </a:bodyPr>
-          <a:lstStyle/>
-          <a:p>
-            <a:pPr algn="r" rtl="1"/>
-            <a:r>
-              <a:rPr lang="he-IL" dirty="0" smtClean="0"/>
-              <a:t>התשובה היא כן ולא:</a:t>
-            </a:r>
-            <a:endParaRPr lang="en-US" dirty="0" smtClean="0"/>
-          </a:p>
-          <a:p>
-            <a:pPr algn="r" rtl="1"/>
-            <a:endParaRPr lang="he-IL" dirty="0" smtClean="0"/>
-          </a:p>
-          <a:p>
-            <a:pPr algn="r" rtl="1"/>
-            <a:r>
-              <a:rPr lang="he-IL" dirty="0" smtClean="0"/>
-              <a:t>ריצת </a:t>
-            </a:r>
-            <a:r>
-              <a:rPr lang="en-US" dirty="0" smtClean="0"/>
-              <a:t>V8</a:t>
-            </a:r>
-            <a:r>
-              <a:rPr lang="he-IL" dirty="0" smtClean="0"/>
-              <a:t> היא סינגל </a:t>
-            </a:r>
-            <a:r>
-              <a:rPr lang="he-IL" dirty="0" err="1" smtClean="0"/>
-              <a:t>ת'רד</a:t>
-            </a:r>
-            <a:r>
-              <a:rPr lang="he-IL" dirty="0" smtClean="0"/>
-              <a:t>.</a:t>
-            </a:r>
-          </a:p>
-          <a:p>
-            <a:pPr algn="r" rtl="1"/>
-            <a:r>
-              <a:rPr lang="he-IL" dirty="0" smtClean="0"/>
-              <a:t>ה-</a:t>
-            </a:r>
-            <a:r>
-              <a:rPr lang="en-US" dirty="0" smtClean="0"/>
-              <a:t>Event Loop</a:t>
-            </a:r>
-            <a:r>
-              <a:rPr lang="he-IL" dirty="0" smtClean="0"/>
-              <a:t> היא סינגל </a:t>
-            </a:r>
-            <a:r>
-              <a:rPr lang="he-IL" dirty="0" err="1" smtClean="0"/>
-              <a:t>ת'רד</a:t>
-            </a:r>
-            <a:r>
-              <a:rPr lang="he-IL" dirty="0" smtClean="0"/>
-              <a:t>.</a:t>
-            </a:r>
-            <a:endParaRPr lang="en-US" dirty="0" smtClean="0"/>
-          </a:p>
-          <a:p>
-            <a:pPr algn="r" rtl="1"/>
-            <a:endParaRPr lang="he-IL" dirty="0" smtClean="0"/>
-          </a:p>
-          <a:p>
-            <a:pPr algn="r" rtl="1"/>
-            <a:r>
-              <a:rPr lang="he-IL" dirty="0" smtClean="0"/>
-              <a:t>אבל רוב הפונקציונליות ש-</a:t>
-            </a:r>
-            <a:r>
-              <a:rPr lang="en-US" dirty="0" smtClean="0"/>
-              <a:t>Node</a:t>
-            </a:r>
-            <a:r>
-              <a:rPr lang="he-IL" dirty="0" smtClean="0"/>
-              <a:t> מספקת לנו תחת מנוע </a:t>
-            </a:r>
-            <a:r>
-              <a:rPr lang="en-US" dirty="0" err="1" smtClean="0"/>
-              <a:t>Libuv</a:t>
-            </a:r>
-            <a:r>
-              <a:rPr lang="he-IL" dirty="0" smtClean="0"/>
-              <a:t> – היא מולטי </a:t>
-            </a:r>
-            <a:r>
-              <a:rPr lang="he-IL" dirty="0" err="1" smtClean="0"/>
-              <a:t>ת'רד</a:t>
-            </a:r>
-            <a:r>
-              <a:rPr lang="he-IL" dirty="0" smtClean="0"/>
-              <a:t>.</a:t>
-            </a:r>
-          </a:p>
-          <a:p>
-            <a:pPr algn="r" rtl="1"/>
-            <a:endParaRPr lang="he-IL" dirty="0" smtClean="0"/>
-          </a:p>
-          <a:p>
-            <a:pPr algn="r" rtl="1"/>
-            <a:endParaRPr lang="he-IL" dirty="0"/>
-          </a:p>
-          <a:p>
-            <a:pPr algn="r" rtl="1"/>
-            <a:endParaRPr lang="he-IL" dirty="0" smtClean="0"/>
-          </a:p>
-          <a:p>
-            <a:pPr algn="r" rtl="1"/>
-            <a:r>
-              <a:rPr lang="he-IL" dirty="0" smtClean="0"/>
-              <a:t>מה המשמעות מכך?</a:t>
-            </a:r>
-          </a:p>
-          <a:p>
-            <a:pPr algn="r" rtl="1"/>
-            <a:endParaRPr lang="he-IL" dirty="0"/>
-          </a:p>
-          <a:p>
-            <a:pPr algn="r" rtl="1"/>
-            <a:endParaRPr lang="he-IL" dirty="0"/>
-          </a:p>
-          <a:p>
-            <a:pPr algn="r" rtl="1"/>
-            <a:endParaRPr lang="he-IL" dirty="0" smtClean="0"/>
-          </a:p>
-        </p:txBody>
-      </p:sp>
-    </p:spTree>
-    <p:extLst>
-      <p:ext uri="{BB962C8B-B14F-4D97-AF65-F5344CB8AC3E}">
-        <p14:creationId xmlns:p14="http://schemas.microsoft.com/office/powerpoint/2010/main" val="1705815735"/>
       </p:ext>
     </p:extLst>
   </p:cSld>
@@ -5684,13 +5726,31 @@
               <a:rPr lang="he-IL" dirty="0" smtClean="0">
                 <a:cs typeface="+mn-cs"/>
               </a:rPr>
-              <a:t>עבודה נכונה עם </a:t>
+              <a:t>האם </a:t>
             </a:r>
             <a:r>
               <a:rPr lang="en-US" dirty="0" smtClean="0">
                 <a:cs typeface="+mn-cs"/>
               </a:rPr>
-              <a:t>Node.JS</a:t>
+              <a:t>Node</a:t>
+            </a:r>
+            <a:r>
+              <a:rPr lang="he-IL" dirty="0" smtClean="0">
+                <a:cs typeface="+mn-cs"/>
+              </a:rPr>
+              <a:t> היא סינגל </a:t>
+            </a:r>
+            <a:r>
+              <a:rPr lang="he-IL" dirty="0" err="1" smtClean="0">
+                <a:cs typeface="+mn-cs"/>
+              </a:rPr>
+              <a:t>ת'רד</a:t>
+            </a:r>
+            <a:r>
+              <a:rPr lang="he-IL" dirty="0" smtClean="0">
+                <a:cs typeface="+mn-cs"/>
+              </a:rPr>
+              <a:t>?</a:t>
             </a:r>
             <a:endParaRPr lang="en-US" dirty="0">
               <a:cs typeface="+mn-cs"/>
@@ -5706,8 +5766,8 @@
         </p:nvSpPr>
         <p:spPr>
           <a:xfrm>
-            <a:off x="838200" y="1281384"/>
-            <a:ext cx="10597237" cy="5355312"/>
+            <a:off x="838200" y="1342344"/>
+            <a:ext cx="10597237" cy="3693319"/>
           </a:xfrm>
           <a:prstGeom prst="rect">
             <a:avLst/>
@@ -5723,41 +5783,78 @@
             <a:pPr algn="r" rtl="1"/>
             <a:r>
               <a:rPr lang="he-IL" dirty="0" smtClean="0"/>
-              <a:t>כדי להגיע לביצועים טובים בשרת, כאלה שלא נופלים מהמתחרים ואף טובים יותר, צריך לדעת לעבוד נכון עם המנוע.</a:t>
-            </a:r>
-          </a:p>
-          <a:p>
-            <a:pPr algn="r" rtl="1"/>
-            <a:endParaRPr lang="he-IL" dirty="0"/>
-          </a:p>
-          <a:p>
-            <a:pPr algn="r" rtl="1"/>
-            <a:r>
-              <a:rPr lang="he-IL" dirty="0" smtClean="0"/>
-              <a:t>קוד האפליקציה הסינכרוני – מורץ ע"י </a:t>
+              <a:t>התשובה היא כן ולא:</a:t>
+            </a:r>
+            <a:endParaRPr lang="en-US" dirty="0" smtClean="0"/>
+          </a:p>
+          <a:p>
+            <a:pPr algn="r" rtl="1"/>
+            <a:endParaRPr lang="he-IL" dirty="0" smtClean="0"/>
+          </a:p>
+          <a:p>
+            <a:pPr algn="r" rtl="1"/>
+            <a:r>
+              <a:rPr lang="he-IL" dirty="0" smtClean="0"/>
+              <a:t>ריצת </a:t>
             </a:r>
             <a:r>
               <a:rPr lang="en-US" dirty="0" smtClean="0"/>
               <a:t>V8</a:t>
             </a:r>
             <a:r>
-              <a:rPr lang="he-IL" dirty="0"/>
-              <a:t> </a:t>
-            </a:r>
-            <a:r>
-              <a:rPr lang="he-IL" dirty="0" smtClean="0"/>
-              <a:t>בצורה אופטימלית ומהירה.</a:t>
-            </a:r>
-          </a:p>
-          <a:p>
-            <a:pPr algn="r" rtl="1"/>
-            <a:endParaRPr lang="he-IL" dirty="0"/>
-          </a:p>
-          <a:p>
-            <a:pPr algn="r" rtl="1"/>
-            <a:r>
-              <a:rPr lang="he-IL" dirty="0" smtClean="0"/>
-              <a:t>קוד אסינכרוני - מואצל ל-</a:t>
+              <a:rPr lang="he-IL" dirty="0" smtClean="0"/>
+              <a:t> היא סינגל </a:t>
+            </a:r>
+            <a:r>
+              <a:rPr lang="he-IL" dirty="0" err="1" smtClean="0"/>
+              <a:t>ת'רד</a:t>
+            </a:r>
+            <a:r>
+              <a:rPr lang="he-IL" dirty="0" smtClean="0"/>
+              <a:t>.</a:t>
+            </a:r>
+          </a:p>
+          <a:p>
+            <a:pPr algn="r" rtl="1"/>
+            <a:r>
+              <a:rPr lang="he-IL" dirty="0" smtClean="0"/>
+              <a:t>ה-</a:t>
+            </a:r>
+            <a:r>
+              <a:rPr lang="en-US" dirty="0" smtClean="0"/>
+              <a:t>Event Loop</a:t>
+            </a:r>
+            <a:r>
+              <a:rPr lang="he-IL" dirty="0" smtClean="0"/>
+              <a:t> היא סינגל </a:t>
+            </a:r>
+            <a:r>
+              <a:rPr lang="he-IL" dirty="0" err="1" smtClean="0"/>
+              <a:t>ת'רד</a:t>
+            </a:r>
+            <a:r>
+              <a:rPr lang="he-IL" dirty="0" smtClean="0"/>
+              <a:t>.</a:t>
+            </a:r>
+            <a:endParaRPr lang="en-US" dirty="0" smtClean="0"/>
+          </a:p>
+          <a:p>
+            <a:pPr algn="r" rtl="1"/>
+            <a:endParaRPr lang="he-IL" dirty="0" smtClean="0"/>
+          </a:p>
+          <a:p>
+            <a:pPr algn="r" rtl="1"/>
+            <a:r>
+              <a:rPr lang="he-IL" dirty="0" smtClean="0"/>
+              <a:t>אבל רוב הפונקציונליות ש-</a:t>
+            </a:r>
+            <a:r>
+              <a:rPr lang="en-US" dirty="0" smtClean="0"/>
+              <a:t>Node</a:t>
+            </a:r>
+            <a:r>
+              <a:rPr lang="he-IL" dirty="0" smtClean="0"/>
+              <a:t> מספקת לנו תחת מנוע </a:t>
             </a:r>
             <a:r>
               <a:rPr lang="en-US" dirty="0" err="1" smtClean="0"/>
@@ -5765,7 +5862,15 @@
             </a:r>
             <a:r>
               <a:rPr lang="he-IL" dirty="0" smtClean="0"/>
-              <a:t> ומבוצע בצורה אופטימלית.</a:t>
+              <a:t> – היא מולטי </a:t>
+            </a:r>
+            <a:r>
+              <a:rPr lang="he-IL" dirty="0" err="1" smtClean="0"/>
+              <a:t>ת'רד</a:t>
+            </a:r>
+            <a:r>
+              <a:rPr lang="he-IL" dirty="0" smtClean="0"/>
+              <a:t>.</a:t>
             </a:r>
           </a:p>
           <a:p>
@@ -5774,256 +5879,26 @@
           </a:p>
           <a:p>
             <a:pPr algn="r" rtl="1"/>
-            <a:r>
-              <a:rPr lang="he-IL" u="sng" dirty="0" smtClean="0"/>
-              <a:t>צוואר הבקבוק נמצא בפעילות של ה-</a:t>
-            </a:r>
-            <a:r>
-              <a:rPr lang="en-US" u="sng" dirty="0" smtClean="0"/>
-              <a:t>Event Loop</a:t>
-            </a:r>
-            <a:r>
-              <a:rPr lang="he-IL" u="sng" dirty="0" smtClean="0"/>
-              <a:t>:</a:t>
-            </a:r>
-          </a:p>
-          <a:p>
-            <a:pPr algn="r" rtl="1"/>
-            <a:r>
-              <a:rPr lang="he-IL" dirty="0" smtClean="0"/>
-              <a:t>בכל </a:t>
-            </a:r>
-            <a:r>
-              <a:rPr lang="he-IL" dirty="0" err="1" smtClean="0"/>
-              <a:t>איטרציה</a:t>
-            </a:r>
-            <a:r>
-              <a:rPr lang="he-IL" dirty="0" smtClean="0"/>
-              <a:t> של ה-</a:t>
-            </a:r>
-            <a:r>
-              <a:rPr lang="en-US" dirty="0" smtClean="0"/>
-              <a:t>Event Loop</a:t>
-            </a:r>
-            <a:r>
-              <a:rPr lang="he-IL" dirty="0" smtClean="0"/>
-              <a:t> נקראים </a:t>
-            </a:r>
-            <a:r>
-              <a:rPr lang="he-IL" dirty="0" err="1" smtClean="0"/>
-              <a:t>קולבקים</a:t>
-            </a:r>
-            <a:r>
-              <a:rPr lang="he-IL" dirty="0" smtClean="0"/>
-              <a:t> שונים על פי </a:t>
-            </a:r>
-            <a:r>
-              <a:rPr lang="en-US" dirty="0" smtClean="0"/>
-              <a:t>events</a:t>
-            </a:r>
-            <a:r>
-              <a:rPr lang="he-IL" dirty="0" smtClean="0"/>
-              <a:t> שקרו, </a:t>
-            </a:r>
-            <a:r>
-              <a:rPr lang="he-IL" b="1" dirty="0" smtClean="0"/>
-              <a:t>בצורה סינכרונית</a:t>
-            </a:r>
-            <a:r>
-              <a:rPr lang="he-IL" dirty="0" smtClean="0"/>
-              <a:t>, אחד אחרי השני.</a:t>
-            </a:r>
-          </a:p>
-          <a:p>
-            <a:pPr algn="r" rtl="1"/>
-            <a:r>
-              <a:rPr lang="he-IL" dirty="0" smtClean="0"/>
-              <a:t>(</a:t>
-            </a:r>
-            <a:r>
-              <a:rPr lang="he-IL" dirty="0" err="1" smtClean="0"/>
-              <a:t>קולבק</a:t>
-            </a:r>
-            <a:r>
-              <a:rPr lang="he-IL" dirty="0" smtClean="0"/>
-              <a:t> לבקשת </a:t>
-            </a:r>
-            <a:r>
-              <a:rPr lang="en-US" dirty="0" smtClean="0"/>
-              <a:t>http</a:t>
-            </a:r>
-            <a:r>
-              <a:rPr lang="he-IL" dirty="0" smtClean="0"/>
-              <a:t> נכנסת, </a:t>
-            </a:r>
-            <a:r>
-              <a:rPr lang="he-IL" dirty="0" err="1" smtClean="0"/>
-              <a:t>קולבק</a:t>
-            </a:r>
-            <a:r>
-              <a:rPr lang="he-IL" dirty="0" smtClean="0"/>
-              <a:t> לקובץ שסיימנו לקרוא וכד').</a:t>
-            </a:r>
-          </a:p>
-          <a:p>
-            <a:pPr algn="r" rtl="1"/>
-            <a:r>
-              <a:rPr lang="he-IL" dirty="0" smtClean="0"/>
-              <a:t>אם באחד </a:t>
-            </a:r>
-            <a:r>
-              <a:rPr lang="he-IL" dirty="0" err="1" smtClean="0"/>
-              <a:t>הקולבקים</a:t>
-            </a:r>
-            <a:r>
-              <a:rPr lang="he-IL" dirty="0" smtClean="0"/>
-              <a:t> תתרחש אלגוריתמיקה כבדה (חישובים מתמטיים מסובכים / לולאות </a:t>
-            </a:r>
-            <a:r>
-              <a:rPr lang="en-US" dirty="0" smtClean="0"/>
-              <a:t>while</a:t>
-            </a:r>
-            <a:r>
-              <a:rPr lang="he-IL" dirty="0" smtClean="0"/>
-              <a:t> ארוכות וכד'), המנוע ייאלץ לעבוד הרבה זמן על אותו </a:t>
-            </a:r>
-            <a:r>
-              <a:rPr lang="he-IL" dirty="0" err="1" smtClean="0"/>
-              <a:t>קולבק</a:t>
-            </a:r>
-            <a:r>
-              <a:rPr lang="he-IL" dirty="0" smtClean="0"/>
-              <a:t> וזה יעכב אותו בטיפול </a:t>
-            </a:r>
-            <a:r>
-              <a:rPr lang="he-IL" dirty="0" err="1" smtClean="0"/>
-              <a:t>בקולבקים</a:t>
-            </a:r>
-            <a:r>
-              <a:rPr lang="he-IL" dirty="0" smtClean="0"/>
-              <a:t> אחרים, ובכך יאט משמעותית את ביצועי האפליקציה.</a:t>
-            </a:r>
-          </a:p>
-          <a:p>
-            <a:pPr algn="r" rtl="1"/>
             <a:endParaRPr lang="he-IL" dirty="0"/>
           </a:p>
           <a:p>
             <a:pPr algn="r" rtl="1"/>
-            <a:r>
-              <a:rPr lang="he-IL" u="sng" dirty="0" smtClean="0"/>
-              <a:t>מסקנה</a:t>
-            </a:r>
-            <a:r>
-              <a:rPr lang="he-IL" dirty="0"/>
-              <a:t>:</a:t>
-            </a:r>
             <a:endParaRPr lang="he-IL" dirty="0" smtClean="0"/>
           </a:p>
           <a:p>
             <a:pPr algn="r" rtl="1"/>
             <a:r>
-              <a:rPr lang="he-IL" b="1" dirty="0" smtClean="0"/>
-              <a:t>אנחנו צריכים לשמור על ה-</a:t>
-            </a:r>
-            <a:r>
-              <a:rPr lang="en-US" b="1" dirty="0" smtClean="0"/>
-              <a:t>Event Loop</a:t>
-            </a:r>
-            <a:r>
-              <a:rPr lang="he-IL" b="1" dirty="0" smtClean="0"/>
-              <a:t> יעילה ככל האפשר.</a:t>
-            </a:r>
-          </a:p>
-          <a:p>
-            <a:pPr algn="r" rtl="1"/>
-            <a:r>
-              <a:rPr lang="he-IL" b="1" dirty="0" err="1" smtClean="0">
-                <a:solidFill>
-                  <a:srgbClr val="FF0000"/>
-                </a:solidFill>
-              </a:rPr>
-              <a:t>קולבקים</a:t>
-            </a:r>
-            <a:r>
-              <a:rPr lang="he-IL" b="1" dirty="0" smtClean="0">
-                <a:solidFill>
-                  <a:srgbClr val="FF0000"/>
-                </a:solidFill>
-              </a:rPr>
-              <a:t> לא צריכים לבצע אלגוריתמיקה כבדה (</a:t>
-            </a:r>
-            <a:r>
-              <a:rPr lang="he-IL" b="1" dirty="0">
-                <a:solidFill>
-                  <a:srgbClr val="FF0000"/>
-                </a:solidFill>
-              </a:rPr>
-              <a:t>חישובים מתמטיים מסובכים / לולאות </a:t>
-            </a:r>
-            <a:r>
-              <a:rPr lang="en-US" b="1" dirty="0">
-                <a:solidFill>
-                  <a:srgbClr val="FF0000"/>
-                </a:solidFill>
-              </a:rPr>
-              <a:t>while</a:t>
-            </a:r>
-            <a:r>
-              <a:rPr lang="he-IL" b="1" dirty="0">
-                <a:solidFill>
-                  <a:srgbClr val="FF0000"/>
-                </a:solidFill>
-              </a:rPr>
-              <a:t> ארוכות וכד</a:t>
-            </a:r>
-            <a:r>
-              <a:rPr lang="he-IL" b="1" dirty="0" smtClean="0">
-                <a:solidFill>
-                  <a:srgbClr val="FF0000"/>
-                </a:solidFill>
-              </a:rPr>
-              <a:t>').</a:t>
-            </a:r>
-          </a:p>
-          <a:p>
-            <a:pPr algn="r" rtl="1"/>
-            <a:r>
-              <a:rPr lang="he-IL" b="1" dirty="0" err="1" smtClean="0">
-                <a:solidFill>
-                  <a:srgbClr val="00B050"/>
-                </a:solidFill>
-              </a:rPr>
-              <a:t>קולבקים</a:t>
-            </a:r>
-            <a:r>
-              <a:rPr lang="he-IL" b="1" dirty="0" smtClean="0">
-                <a:solidFill>
-                  <a:srgbClr val="00B050"/>
-                </a:solidFill>
-              </a:rPr>
-              <a:t> כן יכולים לבצע פעולות חישוביות פשוטות / תהליכים קצרים / עבודה אסינכרונית שתואצל ל-</a:t>
-            </a:r>
-            <a:r>
-              <a:rPr lang="en-US" b="1" dirty="0" err="1" smtClean="0">
-                <a:solidFill>
-                  <a:srgbClr val="00B050"/>
-                </a:solidFill>
-              </a:rPr>
-              <a:t>Libuv</a:t>
-            </a:r>
-            <a:r>
-              <a:rPr lang="he-IL" b="1" dirty="0" smtClean="0">
-                <a:solidFill>
-                  <a:srgbClr val="00B050"/>
-                </a:solidFill>
-              </a:rPr>
-              <a:t>.</a:t>
-            </a:r>
-          </a:p>
-          <a:p>
-            <a:pPr algn="r" rtl="1"/>
-            <a:endParaRPr lang="he-IL" dirty="0" smtClean="0"/>
+              <a:rPr lang="he-IL" dirty="0" smtClean="0"/>
+              <a:t>מה המשמעות מכך?</a:t>
+            </a:r>
+          </a:p>
+          <a:p>
+            <a:pPr algn="r" rtl="1"/>
+            <a:endParaRPr lang="he-IL" dirty="0"/>
+          </a:p>
+          <a:p>
+            <a:pPr algn="r" rtl="1"/>
+            <a:endParaRPr lang="he-IL" dirty="0"/>
           </a:p>
           <a:p>
             <a:pPr algn="r" rtl="1"/>
@@ -6034,7 +5909,7 @@
     </p:spTree>
     <p:extLst>
       <p:ext uri="{BB962C8B-B14F-4D97-AF65-F5344CB8AC3E}">
-        <p14:creationId xmlns:p14="http://schemas.microsoft.com/office/powerpoint/2010/main" val="2583784559"/>
+        <p14:creationId xmlns:p14="http://schemas.microsoft.com/office/powerpoint/2010/main" val="1705815735"/>
       </p:ext>
     </p:extLst>
   </p:cSld>
@@ -6073,7 +5948,7 @@
         </p:nvSpPr>
         <p:spPr>
           <a:xfrm>
-            <a:off x="838200" y="365126"/>
+            <a:off x="806116" y="349084"/>
             <a:ext cx="10515600" cy="719604"/>
           </a:xfrm>
         </p:spPr>
@@ -6108,8 +5983,8 @@
         </p:nvSpPr>
         <p:spPr>
           <a:xfrm>
-            <a:off x="941294" y="1690687"/>
-            <a:ext cx="10597237" cy="1200329"/>
+            <a:off x="1058778" y="1225689"/>
+            <a:ext cx="10427369" cy="5632311"/>
           </a:xfrm>
           <a:prstGeom prst="rect">
             <a:avLst/>
@@ -6125,65 +6000,276 @@
             <a:pPr algn="r" rtl="1"/>
             <a:r>
               <a:rPr lang="he-IL" dirty="0" smtClean="0"/>
-              <a:t>70% - פשוט לדעת טוב </a:t>
+              <a:t>כדי להגיע לביצועים טובים בשרת, כאלה שלא נופלים מהמתחרים ואף טובים יותר, צריך לדעת לעבוד נכון עם המנוע.</a:t>
+            </a:r>
+          </a:p>
+          <a:p>
+            <a:pPr algn="r" rtl="1"/>
+            <a:endParaRPr lang="he-IL" dirty="0" smtClean="0"/>
+          </a:p>
+          <a:p>
+            <a:pPr algn="r" rtl="1"/>
+            <a:r>
+              <a:rPr lang="he-IL" dirty="0" smtClean="0"/>
+              <a:t>תזכורת:</a:t>
+            </a:r>
+            <a:endParaRPr lang="he-IL" dirty="0"/>
+          </a:p>
+          <a:p>
+            <a:pPr marL="285750" indent="-285750" algn="r" rtl="1">
+              <a:buFont typeface="Arial" panose="020B0604020202020204" pitchFamily="34" charset="0"/>
+              <a:buChar char="•"/>
+            </a:pPr>
+            <a:r>
+              <a:rPr lang="he-IL" dirty="0" smtClean="0"/>
+              <a:t>קוד האפליקציה הסינכרוני – מורץ ע"י </a:t>
             </a:r>
             <a:r>
               <a:rPr lang="en-US" dirty="0" smtClean="0"/>
-              <a:t>JavaScript</a:t>
-            </a:r>
-            <a:r>
-              <a:rPr lang="he-IL" dirty="0" smtClean="0"/>
+              <a:t>V8</a:t>
+            </a:r>
+            <a:r>
+              <a:rPr lang="he-IL" dirty="0"/>
               <a:t> </a:t>
             </a:r>
-          </a:p>
-          <a:p>
-            <a:pPr algn="r" rtl="1"/>
-            <a:r>
-              <a:rPr lang="he-IL" dirty="0" smtClean="0"/>
-              <a:t>10% - להכיר את המודולים של </a:t>
+            <a:r>
+              <a:rPr lang="he-IL" dirty="0" smtClean="0"/>
+              <a:t>בצורה אופטימלית ומהירה.</a:t>
+            </a:r>
+          </a:p>
+          <a:p>
+            <a:pPr marL="285750" indent="-285750" algn="r" rtl="1">
+              <a:buFont typeface="Arial" panose="020B0604020202020204" pitchFamily="34" charset="0"/>
+              <a:buChar char="•"/>
+            </a:pPr>
+            <a:r>
+              <a:rPr lang="he-IL" dirty="0" smtClean="0"/>
+              <a:t>קוד </a:t>
+            </a:r>
+            <a:r>
+              <a:rPr lang="he-IL" dirty="0" smtClean="0"/>
+              <a:t>אסינכרוני - מואצל ל-</a:t>
+            </a:r>
+            <a:r>
+              <a:rPr lang="en-US" dirty="0" err="1" smtClean="0"/>
+              <a:t>Libuv</a:t>
+            </a:r>
+            <a:r>
+              <a:rPr lang="he-IL" dirty="0" smtClean="0"/>
+              <a:t> ומבוצע בצורה אופטימלית.</a:t>
+            </a:r>
+          </a:p>
+          <a:p>
+            <a:pPr algn="r" rtl="1"/>
+            <a:endParaRPr lang="he-IL" dirty="0" smtClean="0"/>
+          </a:p>
+          <a:p>
+            <a:pPr algn="r" rtl="1"/>
+            <a:r>
+              <a:rPr lang="he-IL" b="1" u="sng" dirty="0" smtClean="0"/>
+              <a:t>צוואר </a:t>
+            </a:r>
+            <a:r>
+              <a:rPr lang="he-IL" b="1" u="sng" dirty="0" smtClean="0"/>
+              <a:t>הבקבוק, ה-</a:t>
+            </a:r>
+            <a:r>
+              <a:rPr lang="en-US" b="1" u="sng" dirty="0" smtClean="0"/>
+              <a:t>Event Loop</a:t>
+            </a:r>
+            <a:r>
+              <a:rPr lang="he-IL" b="1" u="sng" dirty="0" smtClean="0"/>
+              <a:t>:</a:t>
+            </a:r>
+          </a:p>
+          <a:p>
+            <a:pPr marL="285750" indent="-285750" algn="r" rtl="1">
+              <a:buFont typeface="Arial" panose="020B0604020202020204" pitchFamily="34" charset="0"/>
+              <a:buChar char="•"/>
+            </a:pPr>
+            <a:r>
+              <a:rPr lang="he-IL" dirty="0" smtClean="0"/>
+              <a:t>בכל </a:t>
+            </a:r>
+            <a:r>
+              <a:rPr lang="he-IL" dirty="0" err="1" smtClean="0"/>
+              <a:t>איטרציה</a:t>
+            </a:r>
+            <a:r>
+              <a:rPr lang="he-IL" dirty="0" smtClean="0"/>
+              <a:t> ה-</a:t>
             </a:r>
             <a:r>
               <a:rPr lang="en-US" dirty="0" smtClean="0"/>
-              <a:t>Node.JS</a:t>
-            </a:r>
-            <a:r>
-              <a:rPr lang="he-IL" dirty="0" smtClean="0"/>
-              <a:t> ולדעת איך להשתמש בהם (</a:t>
+              <a:t>EL</a:t>
+            </a:r>
+            <a:r>
+              <a:rPr lang="he-IL" dirty="0" smtClean="0"/>
+              <a:t> מטפל </a:t>
+            </a:r>
+            <a:r>
+              <a:rPr lang="he-IL" dirty="0" err="1" smtClean="0"/>
+              <a:t>באיבנטים</a:t>
+            </a:r>
+            <a:r>
+              <a:rPr lang="he-IL" dirty="0" smtClean="0"/>
+              <a:t> שקרו – לרוב מדובר בבקשות חדשות שהגיעו, או פעילות </a:t>
             </a:r>
             <a:r>
               <a:rPr lang="en-US" dirty="0" smtClean="0"/>
-              <a:t>http, fs, events</a:t>
-            </a:r>
-            <a:r>
-              <a:rPr lang="he-IL" dirty="0" smtClean="0"/>
-              <a:t>)</a:t>
-            </a:r>
-          </a:p>
-          <a:p>
-            <a:pPr algn="r" rtl="1"/>
-            <a:r>
-              <a:rPr lang="he-IL" dirty="0" smtClean="0"/>
-              <a:t>10% - להשתמש באקו-</a:t>
+              <a:t>IO</a:t>
+            </a:r>
+            <a:r>
+              <a:rPr lang="he-IL" dirty="0" smtClean="0"/>
+              <a:t> שהסתיימה שאת תוצאותיה נשלח כ-</a:t>
+            </a:r>
+            <a:r>
+              <a:rPr lang="en-US" dirty="0" smtClean="0"/>
+              <a:t>Response</a:t>
+            </a:r>
+            <a:r>
+              <a:rPr lang="he-IL" dirty="0" smtClean="0"/>
+              <a:t>.</a:t>
+            </a:r>
+          </a:p>
+          <a:p>
+            <a:pPr marL="285750" indent="-285750" algn="r" rtl="1">
+              <a:buFont typeface="Arial" panose="020B0604020202020204" pitchFamily="34" charset="0"/>
+              <a:buChar char="•"/>
+            </a:pPr>
+            <a:r>
+              <a:rPr lang="he-IL" dirty="0" smtClean="0"/>
+              <a:t>הטיפול הוא סינכרוני – לכל </a:t>
             </a:r>
             <a:r>
               <a:rPr lang="he-IL" dirty="0" err="1" smtClean="0"/>
-              <a:t>סיסטם</a:t>
-            </a:r>
-            <a:r>
-              <a:rPr lang="he-IL" dirty="0" smtClean="0"/>
-              <a:t> העצום של </a:t>
-            </a:r>
-            <a:r>
-              <a:rPr lang="en-US" dirty="0" smtClean="0"/>
-              <a:t>npm</a:t>
+              <a:t>איבנט</a:t>
+            </a:r>
+            <a:r>
+              <a:rPr lang="he-IL" dirty="0" smtClean="0"/>
+              <a:t> מריצים </a:t>
+            </a:r>
+            <a:r>
+              <a:rPr lang="he-IL" dirty="0" err="1" smtClean="0"/>
+              <a:t>קולבק</a:t>
+            </a:r>
+            <a:r>
+              <a:rPr lang="he-IL" dirty="0" smtClean="0"/>
+              <a:t>, ורק בסיום ריצת </a:t>
+            </a:r>
+            <a:r>
+              <a:rPr lang="he-IL" dirty="0" err="1" smtClean="0"/>
+              <a:t>הקולבק</a:t>
+            </a:r>
+            <a:r>
+              <a:rPr lang="he-IL" dirty="0" smtClean="0"/>
+              <a:t> עוברים לטפל </a:t>
+            </a:r>
+            <a:r>
+              <a:rPr lang="he-IL" dirty="0" err="1" smtClean="0"/>
+              <a:t>באיבנט</a:t>
+            </a:r>
+            <a:r>
+              <a:rPr lang="he-IL" dirty="0" smtClean="0"/>
+              <a:t> הבא.</a:t>
             </a:r>
             <a:endParaRPr lang="he-IL" dirty="0" smtClean="0"/>
           </a:p>
           <a:p>
-            <a:pPr algn="r" rtl="1"/>
-            <a:r>
-              <a:rPr lang="he-IL" dirty="0" smtClean="0"/>
-              <a:t>10% - </a:t>
+            <a:pPr marL="285750" indent="-285750" algn="r" rtl="1">
+              <a:buFont typeface="Arial" panose="020B0604020202020204" pitchFamily="34" charset="0"/>
+              <a:buChar char="•"/>
+            </a:pPr>
+            <a:r>
+              <a:rPr lang="he-IL" b="1" dirty="0" smtClean="0">
+                <a:solidFill>
+                  <a:srgbClr val="FF0000"/>
+                </a:solidFill>
+              </a:rPr>
+              <a:t>אם באחד </a:t>
+            </a:r>
+            <a:r>
+              <a:rPr lang="he-IL" b="1" dirty="0" err="1" smtClean="0">
+                <a:solidFill>
+                  <a:srgbClr val="FF0000"/>
+                </a:solidFill>
+              </a:rPr>
+              <a:t>הקולבקים</a:t>
+            </a:r>
+            <a:r>
+              <a:rPr lang="he-IL" b="1" dirty="0" smtClean="0">
+                <a:solidFill>
+                  <a:srgbClr val="FF0000"/>
+                </a:solidFill>
+              </a:rPr>
+              <a:t> תתרחש </a:t>
+            </a:r>
+            <a:r>
+              <a:rPr lang="he-IL" b="1" dirty="0" smtClean="0">
+                <a:solidFill>
+                  <a:srgbClr val="FF0000"/>
+                </a:solidFill>
+              </a:rPr>
+              <a:t>אלגוריתמיקה כבדה (חישובים מתמטיים מסובכים / לולאות </a:t>
+            </a:r>
+            <a:r>
+              <a:rPr lang="en-US" b="1" dirty="0" smtClean="0">
+                <a:solidFill>
+                  <a:srgbClr val="FF0000"/>
+                </a:solidFill>
+              </a:rPr>
+              <a:t>while</a:t>
+            </a:r>
+            <a:r>
+              <a:rPr lang="he-IL" b="1" dirty="0" smtClean="0">
+                <a:solidFill>
+                  <a:srgbClr val="FF0000"/>
+                </a:solidFill>
+              </a:rPr>
+              <a:t> ארוכות וכד'), </a:t>
+            </a:r>
+            <a:r>
+              <a:rPr lang="he-IL" b="1" dirty="0" err="1" smtClean="0">
+                <a:solidFill>
+                  <a:srgbClr val="FF0000"/>
+                </a:solidFill>
+              </a:rPr>
+              <a:t>יווצר</a:t>
+            </a:r>
+            <a:r>
+              <a:rPr lang="he-IL" b="1" dirty="0" smtClean="0">
+                <a:solidFill>
+                  <a:srgbClr val="FF0000"/>
+                </a:solidFill>
+              </a:rPr>
+              <a:t> מצב של </a:t>
+            </a:r>
+            <a:r>
+              <a:rPr lang="en-US" b="1" dirty="0" smtClean="0">
+                <a:solidFill>
+                  <a:srgbClr val="FF0000"/>
+                </a:solidFill>
+              </a:rPr>
+              <a:t>Blocking</a:t>
+            </a:r>
+            <a:r>
+              <a:rPr lang="he-IL" b="1" dirty="0" smtClean="0">
+                <a:solidFill>
+                  <a:srgbClr val="FF0000"/>
+                </a:solidFill>
+              </a:rPr>
+              <a:t>:</a:t>
+            </a:r>
+          </a:p>
+          <a:p>
+            <a:pPr algn="r" rtl="1"/>
+            <a:r>
+              <a:rPr lang="he-IL" dirty="0">
+                <a:solidFill>
+                  <a:srgbClr val="FF0000"/>
+                </a:solidFill>
+              </a:rPr>
+              <a:t> </a:t>
             </a:r>
             <a:r>
               <a:rPr lang="he-IL" dirty="0" smtClean="0">
@@ -6191,7 +6277,45 @@
                   <a:srgbClr val="FF0000"/>
                 </a:solidFill>
               </a:rPr>
-              <a:t>לא לתקוע את ה-</a:t>
+              <a:t>  	 </a:t>
+            </a:r>
+            <a:r>
+              <a:rPr lang="he-IL" dirty="0" smtClean="0">
+                <a:solidFill>
+                  <a:srgbClr val="FF0000"/>
+                </a:solidFill>
+              </a:rPr>
+              <a:t>הלולאה תהיה עסוקה בלהריץ את האלגוריתם, ועד שהוא לא יסתיים</a:t>
+            </a:r>
+          </a:p>
+          <a:p>
+            <a:pPr algn="r" rtl="1"/>
+            <a:r>
+              <a:rPr lang="he-IL" dirty="0" smtClean="0">
+                <a:solidFill>
+                  <a:srgbClr val="FF0000"/>
+                </a:solidFill>
+              </a:rPr>
+              <a:t> 	 לא יהיה טיפול בבקשות נכנסות חדשות, </a:t>
+            </a:r>
+          </a:p>
+          <a:p>
+            <a:pPr algn="r" rtl="1"/>
+            <a:r>
+              <a:rPr lang="he-IL" dirty="0">
+                <a:solidFill>
+                  <a:srgbClr val="FF0000"/>
+                </a:solidFill>
+              </a:rPr>
+              <a:t> </a:t>
+            </a:r>
+            <a:r>
+              <a:rPr lang="he-IL" dirty="0" smtClean="0">
+                <a:solidFill>
+                  <a:srgbClr val="FF0000"/>
+                </a:solidFill>
+              </a:rPr>
+              <a:t>	 לא יהיה טיפול בהחזרת </a:t>
             </a:r>
             <a:r>
               <a:rPr lang="en-US" dirty="0" smtClean="0">
@@ -6199,7 +6323,23 @@
                   <a:srgbClr val="FF0000"/>
                 </a:solidFill>
               </a:rPr>
-              <a:t>event loop</a:t>
+              <a:t>IO</a:t>
+            </a:r>
+            <a:r>
+              <a:rPr lang="he-IL" dirty="0" smtClean="0">
+                <a:solidFill>
+                  <a:srgbClr val="FF0000"/>
+                </a:solidFill>
+              </a:rPr>
+              <a:t> שהסתיים כ-</a:t>
+            </a:r>
+            <a:r>
+              <a:rPr lang="en-US" dirty="0" smtClean="0">
+                <a:solidFill>
+                  <a:srgbClr val="FF0000"/>
+                </a:solidFill>
+              </a:rPr>
+              <a:t>Response</a:t>
             </a:r>
             <a:endParaRPr lang="he-IL" dirty="0">
               <a:solidFill>
@@ -6207,88 +6347,179 @@
               </a:solidFill>
             </a:endParaRPr>
           </a:p>
-        </p:txBody>
-      </p:sp>
-      <p:pic>
-        <p:nvPicPr>
-          <p:cNvPr id="4" name="Picture 3"/>
-          <p:cNvPicPr/>
-          <p:nvPr/>
-        </p:nvPicPr>
-        <p:blipFill>
-          <a:blip r:embed="rId2"/>
-          <a:stretch>
-            <a:fillRect/>
-          </a:stretch>
-        </p:blipFill>
-        <p:spPr>
-          <a:xfrm>
-            <a:off x="4925359" y="3263059"/>
-            <a:ext cx="3937000" cy="2644775"/>
-          </a:xfrm>
-          <a:prstGeom prst="rect">
-            <a:avLst/>
-          </a:prstGeom>
-        </p:spPr>
-      </p:pic>
-      <p:sp>
-        <p:nvSpPr>
-          <p:cNvPr id="5" name="TextBox 4"/>
-          <p:cNvSpPr txBox="1"/>
-          <p:nvPr/>
-        </p:nvSpPr>
-        <p:spPr>
-          <a:xfrm>
-            <a:off x="1896966" y="4078942"/>
-            <a:ext cx="3028393" cy="369332"/>
-          </a:xfrm>
-          <a:prstGeom prst="rect">
-            <a:avLst/>
-          </a:prstGeom>
-          <a:noFill/>
-        </p:spPr>
-        <p:txBody>
-          <a:bodyPr wrap="none" rtlCol="0">
-            <a:spAutoFit/>
-          </a:bodyPr>
-          <a:lstStyle/>
-          <a:p>
-            <a:r>
-              <a:rPr lang="he-IL" dirty="0" smtClean="0">
+          <a:p>
+            <a:pPr algn="r" rtl="1"/>
+            <a:r>
+              <a:rPr lang="he-IL" b="1" u="sng" dirty="0" smtClean="0"/>
+              <a:t>מסקנה:</a:t>
+            </a:r>
+            <a:endParaRPr lang="he-IL" dirty="0" smtClean="0"/>
+          </a:p>
+          <a:p>
+            <a:pPr algn="r" rtl="1"/>
+            <a:r>
+              <a:rPr lang="he-IL" b="1" dirty="0" smtClean="0"/>
+              <a:t>אנחנו צריכים לשמור על ה-</a:t>
+            </a:r>
+            <a:r>
+              <a:rPr lang="en-US" b="1" dirty="0" smtClean="0"/>
+              <a:t>Event Loop</a:t>
+            </a:r>
+            <a:r>
+              <a:rPr lang="he-IL" b="1" dirty="0" smtClean="0"/>
+              <a:t> </a:t>
+            </a:r>
+            <a:r>
+              <a:rPr lang="he-IL" b="1" dirty="0" smtClean="0"/>
+              <a:t>ולא להגיע למצב </a:t>
+            </a:r>
+            <a:r>
+              <a:rPr lang="en-US" b="1" dirty="0" smtClean="0"/>
+              <a:t>Blocking</a:t>
+            </a:r>
+            <a:r>
+              <a:rPr lang="he-IL" b="1" dirty="0" smtClean="0"/>
+              <a:t>.</a:t>
+            </a:r>
+            <a:endParaRPr lang="he-IL" b="1" dirty="0" smtClean="0"/>
+          </a:p>
+          <a:p>
+            <a:pPr algn="r" rtl="1"/>
+            <a:r>
+              <a:rPr lang="he-IL" b="1" dirty="0" err="1" smtClean="0">
                 <a:solidFill>
                   <a:srgbClr val="FF0000"/>
                 </a:solidFill>
               </a:rPr>
-              <a:t>"חבר, תקעת את </a:t>
-            </a:r>
-            <a:r>
-              <a:rPr lang="he-IL" dirty="0" err="1" smtClean="0">
+              <a:t>קולבקים</a:t>
+            </a:r>
+            <a:r>
+              <a:rPr lang="he-IL" b="1" dirty="0" smtClean="0">
                 <a:solidFill>
                   <a:srgbClr val="FF0000"/>
                 </a:solidFill>
               </a:rPr>
-              <a:t>האיבנט</a:t>
-            </a:r>
-            <a:r>
-              <a:rPr lang="he-IL" dirty="0" smtClean="0">
+              <a:t> לא צריכים לבצע אלגוריתמיקה כבדה (</a:t>
+            </a:r>
+            <a:r>
+              <a:rPr lang="he-IL" b="1" dirty="0">
                 <a:solidFill>
                   <a:srgbClr val="FF0000"/>
                 </a:solidFill>
               </a:rPr>
-              <a:t> לופ..."</a:t>
-            </a:r>
-            <a:endParaRPr lang="en-US" dirty="0">
-              <a:solidFill>
-                <a:srgbClr val="FF0000"/>
-              </a:solidFill>
-            </a:endParaRPr>
+              <a:t>חישובים מתמטיים מסובכים / לולאות </a:t>
+            </a:r>
+            <a:r>
+              <a:rPr lang="en-US" b="1" dirty="0">
+                <a:solidFill>
+                  <a:srgbClr val="FF0000"/>
+                </a:solidFill>
+              </a:rPr>
+              <a:t>while</a:t>
+            </a:r>
+            <a:r>
+              <a:rPr lang="he-IL" b="1" dirty="0">
+                <a:solidFill>
+                  <a:srgbClr val="FF0000"/>
+                </a:solidFill>
+              </a:rPr>
+              <a:t> ארוכות וכד</a:t>
+            </a:r>
+            <a:r>
+              <a:rPr lang="he-IL" b="1" dirty="0" smtClean="0">
+                <a:solidFill>
+                  <a:srgbClr val="FF0000"/>
+                </a:solidFill>
+              </a:rPr>
+              <a:t>').</a:t>
+            </a:r>
+          </a:p>
+          <a:p>
+            <a:pPr algn="r" rtl="1"/>
+            <a:r>
+              <a:rPr lang="he-IL" b="1" dirty="0" err="1" smtClean="0">
+                <a:solidFill>
+                  <a:srgbClr val="00B050"/>
+                </a:solidFill>
+              </a:rPr>
+              <a:t>קולבקים</a:t>
+            </a:r>
+            <a:r>
+              <a:rPr lang="he-IL" b="1" dirty="0" smtClean="0">
+                <a:solidFill>
+                  <a:srgbClr val="00B050"/>
+                </a:solidFill>
+              </a:rPr>
+              <a:t> כן יכולים לבצע פעולות </a:t>
+            </a:r>
+            <a:r>
+              <a:rPr lang="he-IL" b="1" dirty="0" smtClean="0">
+                <a:solidFill>
+                  <a:srgbClr val="00B050"/>
+                </a:solidFill>
+              </a:rPr>
+              <a:t>פשוטות </a:t>
+            </a:r>
+            <a:r>
+              <a:rPr lang="he-IL" b="1" dirty="0" smtClean="0">
+                <a:solidFill>
+                  <a:srgbClr val="00B050"/>
+                </a:solidFill>
+              </a:rPr>
+              <a:t>/ תהליכים קצרים / עבודה אסינכרונית שתואצל </a:t>
+            </a:r>
+            <a:r>
+              <a:rPr lang="he-IL" b="1" dirty="0" smtClean="0">
+                <a:solidFill>
+                  <a:srgbClr val="00B050"/>
+                </a:solidFill>
+              </a:rPr>
+              <a:t>ל-</a:t>
+            </a:r>
+            <a:r>
+              <a:rPr lang="en-US" b="1" dirty="0" err="1" smtClean="0">
+                <a:solidFill>
+                  <a:srgbClr val="00B050"/>
+                </a:solidFill>
+              </a:rPr>
+              <a:t>Libuv</a:t>
+            </a:r>
+            <a:r>
+              <a:rPr lang="he-IL" b="1" dirty="0" smtClean="0">
+                <a:solidFill>
+                  <a:srgbClr val="00B050"/>
+                </a:solidFill>
+              </a:rPr>
+              <a:t> (</a:t>
+            </a:r>
+            <a:r>
+              <a:rPr lang="en-US" b="1" dirty="0" smtClean="0">
+                <a:solidFill>
+                  <a:srgbClr val="00B050"/>
+                </a:solidFill>
+              </a:rPr>
+              <a:t>non-blocking</a:t>
+            </a:r>
+            <a:r>
+              <a:rPr lang="he-IL" b="1" dirty="0" smtClean="0">
+                <a:solidFill>
+                  <a:srgbClr val="00B050"/>
+                </a:solidFill>
+              </a:rPr>
+              <a:t>)</a:t>
+            </a:r>
+            <a:endParaRPr lang="he-IL" dirty="0" smtClean="0"/>
+          </a:p>
+          <a:p>
+            <a:pPr algn="r" rtl="1"/>
+            <a:endParaRPr lang="he-IL" dirty="0" smtClean="0"/>
           </a:p>
         </p:txBody>
       </p:sp>
     </p:spTree>
     <p:extLst>
       <p:ext uri="{BB962C8B-B14F-4D97-AF65-F5344CB8AC3E}">
-        <p14:creationId xmlns:p14="http://schemas.microsoft.com/office/powerpoint/2010/main" val="1536566230"/>
+        <p14:creationId xmlns:p14="http://schemas.microsoft.com/office/powerpoint/2010/main" val="2583784559"/>
       </p:ext>
     </p:extLst>
   </p:cSld>
@@ -6581,7 +6812,7 @@
               <a:rPr lang="he-IL" dirty="0" smtClean="0">
                 <a:cs typeface="+mn-cs"/>
               </a:rPr>
-              <a:t>המודולים (פונקציונליות) ש-</a:t>
+              <a:t>עבודה נכונה עם </a:t>
             </a:r>
             <a:r>
               <a:rPr lang="en-US" dirty="0" smtClean="0">
@@ -6589,12 +6820,6 @@
               </a:rPr>
               <a:t>Node.JS</a:t>
             </a:r>
-            <a:r>
-              <a:rPr lang="he-IL" dirty="0" smtClean="0">
-                <a:cs typeface="+mn-cs"/>
-              </a:rPr>
-              <a:t> נותנת לנו</a:t>
-            </a:r>
             <a:endParaRPr lang="en-US" dirty="0">
               <a:cs typeface="+mn-cs"/>
             </a:endParaRPr>
@@ -6609,8 +6834,8 @@
         </p:nvSpPr>
         <p:spPr>
           <a:xfrm>
-            <a:off x="941294" y="1690687"/>
-            <a:ext cx="10597237" cy="3693319"/>
+            <a:off x="838200" y="1387708"/>
+            <a:ext cx="10597237" cy="369332"/>
           </a:xfrm>
           <a:prstGeom prst="rect">
             <a:avLst/>
@@ -6625,140 +6850,46 @@
           <a:p>
             <a:pPr algn="r" rtl="1"/>
             <a:r>
-              <a:rPr lang="he-IL" u="sng" dirty="0" err="1" smtClean="0"/>
-              <a:t>מודולי</a:t>
-            </a:r>
-            <a:r>
-              <a:rPr lang="he-IL" u="sng" dirty="0" smtClean="0"/>
-              <a:t> הבסיס:</a:t>
-            </a:r>
-          </a:p>
-          <a:p>
-            <a:pPr algn="r" rtl="1"/>
-            <a:r>
-              <a:rPr lang="he-IL" dirty="0" smtClean="0"/>
-              <a:t>תקשורת רשת – </a:t>
-            </a:r>
-            <a:r>
-              <a:rPr lang="en-US" dirty="0" smtClean="0"/>
-              <a:t>http, https</a:t>
-            </a:r>
-            <a:endParaRPr lang="he-IL" dirty="0" smtClean="0"/>
-          </a:p>
-          <a:p>
-            <a:pPr algn="r" rtl="1"/>
-            <a:r>
-              <a:rPr lang="he-IL" dirty="0" smtClean="0"/>
-              <a:t>קבצים – </a:t>
-            </a:r>
-            <a:r>
-              <a:rPr lang="en-US" dirty="0" smtClean="0"/>
-              <a:t>fs</a:t>
-            </a:r>
-            <a:endParaRPr lang="he-IL" dirty="0" smtClean="0"/>
-          </a:p>
-          <a:p>
-            <a:pPr algn="r" rtl="1"/>
-            <a:r>
-              <a:rPr lang="he-IL" dirty="0" err="1" smtClean="0"/>
-              <a:t>איבנטים</a:t>
-            </a:r>
-            <a:r>
-              <a:rPr lang="he-IL" dirty="0" smtClean="0"/>
-              <a:t> – </a:t>
-            </a:r>
-            <a:r>
-              <a:rPr lang="en-US" dirty="0" smtClean="0"/>
-              <a:t>events</a:t>
-            </a:r>
-            <a:endParaRPr lang="he-IL" dirty="0" smtClean="0"/>
-          </a:p>
-          <a:p>
-            <a:pPr algn="r" rtl="1"/>
-            <a:r>
-              <a:rPr lang="he-IL" dirty="0" err="1" smtClean="0"/>
-              <a:t>סקלביליות</a:t>
-            </a:r>
-            <a:r>
-              <a:rPr lang="he-IL" dirty="0" smtClean="0"/>
-              <a:t> – </a:t>
-            </a:r>
-            <a:r>
-              <a:rPr lang="en-US" dirty="0" smtClean="0"/>
-              <a:t>cluster, worker threads</a:t>
-            </a:r>
-            <a:endParaRPr lang="he-IL" dirty="0" smtClean="0"/>
-          </a:p>
-          <a:p>
-            <a:pPr algn="r" rtl="1"/>
-            <a:endParaRPr lang="he-IL" dirty="0" smtClean="0"/>
-          </a:p>
-          <a:p>
-            <a:pPr algn="r" rtl="1"/>
-            <a:endParaRPr lang="he-IL" dirty="0" smtClean="0"/>
-          </a:p>
-          <a:p>
-            <a:pPr algn="r" rtl="1"/>
-            <a:endParaRPr lang="he-IL" dirty="0"/>
-          </a:p>
-          <a:p>
-            <a:pPr algn="r" rtl="1"/>
-            <a:r>
-              <a:rPr lang="he-IL" u="sng" dirty="0" smtClean="0"/>
-              <a:t>מודולים ייחודיים נוספים:</a:t>
-            </a:r>
-            <a:endParaRPr lang="he-IL" u="sng" dirty="0"/>
-          </a:p>
-          <a:p>
-            <a:pPr algn="r" rtl="1"/>
-            <a:r>
-              <a:rPr lang="he-IL" dirty="0" smtClean="0"/>
-              <a:t>קריפטוגרפיה – </a:t>
-            </a:r>
-            <a:r>
-              <a:rPr lang="en-US" dirty="0" smtClean="0"/>
-              <a:t>crypto</a:t>
-            </a:r>
-            <a:endParaRPr lang="he-IL" dirty="0" smtClean="0"/>
-          </a:p>
-          <a:p>
-            <a:pPr algn="r" rtl="1"/>
-            <a:r>
-              <a:rPr lang="he-IL" dirty="0" smtClean="0"/>
-              <a:t>כיווץ – </a:t>
-            </a:r>
-            <a:r>
-              <a:rPr lang="en-US" dirty="0" err="1" smtClean="0"/>
-              <a:t>zlib</a:t>
-            </a:r>
-            <a:endParaRPr lang="he-IL" dirty="0" smtClean="0"/>
-          </a:p>
-          <a:p>
-            <a:pPr algn="r" rtl="1"/>
-            <a:r>
-              <a:rPr lang="he-IL" dirty="0" err="1" smtClean="0"/>
-              <a:t>סטרימינג</a:t>
-            </a:r>
-            <a:r>
-              <a:rPr lang="he-IL" dirty="0" smtClean="0"/>
-              <a:t> – </a:t>
-            </a:r>
-            <a:r>
-              <a:rPr lang="en-US" dirty="0" smtClean="0"/>
-              <a:t>stream</a:t>
-            </a:r>
-            <a:endParaRPr lang="he-IL" dirty="0" smtClean="0"/>
-          </a:p>
-          <a:p>
-            <a:pPr algn="r" rtl="1"/>
-            <a:endParaRPr lang="he-IL" dirty="0" smtClean="0"/>
-          </a:p>
-        </p:txBody>
-      </p:sp>
+              <a:rPr lang="he-IL" b="1" u="sng" dirty="0" smtClean="0"/>
+              <a:t>דוגמא לפעולה שגורמת לחסימת ה-</a:t>
+            </a:r>
+            <a:r>
+              <a:rPr lang="en-US" b="1" u="sng" dirty="0" smtClean="0"/>
+              <a:t>Event Loop</a:t>
+            </a:r>
+            <a:r>
+              <a:rPr lang="he-IL" b="1" u="sng" dirty="0" smtClean="0"/>
+              <a:t>:</a:t>
+            </a:r>
+          </a:p>
+        </p:txBody>
+      </p:sp>
+      <p:pic>
+        <p:nvPicPr>
+          <p:cNvPr id="4" name="Picture 3"/>
+          <p:cNvPicPr/>
+          <p:nvPr/>
+        </p:nvPicPr>
+        <p:blipFill>
+          <a:blip r:embed="rId2"/>
+          <a:stretch>
+            <a:fillRect/>
+          </a:stretch>
+        </p:blipFill>
+        <p:spPr>
+          <a:xfrm>
+            <a:off x="2486526" y="2060019"/>
+            <a:ext cx="6753726" cy="4358728"/>
+          </a:xfrm>
+          <a:prstGeom prst="rect">
+            <a:avLst/>
+          </a:prstGeom>
+        </p:spPr>
+      </p:pic>
     </p:spTree>
     <p:extLst>
       <p:ext uri="{BB962C8B-B14F-4D97-AF65-F5344CB8AC3E}">
-        <p14:creationId xmlns:p14="http://schemas.microsoft.com/office/powerpoint/2010/main" val="495121418"/>
+        <p14:creationId xmlns:p14="http://schemas.microsoft.com/office/powerpoint/2010/main" val="1536566230"/>
       </p:ext>
     </p:extLst>
   </p:cSld>
@@ -6797,7 +6928,7 @@
         </p:nvSpPr>
         <p:spPr>
           <a:xfrm>
-            <a:off x="803366" y="121286"/>
+            <a:off x="838200" y="365126"/>
             <a:ext cx="10515600" cy="719604"/>
           </a:xfrm>
         </p:spPr>
@@ -6810,7 +6941,7 @@
               <a:rPr lang="he-IL" dirty="0" smtClean="0">
                 <a:cs typeface="+mn-cs"/>
               </a:rPr>
-              <a:t>היתרונות של </a:t>
+              <a:t>עבודה נכונה עם </a:t>
             </a:r>
             <a:r>
               <a:rPr lang="en-US" dirty="0" smtClean="0">
@@ -6832,8 +6963,8 @@
         </p:nvSpPr>
         <p:spPr>
           <a:xfrm>
-            <a:off x="950514" y="840890"/>
-            <a:ext cx="10597237" cy="4524315"/>
+            <a:off x="941294" y="1690687"/>
+            <a:ext cx="10597237" cy="2400657"/>
           </a:xfrm>
           <a:prstGeom prst="rect">
             <a:avLst/>
@@ -6846,323 +6977,762 @@
           </a:bodyPr>
           <a:lstStyle/>
           <a:p>
-            <a:pPr algn="r" rtl="1"/>
-            <a:r>
-              <a:rPr lang="he-IL" sz="1600" b="1" u="sng" dirty="0" smtClean="0"/>
+            <a:pPr algn="r" rtl="1">
+              <a:lnSpc>
+                <a:spcPct val="150000"/>
+              </a:lnSpc>
+            </a:pPr>
+            <a:r>
+              <a:rPr lang="he-IL" sz="2000" b="1" u="sng" dirty="0" smtClean="0"/>
+              <a:t>המתכון להצלחה:</a:t>
+            </a:r>
+          </a:p>
+          <a:p>
+            <a:pPr marL="285750" indent="-285750" algn="r" rtl="1">
+              <a:lnSpc>
+                <a:spcPct val="150000"/>
+              </a:lnSpc>
+              <a:buFont typeface="Arial" panose="020B0604020202020204" pitchFamily="34" charset="0"/>
+              <a:buChar char="•"/>
+            </a:pPr>
+            <a:r>
+              <a:rPr lang="he-IL" sz="2000" dirty="0" smtClean="0"/>
+              <a:t>לדעת </a:t>
+            </a:r>
+            <a:r>
+              <a:rPr lang="he-IL" sz="2000" dirty="0" smtClean="0"/>
+              <a:t>טוב </a:t>
+            </a:r>
+            <a:r>
+              <a:rPr lang="en-US" sz="2000" dirty="0" smtClean="0"/>
+              <a:t>JavaScript</a:t>
+            </a:r>
+            <a:r>
+              <a:rPr lang="he-IL" sz="2000" dirty="0" smtClean="0"/>
+              <a:t> </a:t>
+            </a:r>
+            <a:r>
+              <a:rPr lang="he-IL" sz="2000" dirty="0" smtClean="0"/>
+              <a:t>(</a:t>
+            </a:r>
+            <a:r>
+              <a:rPr lang="en-US" sz="2000" dirty="0" smtClean="0"/>
+              <a:t>ES6+</a:t>
+            </a:r>
+            <a:r>
+              <a:rPr lang="he-IL" sz="2000" dirty="0" smtClean="0"/>
+              <a:t>)</a:t>
+            </a:r>
+            <a:endParaRPr lang="he-IL" sz="2000" dirty="0" smtClean="0"/>
+          </a:p>
+          <a:p>
+            <a:pPr marL="285750" indent="-285750" algn="r" rtl="1">
+              <a:lnSpc>
+                <a:spcPct val="150000"/>
+              </a:lnSpc>
+              <a:buFont typeface="Arial" panose="020B0604020202020204" pitchFamily="34" charset="0"/>
+              <a:buChar char="•"/>
+            </a:pPr>
+            <a:r>
+              <a:rPr lang="he-IL" sz="2000" dirty="0" smtClean="0"/>
+              <a:t>להכיר </a:t>
+            </a:r>
+            <a:r>
+              <a:rPr lang="he-IL" sz="2000" dirty="0" smtClean="0"/>
+              <a:t>את המודולים של </a:t>
+            </a:r>
+            <a:r>
+              <a:rPr lang="en-US" sz="2000" dirty="0" smtClean="0"/>
+              <a:t>Node.JS</a:t>
+            </a:r>
+            <a:r>
+              <a:rPr lang="he-IL" sz="2000" dirty="0" smtClean="0"/>
+              <a:t> ולדעת איך להשתמש בהם (</a:t>
+            </a:r>
+            <a:r>
+              <a:rPr lang="en-US" sz="2000" dirty="0" smtClean="0"/>
+              <a:t>http, fs, events</a:t>
+            </a:r>
+            <a:r>
+              <a:rPr lang="he-IL" sz="2000" dirty="0" smtClean="0"/>
+              <a:t>)</a:t>
+            </a:r>
+          </a:p>
+          <a:p>
+            <a:pPr marL="285750" indent="-285750" algn="r" rtl="1">
+              <a:lnSpc>
+                <a:spcPct val="150000"/>
+              </a:lnSpc>
+              <a:buFont typeface="Arial" panose="020B0604020202020204" pitchFamily="34" charset="0"/>
+              <a:buChar char="•"/>
+            </a:pPr>
+            <a:r>
+              <a:rPr lang="he-IL" sz="2000" dirty="0" smtClean="0"/>
+              <a:t>להשתמש </a:t>
+            </a:r>
+            <a:r>
+              <a:rPr lang="he-IL" sz="2000" dirty="0" smtClean="0"/>
+              <a:t>באקו-</a:t>
+            </a:r>
+            <a:r>
+              <a:rPr lang="he-IL" sz="2000" dirty="0" err="1" smtClean="0"/>
+              <a:t>סיסטם</a:t>
+            </a:r>
+            <a:r>
+              <a:rPr lang="he-IL" sz="2000" dirty="0" smtClean="0"/>
+              <a:t> העצום של </a:t>
+            </a:r>
+            <a:r>
+              <a:rPr lang="en-US" sz="2000" dirty="0" smtClean="0"/>
+              <a:t>npm</a:t>
+            </a:r>
+            <a:endParaRPr lang="he-IL" sz="2000" dirty="0" smtClean="0"/>
+          </a:p>
+          <a:p>
+            <a:pPr marL="285750" indent="-285750" algn="r" rtl="1">
+              <a:lnSpc>
+                <a:spcPct val="150000"/>
+              </a:lnSpc>
+              <a:buFont typeface="Arial" panose="020B0604020202020204" pitchFamily="34" charset="0"/>
+              <a:buChar char="•"/>
+            </a:pPr>
+            <a:r>
+              <a:rPr lang="he-IL" sz="2000" dirty="0" smtClean="0">
+                <a:solidFill>
+                  <a:srgbClr val="FF0000"/>
+                </a:solidFill>
+              </a:rPr>
+              <a:t>לא לחסום את ה-</a:t>
+            </a:r>
+            <a:r>
+              <a:rPr lang="en-US" sz="2000" dirty="0" smtClean="0">
+                <a:solidFill>
+                  <a:srgbClr val="FF0000"/>
+                </a:solidFill>
+              </a:rPr>
+              <a:t>Event Loop</a:t>
+            </a:r>
+            <a:endParaRPr lang="he-IL" sz="2000" dirty="0">
+              <a:solidFill>
+                <a:srgbClr val="FF0000"/>
+              </a:solidFill>
+            </a:endParaRPr>
+          </a:p>
+        </p:txBody>
+      </p:sp>
+    </p:spTree>
+    <p:extLst>
+      <p:ext uri="{BB962C8B-B14F-4D97-AF65-F5344CB8AC3E}">
+        <p14:creationId xmlns:p14="http://schemas.microsoft.com/office/powerpoint/2010/main" val="1373181625"/>
+      </p:ext>
+    </p:extLst>
+  </p:cSld>
+  <p:clrMapOvr>
+    <a:masterClrMapping/>
+  </p:clrMapOvr>
+</p:sld>
+</file>
+
+<file path=ppt/slides/slide22.xml><?xml version="1.0" encoding="utf-8"?>
+<p:sld xmlns:a="http://schemas.openxmlformats.org/drawingml/2006/main" xmlns:r="http://schemas.openxmlformats.org/officeDocument/2006/relationships" xmlns:p="http://schemas.openxmlformats.org/presentationml/2006/main">
+  <p:cSld>
+    <p:spTree>
+      <p:nvGrpSpPr>
+        <p:cNvPr id="1" name=""/>
+        <p:cNvGrpSpPr/>
+        <p:nvPr/>
+      </p:nvGrpSpPr>
+      <p:grpSpPr>
+        <a:xfrm>
+          <a:off x="0" y="0"/>
+          <a:ext cx="0" cy="0"/>
+          <a:chOff x="0" y="0"/>
+          <a:chExt cx="0" cy="0"/>
+        </a:xfrm>
+      </p:grpSpPr>
+      <p:sp>
+        <p:nvSpPr>
+          <p:cNvPr id="2" name="Title 1"/>
+          <p:cNvSpPr>
+            <a:spLocks noGrp="1"/>
+          </p:cNvSpPr>
+          <p:nvPr>
+            <p:ph type="title"/>
+          </p:nvPr>
+        </p:nvSpPr>
+        <p:spPr>
+          <a:xfrm>
+            <a:off x="838200" y="365126"/>
+            <a:ext cx="10515600" cy="719604"/>
+          </a:xfrm>
+        </p:spPr>
+        <p:txBody>
+          <a:bodyPr/>
+          <a:lstStyle/>
+          <a:p>
+            <a:pPr algn="ctr" rtl="1"/>
+            <a:r>
+              <a:rPr lang="he-IL" dirty="0" smtClean="0">
+                <a:cs typeface="+mn-cs"/>
+              </a:rPr>
+              <a:t>המודולים (פונקציונליות) ש-</a:t>
+            </a:r>
+            <a:r>
+              <a:rPr lang="en-US" dirty="0" smtClean="0">
+                <a:cs typeface="+mn-cs"/>
+              </a:rPr>
+              <a:t>Node.JS</a:t>
+            </a:r>
+            <a:r>
+              <a:rPr lang="he-IL" dirty="0" smtClean="0">
+                <a:cs typeface="+mn-cs"/>
+              </a:rPr>
+              <a:t> נותנת לנו</a:t>
+            </a:r>
+            <a:endParaRPr lang="en-US" dirty="0">
+              <a:cs typeface="+mn-cs"/>
+            </a:endParaRPr>
+          </a:p>
+        </p:txBody>
+      </p:sp>
+      <p:sp>
+        <p:nvSpPr>
+          <p:cNvPr id="3" name="TextBox 2"/>
+          <p:cNvSpPr txBox="1"/>
+          <p:nvPr/>
+        </p:nvSpPr>
+        <p:spPr>
+          <a:xfrm>
+            <a:off x="941294" y="1690687"/>
+            <a:ext cx="10597237" cy="4662815"/>
+          </a:xfrm>
+          <a:prstGeom prst="rect">
+            <a:avLst/>
+          </a:prstGeom>
+          <a:noFill/>
+        </p:spPr>
+        <p:txBody>
+          <a:bodyPr wrap="square" rtlCol="0">
+            <a:spAutoFit/>
+          </a:bodyPr>
+          <a:lstStyle/>
+          <a:p>
+            <a:pPr algn="r" rtl="1">
+              <a:lnSpc>
+                <a:spcPct val="150000"/>
+              </a:lnSpc>
+            </a:pPr>
+            <a:r>
+              <a:rPr lang="he-IL" b="1" u="sng" dirty="0" err="1" smtClean="0"/>
+              <a:t>מודולי</a:t>
+            </a:r>
+            <a:r>
+              <a:rPr lang="he-IL" b="1" u="sng" dirty="0" smtClean="0"/>
+              <a:t> הבסיס:</a:t>
+            </a:r>
+          </a:p>
+          <a:p>
+            <a:pPr marL="285750" indent="-285750" algn="r" rtl="1">
+              <a:lnSpc>
+                <a:spcPct val="150000"/>
+              </a:lnSpc>
+              <a:buFont typeface="Arial" panose="020B0604020202020204" pitchFamily="34" charset="0"/>
+              <a:buChar char="•"/>
+            </a:pPr>
+            <a:r>
+              <a:rPr lang="he-IL" dirty="0" smtClean="0"/>
+              <a:t>תקשורת רשת – </a:t>
+            </a:r>
+            <a:r>
+              <a:rPr lang="en-US" dirty="0" smtClean="0"/>
+              <a:t>http, https</a:t>
+            </a:r>
+            <a:endParaRPr lang="he-IL" dirty="0" smtClean="0"/>
+          </a:p>
+          <a:p>
+            <a:pPr marL="285750" indent="-285750" algn="r" rtl="1">
+              <a:lnSpc>
+                <a:spcPct val="150000"/>
+              </a:lnSpc>
+              <a:buFont typeface="Arial" panose="020B0604020202020204" pitchFamily="34" charset="0"/>
+              <a:buChar char="•"/>
+            </a:pPr>
+            <a:r>
+              <a:rPr lang="he-IL" dirty="0" smtClean="0"/>
+              <a:t>קבצים – </a:t>
+            </a:r>
+            <a:r>
+              <a:rPr lang="en-US" dirty="0" smtClean="0"/>
+              <a:t>fs</a:t>
+            </a:r>
+            <a:endParaRPr lang="he-IL" dirty="0" smtClean="0"/>
+          </a:p>
+          <a:p>
+            <a:pPr marL="285750" indent="-285750" algn="r" rtl="1">
+              <a:lnSpc>
+                <a:spcPct val="150000"/>
+              </a:lnSpc>
+              <a:buFont typeface="Arial" panose="020B0604020202020204" pitchFamily="34" charset="0"/>
+              <a:buChar char="•"/>
+            </a:pPr>
+            <a:r>
+              <a:rPr lang="he-IL" dirty="0" err="1" smtClean="0"/>
+              <a:t>איבנטים</a:t>
+            </a:r>
+            <a:r>
+              <a:rPr lang="he-IL" dirty="0" smtClean="0"/>
+              <a:t> – </a:t>
+            </a:r>
+            <a:r>
+              <a:rPr lang="en-US" dirty="0" smtClean="0"/>
+              <a:t>events</a:t>
+            </a:r>
+            <a:endParaRPr lang="he-IL" dirty="0" smtClean="0"/>
+          </a:p>
+          <a:p>
+            <a:pPr marL="285750" indent="-285750" algn="r" rtl="1">
+              <a:lnSpc>
+                <a:spcPct val="150000"/>
+              </a:lnSpc>
+              <a:buFont typeface="Arial" panose="020B0604020202020204" pitchFamily="34" charset="0"/>
+              <a:buChar char="•"/>
+            </a:pPr>
+            <a:r>
+              <a:rPr lang="he-IL" dirty="0" err="1" smtClean="0"/>
+              <a:t>סקלביליות</a:t>
+            </a:r>
+            <a:r>
+              <a:rPr lang="he-IL" dirty="0" smtClean="0"/>
+              <a:t> – </a:t>
+            </a:r>
+            <a:r>
+              <a:rPr lang="en-US" dirty="0" smtClean="0"/>
+              <a:t>cluster, worker threads</a:t>
+            </a:r>
+            <a:endParaRPr lang="he-IL" dirty="0" smtClean="0"/>
+          </a:p>
+          <a:p>
+            <a:pPr algn="r" rtl="1">
+              <a:lnSpc>
+                <a:spcPct val="150000"/>
+              </a:lnSpc>
+            </a:pPr>
+            <a:endParaRPr lang="he-IL" dirty="0" smtClean="0"/>
+          </a:p>
+          <a:p>
+            <a:pPr algn="r" rtl="1">
+              <a:lnSpc>
+                <a:spcPct val="150000"/>
+              </a:lnSpc>
+            </a:pPr>
+            <a:r>
+              <a:rPr lang="he-IL" b="1" u="sng" dirty="0" smtClean="0"/>
+              <a:t>מודולים </a:t>
+            </a:r>
+            <a:r>
+              <a:rPr lang="he-IL" b="1" u="sng" dirty="0" smtClean="0"/>
+              <a:t>ייחודיים נוספים:</a:t>
+            </a:r>
+            <a:endParaRPr lang="he-IL" b="1" u="sng" dirty="0"/>
+          </a:p>
+          <a:p>
+            <a:pPr marL="285750" indent="-285750" algn="r" rtl="1">
+              <a:lnSpc>
+                <a:spcPct val="150000"/>
+              </a:lnSpc>
+              <a:buFont typeface="Arial" panose="020B0604020202020204" pitchFamily="34" charset="0"/>
+              <a:buChar char="•"/>
+            </a:pPr>
+            <a:r>
+              <a:rPr lang="he-IL" dirty="0" smtClean="0"/>
+              <a:t>קריפטוגרפיה – </a:t>
+            </a:r>
+            <a:r>
+              <a:rPr lang="en-US" dirty="0" smtClean="0"/>
+              <a:t>crypto</a:t>
+            </a:r>
+            <a:endParaRPr lang="he-IL" dirty="0" smtClean="0"/>
+          </a:p>
+          <a:p>
+            <a:pPr marL="285750" indent="-285750" algn="r" rtl="1">
+              <a:lnSpc>
+                <a:spcPct val="150000"/>
+              </a:lnSpc>
+              <a:buFont typeface="Arial" panose="020B0604020202020204" pitchFamily="34" charset="0"/>
+              <a:buChar char="•"/>
+            </a:pPr>
+            <a:r>
+              <a:rPr lang="he-IL" dirty="0" smtClean="0"/>
+              <a:t>כיווץ – </a:t>
+            </a:r>
+            <a:r>
+              <a:rPr lang="en-US" dirty="0" err="1" smtClean="0"/>
+              <a:t>zlib</a:t>
+            </a:r>
+            <a:endParaRPr lang="he-IL" dirty="0" smtClean="0"/>
+          </a:p>
+          <a:p>
+            <a:pPr marL="285750" indent="-285750" algn="r" rtl="1">
+              <a:lnSpc>
+                <a:spcPct val="150000"/>
+              </a:lnSpc>
+              <a:buFont typeface="Arial" panose="020B0604020202020204" pitchFamily="34" charset="0"/>
+              <a:buChar char="•"/>
+            </a:pPr>
+            <a:r>
+              <a:rPr lang="he-IL" dirty="0" err="1" smtClean="0"/>
+              <a:t>סטרימינג</a:t>
+            </a:r>
+            <a:r>
+              <a:rPr lang="he-IL" dirty="0" smtClean="0"/>
+              <a:t> – </a:t>
+            </a:r>
+            <a:r>
+              <a:rPr lang="en-US" dirty="0" smtClean="0"/>
+              <a:t>stream</a:t>
+            </a:r>
+            <a:endParaRPr lang="he-IL" dirty="0" smtClean="0"/>
+          </a:p>
+          <a:p>
+            <a:pPr algn="r" rtl="1">
+              <a:lnSpc>
+                <a:spcPct val="150000"/>
+              </a:lnSpc>
+            </a:pPr>
+            <a:endParaRPr lang="he-IL" dirty="0" smtClean="0"/>
+          </a:p>
+        </p:txBody>
+      </p:sp>
+    </p:spTree>
+    <p:extLst>
+      <p:ext uri="{BB962C8B-B14F-4D97-AF65-F5344CB8AC3E}">
+        <p14:creationId xmlns:p14="http://schemas.microsoft.com/office/powerpoint/2010/main" val="495121418"/>
+      </p:ext>
+    </p:extLst>
+  </p:cSld>
+  <p:clrMapOvr>
+    <a:masterClrMapping/>
+  </p:clrMapOvr>
+</p:sld>
+</file>
+
+<file path=ppt/slides/slide23.xml><?xml version="1.0" encoding="utf-8"?>
+<p:sld xmlns:a="http://schemas.openxmlformats.org/drawingml/2006/main" xmlns:r="http://schemas.openxmlformats.org/officeDocument/2006/relationships" xmlns:p="http://schemas.openxmlformats.org/presentationml/2006/main">
+  <p:cSld>
+    <p:spTree>
+      <p:nvGrpSpPr>
+        <p:cNvPr id="1" name=""/>
+        <p:cNvGrpSpPr/>
+        <p:nvPr/>
+      </p:nvGrpSpPr>
+      <p:grpSpPr>
+        <a:xfrm>
+          <a:off x="0" y="0"/>
+          <a:ext cx="0" cy="0"/>
+          <a:chOff x="0" y="0"/>
+          <a:chExt cx="0" cy="0"/>
+        </a:xfrm>
+      </p:grpSpPr>
+      <p:sp>
+        <p:nvSpPr>
+          <p:cNvPr id="2" name="Title 1"/>
+          <p:cNvSpPr>
+            <a:spLocks noGrp="1"/>
+          </p:cNvSpPr>
+          <p:nvPr>
+            <p:ph type="title"/>
+          </p:nvPr>
+        </p:nvSpPr>
+        <p:spPr>
+          <a:xfrm>
+            <a:off x="803366" y="121286"/>
+            <a:ext cx="10515600" cy="719604"/>
+          </a:xfrm>
+        </p:spPr>
+        <p:txBody>
+          <a:bodyPr/>
+          <a:lstStyle/>
+          <a:p>
+            <a:pPr algn="ctr" rtl="1"/>
+            <a:r>
+              <a:rPr lang="he-IL" dirty="0" smtClean="0">
+                <a:cs typeface="+mn-cs"/>
+              </a:rPr>
+              <a:t>היתרונות של </a:t>
+            </a:r>
+            <a:r>
+              <a:rPr lang="en-US" dirty="0" smtClean="0">
+                <a:cs typeface="+mn-cs"/>
+              </a:rPr>
+              <a:t>Node.JS</a:t>
+            </a:r>
+            <a:endParaRPr lang="en-US" dirty="0">
+              <a:cs typeface="+mn-cs"/>
+            </a:endParaRPr>
+          </a:p>
+        </p:txBody>
+      </p:sp>
+      <p:sp>
+        <p:nvSpPr>
+          <p:cNvPr id="3" name="TextBox 2"/>
+          <p:cNvSpPr txBox="1"/>
+          <p:nvPr/>
+        </p:nvSpPr>
+        <p:spPr>
+          <a:xfrm>
+            <a:off x="966556" y="1081522"/>
+            <a:ext cx="10597237" cy="5355312"/>
+          </a:xfrm>
+          <a:prstGeom prst="rect">
+            <a:avLst/>
+          </a:prstGeom>
+          <a:noFill/>
+        </p:spPr>
+        <p:txBody>
+          <a:bodyPr wrap="square" rtlCol="0">
+            <a:spAutoFit/>
+          </a:bodyPr>
+          <a:lstStyle/>
+          <a:p>
+            <a:pPr algn="r" rtl="1"/>
+            <a:r>
+              <a:rPr lang="he-IL" b="1" u="sng" dirty="0" smtClean="0"/>
               <a:t>פשטות</a:t>
             </a:r>
             <a:r>
-              <a:rPr lang="he-IL" sz="1600" dirty="0" smtClean="0"/>
+              <a:rPr lang="he-IL" dirty="0" smtClean="0"/>
               <a:t> – הכתיבה פשוטה, ה-</a:t>
             </a:r>
             <a:r>
-              <a:rPr lang="en-US" sz="1600" dirty="0" smtClean="0"/>
+              <a:rPr lang="en-US" dirty="0" smtClean="0"/>
               <a:t>Deploy</a:t>
             </a:r>
             <a:r>
-              <a:rPr lang="he-IL" sz="1600" dirty="0" smtClean="0"/>
+              <a:rPr lang="he-IL" dirty="0" smtClean="0"/>
               <a:t> </a:t>
             </a:r>
             <a:r>
-              <a:rPr lang="he-IL" sz="1600" dirty="0" err="1" smtClean="0"/>
+              <a:rPr lang="he-IL" dirty="0" err="1" smtClean="0"/>
               <a:t>מיידי</a:t>
             </a:r>
             <a:r>
-              <a:rPr lang="he-IL" sz="1600" dirty="0" smtClean="0"/>
+              <a:rPr lang="he-IL" dirty="0" smtClean="0"/>
+              <a:t> ופשוט. מעבר קל בתהליכי </a:t>
+            </a:r>
+            <a:r>
+              <a:rPr lang="en-US" dirty="0" smtClean="0"/>
+              <a:t>CI\CD</a:t>
+            </a:r>
+            <a:r>
+              <a:rPr lang="he-IL" dirty="0" smtClean="0"/>
+              <a:t>.</a:t>
+            </a:r>
+          </a:p>
+          <a:p>
+            <a:pPr algn="r" rtl="1"/>
+            <a:endParaRPr lang="he-IL" dirty="0" smtClean="0"/>
+          </a:p>
+          <a:p>
+            <a:pPr algn="r" rtl="1"/>
+            <a:r>
+              <a:rPr lang="en-US" b="1" u="sng" dirty="0" smtClean="0"/>
+              <a:t>Lightweight</a:t>
+            </a:r>
+            <a:r>
+              <a:rPr lang="en-US" dirty="0" smtClean="0"/>
               <a:t> </a:t>
             </a:r>
             <a:r>
-              <a:rPr lang="he-IL" sz="1600" dirty="0" smtClean="0"/>
-              <a:t>ופשוט. מעבר קל בתהליכי </a:t>
-            </a:r>
-            <a:r>
-              <a:rPr lang="en-US" sz="1600" dirty="0" smtClean="0"/>
-              <a:t>CI\CD</a:t>
-            </a:r>
-            <a:r>
-              <a:rPr lang="he-IL" sz="1600" dirty="0" smtClean="0"/>
+              <a:rPr lang="he-IL" dirty="0" smtClean="0"/>
+              <a:t> – אפליקציית </a:t>
+            </a:r>
+            <a:r>
+              <a:rPr lang="en-US" dirty="0" smtClean="0"/>
+              <a:t>Node</a:t>
+            </a:r>
+            <a:r>
+              <a:rPr lang="he-IL" dirty="0" smtClean="0"/>
+              <a:t> הן "רזות" מאוד וכתוצאה מכך חסכוניות במשאבים (זיכרון / מעבד) ביחס למתחרות בצד השרת.</a:t>
+            </a:r>
+          </a:p>
+          <a:p>
+            <a:pPr algn="r" rtl="1"/>
+            <a:endParaRPr lang="he-IL" dirty="0"/>
+          </a:p>
+          <a:p>
+            <a:pPr algn="r" rtl="1"/>
+            <a:r>
+              <a:rPr lang="en-US" b="1" u="sng" dirty="0" smtClean="0"/>
+              <a:t>Cross Platform</a:t>
+            </a:r>
+            <a:r>
+              <a:rPr lang="he-IL" b="1" u="sng" dirty="0" smtClean="0"/>
+              <a:t> </a:t>
+            </a:r>
+            <a:r>
+              <a:rPr lang="he-IL" dirty="0" smtClean="0"/>
+              <a:t>– אפליקציות </a:t>
+            </a:r>
+            <a:r>
+              <a:rPr lang="en-US" dirty="0" smtClean="0"/>
+              <a:t>Node.JS</a:t>
+            </a:r>
+            <a:r>
+              <a:rPr lang="he-IL" dirty="0" smtClean="0"/>
+              <a:t> רצות על כל מערכות ההפעלה ללא צורך בהתאמות מיוחדות. </a:t>
+            </a:r>
+          </a:p>
+          <a:p>
+            <a:pPr algn="r" rtl="1"/>
+            <a:endParaRPr lang="he-IL" dirty="0"/>
+          </a:p>
+          <a:p>
+            <a:pPr algn="r" rtl="1"/>
+            <a:r>
+              <a:rPr lang="he-IL" b="1" u="sng" dirty="0" smtClean="0"/>
+              <a:t>התאמה ל-</a:t>
+            </a:r>
+            <a:r>
+              <a:rPr lang="en-US" b="1" u="sng" dirty="0" smtClean="0"/>
+              <a:t>Containers</a:t>
+            </a:r>
+            <a:r>
+              <a:rPr lang="he-IL" b="1" u="sng" dirty="0" smtClean="0"/>
+              <a:t> </a:t>
+            </a:r>
+            <a:r>
+              <a:rPr lang="he-IL" dirty="0" smtClean="0"/>
+              <a:t>– היכולת לרוץ על לינוקס והחסכוניות במשאבים הופכות אפליקציות </a:t>
+            </a:r>
+            <a:r>
+              <a:rPr lang="en-US" dirty="0" smtClean="0"/>
+              <a:t>Node</a:t>
+            </a:r>
+            <a:r>
+              <a:rPr lang="he-IL" dirty="0" smtClean="0"/>
+              <a:t> למועמדות מובילות לעיטוף ב-</a:t>
+            </a:r>
+            <a:r>
+              <a:rPr lang="en-US" dirty="0" smtClean="0"/>
+              <a:t>Containers</a:t>
+            </a:r>
+            <a:r>
+              <a:rPr lang="he-IL" dirty="0" smtClean="0"/>
               <a:t>.</a:t>
             </a:r>
-            <a:endParaRPr lang="he-IL" sz="1600" dirty="0" smtClean="0"/>
-          </a:p>
-          <a:p>
-            <a:pPr algn="r" rtl="1"/>
-            <a:endParaRPr lang="he-IL" sz="1600" dirty="0" smtClean="0"/>
-          </a:p>
-          <a:p>
-            <a:pPr algn="r" rtl="1"/>
-            <a:r>
-              <a:rPr lang="en-US" sz="1600" b="1" u="sng" dirty="0" smtClean="0"/>
-              <a:t>Lightweight</a:t>
-            </a:r>
-            <a:r>
-              <a:rPr lang="en-US" sz="1600" dirty="0" smtClean="0"/>
+          </a:p>
+          <a:p>
+            <a:pPr algn="r" rtl="1"/>
+            <a:endParaRPr lang="he-IL" dirty="0" smtClean="0"/>
+          </a:p>
+          <a:p>
+            <a:pPr algn="r" rtl="1"/>
+            <a:r>
+              <a:rPr lang="en-US" b="1" u="sng" dirty="0" smtClean="0"/>
+              <a:t>Scaling</a:t>
+            </a:r>
+            <a:r>
+              <a:rPr lang="he-IL" dirty="0" smtClean="0"/>
+              <a:t>- ניתן לבצע </a:t>
+            </a:r>
+            <a:r>
+              <a:rPr lang="en-US" dirty="0" smtClean="0"/>
+              <a:t>upscale</a:t>
+            </a:r>
+            <a:r>
+              <a:rPr lang="he-IL" dirty="0" smtClean="0"/>
+              <a:t> בקלות (פנימית באמצעות </a:t>
+            </a:r>
+            <a:r>
+              <a:rPr lang="en-US" dirty="0" smtClean="0"/>
+              <a:t>cluster mode</a:t>
+            </a:r>
+            <a:r>
+              <a:rPr lang="he-IL" dirty="0" smtClean="0"/>
+              <a:t>, או חיצונית ע"י גורמים מארחים).</a:t>
+            </a:r>
+          </a:p>
+          <a:p>
+            <a:pPr algn="r" rtl="1"/>
+            <a:endParaRPr lang="he-IL" dirty="0" smtClean="0"/>
+          </a:p>
+          <a:p>
+            <a:pPr algn="r" rtl="1"/>
+            <a:r>
+              <a:rPr lang="he-IL" dirty="0" smtClean="0"/>
+              <a:t>התאמה לעולם ה-</a:t>
+            </a:r>
+            <a:r>
+              <a:rPr lang="en-US" dirty="0" smtClean="0"/>
+              <a:t>Cloud</a:t>
+            </a:r>
+            <a:r>
+              <a:rPr lang="he-IL" dirty="0" smtClean="0"/>
+              <a:t> – בזכות כל האמור לעיל, אפליקציות </a:t>
+            </a:r>
+            <a:r>
+              <a:rPr lang="en-US" dirty="0" smtClean="0"/>
+              <a:t>Node</a:t>
+            </a:r>
+            <a:r>
+              <a:rPr lang="he-IL" dirty="0" smtClean="0"/>
+              <a:t> מתאימות באופן אופטימלי לשירותי ענן הן בהיבטי </a:t>
+            </a:r>
+            <a:r>
+              <a:rPr lang="en-US" dirty="0" smtClean="0"/>
+              <a:t>deploy</a:t>
+            </a:r>
+            <a:r>
+              <a:rPr lang="he-IL" dirty="0" smtClean="0"/>
+              <a:t> (עיטוף בקונטיינרים, העלאה לענן), והן בהיבטי חסכון במשאבים (== כסף בענן).</a:t>
+            </a:r>
+          </a:p>
+          <a:p>
+            <a:pPr algn="r" rtl="1"/>
+            <a:endParaRPr lang="he-IL" dirty="0" smtClean="0"/>
+          </a:p>
+          <a:p>
+            <a:pPr algn="r" rtl="1"/>
+            <a:r>
+              <a:rPr lang="he-IL" b="1" u="sng" dirty="0" err="1" smtClean="0"/>
+              <a:t>אקוסיסטם</a:t>
+            </a:r>
+            <a:r>
+              <a:rPr lang="he-IL" b="1" u="sng" dirty="0" smtClean="0"/>
               <a:t> </a:t>
             </a:r>
             <a:r>
-              <a:rPr lang="he-IL" sz="1600" dirty="0" smtClean="0"/>
-              <a:t> – </a:t>
-            </a:r>
-            <a:r>
-              <a:rPr lang="he-IL" sz="1600" dirty="0" smtClean="0"/>
-              <a:t>אפליקציית </a:t>
-            </a:r>
-            <a:r>
-              <a:rPr lang="en-US" sz="1600" dirty="0" smtClean="0"/>
-              <a:t>Node</a:t>
-            </a:r>
-            <a:r>
-              <a:rPr lang="he-IL" sz="1600" dirty="0" smtClean="0"/>
-              <a:t> הן "רזות" </a:t>
-            </a:r>
-            <a:r>
-              <a:rPr lang="he-IL" sz="1600" dirty="0" smtClean="0"/>
-              <a:t>מאוד וכתוצאה מכך חסכוניות במשאבים (</a:t>
-            </a:r>
-            <a:r>
-              <a:rPr lang="he-IL" sz="1600" dirty="0" smtClean="0"/>
-              <a:t>זיכרון / מעבד) </a:t>
-            </a:r>
-            <a:r>
-              <a:rPr lang="he-IL" sz="1600" dirty="0" smtClean="0"/>
-              <a:t>ביחס </a:t>
-            </a:r>
-            <a:r>
-              <a:rPr lang="he-IL" sz="1600" dirty="0" smtClean="0"/>
-              <a:t>למתחרות בצד השרת.</a:t>
-            </a:r>
-          </a:p>
-          <a:p>
-            <a:pPr algn="r" rtl="1"/>
-            <a:endParaRPr lang="he-IL" sz="1600" dirty="0"/>
-          </a:p>
-          <a:p>
-            <a:pPr algn="r" rtl="1"/>
-            <a:r>
-              <a:rPr lang="en-US" sz="1600" b="1" u="sng" dirty="0" smtClean="0"/>
-              <a:t>Cross Platform</a:t>
-            </a:r>
-            <a:r>
-              <a:rPr lang="he-IL" sz="1600" b="1" u="sng" dirty="0" smtClean="0"/>
+              <a:rPr lang="he-IL" b="1" dirty="0" smtClean="0"/>
+              <a:t>	        </a:t>
+            </a:r>
+            <a:r>
+              <a:rPr lang="he-IL" dirty="0" smtClean="0"/>
+              <a:t>– </a:t>
+            </a:r>
+            <a:r>
+              <a:rPr lang="en-US" dirty="0" smtClean="0"/>
+              <a:t>NPM</a:t>
+            </a:r>
+            <a:r>
+              <a:rPr lang="he-IL" dirty="0"/>
               <a:t> </a:t>
             </a:r>
-            <a:r>
-              <a:rPr lang="he-IL" sz="1600" dirty="0" smtClean="0"/>
-              <a:t>– אפליקציות </a:t>
-            </a:r>
-            <a:r>
-              <a:rPr lang="en-US" sz="1600" dirty="0" smtClean="0"/>
-              <a:t>Node.JS</a:t>
-            </a:r>
-            <a:r>
-              <a:rPr lang="he-IL" sz="1600" dirty="0" smtClean="0"/>
-              <a:t> רצות על כל מערכות ההפעלה ללא צורך </a:t>
-            </a:r>
-            <a:r>
-              <a:rPr lang="he-IL" sz="1600" dirty="0" smtClean="0"/>
-              <a:t>בהתאמות מיוחדות. </a:t>
-            </a:r>
-            <a:endParaRPr lang="he-IL" sz="1600" dirty="0" smtClean="0"/>
-          </a:p>
-          <a:p>
-            <a:pPr algn="r" rtl="1"/>
-            <a:endParaRPr lang="he-IL" sz="1600" dirty="0"/>
-          </a:p>
-          <a:p>
-            <a:pPr algn="r" rtl="1"/>
-            <a:r>
-              <a:rPr lang="he-IL" sz="1600" b="1" u="sng" dirty="0" smtClean="0"/>
-              <a:t>התאמה ל-</a:t>
-            </a:r>
-            <a:r>
-              <a:rPr lang="en-US" sz="1600" b="1" u="sng" dirty="0" smtClean="0"/>
-              <a:t>Containers</a:t>
-            </a:r>
-            <a:r>
-              <a:rPr lang="he-IL" sz="1600" b="1" u="sng" dirty="0" smtClean="0"/>
-              <a:t> </a:t>
-            </a:r>
-            <a:r>
-              <a:rPr lang="he-IL" sz="1600" dirty="0" smtClean="0"/>
-              <a:t>– היכולת </a:t>
-            </a:r>
-            <a:r>
-              <a:rPr lang="he-IL" sz="1600" dirty="0" smtClean="0"/>
-              <a:t>לרוץ על לינוקס </a:t>
-            </a:r>
-            <a:r>
-              <a:rPr lang="he-IL" sz="1600" dirty="0" smtClean="0"/>
-              <a:t>והחסכוניות במשאבים הופכות אפליקציות </a:t>
-            </a:r>
-            <a:r>
-              <a:rPr lang="en-US" sz="1600" dirty="0" smtClean="0"/>
-              <a:t>Node</a:t>
-            </a:r>
-            <a:r>
-              <a:rPr lang="he-IL" sz="1600" dirty="0" smtClean="0"/>
-              <a:t> </a:t>
-            </a:r>
-            <a:r>
-              <a:rPr lang="he-IL" sz="1600" dirty="0" smtClean="0"/>
-              <a:t>למועמדות </a:t>
-            </a:r>
-            <a:r>
-              <a:rPr lang="he-IL" sz="1600" dirty="0" smtClean="0"/>
-              <a:t>מובילות לעיטוף ב-</a:t>
-            </a:r>
-            <a:r>
-              <a:rPr lang="en-US" sz="1600" dirty="0" smtClean="0"/>
-              <a:t>Containers</a:t>
-            </a:r>
-            <a:r>
-              <a:rPr lang="he-IL" sz="1600" dirty="0" smtClean="0"/>
-              <a:t>.</a:t>
-            </a:r>
-          </a:p>
-          <a:p>
-            <a:pPr algn="r" rtl="1"/>
-            <a:endParaRPr lang="he-IL" sz="1600" dirty="0" smtClean="0"/>
-          </a:p>
-          <a:p>
-            <a:pPr algn="r" rtl="1"/>
-            <a:r>
-              <a:rPr lang="en-US" sz="1600" b="1" u="sng" dirty="0" smtClean="0"/>
-              <a:t>Scaling</a:t>
-            </a:r>
-            <a:r>
-              <a:rPr lang="he-IL" sz="1600" dirty="0" smtClean="0"/>
-              <a:t>- </a:t>
-            </a:r>
-            <a:r>
-              <a:rPr lang="he-IL" sz="1600" dirty="0" smtClean="0"/>
-              <a:t>ניתן לבצע </a:t>
-            </a:r>
-            <a:r>
-              <a:rPr lang="en-US" sz="1600" dirty="0" smtClean="0"/>
-              <a:t>upscale</a:t>
-            </a:r>
-            <a:r>
-              <a:rPr lang="he-IL" sz="1600" dirty="0" smtClean="0"/>
-              <a:t> </a:t>
-            </a:r>
-            <a:r>
-              <a:rPr lang="he-IL" sz="1600" dirty="0" smtClean="0"/>
-              <a:t>בקלות (פנימית באמצעות </a:t>
-            </a:r>
-            <a:r>
-              <a:rPr lang="en-US" sz="1600" dirty="0" smtClean="0"/>
-              <a:t>cluster mode</a:t>
-            </a:r>
-            <a:r>
-              <a:rPr lang="he-IL" sz="1600" dirty="0" smtClean="0"/>
-              <a:t>, או חיצונית ע"י גורמים מארחים).</a:t>
-            </a:r>
-          </a:p>
-          <a:p>
-            <a:pPr algn="r" rtl="1"/>
-            <a:endParaRPr lang="he-IL" sz="1600" dirty="0" smtClean="0"/>
-          </a:p>
-          <a:p>
-            <a:pPr algn="r" rtl="1"/>
-            <a:r>
-              <a:rPr lang="he-IL" sz="1600" dirty="0" smtClean="0"/>
-              <a:t>התאמה לעולם ה-</a:t>
-            </a:r>
-            <a:r>
-              <a:rPr lang="en-US" sz="1600" dirty="0" smtClean="0"/>
-              <a:t>Cloud</a:t>
-            </a:r>
-            <a:r>
-              <a:rPr lang="he-IL" sz="1600" dirty="0" smtClean="0"/>
-              <a:t> – בזכות </a:t>
-            </a:r>
-            <a:r>
-              <a:rPr lang="he-IL" sz="1600" dirty="0" smtClean="0"/>
-              <a:t>כל האמור </a:t>
-            </a:r>
-            <a:r>
-              <a:rPr lang="he-IL" sz="1600" dirty="0" smtClean="0"/>
-              <a:t>לעיל, אפליקציות </a:t>
-            </a:r>
-            <a:r>
-              <a:rPr lang="en-US" sz="1600" dirty="0" smtClean="0"/>
-              <a:t>Node</a:t>
-            </a:r>
-            <a:r>
-              <a:rPr lang="he-IL" sz="1600" dirty="0" smtClean="0"/>
-              <a:t> מתאימות באופן </a:t>
-            </a:r>
-            <a:r>
-              <a:rPr lang="he-IL" sz="1600" dirty="0" smtClean="0"/>
-              <a:t>אופטימלי לשירותי ענן </a:t>
-            </a:r>
-            <a:r>
-              <a:rPr lang="he-IL" sz="1600" dirty="0" smtClean="0"/>
-              <a:t>הן בהיבטי </a:t>
-            </a:r>
-            <a:r>
-              <a:rPr lang="en-US" sz="1600" dirty="0" smtClean="0"/>
-              <a:t>deploy</a:t>
-            </a:r>
-            <a:r>
-              <a:rPr lang="he-IL" sz="1600" dirty="0" smtClean="0"/>
-              <a:t> (עיטוף </a:t>
-            </a:r>
-            <a:r>
-              <a:rPr lang="he-IL" sz="1600" dirty="0" smtClean="0"/>
-              <a:t>בקונטיינרים, העלאה לענן), </a:t>
-            </a:r>
-            <a:r>
-              <a:rPr lang="he-IL" sz="1600" dirty="0" smtClean="0"/>
-              <a:t>והן בהיבטי חסכון במשאבים (== כסף בענן).</a:t>
-            </a:r>
-          </a:p>
-          <a:p>
-            <a:pPr algn="r" rtl="1"/>
-            <a:endParaRPr lang="he-IL" sz="1600" dirty="0" smtClean="0"/>
-          </a:p>
-          <a:p>
-            <a:pPr algn="r" rtl="1"/>
-            <a:r>
-              <a:rPr lang="he-IL" sz="1600" b="1" u="sng" dirty="0" err="1" smtClean="0"/>
-              <a:t>אקוסיסטם</a:t>
-            </a:r>
-            <a:r>
-              <a:rPr lang="he-IL" sz="1600" b="1" u="sng" dirty="0" smtClean="0"/>
-              <a:t> </a:t>
-            </a:r>
-            <a:r>
-              <a:rPr lang="he-IL" sz="1600" b="1" dirty="0" smtClean="0"/>
-              <a:t>	        </a:t>
-            </a:r>
-            <a:r>
-              <a:rPr lang="he-IL" sz="1600" dirty="0" smtClean="0"/>
-              <a:t>– </a:t>
-            </a:r>
-            <a:r>
-              <a:rPr lang="en-US" sz="1600" dirty="0" smtClean="0"/>
-              <a:t>NPM</a:t>
-            </a:r>
-            <a:r>
-              <a:rPr lang="he-IL" sz="1600" dirty="0"/>
-              <a:t> </a:t>
-            </a:r>
-            <a:endParaRPr lang="he-IL" sz="1600" dirty="0" smtClean="0"/>
-          </a:p>
-          <a:p>
-            <a:pPr algn="r" rtl="1"/>
-            <a:r>
-              <a:rPr lang="he-IL" sz="1600" dirty="0" smtClean="0"/>
+            <a:endParaRPr lang="he-IL" dirty="0" smtClean="0"/>
+          </a:p>
+          <a:p>
+            <a:pPr algn="r" rtl="1"/>
+            <a:r>
+              <a:rPr lang="he-IL" dirty="0" smtClean="0"/>
               <a:t>	        - קהילה עולמית (וישראלית!) גדולה ותומכת.</a:t>
             </a:r>
           </a:p>
           <a:p>
             <a:pPr algn="r" rtl="1"/>
-            <a:endParaRPr lang="he-IL" sz="1600" dirty="0"/>
-          </a:p>
-          <a:p>
-            <a:pPr algn="r" rtl="1"/>
-            <a:endParaRPr lang="he-IL" sz="1600" dirty="0" smtClean="0"/>
+            <a:endParaRPr lang="he-IL" dirty="0"/>
+          </a:p>
+          <a:p>
+            <a:pPr algn="r" rtl="1"/>
+            <a:endParaRPr lang="he-IL" dirty="0" smtClean="0"/>
           </a:p>
         </p:txBody>
       </p:sp>
@@ -7179,7 +7749,7 @@
 </p:sld>
 </file>
 
-<file path=ppt/slides/slide22.xml><?xml version="1.0" encoding="utf-8"?>
+<file path=ppt/slides/slide24.xml><?xml version="1.0" encoding="utf-8"?>
 <p:sld xmlns:a="http://schemas.openxmlformats.org/drawingml/2006/main" xmlns:r="http://schemas.openxmlformats.org/officeDocument/2006/relationships" xmlns:p="http://schemas.openxmlformats.org/presentationml/2006/main">
   <p:cSld>
     <p:spTree>
@@ -7382,11 +7952,7 @@
             </a:pPr>
             <a:r>
               <a:rPr lang="he-IL" dirty="0" smtClean="0"/>
-              <a:t>תמיכה </a:t>
-            </a:r>
-            <a:r>
-              <a:rPr lang="he-IL" dirty="0" smtClean="0"/>
-              <a:t>בהרחבות / ספריות</a:t>
+              <a:t>תמיכה בהרחבות / ספריות</a:t>
             </a:r>
           </a:p>
           <a:p>
@@ -7969,13 +8535,13 @@
               <a:rPr lang="en-US" dirty="0" smtClean="0">
                 <a:cs typeface="+mn-cs"/>
               </a:rPr>
-              <a:t>Node.JS</a:t>
-            </a:r>
-            <a:r>
-              <a:rPr lang="he-IL" dirty="0" smtClean="0">
+              <a:t>N</a:t>
+            </a:r>
+            <a:r>
+              <a:rPr lang="en-US" dirty="0" smtClean="0">
                 <a:cs typeface="+mn-cs"/>
               </a:rPr>
-              <a:t> – מתחת למכסה המנוע</a:t>
+              <a:t>ode.JS – Under The Hood</a:t>
             </a:r>
             <a:endParaRPr lang="en-US" dirty="0">
               <a:cs typeface="+mn-cs"/>
@@ -8770,11 +9336,11 @@
   <p:clrMapOvr>
     <a:masterClrMapping/>
   </p:clrMapOvr>
-  <mc:AlternateContent xmlns:mc="http://schemas.openxmlformats.org/markup-compatibility/2006">
-    <mc:Choice xmlns:p14="http://schemas.microsoft.com/office/powerpoint/2010/main" Requires="p14">
+  <mc:AlternateContent xmlns:mc="http://schemas.openxmlformats.org/markup-compatibility/2006" xmlns:p14="http://schemas.microsoft.com/office/powerpoint/2010/main">
+    <mc:Choice Requires="p14">
       <p:transition spd="slow" p14:dur="2000"/>
     </mc:Choice>
-    <mc:Fallback>
+    <mc:Fallback xmlns="">
       <p:transition spd="slow"/>
     </mc:Fallback>
   </mc:AlternateContent>
@@ -8798,45 +9364,6 @@
           <a:chExt cx="0" cy="0"/>
         </a:xfrm>
       </p:grpSpPr>
-      <p:sp>
-        <p:nvSpPr>
-          <p:cNvPr id="2" name="Title 1"/>
-          <p:cNvSpPr>
-            <a:spLocks noGrp="1"/>
-          </p:cNvSpPr>
-          <p:nvPr>
-            <p:ph type="title"/>
-          </p:nvPr>
-        </p:nvSpPr>
-        <p:spPr>
-          <a:xfrm>
-            <a:off x="729095" y="153948"/>
-            <a:ext cx="10515600" cy="818216"/>
-          </a:xfrm>
-        </p:spPr>
-        <p:txBody>
-          <a:bodyPr/>
-          <a:lstStyle/>
-          <a:p>
-            <a:pPr algn="ctr" rtl="1"/>
-            <a:r>
-              <a:rPr lang="en-US" dirty="0" smtClean="0">
-                <a:cs typeface="+mn-cs"/>
-              </a:rPr>
-              <a:t>Node.JS</a:t>
-            </a:r>
-            <a:r>
-              <a:rPr lang="he-IL" dirty="0" smtClean="0">
-                <a:cs typeface="+mn-cs"/>
-              </a:rPr>
-              <a:t> – מתחת למכסה המנוע</a:t>
-            </a:r>
-            <a:endParaRPr lang="en-US" dirty="0">
-              <a:cs typeface="+mn-cs"/>
-            </a:endParaRPr>
-          </a:p>
-        </p:txBody>
-      </p:sp>
       <p:pic>
         <p:nvPicPr>
           <p:cNvPr id="2050" name="Picture 2" descr="Related image"/>
@@ -8880,81 +9407,55 @@
       </p:pic>
       <p:sp>
         <p:nvSpPr>
-          <p:cNvPr id="16" name="Rectangle 15"/>
-          <p:cNvSpPr/>
+          <p:cNvPr id="7" name="Title 1"/>
+          <p:cNvSpPr txBox="1">
+            <a:spLocks/>
+          </p:cNvSpPr>
           <p:nvPr/>
         </p:nvSpPr>
         <p:spPr>
           <a:xfrm>
-            <a:off x="1198421" y="1181714"/>
-            <a:ext cx="2367740" cy="1835806"/>
-          </a:xfrm>
-          <a:prstGeom prst="rect">
-            <a:avLst/>
-          </a:prstGeom>
-          <a:noFill/>
-          <a:ln w="127000">
-            <a:solidFill>
-              <a:srgbClr val="00B0F0"/>
-            </a:solidFill>
-          </a:ln>
-        </p:spPr>
-        <p:style>
-          <a:lnRef idx="2">
-            <a:schemeClr val="accent1">
-              <a:shade val="50000"/>
-            </a:schemeClr>
-          </a:lnRef>
-          <a:fillRef idx="1">
-            <a:schemeClr val="accent1"/>
-          </a:fillRef>
-          <a:effectRef idx="0">
-            <a:schemeClr val="accent1"/>
-          </a:effectRef>
-          <a:fontRef idx="minor">
-            <a:schemeClr val="lt1"/>
-          </a:fontRef>
-        </p:style>
-        <p:txBody>
-          <a:bodyPr rtlCol="0" anchor="ctr"/>
-          <a:lstStyle/>
-          <a:p>
-            <a:pPr algn="ctr"/>
-            <a:endParaRPr lang="en-US"/>
-          </a:p>
-        </p:txBody>
-      </p:sp>
-      <p:sp>
-        <p:nvSpPr>
-          <p:cNvPr id="17" name="Rectangle 16"/>
-          <p:cNvSpPr/>
-          <p:nvPr/>
-        </p:nvSpPr>
-        <p:spPr>
-          <a:xfrm>
-            <a:off x="5148695" y="5563791"/>
-            <a:ext cx="6096000" cy="369332"/>
+            <a:off x="729095" y="153948"/>
+            <a:ext cx="10515600" cy="818216"/>
           </a:xfrm>
           <a:prstGeom prst="rect">
             <a:avLst/>
           </a:prstGeom>
         </p:spPr>
         <p:txBody>
-          <a:bodyPr>
-            <a:spAutoFit/>
+          <a:bodyPr vert="horz" lIns="91440" tIns="45720" rIns="91440" bIns="45720" rtlCol="0" anchor="ctr">
+            <a:normAutofit/>
           </a:bodyPr>
-          <a:lstStyle/>
-          <a:p>
-            <a:pPr algn="r" rtl="1"/>
-            <a:r>
-              <a:rPr lang="he-IL" dirty="0" smtClean="0"/>
-              <a:t>קוד האפליקציה שלנו – כתוב ב-</a:t>
-            </a:r>
-            <a:r>
-              <a:rPr lang="en-US" dirty="0" smtClean="0"/>
-              <a:t>JS</a:t>
-            </a:r>
-            <a:endParaRPr lang="en-US" dirty="0"/>
+          <a:lstStyle>
+            <a:lvl1pPr algn="l" defTabSz="914400" rtl="0" eaLnBrk="1" latinLnBrk="0" hangingPunct="1">
+              <a:lnSpc>
+                <a:spcPct val="90000"/>
+              </a:lnSpc>
+              <a:spcBef>
+                <a:spcPct val="0"/>
+              </a:spcBef>
+              <a:buNone/>
+              <a:defRPr sz="4400" kern="1200">
+                <a:solidFill>
+                  <a:schemeClr val="tx1"/>
+                </a:solidFill>
+                <a:latin typeface="+mj-lt"/>
+                <a:ea typeface="+mj-ea"/>
+                <a:cs typeface="+mj-cs"/>
+              </a:defRPr>
+            </a:lvl1pPr>
+          </a:lstStyle>
+          <a:p>
+            <a:pPr algn="ctr" rtl="1"/>
+            <a:r>
+              <a:rPr lang="en-US" dirty="0" smtClean="0">
+                <a:cs typeface="+mn-cs"/>
+              </a:rPr>
+              <a:t>Node.JS – Under The Hood</a:t>
+            </a:r>
+            <a:endParaRPr lang="en-US" dirty="0">
+              <a:cs typeface="+mn-cs"/>
+            </a:endParaRPr>
           </a:p>
         </p:txBody>
       </p:sp>
@@ -8968,11 +9469,11 @@
   <p:clrMapOvr>
     <a:masterClrMapping/>
   </p:clrMapOvr>
-  <mc:AlternateContent xmlns:mc="http://schemas.openxmlformats.org/markup-compatibility/2006">
-    <mc:Choice xmlns:p14="http://schemas.microsoft.com/office/powerpoint/2010/main" Requires="p14">
+  <mc:AlternateContent xmlns:mc="http://schemas.openxmlformats.org/markup-compatibility/2006" xmlns:p14="http://schemas.microsoft.com/office/powerpoint/2010/main">
+    <mc:Choice Requires="p14">
       <p:transition spd="slow" p14:dur="2000"/>
     </mc:Choice>
-    <mc:Fallback>
+    <mc:Fallback xmlns="">
       <p:transition spd="slow"/>
     </mc:Fallback>
   </mc:AlternateContent>

--- a/lecture/Presentation.pptx
+++ b/lecture/Presentation.pptx
@@ -12,23 +12,22 @@
     <p:sldId id="259" r:id="rId6"/>
     <p:sldId id="260" r:id="rId7"/>
     <p:sldId id="273" r:id="rId8"/>
-    <p:sldId id="261" r:id="rId9"/>
-    <p:sldId id="275" r:id="rId10"/>
-    <p:sldId id="281" r:id="rId11"/>
-    <p:sldId id="276" r:id="rId12"/>
-    <p:sldId id="277" r:id="rId13"/>
-    <p:sldId id="278" r:id="rId14"/>
-    <p:sldId id="279" r:id="rId15"/>
-    <p:sldId id="272" r:id="rId16"/>
-    <p:sldId id="262" r:id="rId17"/>
-    <p:sldId id="274" r:id="rId18"/>
-    <p:sldId id="264" r:id="rId19"/>
-    <p:sldId id="266" r:id="rId20"/>
-    <p:sldId id="271" r:id="rId21"/>
-    <p:sldId id="280" r:id="rId22"/>
-    <p:sldId id="265" r:id="rId23"/>
-    <p:sldId id="267" r:id="rId24"/>
-    <p:sldId id="268" r:id="rId25"/>
+    <p:sldId id="275" r:id="rId9"/>
+    <p:sldId id="281" r:id="rId10"/>
+    <p:sldId id="276" r:id="rId11"/>
+    <p:sldId id="277" r:id="rId12"/>
+    <p:sldId id="278" r:id="rId13"/>
+    <p:sldId id="279" r:id="rId14"/>
+    <p:sldId id="272" r:id="rId15"/>
+    <p:sldId id="262" r:id="rId16"/>
+    <p:sldId id="274" r:id="rId17"/>
+    <p:sldId id="264" r:id="rId18"/>
+    <p:sldId id="266" r:id="rId19"/>
+    <p:sldId id="271" r:id="rId20"/>
+    <p:sldId id="280" r:id="rId21"/>
+    <p:sldId id="265" r:id="rId22"/>
+    <p:sldId id="267" r:id="rId23"/>
+    <p:sldId id="268" r:id="rId24"/>
   </p:sldIdLst>
   <p:sldSz cx="12192000" cy="6858000"/>
   <p:notesSz cx="6858000" cy="9144000"/>
@@ -278,7 +277,7 @@
           <a:p>
             <a:fld id="{6714E3D0-DDF3-45C6-B086-E5A494B8EE7C}" type="datetimeFigureOut">
               <a:rPr lang="en-US" smtClean="0"/>
-              <a:t>11/27/2019</a:t>
+              <a:t>12/3/2019</a:t>
             </a:fld>
             <a:endParaRPr lang="en-US"/>
           </a:p>
@@ -448,7 +447,7 @@
           <a:p>
             <a:fld id="{6714E3D0-DDF3-45C6-B086-E5A494B8EE7C}" type="datetimeFigureOut">
               <a:rPr lang="en-US" smtClean="0"/>
-              <a:t>11/27/2019</a:t>
+              <a:t>12/3/2019</a:t>
             </a:fld>
             <a:endParaRPr lang="en-US"/>
           </a:p>
@@ -628,7 +627,7 @@
           <a:p>
             <a:fld id="{6714E3D0-DDF3-45C6-B086-E5A494B8EE7C}" type="datetimeFigureOut">
               <a:rPr lang="en-US" smtClean="0"/>
-              <a:t>11/27/2019</a:t>
+              <a:t>12/3/2019</a:t>
             </a:fld>
             <a:endParaRPr lang="en-US"/>
           </a:p>
@@ -798,7 +797,7 @@
           <a:p>
             <a:fld id="{6714E3D0-DDF3-45C6-B086-E5A494B8EE7C}" type="datetimeFigureOut">
               <a:rPr lang="en-US" smtClean="0"/>
-              <a:t>11/27/2019</a:t>
+              <a:t>12/3/2019</a:t>
             </a:fld>
             <a:endParaRPr lang="en-US"/>
           </a:p>
@@ -1044,7 +1043,7 @@
           <a:p>
             <a:fld id="{6714E3D0-DDF3-45C6-B086-E5A494B8EE7C}" type="datetimeFigureOut">
               <a:rPr lang="en-US" smtClean="0"/>
-              <a:t>11/27/2019</a:t>
+              <a:t>12/3/2019</a:t>
             </a:fld>
             <a:endParaRPr lang="en-US"/>
           </a:p>
@@ -1276,7 +1275,7 @@
           <a:p>
             <a:fld id="{6714E3D0-DDF3-45C6-B086-E5A494B8EE7C}" type="datetimeFigureOut">
               <a:rPr lang="en-US" smtClean="0"/>
-              <a:t>11/27/2019</a:t>
+              <a:t>12/3/2019</a:t>
             </a:fld>
             <a:endParaRPr lang="en-US"/>
           </a:p>
@@ -1643,7 +1642,7 @@
           <a:p>
             <a:fld id="{6714E3D0-DDF3-45C6-B086-E5A494B8EE7C}" type="datetimeFigureOut">
               <a:rPr lang="en-US" smtClean="0"/>
-              <a:t>11/27/2019</a:t>
+              <a:t>12/3/2019</a:t>
             </a:fld>
             <a:endParaRPr lang="en-US"/>
           </a:p>
@@ -1761,7 +1760,7 @@
           <a:p>
             <a:fld id="{6714E3D0-DDF3-45C6-B086-E5A494B8EE7C}" type="datetimeFigureOut">
               <a:rPr lang="en-US" smtClean="0"/>
-              <a:t>11/27/2019</a:t>
+              <a:t>12/3/2019</a:t>
             </a:fld>
             <a:endParaRPr lang="en-US"/>
           </a:p>
@@ -1856,7 +1855,7 @@
           <a:p>
             <a:fld id="{6714E3D0-DDF3-45C6-B086-E5A494B8EE7C}" type="datetimeFigureOut">
               <a:rPr lang="en-US" smtClean="0"/>
-              <a:t>11/27/2019</a:t>
+              <a:t>12/3/2019</a:t>
             </a:fld>
             <a:endParaRPr lang="en-US"/>
           </a:p>
@@ -2133,7 +2132,7 @@
           <a:p>
             <a:fld id="{6714E3D0-DDF3-45C6-B086-E5A494B8EE7C}" type="datetimeFigureOut">
               <a:rPr lang="en-US" smtClean="0"/>
-              <a:t>11/27/2019</a:t>
+              <a:t>12/3/2019</a:t>
             </a:fld>
             <a:endParaRPr lang="en-US"/>
           </a:p>
@@ -2386,7 +2385,7 @@
           <a:p>
             <a:fld id="{6714E3D0-DDF3-45C6-B086-E5A494B8EE7C}" type="datetimeFigureOut">
               <a:rPr lang="en-US" smtClean="0"/>
-              <a:t>11/27/2019</a:t>
+              <a:t>12/3/2019</a:t>
             </a:fld>
             <a:endParaRPr lang="en-US"/>
           </a:p>
@@ -2599,7 +2598,7 @@
           <a:p>
             <a:fld id="{6714E3D0-DDF3-45C6-B086-E5A494B8EE7C}" type="datetimeFigureOut">
               <a:rPr lang="en-US" smtClean="0"/>
-              <a:t>11/27/2019</a:t>
+              <a:t>12/3/2019</a:t>
             </a:fld>
             <a:endParaRPr lang="en-US"/>
           </a:p>
@@ -3100,6 +3099,13 @@
   <p:clrMapOvr>
     <a:masterClrMapping/>
   </p:clrMapOvr>
+  <p:timing>
+    <p:tnLst>
+      <p:par>
+        <p:cTn id="1" dur="indefinite" restart="never" nodeType="tmRoot"/>
+      </p:par>
+    </p:tnLst>
+  </p:timing>
 </p:sld>
 </file>
 
@@ -3169,8 +3175,8 @@
         </p:nvSpPr>
         <p:spPr>
           <a:xfrm>
-            <a:off x="1198421" y="1181714"/>
-            <a:ext cx="2367740" cy="1835806"/>
+            <a:off x="1198421" y="2636132"/>
+            <a:ext cx="2367740" cy="2526418"/>
           </a:xfrm>
           <a:prstGeom prst="rect">
             <a:avLst/>
@@ -3215,15 +3221,15 @@
         </p:nvSpPr>
         <p:spPr>
           <a:xfrm>
-            <a:off x="5148695" y="5563791"/>
-            <a:ext cx="6096000" cy="369332"/>
+            <a:off x="1962150" y="5563791"/>
+            <a:ext cx="9282545" cy="1200329"/>
           </a:xfrm>
           <a:prstGeom prst="rect">
             <a:avLst/>
           </a:prstGeom>
         </p:spPr>
         <p:txBody>
-          <a:bodyPr>
+          <a:bodyPr wrap="square">
             <a:spAutoFit/>
           </a:bodyPr>
           <a:lstStyle/>
@@ -3231,19 +3237,81 @@
             <a:pPr algn="r" rtl="1"/>
             <a:r>
               <a:rPr lang="he-IL" dirty="0" smtClean="0"/>
-              <a:t>קוד האפליקציה שלנו – כתוב ב-</a:t>
+              <a:t>מנוע </a:t>
             </a:r>
             <a:r>
               <a:rPr lang="en-US" dirty="0" smtClean="0"/>
-              <a:t>JS</a:t>
-            </a:r>
-            <a:endParaRPr lang="en-US" dirty="0"/>
-          </a:p>
-        </p:txBody>
-      </p:sp>
-      <p:sp>
-        <p:nvSpPr>
-          <p:cNvPr id="7" name="Title 1"/>
+              <a:t>V8</a:t>
+            </a:r>
+            <a:r>
+              <a:rPr lang="he-IL" dirty="0" smtClean="0"/>
+              <a:t> שמריץ את הקוד שלנו באופן סינכרוני (סינגל </a:t>
+            </a:r>
+            <a:r>
+              <a:rPr lang="he-IL" dirty="0" err="1" smtClean="0"/>
+              <a:t>ת'רד</a:t>
+            </a:r>
+            <a:r>
+              <a:rPr lang="he-IL" dirty="0" smtClean="0"/>
+              <a:t>)</a:t>
+            </a:r>
+          </a:p>
+          <a:p>
+            <a:pPr algn="r" rtl="1"/>
+            <a:r>
+              <a:rPr lang="he-IL" dirty="0" smtClean="0"/>
+              <a:t>כשנתקל בפעולה חישובית – מבצע אותה</a:t>
+            </a:r>
+          </a:p>
+          <a:p>
+            <a:pPr algn="r" rtl="1"/>
+            <a:r>
+              <a:rPr lang="he-IL" dirty="0" smtClean="0"/>
+              <a:t>כשנתקל בפעולת </a:t>
+            </a:r>
+            <a:r>
+              <a:rPr lang="en-US" dirty="0" smtClean="0"/>
+              <a:t>IO</a:t>
+            </a:r>
+            <a:r>
+              <a:rPr lang="he-IL" dirty="0" smtClean="0"/>
+              <a:t> – מאציל את הפעילות </a:t>
+            </a:r>
+            <a:r>
+              <a:rPr lang="he-IL" dirty="0" err="1" smtClean="0"/>
+              <a:t>לת'רדים</a:t>
+            </a:r>
+            <a:r>
+              <a:rPr lang="he-IL" dirty="0" smtClean="0"/>
+              <a:t> של </a:t>
+            </a:r>
+            <a:r>
+              <a:rPr lang="en-US" dirty="0" err="1" smtClean="0"/>
+              <a:t>Libuv</a:t>
+            </a:r>
+            <a:r>
+              <a:rPr lang="he-IL" dirty="0" smtClean="0"/>
+              <a:t>, ורושם </a:t>
+            </a:r>
+            <a:r>
+              <a:rPr lang="he-IL" dirty="0" err="1" smtClean="0"/>
+              <a:t>קולבק</a:t>
+            </a:r>
+            <a:r>
+              <a:rPr lang="he-IL" dirty="0" smtClean="0"/>
+              <a:t> שיופעל בסיום הפעילות. בינתיים ממשיך את הריצה כך שהפעולה האסינכרונית לא חוסמת את ריצת התוכנית – </a:t>
+            </a:r>
+            <a:r>
+              <a:rPr lang="en-US" dirty="0" smtClean="0"/>
+              <a:t>non blocking</a:t>
+            </a:r>
+            <a:endParaRPr lang="he-IL" dirty="0" smtClean="0"/>
+          </a:p>
+        </p:txBody>
+      </p:sp>
+      <p:sp>
+        <p:nvSpPr>
+          <p:cNvPr id="8" name="Title 1"/>
           <p:cNvSpPr txBox="1">
             <a:spLocks/>
           </p:cNvSpPr>
@@ -3298,21 +3366,28 @@
     </p:spTree>
     <p:extLst>
       <p:ext uri="{BB962C8B-B14F-4D97-AF65-F5344CB8AC3E}">
-        <p14:creationId xmlns:p14="http://schemas.microsoft.com/office/powerpoint/2010/main" val="3571532683"/>
+        <p14:creationId xmlns:p14="http://schemas.microsoft.com/office/powerpoint/2010/main" val="3624882957"/>
       </p:ext>
     </p:extLst>
   </p:cSld>
   <p:clrMapOvr>
     <a:masterClrMapping/>
   </p:clrMapOvr>
-  <mc:AlternateContent xmlns:mc="http://schemas.openxmlformats.org/markup-compatibility/2006">
-    <mc:Choice xmlns:p14="http://schemas.microsoft.com/office/powerpoint/2010/main" Requires="p14">
+  <mc:AlternateContent xmlns:mc="http://schemas.openxmlformats.org/markup-compatibility/2006" xmlns:p14="http://schemas.microsoft.com/office/powerpoint/2010/main">
+    <mc:Choice Requires="p14">
       <p:transition spd="slow" p14:dur="2000"/>
     </mc:Choice>
-    <mc:Fallback>
+    <mc:Fallback xmlns="">
       <p:transition spd="slow"/>
     </mc:Fallback>
   </mc:AlternateContent>
+  <p:timing>
+    <p:tnLst>
+      <p:par>
+        <p:cTn id="1" dur="indefinite" restart="never" nodeType="tmRoot"/>
+      </p:par>
+    </p:tnLst>
+  </p:timing>
 </p:sld>
 </file>
 
@@ -3382,8 +3457,8 @@
         </p:nvSpPr>
         <p:spPr>
           <a:xfrm>
-            <a:off x="1198421" y="2636132"/>
-            <a:ext cx="2367740" cy="2526418"/>
+            <a:off x="5295900" y="1573544"/>
+            <a:ext cx="5791199" cy="1855456"/>
           </a:xfrm>
           <a:prstGeom prst="rect">
             <a:avLst/>
@@ -3429,7 +3504,7 @@
         <p:spPr>
           <a:xfrm>
             <a:off x="1962150" y="5563791"/>
-            <a:ext cx="9282545" cy="1200329"/>
+            <a:ext cx="9282545" cy="923330"/>
           </a:xfrm>
           <a:prstGeom prst="rect">
             <a:avLst/>
@@ -3443,8 +3518,28 @@
           <a:p>
             <a:pPr algn="r" rtl="1"/>
             <a:r>
-              <a:rPr lang="he-IL" dirty="0" smtClean="0"/>
-              <a:t>מנוע </a:t>
+              <a:rPr lang="en-US" dirty="0" err="1" smtClean="0"/>
+              <a:t>Libuv</a:t>
+            </a:r>
+            <a:r>
+              <a:rPr lang="he-IL" dirty="0" smtClean="0"/>
+              <a:t> – מנוע שיודע לבצע פעולות </a:t>
+            </a:r>
+            <a:r>
+              <a:rPr lang="en-US" dirty="0" smtClean="0"/>
+              <a:t>IO</a:t>
+            </a:r>
+            <a:r>
+              <a:rPr lang="he-IL" dirty="0" smtClean="0"/>
+              <a:t> מול מערכת ההפעלה (רשת / קבצים וכד').</a:t>
+            </a:r>
+            <a:endParaRPr lang="he-IL" dirty="0"/>
+          </a:p>
+          <a:p>
+            <a:pPr algn="r" rtl="1"/>
+            <a:r>
+              <a:rPr lang="he-IL" dirty="0" smtClean="0"/>
+              <a:t>כאשר מקבל הנחיה לפעול מ-</a:t>
             </a:r>
             <a:r>
               <a:rPr lang="en-US" dirty="0" smtClean="0"/>
@@ -3452,7 +3547,7 @@
             </a:r>
             <a:r>
               <a:rPr lang="he-IL" dirty="0" smtClean="0"/>
-              <a:t> שמריץ את הקוד שלנו באופן סינכרוני (סינגל </a:t>
+              <a:t> – מקצה </a:t>
             </a:r>
             <a:r>
               <a:rPr lang="he-IL" dirty="0" err="1" smtClean="0"/>
@@ -3460,57 +3555,22 @@
             </a:r>
             <a:r>
               <a:rPr lang="he-IL" dirty="0" smtClean="0"/>
-              <a:t>)</a:t>
-            </a:r>
-          </a:p>
-          <a:p>
-            <a:pPr algn="r" rtl="1"/>
-            <a:r>
-              <a:rPr lang="he-IL" dirty="0" smtClean="0"/>
-              <a:t>כשנתקל בפעולה חישובית – מבצע אותה</a:t>
-            </a:r>
-          </a:p>
-          <a:p>
-            <a:pPr algn="r" rtl="1"/>
-            <a:r>
-              <a:rPr lang="he-IL" dirty="0" smtClean="0"/>
-              <a:t>כשנתקל בפעולת </a:t>
+              <a:t> ומבצע את הפעולה. </a:t>
+            </a:r>
+          </a:p>
+          <a:p>
+            <a:pPr algn="r" rtl="1"/>
+            <a:r>
+              <a:rPr lang="he-IL" dirty="0" smtClean="0"/>
+              <a:t>בסיום הפעולה האסינכרונית – מרים </a:t>
             </a:r>
             <a:r>
               <a:rPr lang="en-US" dirty="0" smtClean="0"/>
-              <a:t>IO</a:t>
-            </a:r>
-            <a:r>
-              <a:rPr lang="he-IL" dirty="0" smtClean="0"/>
-              <a:t> – מאציל את הפעילות </a:t>
-            </a:r>
-            <a:r>
-              <a:rPr lang="he-IL" dirty="0" err="1" smtClean="0"/>
-              <a:t>לת'רדים</a:t>
-            </a:r>
-            <a:r>
-              <a:rPr lang="he-IL" dirty="0" smtClean="0"/>
-              <a:t> של </a:t>
-            </a:r>
-            <a:r>
-              <a:rPr lang="en-US" dirty="0" err="1" smtClean="0"/>
-              <a:t>Libuv</a:t>
-            </a:r>
-            <a:r>
-              <a:rPr lang="he-IL" dirty="0" smtClean="0"/>
-              <a:t>, ורושם </a:t>
-            </a:r>
-            <a:r>
-              <a:rPr lang="he-IL" dirty="0" err="1" smtClean="0"/>
-              <a:t>קולבק</a:t>
-            </a:r>
-            <a:r>
-              <a:rPr lang="he-IL" dirty="0" smtClean="0"/>
-              <a:t> שיופעל בסיום הפעילות. בינתיים ממשיך את הריצה כך שהפעולה האסינכרונית לא חוסמת את ריצת התוכנית – </a:t>
-            </a:r>
-            <a:r>
-              <a:rPr lang="en-US" dirty="0" smtClean="0"/>
-              <a:t>non blocking</a:t>
+              <a:t>event</a:t>
+            </a:r>
+            <a:r>
+              <a:rPr lang="he-IL" dirty="0"/>
+              <a:t>.</a:t>
             </a:r>
             <a:endParaRPr lang="he-IL" dirty="0" smtClean="0"/>
           </a:p>
@@ -3518,7 +3578,7 @@
       </p:sp>
       <p:sp>
         <p:nvSpPr>
-          <p:cNvPr id="8" name="Title 1"/>
+          <p:cNvPr id="7" name="Title 1"/>
           <p:cNvSpPr txBox="1">
             <a:spLocks/>
           </p:cNvSpPr>
@@ -3573,7 +3633,7 @@
     </p:spTree>
     <p:extLst>
       <p:ext uri="{BB962C8B-B14F-4D97-AF65-F5344CB8AC3E}">
-        <p14:creationId xmlns:p14="http://schemas.microsoft.com/office/powerpoint/2010/main" val="3624882957"/>
+        <p14:creationId xmlns:p14="http://schemas.microsoft.com/office/powerpoint/2010/main" val="3504310112"/>
       </p:ext>
     </p:extLst>
   </p:cSld>
@@ -3588,6 +3648,13 @@
       <p:transition spd="slow"/>
     </mc:Fallback>
   </mc:AlternateContent>
+  <p:timing>
+    <p:tnLst>
+      <p:par>
+        <p:cTn id="1" dur="indefinite" restart="never" nodeType="tmRoot"/>
+      </p:par>
+    </p:tnLst>
+  </p:timing>
 </p:sld>
 </file>
 
@@ -3657,8 +3724,8 @@
         </p:nvSpPr>
         <p:spPr>
           <a:xfrm>
-            <a:off x="5295900" y="1573544"/>
-            <a:ext cx="5791199" cy="1855456"/>
+            <a:off x="3486149" y="1592594"/>
+            <a:ext cx="1866901" cy="3436606"/>
           </a:xfrm>
           <a:prstGeom prst="rect">
             <a:avLst/>
@@ -3718,59 +3785,56 @@
           <a:p>
             <a:pPr algn="r" rtl="1"/>
             <a:r>
+              <a:rPr lang="he-IL" dirty="0" smtClean="0"/>
+              <a:t>מנוע </a:t>
+            </a:r>
+            <a:r>
+              <a:rPr lang="en-US" dirty="0" smtClean="0"/>
+              <a:t>Node.JS Bindings</a:t>
+            </a:r>
+            <a:r>
+              <a:rPr lang="he-IL" dirty="0" smtClean="0"/>
+              <a:t> – מתרגם בין המנועים </a:t>
+            </a:r>
+            <a:r>
+              <a:rPr lang="en-US" dirty="0" smtClean="0"/>
+              <a:t>V8, </a:t>
+            </a:r>
+            <a:r>
               <a:rPr lang="en-US" dirty="0" err="1" smtClean="0"/>
               <a:t>Libuv</a:t>
             </a:r>
-            <a:r>
-              <a:rPr lang="he-IL" dirty="0" smtClean="0"/>
-              <a:t> – מנוע שיודע לבצע פעולות </a:t>
-            </a:r>
-            <a:r>
-              <a:rPr lang="en-US" dirty="0" smtClean="0"/>
-              <a:t>IO</a:t>
-            </a:r>
-            <a:r>
-              <a:rPr lang="he-IL" dirty="0" smtClean="0"/>
-              <a:t> מול מערכת ההפעלה (רשת / קבצים וכד').</a:t>
-            </a:r>
-            <a:endParaRPr lang="he-IL" dirty="0"/>
-          </a:p>
-          <a:p>
-            <a:pPr algn="r" rtl="1"/>
-            <a:r>
-              <a:rPr lang="he-IL" dirty="0" smtClean="0"/>
-              <a:t>כאשר מקבל הנחיה לפעול מ-</a:t>
-            </a:r>
+            <a:endParaRPr lang="he-IL" dirty="0" smtClean="0"/>
+          </a:p>
+          <a:p>
+            <a:pPr algn="r" rtl="1"/>
             <a:r>
               <a:rPr lang="en-US" dirty="0" smtClean="0"/>
               <a:t>V8</a:t>
             </a:r>
             <a:r>
               <a:rPr lang="he-IL" dirty="0" smtClean="0"/>
-              <a:t> – מקצה </a:t>
-            </a:r>
-            <a:r>
-              <a:rPr lang="he-IL" dirty="0" err="1" smtClean="0"/>
-              <a:t>ת'רד</a:t>
-            </a:r>
-            <a:r>
-              <a:rPr lang="he-IL" dirty="0" smtClean="0"/>
-              <a:t> ומבצע את הפעולה. </a:t>
-            </a:r>
-          </a:p>
-          <a:p>
-            <a:pPr algn="r" rtl="1"/>
-            <a:r>
-              <a:rPr lang="he-IL" dirty="0" smtClean="0"/>
-              <a:t>בסיום הפעולה האסינכרונית – מרים </a:t>
+              <a:t> פועל ב-</a:t>
             </a:r>
             <a:r>
               <a:rPr lang="en-US" dirty="0" smtClean="0"/>
-              <a:t>event</a:t>
-            </a:r>
-            <a:r>
-              <a:rPr lang="he-IL" dirty="0"/>
-              <a:t>.</a:t>
+              <a:t>JS</a:t>
+            </a:r>
+            <a:endParaRPr lang="he-IL" dirty="0" smtClean="0"/>
+          </a:p>
+          <a:p>
+            <a:pPr algn="r" rtl="1"/>
+            <a:r>
+              <a:rPr lang="en-US" dirty="0" err="1" smtClean="0"/>
+              <a:t>Libuv</a:t>
+            </a:r>
+            <a:r>
+              <a:rPr lang="he-IL" dirty="0" smtClean="0"/>
+              <a:t> ב-</a:t>
+            </a:r>
+            <a:r>
+              <a:rPr lang="en-US" dirty="0" smtClean="0"/>
+              <a:t>C++</a:t>
             </a:r>
             <a:endParaRPr lang="he-IL" dirty="0" smtClean="0"/>
           </a:p>
@@ -3833,7 +3897,7 @@
     </p:spTree>
     <p:extLst>
       <p:ext uri="{BB962C8B-B14F-4D97-AF65-F5344CB8AC3E}">
-        <p14:creationId xmlns:p14="http://schemas.microsoft.com/office/powerpoint/2010/main" val="3504310112"/>
+        <p14:creationId xmlns:p14="http://schemas.microsoft.com/office/powerpoint/2010/main" val="1790568310"/>
       </p:ext>
     </p:extLst>
   </p:cSld>
@@ -3848,6 +3912,13 @@
       <p:transition spd="slow"/>
     </mc:Fallback>
   </mc:AlternateContent>
+  <p:timing>
+    <p:tnLst>
+      <p:par>
+        <p:cTn id="1" dur="indefinite" restart="never" nodeType="tmRoot"/>
+      </p:par>
+    </p:tnLst>
+  </p:timing>
 </p:sld>
 </file>
 
@@ -3917,263 +3988,6 @@
         </p:nvSpPr>
         <p:spPr>
           <a:xfrm>
-            <a:off x="3486149" y="1592594"/>
-            <a:ext cx="1866901" cy="3436606"/>
-          </a:xfrm>
-          <a:prstGeom prst="rect">
-            <a:avLst/>
-          </a:prstGeom>
-          <a:noFill/>
-          <a:ln w="127000">
-            <a:solidFill>
-              <a:srgbClr val="00B0F0"/>
-            </a:solidFill>
-          </a:ln>
-        </p:spPr>
-        <p:style>
-          <a:lnRef idx="2">
-            <a:schemeClr val="accent1">
-              <a:shade val="50000"/>
-            </a:schemeClr>
-          </a:lnRef>
-          <a:fillRef idx="1">
-            <a:schemeClr val="accent1"/>
-          </a:fillRef>
-          <a:effectRef idx="0">
-            <a:schemeClr val="accent1"/>
-          </a:effectRef>
-          <a:fontRef idx="minor">
-            <a:schemeClr val="lt1"/>
-          </a:fontRef>
-        </p:style>
-        <p:txBody>
-          <a:bodyPr rtlCol="0" anchor="ctr"/>
-          <a:lstStyle/>
-          <a:p>
-            <a:pPr algn="ctr"/>
-            <a:endParaRPr lang="en-US"/>
-          </a:p>
-        </p:txBody>
-      </p:sp>
-      <p:sp>
-        <p:nvSpPr>
-          <p:cNvPr id="17" name="Rectangle 16"/>
-          <p:cNvSpPr/>
-          <p:nvPr/>
-        </p:nvSpPr>
-        <p:spPr>
-          <a:xfrm>
-            <a:off x="1962150" y="5563791"/>
-            <a:ext cx="9282545" cy="923330"/>
-          </a:xfrm>
-          <a:prstGeom prst="rect">
-            <a:avLst/>
-          </a:prstGeom>
-        </p:spPr>
-        <p:txBody>
-          <a:bodyPr wrap="square">
-            <a:spAutoFit/>
-          </a:bodyPr>
-          <a:lstStyle/>
-          <a:p>
-            <a:pPr algn="r" rtl="1"/>
-            <a:r>
-              <a:rPr lang="he-IL" dirty="0" smtClean="0"/>
-              <a:t>מנוע </a:t>
-            </a:r>
-            <a:r>
-              <a:rPr lang="en-US" dirty="0" smtClean="0"/>
-              <a:t>Node.JS Bindings</a:t>
-            </a:r>
-            <a:r>
-              <a:rPr lang="he-IL" dirty="0" smtClean="0"/>
-              <a:t> – מתרגם בין המנועים </a:t>
-            </a:r>
-            <a:r>
-              <a:rPr lang="en-US" dirty="0" smtClean="0"/>
-              <a:t>V8, </a:t>
-            </a:r>
-            <a:r>
-              <a:rPr lang="en-US" dirty="0" err="1" smtClean="0"/>
-              <a:t>Libuv</a:t>
-            </a:r>
-            <a:endParaRPr lang="he-IL" dirty="0" smtClean="0"/>
-          </a:p>
-          <a:p>
-            <a:pPr algn="r" rtl="1"/>
-            <a:r>
-              <a:rPr lang="en-US" dirty="0" smtClean="0"/>
-              <a:t>V8</a:t>
-            </a:r>
-            <a:r>
-              <a:rPr lang="he-IL" dirty="0" smtClean="0"/>
-              <a:t> פועל ב-</a:t>
-            </a:r>
-            <a:r>
-              <a:rPr lang="en-US" dirty="0" smtClean="0"/>
-              <a:t>JS</a:t>
-            </a:r>
-            <a:endParaRPr lang="he-IL" dirty="0" smtClean="0"/>
-          </a:p>
-          <a:p>
-            <a:pPr algn="r" rtl="1"/>
-            <a:r>
-              <a:rPr lang="en-US" dirty="0" err="1" smtClean="0"/>
-              <a:t>Libuv</a:t>
-            </a:r>
-            <a:r>
-              <a:rPr lang="he-IL" dirty="0" smtClean="0"/>
-              <a:t> ב-</a:t>
-            </a:r>
-            <a:r>
-              <a:rPr lang="en-US" dirty="0" smtClean="0"/>
-              <a:t>C++</a:t>
-            </a:r>
-            <a:endParaRPr lang="he-IL" dirty="0" smtClean="0"/>
-          </a:p>
-        </p:txBody>
-      </p:sp>
-      <p:sp>
-        <p:nvSpPr>
-          <p:cNvPr id="7" name="Title 1"/>
-          <p:cNvSpPr txBox="1">
-            <a:spLocks/>
-          </p:cNvSpPr>
-          <p:nvPr/>
-        </p:nvSpPr>
-        <p:spPr>
-          <a:xfrm>
-            <a:off x="729095" y="153948"/>
-            <a:ext cx="10515600" cy="818216"/>
-          </a:xfrm>
-          <a:prstGeom prst="rect">
-            <a:avLst/>
-          </a:prstGeom>
-        </p:spPr>
-        <p:txBody>
-          <a:bodyPr vert="horz" lIns="91440" tIns="45720" rIns="91440" bIns="45720" rtlCol="0" anchor="ctr">
-            <a:normAutofit/>
-          </a:bodyPr>
-          <a:lstStyle>
-            <a:lvl1pPr algn="l" defTabSz="914400" rtl="0" eaLnBrk="1" latinLnBrk="0" hangingPunct="1">
-              <a:lnSpc>
-                <a:spcPct val="90000"/>
-              </a:lnSpc>
-              <a:spcBef>
-                <a:spcPct val="0"/>
-              </a:spcBef>
-              <a:buNone/>
-              <a:defRPr sz="4400" kern="1200">
-                <a:solidFill>
-                  <a:schemeClr val="tx1"/>
-                </a:solidFill>
-                <a:latin typeface="+mj-lt"/>
-                <a:ea typeface="+mj-ea"/>
-                <a:cs typeface="+mj-cs"/>
-              </a:defRPr>
-            </a:lvl1pPr>
-          </a:lstStyle>
-          <a:p>
-            <a:pPr algn="ctr" rtl="1"/>
-            <a:r>
-              <a:rPr lang="en-US" dirty="0" smtClean="0">
-                <a:cs typeface="+mn-cs"/>
-              </a:rPr>
-              <a:t>Node.JS – Under The Hood</a:t>
-            </a:r>
-            <a:endParaRPr lang="en-US" dirty="0">
-              <a:cs typeface="+mn-cs"/>
-            </a:endParaRPr>
-          </a:p>
-        </p:txBody>
-      </p:sp>
-    </p:spTree>
-    <p:extLst>
-      <p:ext uri="{BB962C8B-B14F-4D97-AF65-F5344CB8AC3E}">
-        <p14:creationId xmlns:p14="http://schemas.microsoft.com/office/powerpoint/2010/main" val="1790568310"/>
-      </p:ext>
-    </p:extLst>
-  </p:cSld>
-  <p:clrMapOvr>
-    <a:masterClrMapping/>
-  </p:clrMapOvr>
-  <mc:AlternateContent xmlns:mc="http://schemas.openxmlformats.org/markup-compatibility/2006" xmlns:p14="http://schemas.microsoft.com/office/powerpoint/2010/main">
-    <mc:Choice Requires="p14">
-      <p:transition spd="slow" p14:dur="2000"/>
-    </mc:Choice>
-    <mc:Fallback xmlns="">
-      <p:transition spd="slow"/>
-    </mc:Fallback>
-  </mc:AlternateContent>
-</p:sld>
-</file>
-
-<file path=ppt/slides/slide14.xml><?xml version="1.0" encoding="utf-8"?>
-<p:sld xmlns:a="http://schemas.openxmlformats.org/drawingml/2006/main" xmlns:r="http://schemas.openxmlformats.org/officeDocument/2006/relationships" xmlns:p="http://schemas.openxmlformats.org/presentationml/2006/main">
-  <p:cSld>
-    <p:spTree>
-      <p:nvGrpSpPr>
-        <p:cNvPr id="1" name=""/>
-        <p:cNvGrpSpPr/>
-        <p:nvPr/>
-      </p:nvGrpSpPr>
-      <p:grpSpPr>
-        <a:xfrm>
-          <a:off x="0" y="0"/>
-          <a:ext cx="0" cy="0"/>
-          <a:chOff x="0" y="0"/>
-          <a:chExt cx="0" cy="0"/>
-        </a:xfrm>
-      </p:grpSpPr>
-      <p:pic>
-        <p:nvPicPr>
-          <p:cNvPr id="2050" name="Picture 2" descr="Related image"/>
-          <p:cNvPicPr>
-            <a:picLocks noChangeAspect="1" noChangeArrowheads="1"/>
-          </p:cNvPicPr>
-          <p:nvPr/>
-        </p:nvPicPr>
-        <p:blipFill>
-          <a:blip r:embed="rId2">
-            <a:extLst>
-              <a:ext uri="{28A0092B-C50C-407E-A947-70E740481C1C}">
-                <a14:useLocalDpi xmlns:a14="http://schemas.microsoft.com/office/drawing/2010/main" val="0"/>
-              </a:ext>
-            </a:extLst>
-          </a:blip>
-          <a:srcRect/>
-          <a:stretch>
-            <a:fillRect/>
-          </a:stretch>
-        </p:blipFill>
-        <p:spPr bwMode="auto">
-          <a:xfrm>
-            <a:off x="1198421" y="1181714"/>
-            <a:ext cx="10046274" cy="3980836"/>
-          </a:xfrm>
-          <a:prstGeom prst="rect">
-            <a:avLst/>
-          </a:prstGeom>
-          <a:noFill/>
-          <a:extLst>
-            <a:ext uri="{909E8E84-426E-40DD-AFC4-6F175D3DCCD1}">
-              <a14:hiddenFill xmlns:a14="http://schemas.microsoft.com/office/drawing/2010/main">
-                <a:solidFill>
-                  <a:srgbClr val="FFFFFF"/>
-                </a:solidFill>
-              </a14:hiddenFill>
-            </a:ext>
-          </a:extLst>
-        </p:spPr>
-      </p:pic>
-      <p:sp>
-        <p:nvSpPr>
-          <p:cNvPr id="16" name="Rectangle 15"/>
-          <p:cNvSpPr/>
-          <p:nvPr/>
-        </p:nvSpPr>
-        <p:spPr>
-          <a:xfrm>
             <a:off x="5257800" y="2244404"/>
             <a:ext cx="5791199" cy="2765746"/>
           </a:xfrm>
@@ -4375,7 +4189,7 @@
 </p:sld>
 </file>
 
-<file path=ppt/slides/slide15.xml><?xml version="1.0" encoding="utf-8"?>
+<file path=ppt/slides/slide14.xml><?xml version="1.0" encoding="utf-8"?>
 <p:sld xmlns:a="http://schemas.openxmlformats.org/drawingml/2006/main" xmlns:r="http://schemas.openxmlformats.org/officeDocument/2006/relationships" xmlns:p="http://schemas.openxmlformats.org/presentationml/2006/main">
   <p:cSld>
     <p:spTree>
@@ -4446,7 +4260,7 @@
 </p:sld>
 </file>
 
-<file path=ppt/slides/slide16.xml><?xml version="1.0" encoding="utf-8"?>
+<file path=ppt/slides/slide15.xml><?xml version="1.0" encoding="utf-8"?>
 <p:sld xmlns:a="http://schemas.openxmlformats.org/drawingml/2006/main" xmlns:r="http://schemas.openxmlformats.org/officeDocument/2006/relationships" xmlns:p="http://schemas.openxmlformats.org/presentationml/2006/main">
   <p:cSld>
     <p:spTree>
@@ -5264,7 +5078,7 @@
 </p:sld>
 </file>
 
-<file path=ppt/slides/slide17.xml><?xml version="1.0" encoding="utf-8"?>
+<file path=ppt/slides/slide16.xml><?xml version="1.0" encoding="utf-8"?>
 <p:sld xmlns:a="http://schemas.openxmlformats.org/drawingml/2006/main" xmlns:r="http://schemas.openxmlformats.org/officeDocument/2006/relationships" xmlns:p="http://schemas.openxmlformats.org/presentationml/2006/main">
   <p:cSld>
     <p:spTree>
@@ -5675,6 +5489,241 @@
     <p:extLst>
       <p:ext uri="{BB962C8B-B14F-4D97-AF65-F5344CB8AC3E}">
         <p14:creationId xmlns:p14="http://schemas.microsoft.com/office/powerpoint/2010/main" val="2459336237"/>
+      </p:ext>
+    </p:extLst>
+  </p:cSld>
+  <p:clrMapOvr>
+    <a:masterClrMapping/>
+  </p:clrMapOvr>
+</p:sld>
+</file>
+
+<file path=ppt/slides/slide17.xml><?xml version="1.0" encoding="utf-8"?>
+<p:sld xmlns:a="http://schemas.openxmlformats.org/drawingml/2006/main" xmlns:r="http://schemas.openxmlformats.org/officeDocument/2006/relationships" xmlns:p="http://schemas.openxmlformats.org/presentationml/2006/main">
+  <p:cSld>
+    <p:spTree>
+      <p:nvGrpSpPr>
+        <p:cNvPr id="1" name=""/>
+        <p:cNvGrpSpPr/>
+        <p:nvPr/>
+      </p:nvGrpSpPr>
+      <p:grpSpPr>
+        <a:xfrm>
+          <a:off x="0" y="0"/>
+          <a:ext cx="0" cy="0"/>
+          <a:chOff x="0" y="0"/>
+          <a:chExt cx="0" cy="0"/>
+        </a:xfrm>
+      </p:grpSpPr>
+      <p:sp>
+        <p:nvSpPr>
+          <p:cNvPr id="2" name="Title 1"/>
+          <p:cNvSpPr>
+            <a:spLocks noGrp="1"/>
+          </p:cNvSpPr>
+          <p:nvPr>
+            <p:ph type="title"/>
+          </p:nvPr>
+        </p:nvSpPr>
+        <p:spPr>
+          <a:xfrm>
+            <a:off x="838200" y="365126"/>
+            <a:ext cx="10515600" cy="719604"/>
+          </a:xfrm>
+        </p:spPr>
+        <p:txBody>
+          <a:bodyPr/>
+          <a:lstStyle/>
+          <a:p>
+            <a:pPr algn="ctr" rtl="1"/>
+            <a:r>
+              <a:rPr lang="he-IL" dirty="0" smtClean="0">
+                <a:cs typeface="+mn-cs"/>
+              </a:rPr>
+              <a:t>האם </a:t>
+            </a:r>
+            <a:r>
+              <a:rPr lang="en-US" dirty="0" smtClean="0">
+                <a:cs typeface="+mn-cs"/>
+              </a:rPr>
+              <a:t>Node</a:t>
+            </a:r>
+            <a:r>
+              <a:rPr lang="he-IL" dirty="0" smtClean="0">
+                <a:cs typeface="+mn-cs"/>
+              </a:rPr>
+              <a:t> היא סינגל </a:t>
+            </a:r>
+            <a:r>
+              <a:rPr lang="he-IL" dirty="0" err="1" smtClean="0">
+                <a:cs typeface="+mn-cs"/>
+              </a:rPr>
+              <a:t>ת'רד</a:t>
+            </a:r>
+            <a:r>
+              <a:rPr lang="he-IL" dirty="0" smtClean="0">
+                <a:cs typeface="+mn-cs"/>
+              </a:rPr>
+              <a:t>?</a:t>
+            </a:r>
+            <a:endParaRPr lang="en-US" dirty="0">
+              <a:cs typeface="+mn-cs"/>
+            </a:endParaRPr>
+          </a:p>
+        </p:txBody>
+      </p:sp>
+      <p:sp>
+        <p:nvSpPr>
+          <p:cNvPr id="3" name="TextBox 2"/>
+          <p:cNvSpPr txBox="1"/>
+          <p:nvPr/>
+        </p:nvSpPr>
+        <p:spPr>
+          <a:xfrm>
+            <a:off x="838200" y="1342344"/>
+            <a:ext cx="10597237" cy="3693319"/>
+          </a:xfrm>
+          <a:prstGeom prst="rect">
+            <a:avLst/>
+          </a:prstGeom>
+          <a:noFill/>
+        </p:spPr>
+        <p:txBody>
+          <a:bodyPr wrap="square" rtlCol="0">
+            <a:spAutoFit/>
+          </a:bodyPr>
+          <a:lstStyle/>
+          <a:p>
+            <a:pPr algn="r" rtl="1"/>
+            <a:r>
+              <a:rPr lang="he-IL" dirty="0" smtClean="0"/>
+              <a:t>התשובה היא כן ולא:</a:t>
+            </a:r>
+            <a:endParaRPr lang="en-US" dirty="0" smtClean="0"/>
+          </a:p>
+          <a:p>
+            <a:pPr algn="r" rtl="1"/>
+            <a:endParaRPr lang="he-IL" dirty="0" smtClean="0"/>
+          </a:p>
+          <a:p>
+            <a:pPr algn="r" rtl="1"/>
+            <a:r>
+              <a:rPr lang="he-IL" dirty="0" smtClean="0"/>
+              <a:t>ריצת </a:t>
+            </a:r>
+            <a:r>
+              <a:rPr lang="en-US" dirty="0" smtClean="0"/>
+              <a:t>V8</a:t>
+            </a:r>
+            <a:r>
+              <a:rPr lang="he-IL" dirty="0" smtClean="0"/>
+              <a:t> היא סינגל </a:t>
+            </a:r>
+            <a:r>
+              <a:rPr lang="he-IL" dirty="0" err="1" smtClean="0"/>
+              <a:t>ת'רד</a:t>
+            </a:r>
+            <a:r>
+              <a:rPr lang="he-IL" dirty="0" smtClean="0"/>
+              <a:t>.</a:t>
+            </a:r>
+          </a:p>
+          <a:p>
+            <a:pPr algn="r" rtl="1"/>
+            <a:r>
+              <a:rPr lang="he-IL" dirty="0" smtClean="0"/>
+              <a:t>ה-</a:t>
+            </a:r>
+            <a:r>
+              <a:rPr lang="en-US" dirty="0" smtClean="0"/>
+              <a:t>Event Loop</a:t>
+            </a:r>
+            <a:r>
+              <a:rPr lang="he-IL" dirty="0" smtClean="0"/>
+              <a:t> היא סינגל </a:t>
+            </a:r>
+            <a:r>
+              <a:rPr lang="he-IL" dirty="0" err="1" smtClean="0"/>
+              <a:t>ת'רד</a:t>
+            </a:r>
+            <a:r>
+              <a:rPr lang="he-IL" dirty="0" smtClean="0"/>
+              <a:t>.</a:t>
+            </a:r>
+            <a:endParaRPr lang="en-US" dirty="0" smtClean="0"/>
+          </a:p>
+          <a:p>
+            <a:pPr algn="r" rtl="1"/>
+            <a:endParaRPr lang="he-IL" dirty="0" smtClean="0"/>
+          </a:p>
+          <a:p>
+            <a:pPr algn="r" rtl="1"/>
+            <a:r>
+              <a:rPr lang="he-IL" dirty="0" smtClean="0"/>
+              <a:t>אבל רוב הפונקציונליות ש-</a:t>
+            </a:r>
+            <a:r>
+              <a:rPr lang="en-US" dirty="0" smtClean="0"/>
+              <a:t>Node</a:t>
+            </a:r>
+            <a:r>
+              <a:rPr lang="he-IL" dirty="0" smtClean="0"/>
+              <a:t> מספקת לנו תחת מנוע </a:t>
+            </a:r>
+            <a:r>
+              <a:rPr lang="en-US" dirty="0" err="1" smtClean="0"/>
+              <a:t>Libuv</a:t>
+            </a:r>
+            <a:r>
+              <a:rPr lang="he-IL" dirty="0" smtClean="0"/>
+              <a:t> – היא מולטי </a:t>
+            </a:r>
+            <a:r>
+              <a:rPr lang="he-IL" dirty="0" err="1" smtClean="0"/>
+              <a:t>ת'רד</a:t>
+            </a:r>
+            <a:r>
+              <a:rPr lang="he-IL" dirty="0" smtClean="0"/>
+              <a:t>.</a:t>
+            </a:r>
+          </a:p>
+          <a:p>
+            <a:pPr algn="r" rtl="1"/>
+            <a:endParaRPr lang="he-IL" dirty="0" smtClean="0"/>
+          </a:p>
+          <a:p>
+            <a:pPr algn="r" rtl="1"/>
+            <a:endParaRPr lang="he-IL" dirty="0"/>
+          </a:p>
+          <a:p>
+            <a:pPr algn="r" rtl="1"/>
+            <a:endParaRPr lang="he-IL" dirty="0" smtClean="0"/>
+          </a:p>
+          <a:p>
+            <a:pPr algn="r" rtl="1"/>
+            <a:r>
+              <a:rPr lang="he-IL" dirty="0" smtClean="0"/>
+              <a:t>מה המשמעות מכך?</a:t>
+            </a:r>
+          </a:p>
+          <a:p>
+            <a:pPr algn="r" rtl="1"/>
+            <a:endParaRPr lang="he-IL" dirty="0"/>
+          </a:p>
+          <a:p>
+            <a:pPr algn="r" rtl="1"/>
+            <a:endParaRPr lang="he-IL" dirty="0"/>
+          </a:p>
+          <a:p>
+            <a:pPr algn="r" rtl="1"/>
+            <a:endParaRPr lang="he-IL" dirty="0" smtClean="0"/>
+          </a:p>
+        </p:txBody>
+      </p:sp>
+    </p:spTree>
+    <p:extLst>
+      <p:ext uri="{BB962C8B-B14F-4D97-AF65-F5344CB8AC3E}">
+        <p14:creationId xmlns:p14="http://schemas.microsoft.com/office/powerpoint/2010/main" val="1705815735"/>
       </p:ext>
     </p:extLst>
   </p:cSld>
@@ -5713,241 +5762,6 @@
         </p:nvSpPr>
         <p:spPr>
           <a:xfrm>
-            <a:off x="838200" y="365126"/>
-            <a:ext cx="10515600" cy="719604"/>
-          </a:xfrm>
-        </p:spPr>
-        <p:txBody>
-          <a:bodyPr/>
-          <a:lstStyle/>
-          <a:p>
-            <a:pPr algn="ctr" rtl="1"/>
-            <a:r>
-              <a:rPr lang="he-IL" dirty="0" smtClean="0">
-                <a:cs typeface="+mn-cs"/>
-              </a:rPr>
-              <a:t>האם </a:t>
-            </a:r>
-            <a:r>
-              <a:rPr lang="en-US" dirty="0" smtClean="0">
-                <a:cs typeface="+mn-cs"/>
-              </a:rPr>
-              <a:t>Node</a:t>
-            </a:r>
-            <a:r>
-              <a:rPr lang="he-IL" dirty="0" smtClean="0">
-                <a:cs typeface="+mn-cs"/>
-              </a:rPr>
-              <a:t> היא סינגל </a:t>
-            </a:r>
-            <a:r>
-              <a:rPr lang="he-IL" dirty="0" err="1" smtClean="0">
-                <a:cs typeface="+mn-cs"/>
-              </a:rPr>
-              <a:t>ת'רד</a:t>
-            </a:r>
-            <a:r>
-              <a:rPr lang="he-IL" dirty="0" smtClean="0">
-                <a:cs typeface="+mn-cs"/>
-              </a:rPr>
-              <a:t>?</a:t>
-            </a:r>
-            <a:endParaRPr lang="en-US" dirty="0">
-              <a:cs typeface="+mn-cs"/>
-            </a:endParaRPr>
-          </a:p>
-        </p:txBody>
-      </p:sp>
-      <p:sp>
-        <p:nvSpPr>
-          <p:cNvPr id="3" name="TextBox 2"/>
-          <p:cNvSpPr txBox="1"/>
-          <p:nvPr/>
-        </p:nvSpPr>
-        <p:spPr>
-          <a:xfrm>
-            <a:off x="838200" y="1342344"/>
-            <a:ext cx="10597237" cy="3693319"/>
-          </a:xfrm>
-          <a:prstGeom prst="rect">
-            <a:avLst/>
-          </a:prstGeom>
-          <a:noFill/>
-        </p:spPr>
-        <p:txBody>
-          <a:bodyPr wrap="square" rtlCol="0">
-            <a:spAutoFit/>
-          </a:bodyPr>
-          <a:lstStyle/>
-          <a:p>
-            <a:pPr algn="r" rtl="1"/>
-            <a:r>
-              <a:rPr lang="he-IL" dirty="0" smtClean="0"/>
-              <a:t>התשובה היא כן ולא:</a:t>
-            </a:r>
-            <a:endParaRPr lang="en-US" dirty="0" smtClean="0"/>
-          </a:p>
-          <a:p>
-            <a:pPr algn="r" rtl="1"/>
-            <a:endParaRPr lang="he-IL" dirty="0" smtClean="0"/>
-          </a:p>
-          <a:p>
-            <a:pPr algn="r" rtl="1"/>
-            <a:r>
-              <a:rPr lang="he-IL" dirty="0" smtClean="0"/>
-              <a:t>ריצת </a:t>
-            </a:r>
-            <a:r>
-              <a:rPr lang="en-US" dirty="0" smtClean="0"/>
-              <a:t>V8</a:t>
-            </a:r>
-            <a:r>
-              <a:rPr lang="he-IL" dirty="0" smtClean="0"/>
-              <a:t> היא סינגל </a:t>
-            </a:r>
-            <a:r>
-              <a:rPr lang="he-IL" dirty="0" err="1" smtClean="0"/>
-              <a:t>ת'רד</a:t>
-            </a:r>
-            <a:r>
-              <a:rPr lang="he-IL" dirty="0" smtClean="0"/>
-              <a:t>.</a:t>
-            </a:r>
-          </a:p>
-          <a:p>
-            <a:pPr algn="r" rtl="1"/>
-            <a:r>
-              <a:rPr lang="he-IL" dirty="0" smtClean="0"/>
-              <a:t>ה-</a:t>
-            </a:r>
-            <a:r>
-              <a:rPr lang="en-US" dirty="0" smtClean="0"/>
-              <a:t>Event Loop</a:t>
-            </a:r>
-            <a:r>
-              <a:rPr lang="he-IL" dirty="0" smtClean="0"/>
-              <a:t> היא סינגל </a:t>
-            </a:r>
-            <a:r>
-              <a:rPr lang="he-IL" dirty="0" err="1" smtClean="0"/>
-              <a:t>ת'רד</a:t>
-            </a:r>
-            <a:r>
-              <a:rPr lang="he-IL" dirty="0" smtClean="0"/>
-              <a:t>.</a:t>
-            </a:r>
-            <a:endParaRPr lang="en-US" dirty="0" smtClean="0"/>
-          </a:p>
-          <a:p>
-            <a:pPr algn="r" rtl="1"/>
-            <a:endParaRPr lang="he-IL" dirty="0" smtClean="0"/>
-          </a:p>
-          <a:p>
-            <a:pPr algn="r" rtl="1"/>
-            <a:r>
-              <a:rPr lang="he-IL" dirty="0" smtClean="0"/>
-              <a:t>אבל רוב הפונקציונליות ש-</a:t>
-            </a:r>
-            <a:r>
-              <a:rPr lang="en-US" dirty="0" smtClean="0"/>
-              <a:t>Node</a:t>
-            </a:r>
-            <a:r>
-              <a:rPr lang="he-IL" dirty="0" smtClean="0"/>
-              <a:t> מספקת לנו תחת מנוע </a:t>
-            </a:r>
-            <a:r>
-              <a:rPr lang="en-US" dirty="0" err="1" smtClean="0"/>
-              <a:t>Libuv</a:t>
-            </a:r>
-            <a:r>
-              <a:rPr lang="he-IL" dirty="0" smtClean="0"/>
-              <a:t> – היא מולטי </a:t>
-            </a:r>
-            <a:r>
-              <a:rPr lang="he-IL" dirty="0" err="1" smtClean="0"/>
-              <a:t>ת'רד</a:t>
-            </a:r>
-            <a:r>
-              <a:rPr lang="he-IL" dirty="0" smtClean="0"/>
-              <a:t>.</a:t>
-            </a:r>
-          </a:p>
-          <a:p>
-            <a:pPr algn="r" rtl="1"/>
-            <a:endParaRPr lang="he-IL" dirty="0" smtClean="0"/>
-          </a:p>
-          <a:p>
-            <a:pPr algn="r" rtl="1"/>
-            <a:endParaRPr lang="he-IL" dirty="0"/>
-          </a:p>
-          <a:p>
-            <a:pPr algn="r" rtl="1"/>
-            <a:endParaRPr lang="he-IL" dirty="0" smtClean="0"/>
-          </a:p>
-          <a:p>
-            <a:pPr algn="r" rtl="1"/>
-            <a:r>
-              <a:rPr lang="he-IL" dirty="0" smtClean="0"/>
-              <a:t>מה המשמעות מכך?</a:t>
-            </a:r>
-          </a:p>
-          <a:p>
-            <a:pPr algn="r" rtl="1"/>
-            <a:endParaRPr lang="he-IL" dirty="0"/>
-          </a:p>
-          <a:p>
-            <a:pPr algn="r" rtl="1"/>
-            <a:endParaRPr lang="he-IL" dirty="0"/>
-          </a:p>
-          <a:p>
-            <a:pPr algn="r" rtl="1"/>
-            <a:endParaRPr lang="he-IL" dirty="0" smtClean="0"/>
-          </a:p>
-        </p:txBody>
-      </p:sp>
-    </p:spTree>
-    <p:extLst>
-      <p:ext uri="{BB962C8B-B14F-4D97-AF65-F5344CB8AC3E}">
-        <p14:creationId xmlns:p14="http://schemas.microsoft.com/office/powerpoint/2010/main" val="1705815735"/>
-      </p:ext>
-    </p:extLst>
-  </p:cSld>
-  <p:clrMapOvr>
-    <a:masterClrMapping/>
-  </p:clrMapOvr>
-</p:sld>
-</file>
-
-<file path=ppt/slides/slide19.xml><?xml version="1.0" encoding="utf-8"?>
-<p:sld xmlns:a="http://schemas.openxmlformats.org/drawingml/2006/main" xmlns:r="http://schemas.openxmlformats.org/officeDocument/2006/relationships" xmlns:p="http://schemas.openxmlformats.org/presentationml/2006/main">
-  <p:cSld>
-    <p:spTree>
-      <p:nvGrpSpPr>
-        <p:cNvPr id="1" name=""/>
-        <p:cNvGrpSpPr/>
-        <p:nvPr/>
-      </p:nvGrpSpPr>
-      <p:grpSpPr>
-        <a:xfrm>
-          <a:off x="0" y="0"/>
-          <a:ext cx="0" cy="0"/>
-          <a:chOff x="0" y="0"/>
-          <a:chExt cx="0" cy="0"/>
-        </a:xfrm>
-      </p:grpSpPr>
-      <p:sp>
-        <p:nvSpPr>
-          <p:cNvPr id="2" name="Title 1"/>
-          <p:cNvSpPr>
-            <a:spLocks noGrp="1"/>
-          </p:cNvSpPr>
-          <p:nvPr>
-            <p:ph type="title"/>
-          </p:nvPr>
-        </p:nvSpPr>
-        <p:spPr>
-          <a:xfrm>
             <a:off x="806116" y="349084"/>
             <a:ext cx="10515600" cy="719604"/>
           </a:xfrm>
@@ -6044,11 +5858,7 @@
             </a:pPr>
             <a:r>
               <a:rPr lang="he-IL" dirty="0" smtClean="0"/>
-              <a:t>קוד </a:t>
-            </a:r>
-            <a:r>
-              <a:rPr lang="he-IL" dirty="0" smtClean="0"/>
-              <a:t>אסינכרוני - מואצל ל-</a:t>
+              <a:t>קוד אסינכרוני - מואצל ל-</a:t>
             </a:r>
             <a:r>
               <a:rPr lang="en-US" dirty="0" err="1" smtClean="0"/>
@@ -6067,11 +5877,7 @@
             <a:pPr algn="r" rtl="1"/>
             <a:r>
               <a:rPr lang="he-IL" b="1" u="sng" dirty="0" smtClean="0"/>
-              <a:t>צוואר </a:t>
-            </a:r>
-            <a:r>
-              <a:rPr lang="he-IL" b="1" u="sng" dirty="0" smtClean="0"/>
-              <a:t>הבקבוק, ה-</a:t>
+              <a:t>צוואר הבקבוק, ה-</a:t>
             </a:r>
             <a:r>
               <a:rPr lang="en-US" b="1" u="sng" dirty="0" smtClean="0"/>
@@ -6173,7 +5979,6 @@
               <a:rPr lang="he-IL" dirty="0" smtClean="0"/>
               <a:t> הבא.</a:t>
             </a:r>
-            <a:endParaRPr lang="he-IL" dirty="0" smtClean="0"/>
           </a:p>
           <a:p>
             <a:pPr marL="285750" indent="-285750" algn="r" rtl="1">
@@ -6202,15 +6007,7 @@
                   <a:srgbClr val="FF0000"/>
                 </a:solidFill>
               </a:rPr>
-              <a:t> תתרחש </a:t>
-            </a:r>
-            <a:r>
-              <a:rPr lang="he-IL" b="1" dirty="0" smtClean="0">
-                <a:solidFill>
-                  <a:srgbClr val="FF0000"/>
-                </a:solidFill>
-              </a:rPr>
-              <a:t>אלגוריתמיקה כבדה (חישובים מתמטיים מסובכים / לולאות </a:t>
+              <a:t> תתרחש אלגוריתמיקה כבדה (חישובים מתמטיים מסובכים / לולאות </a:t>
             </a:r>
             <a:r>
               <a:rPr lang="en-US" b="1" dirty="0" smtClean="0">
@@ -6277,15 +6074,7 @@
                   <a:srgbClr val="FF0000"/>
                 </a:solidFill>
               </a:rPr>
-              <a:t>  	 </a:t>
-            </a:r>
-            <a:r>
-              <a:rPr lang="he-IL" dirty="0" smtClean="0">
-                <a:solidFill>
-                  <a:srgbClr val="FF0000"/>
-                </a:solidFill>
-              </a:rPr>
-              <a:t>הלולאה תהיה עסוקה בלהריץ את האלגוריתם, ועד שהוא לא יסתיים</a:t>
+              <a:t>  	 הלולאה תהיה עסוקה בלהריץ את האלגוריתם, ועד שהוא לא יסתיים</a:t>
             </a:r>
           </a:p>
           <a:p>
@@ -6367,11 +6156,7 @@
             </a:r>
             <a:r>
               <a:rPr lang="he-IL" b="1" dirty="0" smtClean="0"/>
-              <a:t> </a:t>
-            </a:r>
-            <a:r>
-              <a:rPr lang="he-IL" b="1" dirty="0" smtClean="0"/>
-              <a:t>ולא להגיע למצב </a:t>
+              <a:t> ולא להגיע למצב </a:t>
             </a:r>
             <a:r>
               <a:rPr lang="en-US" b="1" dirty="0" smtClean="0"/>
@@ -6381,7 +6166,6 @@
               <a:rPr lang="he-IL" b="1" dirty="0" smtClean="0"/>
               <a:t>.</a:t>
             </a:r>
-            <a:endParaRPr lang="he-IL" b="1" dirty="0" smtClean="0"/>
           </a:p>
           <a:p>
             <a:pPr algn="r" rtl="1"/>
@@ -6450,31 +6234,7 @@
                   <a:srgbClr val="00B050"/>
                 </a:solidFill>
               </a:rPr>
-              <a:t> כן יכולים לבצע פעולות </a:t>
-            </a:r>
-            <a:r>
-              <a:rPr lang="he-IL" b="1" dirty="0" smtClean="0">
-                <a:solidFill>
-                  <a:srgbClr val="00B050"/>
-                </a:solidFill>
-              </a:rPr>
-              <a:t>פשוטות </a:t>
-            </a:r>
-            <a:r>
-              <a:rPr lang="he-IL" b="1" dirty="0" smtClean="0">
-                <a:solidFill>
-                  <a:srgbClr val="00B050"/>
-                </a:solidFill>
-              </a:rPr>
-              <a:t>/ תהליכים קצרים / עבודה אסינכרונית שתואצל </a:t>
-            </a:r>
-            <a:r>
-              <a:rPr lang="he-IL" b="1" dirty="0" smtClean="0">
-                <a:solidFill>
-                  <a:srgbClr val="00B050"/>
-                </a:solidFill>
-              </a:rPr>
-              <a:t>ל-</a:t>
+              <a:t> כן יכולים לבצע פעולות פשוטות / תהליכים קצרים / עבודה אסינכרונית שתואצל ל-</a:t>
             </a:r>
             <a:r>
               <a:rPr lang="en-US" b="1" dirty="0" err="1" smtClean="0">
@@ -6529,248 +6289,7 @@
 </p:sld>
 </file>
 
-<file path=ppt/slides/slide2.xml><?xml version="1.0" encoding="utf-8"?>
-<p:sld xmlns:a="http://schemas.openxmlformats.org/drawingml/2006/main" xmlns:r="http://schemas.openxmlformats.org/officeDocument/2006/relationships" xmlns:p="http://schemas.openxmlformats.org/presentationml/2006/main">
-  <p:cSld>
-    <p:spTree>
-      <p:nvGrpSpPr>
-        <p:cNvPr id="1" name=""/>
-        <p:cNvGrpSpPr/>
-        <p:nvPr/>
-      </p:nvGrpSpPr>
-      <p:grpSpPr>
-        <a:xfrm>
-          <a:off x="0" y="0"/>
-          <a:ext cx="0" cy="0"/>
-          <a:chOff x="0" y="0"/>
-          <a:chExt cx="0" cy="0"/>
-        </a:xfrm>
-      </p:grpSpPr>
-      <p:sp>
-        <p:nvSpPr>
-          <p:cNvPr id="2" name="Title 1"/>
-          <p:cNvSpPr>
-            <a:spLocks noGrp="1"/>
-          </p:cNvSpPr>
-          <p:nvPr>
-            <p:ph type="title"/>
-          </p:nvPr>
-        </p:nvSpPr>
-        <p:spPr>
-          <a:xfrm>
-            <a:off x="838200" y="138702"/>
-            <a:ext cx="10515600" cy="1325563"/>
-          </a:xfrm>
-        </p:spPr>
-        <p:txBody>
-          <a:bodyPr/>
-          <a:lstStyle/>
-          <a:p>
-            <a:pPr algn="ctr" rtl="1"/>
-            <a:r>
-              <a:rPr lang="he-IL" dirty="0" smtClean="0">
-                <a:cs typeface="+mn-cs"/>
-              </a:rPr>
-              <a:t>הקדמה</a:t>
-            </a:r>
-            <a:endParaRPr lang="en-US" dirty="0">
-              <a:cs typeface="+mn-cs"/>
-            </a:endParaRPr>
-          </a:p>
-        </p:txBody>
-      </p:sp>
-      <p:sp>
-        <p:nvSpPr>
-          <p:cNvPr id="4" name="Rectangle 3"/>
-          <p:cNvSpPr/>
-          <p:nvPr/>
-        </p:nvSpPr>
-        <p:spPr>
-          <a:xfrm>
-            <a:off x="726141" y="1290918"/>
-            <a:ext cx="10627659" cy="3693319"/>
-          </a:xfrm>
-          <a:prstGeom prst="rect">
-            <a:avLst/>
-          </a:prstGeom>
-        </p:spPr>
-        <p:txBody>
-          <a:bodyPr wrap="square">
-            <a:spAutoFit/>
-          </a:bodyPr>
-          <a:lstStyle/>
-          <a:p>
-            <a:pPr algn="r" rtl="1"/>
-            <a:r>
-              <a:rPr lang="he-IL" dirty="0" err="1" smtClean="0"/>
-              <a:t>פרוייקט</a:t>
-            </a:r>
-            <a:r>
-              <a:rPr lang="he-IL" dirty="0" smtClean="0"/>
-              <a:t> </a:t>
-            </a:r>
-            <a:r>
-              <a:rPr lang="en-US" dirty="0" smtClean="0"/>
-              <a:t>Node.JS</a:t>
-            </a:r>
-            <a:r>
-              <a:rPr lang="he-IL" dirty="0" smtClean="0"/>
-              <a:t> נוצר ב-2009 ע"י </a:t>
-            </a:r>
-            <a:r>
-              <a:rPr lang="en-US" dirty="0" smtClean="0"/>
-              <a:t>Ryan Dahl</a:t>
-            </a:r>
-            <a:r>
-              <a:rPr lang="he-IL" dirty="0"/>
-              <a:t> </a:t>
-            </a:r>
-            <a:r>
-              <a:rPr lang="he-IL" dirty="0" smtClean="0"/>
-              <a:t>בעקבות דרישה מהקהילה להוציא את </a:t>
-            </a:r>
-            <a:r>
-              <a:rPr lang="en-US" dirty="0" smtClean="0"/>
-              <a:t>JavaScript</a:t>
-            </a:r>
-            <a:r>
-              <a:rPr lang="he-IL" dirty="0" smtClean="0"/>
-              <a:t> מחוץ לדפדפן וצד הלקוח ולהעביר אותו לצד השרת.</a:t>
-            </a:r>
-          </a:p>
-          <a:p>
-            <a:pPr algn="r" rtl="1"/>
-            <a:endParaRPr lang="he-IL" dirty="0" smtClean="0"/>
-          </a:p>
-          <a:p>
-            <a:pPr algn="r" rtl="1"/>
-            <a:r>
-              <a:rPr lang="he-IL" dirty="0" smtClean="0"/>
-              <a:t>הפרויקט התחיל כפרויקט קוד פתוח "מסחרי", אך ככל שנהיה פופולרי האלמנטים המסחריים נזנחו עד שהפך </a:t>
-            </a:r>
-            <a:r>
-              <a:rPr lang="he-IL" dirty="0" err="1" smtClean="0"/>
-              <a:t>לפרוייקט</a:t>
-            </a:r>
-            <a:r>
-              <a:rPr lang="he-IL" dirty="0" smtClean="0"/>
-              <a:t> חופשי לחלוטין.</a:t>
-            </a:r>
-          </a:p>
-          <a:p>
-            <a:pPr algn="r" rtl="1"/>
-            <a:endParaRPr lang="he-IL" dirty="0"/>
-          </a:p>
-          <a:p>
-            <a:pPr algn="r" rtl="1"/>
-            <a:r>
-              <a:rPr lang="he-IL" dirty="0" smtClean="0"/>
-              <a:t>ב-2010 התווסף </a:t>
-            </a:r>
-            <a:r>
-              <a:rPr lang="he-IL" dirty="0" err="1" smtClean="0"/>
-              <a:t>לפרוייקט</a:t>
-            </a:r>
-            <a:r>
-              <a:rPr lang="he-IL" dirty="0" smtClean="0"/>
-              <a:t> מנהל חבילות </a:t>
-            </a:r>
-            <a:r>
-              <a:rPr lang="en-US" dirty="0" smtClean="0"/>
-              <a:t>Package Manager</a:t>
-            </a:r>
-            <a:r>
-              <a:rPr lang="he-IL" dirty="0" smtClean="0"/>
-              <a:t> בשם </a:t>
-            </a:r>
-            <a:r>
-              <a:rPr lang="en-US" dirty="0" smtClean="0"/>
-              <a:t>npm</a:t>
-            </a:r>
-            <a:r>
-              <a:rPr lang="he-IL" dirty="0" smtClean="0"/>
-              <a:t> </a:t>
-            </a:r>
-          </a:p>
-          <a:p>
-            <a:pPr algn="r" rtl="1"/>
-            <a:endParaRPr lang="he-IL" dirty="0"/>
-          </a:p>
-          <a:p>
-            <a:pPr algn="r" rtl="1"/>
-            <a:r>
-              <a:rPr lang="he-IL" dirty="0" smtClean="0"/>
-              <a:t>ב-2014 בעקבות מחלוקות ניהוליות הפרויקט התפצל ל-2  </a:t>
-            </a:r>
-            <a:r>
-              <a:rPr lang="en-US" dirty="0" smtClean="0"/>
-              <a:t>Node.JS</a:t>
-            </a:r>
-            <a:r>
-              <a:rPr lang="he-IL" dirty="0" smtClean="0"/>
-              <a:t> ו-</a:t>
-            </a:r>
-            <a:r>
-              <a:rPr lang="en-US" dirty="0" smtClean="0"/>
-              <a:t>IO.JS</a:t>
-            </a:r>
-            <a:endParaRPr lang="he-IL" dirty="0" smtClean="0"/>
-          </a:p>
-          <a:p>
-            <a:pPr algn="r" rtl="1"/>
-            <a:endParaRPr lang="he-IL" dirty="0"/>
-          </a:p>
-          <a:p>
-            <a:pPr algn="r" rtl="1"/>
-            <a:r>
-              <a:rPr lang="he-IL" dirty="0" smtClean="0"/>
-              <a:t>ב-2015 הפרויקטים אוחדו בחזרה, והוקמה עמותת </a:t>
-            </a:r>
-            <a:r>
-              <a:rPr lang="en-US" dirty="0" smtClean="0"/>
-              <a:t>Node.JS foundation</a:t>
-            </a:r>
-            <a:r>
-              <a:rPr lang="he-IL" dirty="0" smtClean="0"/>
-              <a:t> שאחראית על ניהולו.</a:t>
-            </a:r>
-          </a:p>
-          <a:p>
-            <a:pPr algn="r" rtl="1"/>
-            <a:endParaRPr lang="he-IL" dirty="0"/>
-          </a:p>
-          <a:p>
-            <a:pPr algn="r" rtl="1"/>
-            <a:r>
-              <a:rPr lang="he-IL" dirty="0" smtClean="0"/>
-              <a:t>מאז ועד היום </a:t>
-            </a:r>
-            <a:r>
-              <a:rPr lang="en-US" dirty="0" smtClean="0"/>
-              <a:t>Node.JS</a:t>
-            </a:r>
-            <a:r>
-              <a:rPr lang="he-IL" dirty="0" smtClean="0"/>
-              <a:t> הפכה להיות אחת הפלטפורמות הפופולריות לאפליקציות צד שרת</a:t>
-            </a:r>
-            <a:endParaRPr lang="en-US" dirty="0"/>
-          </a:p>
-        </p:txBody>
-      </p:sp>
-    </p:spTree>
-    <p:extLst>
-      <p:ext uri="{BB962C8B-B14F-4D97-AF65-F5344CB8AC3E}">
-        <p14:creationId xmlns:p14="http://schemas.microsoft.com/office/powerpoint/2010/main" val="1313272780"/>
-      </p:ext>
-    </p:extLst>
-  </p:cSld>
-  <p:clrMapOvr>
-    <a:masterClrMapping/>
-  </p:clrMapOvr>
-</p:sld>
-</file>
-
-<file path=ppt/slides/slide20.xml><?xml version="1.0" encoding="utf-8"?>
+<file path=ppt/slides/slide19.xml><?xml version="1.0" encoding="utf-8"?>
 <p:sld xmlns:a="http://schemas.openxmlformats.org/drawingml/2006/main" xmlns:r="http://schemas.openxmlformats.org/officeDocument/2006/relationships" xmlns:p="http://schemas.openxmlformats.org/presentationml/2006/main">
   <p:cSld>
     <p:spTree>
@@ -6899,6 +6418,471 @@
 </p:sld>
 </file>
 
+<file path=ppt/slides/slide2.xml><?xml version="1.0" encoding="utf-8"?>
+<p:sld xmlns:a="http://schemas.openxmlformats.org/drawingml/2006/main" xmlns:r="http://schemas.openxmlformats.org/officeDocument/2006/relationships" xmlns:p="http://schemas.openxmlformats.org/presentationml/2006/main">
+  <p:cSld>
+    <p:spTree>
+      <p:nvGrpSpPr>
+        <p:cNvPr id="1" name=""/>
+        <p:cNvGrpSpPr/>
+        <p:nvPr/>
+      </p:nvGrpSpPr>
+      <p:grpSpPr>
+        <a:xfrm>
+          <a:off x="0" y="0"/>
+          <a:ext cx="0" cy="0"/>
+          <a:chOff x="0" y="0"/>
+          <a:chExt cx="0" cy="0"/>
+        </a:xfrm>
+      </p:grpSpPr>
+      <p:sp>
+        <p:nvSpPr>
+          <p:cNvPr id="2" name="Title 1"/>
+          <p:cNvSpPr>
+            <a:spLocks noGrp="1"/>
+          </p:cNvSpPr>
+          <p:nvPr>
+            <p:ph type="title"/>
+          </p:nvPr>
+        </p:nvSpPr>
+        <p:spPr>
+          <a:xfrm>
+            <a:off x="838200" y="138702"/>
+            <a:ext cx="10515600" cy="1325563"/>
+          </a:xfrm>
+        </p:spPr>
+        <p:txBody>
+          <a:bodyPr/>
+          <a:lstStyle/>
+          <a:p>
+            <a:pPr algn="ctr" rtl="1"/>
+            <a:r>
+              <a:rPr lang="he-IL" dirty="0" smtClean="0">
+                <a:cs typeface="+mn-cs"/>
+              </a:rPr>
+              <a:t>הקדמה</a:t>
+            </a:r>
+            <a:endParaRPr lang="en-US" dirty="0">
+              <a:cs typeface="+mn-cs"/>
+            </a:endParaRPr>
+          </a:p>
+        </p:txBody>
+      </p:sp>
+      <p:sp>
+        <p:nvSpPr>
+          <p:cNvPr id="4" name="Rectangle 3"/>
+          <p:cNvSpPr/>
+          <p:nvPr/>
+        </p:nvSpPr>
+        <p:spPr>
+          <a:xfrm>
+            <a:off x="726141" y="1290918"/>
+            <a:ext cx="10627659" cy="3693319"/>
+          </a:xfrm>
+          <a:prstGeom prst="rect">
+            <a:avLst/>
+          </a:prstGeom>
+        </p:spPr>
+        <p:txBody>
+          <a:bodyPr wrap="square">
+            <a:spAutoFit/>
+          </a:bodyPr>
+          <a:lstStyle/>
+          <a:p>
+            <a:pPr algn="r" rtl="1"/>
+            <a:r>
+              <a:rPr lang="he-IL" dirty="0" err="1" smtClean="0"/>
+              <a:t>פרוייקט</a:t>
+            </a:r>
+            <a:r>
+              <a:rPr lang="he-IL" dirty="0" smtClean="0"/>
+              <a:t> </a:t>
+            </a:r>
+            <a:r>
+              <a:rPr lang="en-US" dirty="0" smtClean="0"/>
+              <a:t>Node.JS</a:t>
+            </a:r>
+            <a:r>
+              <a:rPr lang="he-IL" dirty="0" smtClean="0"/>
+              <a:t> נוצר ב-2009 ע"י </a:t>
+            </a:r>
+            <a:r>
+              <a:rPr lang="en-US" dirty="0" smtClean="0"/>
+              <a:t>Ryan Dahl</a:t>
+            </a:r>
+            <a:r>
+              <a:rPr lang="he-IL" dirty="0"/>
+              <a:t> </a:t>
+            </a:r>
+            <a:r>
+              <a:rPr lang="he-IL" dirty="0" smtClean="0"/>
+              <a:t>בעקבות דרישה מהקהילה להוציא את </a:t>
+            </a:r>
+            <a:r>
+              <a:rPr lang="en-US" dirty="0" smtClean="0"/>
+              <a:t>JavaScript</a:t>
+            </a:r>
+            <a:r>
+              <a:rPr lang="he-IL" dirty="0" smtClean="0"/>
+              <a:t> מחוץ לדפדפן וצד הלקוח ולהעביר אותו לצד השרת.</a:t>
+            </a:r>
+          </a:p>
+          <a:p>
+            <a:pPr algn="r" rtl="1"/>
+            <a:endParaRPr lang="he-IL" dirty="0" smtClean="0"/>
+          </a:p>
+          <a:p>
+            <a:pPr algn="r" rtl="1"/>
+            <a:r>
+              <a:rPr lang="he-IL" dirty="0" smtClean="0"/>
+              <a:t>הפרויקט התחיל כפרויקט קוד פתוח "מסחרי", אך ככל שנהיה פופולרי האלמנטים המסחריים נזנחו עד שהפך </a:t>
+            </a:r>
+            <a:r>
+              <a:rPr lang="he-IL" dirty="0" err="1" smtClean="0"/>
+              <a:t>לפרוייקט</a:t>
+            </a:r>
+            <a:r>
+              <a:rPr lang="he-IL" dirty="0" smtClean="0"/>
+              <a:t> חופשי לחלוטין.</a:t>
+            </a:r>
+          </a:p>
+          <a:p>
+            <a:pPr algn="r" rtl="1"/>
+            <a:endParaRPr lang="he-IL" dirty="0"/>
+          </a:p>
+          <a:p>
+            <a:pPr algn="r" rtl="1"/>
+            <a:r>
+              <a:rPr lang="he-IL" dirty="0" smtClean="0"/>
+              <a:t>ב-2010 התווסף </a:t>
+            </a:r>
+            <a:r>
+              <a:rPr lang="he-IL" dirty="0" err="1" smtClean="0"/>
+              <a:t>לפרוייקט</a:t>
+            </a:r>
+            <a:r>
+              <a:rPr lang="he-IL" dirty="0" smtClean="0"/>
+              <a:t> מנהל חבילות </a:t>
+            </a:r>
+            <a:r>
+              <a:rPr lang="en-US" dirty="0" smtClean="0"/>
+              <a:t>Package Manager</a:t>
+            </a:r>
+            <a:r>
+              <a:rPr lang="he-IL" dirty="0" smtClean="0"/>
+              <a:t> בשם </a:t>
+            </a:r>
+            <a:r>
+              <a:rPr lang="en-US" dirty="0" smtClean="0"/>
+              <a:t>npm</a:t>
+            </a:r>
+            <a:r>
+              <a:rPr lang="he-IL" dirty="0" smtClean="0"/>
+              <a:t> </a:t>
+            </a:r>
+          </a:p>
+          <a:p>
+            <a:pPr algn="r" rtl="1"/>
+            <a:endParaRPr lang="he-IL" dirty="0"/>
+          </a:p>
+          <a:p>
+            <a:pPr algn="r" rtl="1"/>
+            <a:r>
+              <a:rPr lang="he-IL" dirty="0" smtClean="0"/>
+              <a:t>ב-2014 בעקבות מחלוקות ניהוליות הפרויקט התפצל ל-2  </a:t>
+            </a:r>
+            <a:r>
+              <a:rPr lang="en-US" dirty="0" smtClean="0"/>
+              <a:t>Node.JS</a:t>
+            </a:r>
+            <a:r>
+              <a:rPr lang="he-IL" dirty="0" smtClean="0"/>
+              <a:t> ו-</a:t>
+            </a:r>
+            <a:r>
+              <a:rPr lang="en-US" dirty="0" smtClean="0"/>
+              <a:t>IO.JS</a:t>
+            </a:r>
+            <a:endParaRPr lang="he-IL" dirty="0" smtClean="0"/>
+          </a:p>
+          <a:p>
+            <a:pPr algn="r" rtl="1"/>
+            <a:endParaRPr lang="he-IL" dirty="0"/>
+          </a:p>
+          <a:p>
+            <a:pPr algn="r" rtl="1"/>
+            <a:r>
+              <a:rPr lang="he-IL" dirty="0" smtClean="0"/>
+              <a:t>ב-2015 הפרויקטים אוחדו בחזרה, והוקמה עמותת </a:t>
+            </a:r>
+            <a:r>
+              <a:rPr lang="en-US" dirty="0" smtClean="0"/>
+              <a:t>Node.JS foundation</a:t>
+            </a:r>
+            <a:r>
+              <a:rPr lang="he-IL" dirty="0" smtClean="0"/>
+              <a:t> שאחראית על ניהולו.</a:t>
+            </a:r>
+          </a:p>
+          <a:p>
+            <a:pPr algn="r" rtl="1"/>
+            <a:endParaRPr lang="he-IL" dirty="0"/>
+          </a:p>
+          <a:p>
+            <a:pPr algn="r" rtl="1"/>
+            <a:r>
+              <a:rPr lang="he-IL" dirty="0" smtClean="0"/>
+              <a:t>מאז ועד היום </a:t>
+            </a:r>
+            <a:r>
+              <a:rPr lang="en-US" dirty="0" smtClean="0"/>
+              <a:t>Node.JS</a:t>
+            </a:r>
+            <a:r>
+              <a:rPr lang="he-IL" dirty="0" smtClean="0"/>
+              <a:t> הפכה להיות אחת הפלטפורמות הפופולריות לאפליקציות צד שרת</a:t>
+            </a:r>
+            <a:endParaRPr lang="en-US" dirty="0"/>
+          </a:p>
+        </p:txBody>
+      </p:sp>
+    </p:spTree>
+    <p:extLst>
+      <p:ext uri="{BB962C8B-B14F-4D97-AF65-F5344CB8AC3E}">
+        <p14:creationId xmlns:p14="http://schemas.microsoft.com/office/powerpoint/2010/main" val="1313272780"/>
+      </p:ext>
+    </p:extLst>
+  </p:cSld>
+  <p:clrMapOvr>
+    <a:masterClrMapping/>
+  </p:clrMapOvr>
+  <p:timing>
+    <p:tnLst>
+      <p:par>
+        <p:cTn id="1" dur="indefinite" restart="never" nodeType="tmRoot"/>
+      </p:par>
+    </p:tnLst>
+  </p:timing>
+</p:sld>
+</file>
+
+<file path=ppt/slides/slide20.xml><?xml version="1.0" encoding="utf-8"?>
+<p:sld xmlns:a="http://schemas.openxmlformats.org/drawingml/2006/main" xmlns:r="http://schemas.openxmlformats.org/officeDocument/2006/relationships" xmlns:p="http://schemas.openxmlformats.org/presentationml/2006/main">
+  <p:cSld>
+    <p:spTree>
+      <p:nvGrpSpPr>
+        <p:cNvPr id="1" name=""/>
+        <p:cNvGrpSpPr/>
+        <p:nvPr/>
+      </p:nvGrpSpPr>
+      <p:grpSpPr>
+        <a:xfrm>
+          <a:off x="0" y="0"/>
+          <a:ext cx="0" cy="0"/>
+          <a:chOff x="0" y="0"/>
+          <a:chExt cx="0" cy="0"/>
+        </a:xfrm>
+      </p:grpSpPr>
+      <p:sp>
+        <p:nvSpPr>
+          <p:cNvPr id="2" name="Title 1"/>
+          <p:cNvSpPr>
+            <a:spLocks noGrp="1"/>
+          </p:cNvSpPr>
+          <p:nvPr>
+            <p:ph type="title"/>
+          </p:nvPr>
+        </p:nvSpPr>
+        <p:spPr>
+          <a:xfrm>
+            <a:off x="838200" y="365126"/>
+            <a:ext cx="10515600" cy="719604"/>
+          </a:xfrm>
+        </p:spPr>
+        <p:txBody>
+          <a:bodyPr/>
+          <a:lstStyle/>
+          <a:p>
+            <a:pPr algn="ctr" rtl="1"/>
+            <a:r>
+              <a:rPr lang="he-IL" dirty="0" smtClean="0">
+                <a:cs typeface="+mn-cs"/>
+              </a:rPr>
+              <a:t>עבודה נכונה עם </a:t>
+            </a:r>
+            <a:r>
+              <a:rPr lang="en-US" dirty="0" smtClean="0">
+                <a:cs typeface="+mn-cs"/>
+              </a:rPr>
+              <a:t>Node.JS</a:t>
+            </a:r>
+            <a:endParaRPr lang="en-US" dirty="0">
+              <a:cs typeface="+mn-cs"/>
+            </a:endParaRPr>
+          </a:p>
+        </p:txBody>
+      </p:sp>
+      <p:sp>
+        <p:nvSpPr>
+          <p:cNvPr id="3" name="TextBox 2"/>
+          <p:cNvSpPr txBox="1"/>
+          <p:nvPr/>
+        </p:nvSpPr>
+        <p:spPr>
+          <a:xfrm>
+            <a:off x="941294" y="1690687"/>
+            <a:ext cx="10597237" cy="2400657"/>
+          </a:xfrm>
+          <a:prstGeom prst="rect">
+            <a:avLst/>
+          </a:prstGeom>
+          <a:noFill/>
+        </p:spPr>
+        <p:txBody>
+          <a:bodyPr wrap="square" rtlCol="0">
+            <a:spAutoFit/>
+          </a:bodyPr>
+          <a:lstStyle/>
+          <a:p>
+            <a:pPr algn="r" rtl="1">
+              <a:lnSpc>
+                <a:spcPct val="150000"/>
+              </a:lnSpc>
+            </a:pPr>
+            <a:r>
+              <a:rPr lang="he-IL" sz="2000" b="1" u="sng" dirty="0" smtClean="0"/>
+              <a:t>המתכון להצלחה:</a:t>
+            </a:r>
+          </a:p>
+          <a:p>
+            <a:pPr marL="285750" indent="-285750" algn="r" rtl="1">
+              <a:lnSpc>
+                <a:spcPct val="150000"/>
+              </a:lnSpc>
+              <a:buFont typeface="Arial" panose="020B0604020202020204" pitchFamily="34" charset="0"/>
+              <a:buChar char="•"/>
+            </a:pPr>
+            <a:r>
+              <a:rPr lang="he-IL" sz="2000" dirty="0" smtClean="0"/>
+              <a:t>לדעת טוב </a:t>
+            </a:r>
+            <a:r>
+              <a:rPr lang="en-US" sz="2000" dirty="0" smtClean="0"/>
+              <a:t>JavaScript</a:t>
+            </a:r>
+            <a:r>
+              <a:rPr lang="he-IL" sz="2000" dirty="0" smtClean="0"/>
+              <a:t> (</a:t>
+            </a:r>
+            <a:r>
+              <a:rPr lang="en-US" sz="2000" dirty="0" smtClean="0"/>
+              <a:t>ES6+</a:t>
+            </a:r>
+            <a:r>
+              <a:rPr lang="he-IL" sz="2000" dirty="0" smtClean="0"/>
+              <a:t>)</a:t>
+            </a:r>
+          </a:p>
+          <a:p>
+            <a:pPr marL="285750" indent="-285750" algn="r" rtl="1">
+              <a:lnSpc>
+                <a:spcPct val="150000"/>
+              </a:lnSpc>
+              <a:buFont typeface="Arial" panose="020B0604020202020204" pitchFamily="34" charset="0"/>
+              <a:buChar char="•"/>
+            </a:pPr>
+            <a:r>
+              <a:rPr lang="he-IL" sz="2000" dirty="0" smtClean="0"/>
+              <a:t>להכיר את המודולים של </a:t>
+            </a:r>
+            <a:r>
+              <a:rPr lang="en-US" sz="2000" dirty="0" smtClean="0"/>
+              <a:t>Node.JS</a:t>
+            </a:r>
+            <a:r>
+              <a:rPr lang="he-IL" sz="2000" dirty="0" smtClean="0"/>
+              <a:t> ולדעת איך להשתמש בהם (</a:t>
+            </a:r>
+            <a:r>
+              <a:rPr lang="en-US" sz="2000" dirty="0" smtClean="0"/>
+              <a:t>http, fs, events</a:t>
+            </a:r>
+            <a:r>
+              <a:rPr lang="he-IL" sz="2000" dirty="0" smtClean="0"/>
+              <a:t>)</a:t>
+            </a:r>
+          </a:p>
+          <a:p>
+            <a:pPr marL="285750" indent="-285750" algn="r" rtl="1">
+              <a:lnSpc>
+                <a:spcPct val="150000"/>
+              </a:lnSpc>
+              <a:buFont typeface="Arial" panose="020B0604020202020204" pitchFamily="34" charset="0"/>
+              <a:buChar char="•"/>
+            </a:pPr>
+            <a:r>
+              <a:rPr lang="he-IL" sz="2000" dirty="0" smtClean="0"/>
+              <a:t>להשתמש באקו-</a:t>
+            </a:r>
+            <a:r>
+              <a:rPr lang="he-IL" sz="2000" dirty="0" err="1" smtClean="0"/>
+              <a:t>סיסטם</a:t>
+            </a:r>
+            <a:r>
+              <a:rPr lang="he-IL" sz="2000" dirty="0" smtClean="0"/>
+              <a:t> העצום של </a:t>
+            </a:r>
+            <a:r>
+              <a:rPr lang="en-US" sz="2000" dirty="0" smtClean="0"/>
+              <a:t>npm</a:t>
+            </a:r>
+            <a:endParaRPr lang="he-IL" sz="2000" dirty="0" smtClean="0"/>
+          </a:p>
+          <a:p>
+            <a:pPr marL="285750" indent="-285750" algn="r" rtl="1">
+              <a:lnSpc>
+                <a:spcPct val="150000"/>
+              </a:lnSpc>
+              <a:buFont typeface="Arial" panose="020B0604020202020204" pitchFamily="34" charset="0"/>
+              <a:buChar char="•"/>
+            </a:pPr>
+            <a:r>
+              <a:rPr lang="he-IL" sz="2000" dirty="0" smtClean="0">
+                <a:solidFill>
+                  <a:srgbClr val="FF0000"/>
+                </a:solidFill>
+              </a:rPr>
+              <a:t>לא לחסום את ה-</a:t>
+            </a:r>
+            <a:r>
+              <a:rPr lang="en-US" sz="2000" dirty="0" smtClean="0">
+                <a:solidFill>
+                  <a:srgbClr val="FF0000"/>
+                </a:solidFill>
+              </a:rPr>
+              <a:t>Event Loop</a:t>
+            </a:r>
+            <a:endParaRPr lang="he-IL" sz="2000" dirty="0">
+              <a:solidFill>
+                <a:srgbClr val="FF0000"/>
+              </a:solidFill>
+            </a:endParaRPr>
+          </a:p>
+        </p:txBody>
+      </p:sp>
+    </p:spTree>
+    <p:extLst>
+      <p:ext uri="{BB962C8B-B14F-4D97-AF65-F5344CB8AC3E}">
+        <p14:creationId xmlns:p14="http://schemas.microsoft.com/office/powerpoint/2010/main" val="1373181625"/>
+      </p:ext>
+    </p:extLst>
+  </p:cSld>
+  <p:clrMapOvr>
+    <a:masterClrMapping/>
+  </p:clrMapOvr>
+</p:sld>
+</file>
+
 <file path=ppt/slides/slide21.xml><?xml version="1.0" encoding="utf-8"?>
 <p:sld xmlns:a="http://schemas.openxmlformats.org/drawingml/2006/main" xmlns:r="http://schemas.openxmlformats.org/officeDocument/2006/relationships" xmlns:p="http://schemas.openxmlformats.org/presentationml/2006/main">
   <p:cSld>
@@ -6941,7 +6925,7 @@
               <a:rPr lang="he-IL" dirty="0" smtClean="0">
                 <a:cs typeface="+mn-cs"/>
               </a:rPr>
-              <a:t>עבודה נכונה עם </a:t>
+              <a:t>המודולים (פונקציונליות) ש-</a:t>
             </a:r>
             <a:r>
               <a:rPr lang="en-US" dirty="0" smtClean="0">
@@ -6949,6 +6933,12 @@
               </a:rPr>
               <a:t>Node.JS</a:t>
             </a:r>
+            <a:r>
+              <a:rPr lang="he-IL" dirty="0" smtClean="0">
+                <a:cs typeface="+mn-cs"/>
+              </a:rPr>
+              <a:t> נותנת לנו</a:t>
+            </a:r>
             <a:endParaRPr lang="en-US" dirty="0">
               <a:cs typeface="+mn-cs"/>
             </a:endParaRPr>
@@ -6964,7 +6954,7 @@
         <p:spPr>
           <a:xfrm>
             <a:off x="941294" y="1690687"/>
-            <a:ext cx="10597237" cy="2400657"/>
+            <a:ext cx="10597237" cy="4662815"/>
           </a:xfrm>
           <a:prstGeom prst="rect">
             <a:avLst/>
@@ -6983,8 +6973,12 @@
               </a:lnSpc>
             </a:pPr>
             <a:r>
-              <a:rPr lang="he-IL" sz="2000" b="1" u="sng" dirty="0" smtClean="0"/>
-              <a:t>המתכון להצלחה:</a:t>
+              <a:rPr lang="he-IL" b="1" u="sng" dirty="0" err="1" smtClean="0"/>
+              <a:t>מודולי</a:t>
+            </a:r>
+            <a:r>
+              <a:rPr lang="he-IL" b="1" u="sng" dirty="0" smtClean="0"/>
+              <a:t> הבסיס:</a:t>
             </a:r>
           </a:p>
           <a:p>
@@ -6996,34 +6990,14 @@
               <a:buChar char="•"/>
             </a:pPr>
             <a:r>
-              <a:rPr lang="he-IL" sz="2000" dirty="0" smtClean="0"/>
-              <a:t>לדעת </a:t>
-            </a:r>
-            <a:r>
-              <a:rPr lang="he-IL" sz="2000" dirty="0" smtClean="0"/>
-              <a:t>טוב </a:t>
-            </a:r>
-            <a:r>
-              <a:rPr lang="en-US" sz="2000" dirty="0" smtClean="0"/>
-              <a:t>JavaScript</a:t>
-            </a:r>
-            <a:r>
-              <a:rPr lang="he-IL" sz="2000" dirty="0" smtClean="0"/>
-              <a:t> </a:t>
-            </a:r>
-            <a:r>
-              <a:rPr lang="he-IL" sz="2000" dirty="0" smtClean="0"/>
-              <a:t>(</a:t>
-            </a:r>
-            <a:r>
-              <a:rPr lang="en-US" sz="2000" dirty="0" smtClean="0"/>
-              <a:t>ES6+</a:t>
-            </a:r>
-            <a:r>
-              <a:rPr lang="he-IL" sz="2000" dirty="0" smtClean="0"/>
-              <a:t>)</a:t>
-            </a:r>
-            <a:endParaRPr lang="he-IL" sz="2000" dirty="0" smtClean="0"/>
+              <a:rPr lang="he-IL" dirty="0" smtClean="0"/>
+              <a:t>תקשורת רשת – </a:t>
+            </a:r>
+            <a:r>
+              <a:rPr lang="en-US" dirty="0" smtClean="0"/>
+              <a:t>http, https</a:t>
+            </a:r>
+            <a:endParaRPr lang="he-IL" dirty="0" smtClean="0"/>
           </a:p>
           <a:p>
             <a:pPr marL="285750" indent="-285750" algn="r" rtl="1">
@@ -7034,29 +7008,14 @@
               <a:buChar char="•"/>
             </a:pPr>
             <a:r>
-              <a:rPr lang="he-IL" sz="2000" dirty="0" smtClean="0"/>
-              <a:t>להכיר </a:t>
-            </a:r>
-            <a:r>
-              <a:rPr lang="he-IL" sz="2000" dirty="0" smtClean="0"/>
-              <a:t>את המודולים של </a:t>
-            </a:r>
-            <a:r>
-              <a:rPr lang="en-US" sz="2000" dirty="0" smtClean="0"/>
-              <a:t>Node.JS</a:t>
-            </a:r>
-            <a:r>
-              <a:rPr lang="he-IL" sz="2000" dirty="0" smtClean="0"/>
-              <a:t> ולדעת איך להשתמש בהם (</a:t>
-            </a:r>
-            <a:r>
-              <a:rPr lang="en-US" sz="2000" dirty="0" smtClean="0"/>
-              <a:t>http, fs, events</a:t>
-            </a:r>
-            <a:r>
-              <a:rPr lang="he-IL" sz="2000" dirty="0" smtClean="0"/>
-              <a:t>)</a:t>
-            </a:r>
+              <a:rPr lang="he-IL" dirty="0" smtClean="0"/>
+              <a:t>קבצים – </a:t>
+            </a:r>
+            <a:r>
+              <a:rPr lang="en-US" dirty="0" smtClean="0"/>
+              <a:t>fs</a:t>
+            </a:r>
+            <a:endParaRPr lang="he-IL" dirty="0" smtClean="0"/>
           </a:p>
           <a:p>
             <a:pPr marL="285750" indent="-285750" algn="r" rtl="1">
@@ -7067,26 +7026,18 @@
               <a:buChar char="•"/>
             </a:pPr>
             <a:r>
-              <a:rPr lang="he-IL" sz="2000" dirty="0" smtClean="0"/>
-              <a:t>להשתמש </a:t>
-            </a:r>
-            <a:r>
-              <a:rPr lang="he-IL" sz="2000" dirty="0" smtClean="0"/>
-              <a:t>באקו-</a:t>
-            </a:r>
-            <a:r>
-              <a:rPr lang="he-IL" sz="2000" dirty="0" err="1" smtClean="0"/>
-              <a:t>סיסטם</a:t>
-            </a:r>
-            <a:r>
-              <a:rPr lang="he-IL" sz="2000" dirty="0" smtClean="0"/>
-              <a:t> העצום של </a:t>
-            </a:r>
-            <a:r>
-              <a:rPr lang="en-US" sz="2000" dirty="0" smtClean="0"/>
-              <a:t>npm</a:t>
-            </a:r>
-            <a:endParaRPr lang="he-IL" sz="2000" dirty="0" smtClean="0"/>
+              <a:rPr lang="he-IL" dirty="0" err="1" smtClean="0"/>
+              <a:t>איבנטים</a:t>
+            </a:r>
+            <a:r>
+              <a:rPr lang="he-IL" dirty="0" smtClean="0"/>
+              <a:t> – </a:t>
+            </a:r>
+            <a:r>
+              <a:rPr lang="en-US" dirty="0" smtClean="0"/>
+              <a:t>events</a:t>
+            </a:r>
+            <a:endParaRPr lang="he-IL" dirty="0" smtClean="0"/>
           </a:p>
           <a:p>
             <a:pPr marL="285750" indent="-285750" algn="r" rtl="1">
@@ -7097,33 +7048,111 @@
               <a:buChar char="•"/>
             </a:pPr>
             <a:r>
-              <a:rPr lang="he-IL" sz="2000" dirty="0" smtClean="0">
-                <a:solidFill>
-                  <a:srgbClr val="FF0000"/>
-                </a:solidFill>
-              </a:rPr>
-              <a:t>לא לחסום את ה-</a:t>
-            </a:r>
-            <a:r>
-              <a:rPr lang="en-US" sz="2000" dirty="0" smtClean="0">
-                <a:solidFill>
-                  <a:srgbClr val="FF0000"/>
-                </a:solidFill>
-              </a:rPr>
-              <a:t>Event Loop</a:t>
-            </a:r>
-            <a:endParaRPr lang="he-IL" sz="2000" dirty="0">
-              <a:solidFill>
-                <a:srgbClr val="FF0000"/>
-              </a:solidFill>
-            </a:endParaRPr>
+              <a:rPr lang="he-IL" dirty="0" err="1" smtClean="0"/>
+              <a:t>סקלביליות</a:t>
+            </a:r>
+            <a:r>
+              <a:rPr lang="he-IL" dirty="0" smtClean="0"/>
+              <a:t> – </a:t>
+            </a:r>
+            <a:r>
+              <a:rPr lang="en-US" dirty="0" smtClean="0"/>
+              <a:t>cluster, worker threads</a:t>
+            </a:r>
+            <a:endParaRPr lang="he-IL" dirty="0" smtClean="0"/>
+          </a:p>
+          <a:p>
+            <a:pPr algn="r" rtl="1">
+              <a:lnSpc>
+                <a:spcPct val="150000"/>
+              </a:lnSpc>
+            </a:pPr>
+            <a:endParaRPr lang="he-IL" dirty="0" smtClean="0"/>
+          </a:p>
+          <a:p>
+            <a:pPr algn="r" rtl="1">
+              <a:lnSpc>
+                <a:spcPct val="150000"/>
+              </a:lnSpc>
+            </a:pPr>
+            <a:r>
+              <a:rPr lang="he-IL" b="1" u="sng" dirty="0" smtClean="0"/>
+              <a:t>מודולים ייחודיים נוספים:</a:t>
+            </a:r>
+            <a:endParaRPr lang="he-IL" b="1" u="sng" dirty="0"/>
+          </a:p>
+          <a:p>
+            <a:pPr marL="285750" indent="-285750" algn="r" rtl="1">
+              <a:lnSpc>
+                <a:spcPct val="150000"/>
+              </a:lnSpc>
+              <a:buFont typeface="Arial" panose="020B0604020202020204" pitchFamily="34" charset="0"/>
+              <a:buChar char="•"/>
+            </a:pPr>
+            <a:r>
+              <a:rPr lang="he-IL" dirty="0" smtClean="0"/>
+              <a:t>קריפטוגרפיה – </a:t>
+            </a:r>
+            <a:r>
+              <a:rPr lang="en-US" dirty="0" smtClean="0"/>
+              <a:t>crypto</a:t>
+            </a:r>
+            <a:endParaRPr lang="he-IL" dirty="0" smtClean="0"/>
+          </a:p>
+          <a:p>
+            <a:pPr marL="285750" indent="-285750" algn="r" rtl="1">
+              <a:lnSpc>
+                <a:spcPct val="150000"/>
+              </a:lnSpc>
+              <a:buFont typeface="Arial" panose="020B0604020202020204" pitchFamily="34" charset="0"/>
+              <a:buChar char="•"/>
+            </a:pPr>
+            <a:r>
+              <a:rPr lang="he-IL" dirty="0" smtClean="0"/>
+              <a:t>כיווץ – </a:t>
+            </a:r>
+            <a:r>
+              <a:rPr lang="en-US" dirty="0" err="1" smtClean="0"/>
+              <a:t>zlib</a:t>
+            </a:r>
+            <a:endParaRPr lang="he-IL" dirty="0" smtClean="0"/>
+          </a:p>
+          <a:p>
+            <a:pPr marL="285750" indent="-285750" algn="r" rtl="1">
+              <a:lnSpc>
+                <a:spcPct val="150000"/>
+              </a:lnSpc>
+              <a:buFont typeface="Arial" panose="020B0604020202020204" pitchFamily="34" charset="0"/>
+              <a:buChar char="•"/>
+            </a:pPr>
+            <a:r>
+              <a:rPr lang="he-IL" dirty="0" err="1" smtClean="0"/>
+              <a:t>סטרימינג</a:t>
+            </a:r>
+            <a:r>
+              <a:rPr lang="he-IL" dirty="0" smtClean="0"/>
+              <a:t> – </a:t>
+            </a:r>
+            <a:r>
+              <a:rPr lang="en-US" dirty="0" smtClean="0"/>
+              <a:t>stream</a:t>
+            </a:r>
+            <a:endParaRPr lang="he-IL" dirty="0" smtClean="0"/>
+          </a:p>
+          <a:p>
+            <a:pPr algn="r" rtl="1">
+              <a:lnSpc>
+                <a:spcPct val="150000"/>
+              </a:lnSpc>
+            </a:pPr>
+            <a:endParaRPr lang="he-IL" dirty="0" smtClean="0"/>
           </a:p>
         </p:txBody>
       </p:sp>
     </p:spTree>
     <p:extLst>
       <p:ext uri="{BB962C8B-B14F-4D97-AF65-F5344CB8AC3E}">
-        <p14:creationId xmlns:p14="http://schemas.microsoft.com/office/powerpoint/2010/main" val="1373181625"/>
+        <p14:creationId xmlns:p14="http://schemas.microsoft.com/office/powerpoint/2010/main" val="495121418"/>
       </p:ext>
     </p:extLst>
   </p:cSld>
@@ -7162,7 +7191,7 @@
         </p:nvSpPr>
         <p:spPr>
           <a:xfrm>
-            <a:off x="838200" y="365126"/>
+            <a:off x="803366" y="121286"/>
             <a:ext cx="10515600" cy="719604"/>
           </a:xfrm>
         </p:spPr>
@@ -7175,7 +7204,7 @@
               <a:rPr lang="he-IL" dirty="0" smtClean="0">
                 <a:cs typeface="+mn-cs"/>
               </a:rPr>
-              <a:t>המודולים (פונקציונליות) ש-</a:t>
+              <a:t>היתרונות של </a:t>
             </a:r>
             <a:r>
               <a:rPr lang="en-US" dirty="0" smtClean="0">
@@ -7183,12 +7212,6 @@
               </a:rPr>
               <a:t>Node.JS</a:t>
             </a:r>
-            <a:r>
-              <a:rPr lang="he-IL" dirty="0" smtClean="0">
-                <a:cs typeface="+mn-cs"/>
-              </a:rPr>
-              <a:t> נותנת לנו</a:t>
-            </a:r>
             <a:endParaRPr lang="en-US" dirty="0">
               <a:cs typeface="+mn-cs"/>
             </a:endParaRPr>
@@ -7203,8 +7226,8 @@
         </p:nvSpPr>
         <p:spPr>
           <a:xfrm>
-            <a:off x="941294" y="1690687"/>
-            <a:ext cx="10597237" cy="4662815"/>
+            <a:off x="966556" y="1081522"/>
+            <a:ext cx="10597237" cy="6186309"/>
           </a:xfrm>
           <a:prstGeom prst="rect">
             <a:avLst/>
@@ -7217,282 +7240,56 @@
           </a:bodyPr>
           <a:lstStyle/>
           <a:p>
-            <a:pPr algn="r" rtl="1">
-              <a:lnSpc>
-                <a:spcPct val="150000"/>
-              </a:lnSpc>
-            </a:pPr>
-            <a:r>
-              <a:rPr lang="he-IL" b="1" u="sng" dirty="0" err="1" smtClean="0"/>
-              <a:t>מודולי</a:t>
-            </a:r>
+            <a:pPr algn="r" rtl="1"/>
             <a:r>
               <a:rPr lang="he-IL" b="1" u="sng" dirty="0" smtClean="0"/>
-              <a:t> הבסיס:</a:t>
-            </a:r>
-          </a:p>
-          <a:p>
-            <a:pPr marL="285750" indent="-285750" algn="r" rtl="1">
-              <a:lnSpc>
-                <a:spcPct val="150000"/>
-              </a:lnSpc>
-              <a:buFont typeface="Arial" panose="020B0604020202020204" pitchFamily="34" charset="0"/>
-              <a:buChar char="•"/>
-            </a:pPr>
-            <a:r>
-              <a:rPr lang="he-IL" dirty="0" smtClean="0"/>
-              <a:t>תקשורת רשת – </a:t>
+              <a:t>תאימות לעולם הקליינט-</a:t>
+            </a:r>
+            <a:r>
+              <a:rPr lang="he-IL" b="1" dirty="0" smtClean="0"/>
+              <a:t> </a:t>
+            </a:r>
+            <a:r>
+              <a:rPr lang="he-IL" dirty="0" smtClean="0"/>
+              <a:t>  - השרת והקליינט "משוחחים" באותה שפה. אין המרה של ערכים ומשתנים. </a:t>
+            </a:r>
+          </a:p>
+          <a:p>
+            <a:pPr algn="r" rtl="1"/>
+            <a:r>
+              <a:rPr lang="he-IL" dirty="0"/>
+              <a:t>	</a:t>
+            </a:r>
+            <a:r>
+              <a:rPr lang="he-IL" dirty="0" smtClean="0"/>
+              <a:t>	         - תמיכה מלאה בפרוטוקולי תקשורת מתקדמים של דפדפנים – </a:t>
+            </a:r>
+            <a:r>
+              <a:rPr lang="en-US" dirty="0" err="1" smtClean="0"/>
+              <a:t>websockets</a:t>
             </a:r>
             <a:r>
               <a:rPr lang="en-US" dirty="0" smtClean="0"/>
-              <a:t>http, https</a:t>
+              <a:t>, </a:t>
+            </a:r>
+            <a:r>
+              <a:rPr lang="en-US" dirty="0" err="1" smtClean="0"/>
+              <a:t>grpc</a:t>
+            </a:r>
+            <a:r>
+              <a:rPr lang="en-US" dirty="0" smtClean="0"/>
+              <a:t>, </a:t>
+            </a:r>
+            <a:r>
+              <a:rPr lang="en-US" dirty="0" err="1" smtClean="0"/>
+              <a:t>webrtc</a:t>
             </a:r>
             <a:endParaRPr lang="he-IL" dirty="0" smtClean="0"/>
           </a:p>
           <a:p>
-            <a:pPr marL="285750" indent="-285750" algn="r" rtl="1">
-              <a:lnSpc>
-                <a:spcPct val="150000"/>
-              </a:lnSpc>
-              <a:buFont typeface="Arial" panose="020B0604020202020204" pitchFamily="34" charset="0"/>
-              <a:buChar char="•"/>
-            </a:pPr>
-            <a:r>
-              <a:rPr lang="he-IL" dirty="0" smtClean="0"/>
-              <a:t>קבצים – </a:t>
-            </a:r>
-            <a:r>
-              <a:rPr lang="en-US" dirty="0" smtClean="0"/>
-              <a:t>fs</a:t>
-            </a:r>
-            <a:endParaRPr lang="he-IL" dirty="0" smtClean="0"/>
-          </a:p>
-          <a:p>
-            <a:pPr marL="285750" indent="-285750" algn="r" rtl="1">
-              <a:lnSpc>
-                <a:spcPct val="150000"/>
-              </a:lnSpc>
-              <a:buFont typeface="Arial" panose="020B0604020202020204" pitchFamily="34" charset="0"/>
-              <a:buChar char="•"/>
-            </a:pPr>
-            <a:r>
-              <a:rPr lang="he-IL" dirty="0" err="1" smtClean="0"/>
-              <a:t>איבנטים</a:t>
-            </a:r>
-            <a:r>
-              <a:rPr lang="he-IL" dirty="0" smtClean="0"/>
-              <a:t> – </a:t>
-            </a:r>
-            <a:r>
-              <a:rPr lang="en-US" dirty="0" smtClean="0"/>
-              <a:t>events</a:t>
-            </a:r>
-            <a:endParaRPr lang="he-IL" dirty="0" smtClean="0"/>
-          </a:p>
-          <a:p>
-            <a:pPr marL="285750" indent="-285750" algn="r" rtl="1">
-              <a:lnSpc>
-                <a:spcPct val="150000"/>
-              </a:lnSpc>
-              <a:buFont typeface="Arial" panose="020B0604020202020204" pitchFamily="34" charset="0"/>
-              <a:buChar char="•"/>
-            </a:pPr>
-            <a:r>
-              <a:rPr lang="he-IL" dirty="0" err="1" smtClean="0"/>
-              <a:t>סקלביליות</a:t>
-            </a:r>
-            <a:r>
-              <a:rPr lang="he-IL" dirty="0" smtClean="0"/>
-              <a:t> – </a:t>
-            </a:r>
-            <a:r>
-              <a:rPr lang="en-US" dirty="0" smtClean="0"/>
-              <a:t>cluster, worker threads</a:t>
-            </a:r>
-            <a:endParaRPr lang="he-IL" dirty="0" smtClean="0"/>
-          </a:p>
-          <a:p>
-            <a:pPr algn="r" rtl="1">
-              <a:lnSpc>
-                <a:spcPct val="150000"/>
-              </a:lnSpc>
-            </a:pPr>
-            <a:endParaRPr lang="he-IL" dirty="0" smtClean="0"/>
-          </a:p>
-          <a:p>
-            <a:pPr algn="r" rtl="1">
-              <a:lnSpc>
-                <a:spcPct val="150000"/>
-              </a:lnSpc>
-            </a:pPr>
-            <a:r>
-              <a:rPr lang="he-IL" b="1" u="sng" dirty="0" smtClean="0"/>
-              <a:t>מודולים </a:t>
-            </a:r>
-            <a:r>
-              <a:rPr lang="he-IL" b="1" u="sng" dirty="0" smtClean="0"/>
-              <a:t>ייחודיים נוספים:</a:t>
-            </a:r>
-            <a:endParaRPr lang="he-IL" b="1" u="sng" dirty="0"/>
-          </a:p>
-          <a:p>
-            <a:pPr marL="285750" indent="-285750" algn="r" rtl="1">
-              <a:lnSpc>
-                <a:spcPct val="150000"/>
-              </a:lnSpc>
-              <a:buFont typeface="Arial" panose="020B0604020202020204" pitchFamily="34" charset="0"/>
-              <a:buChar char="•"/>
-            </a:pPr>
-            <a:r>
-              <a:rPr lang="he-IL" dirty="0" smtClean="0"/>
-              <a:t>קריפטוגרפיה – </a:t>
-            </a:r>
-            <a:r>
-              <a:rPr lang="en-US" dirty="0" smtClean="0"/>
-              <a:t>crypto</a:t>
-            </a:r>
-            <a:endParaRPr lang="he-IL" dirty="0" smtClean="0"/>
-          </a:p>
-          <a:p>
-            <a:pPr marL="285750" indent="-285750" algn="r" rtl="1">
-              <a:lnSpc>
-                <a:spcPct val="150000"/>
-              </a:lnSpc>
-              <a:buFont typeface="Arial" panose="020B0604020202020204" pitchFamily="34" charset="0"/>
-              <a:buChar char="•"/>
-            </a:pPr>
-            <a:r>
-              <a:rPr lang="he-IL" dirty="0" smtClean="0"/>
-              <a:t>כיווץ – </a:t>
-            </a:r>
-            <a:r>
-              <a:rPr lang="en-US" dirty="0" err="1" smtClean="0"/>
-              <a:t>zlib</a:t>
-            </a:r>
-            <a:endParaRPr lang="he-IL" dirty="0" smtClean="0"/>
-          </a:p>
-          <a:p>
-            <a:pPr marL="285750" indent="-285750" algn="r" rtl="1">
-              <a:lnSpc>
-                <a:spcPct val="150000"/>
-              </a:lnSpc>
-              <a:buFont typeface="Arial" panose="020B0604020202020204" pitchFamily="34" charset="0"/>
-              <a:buChar char="•"/>
-            </a:pPr>
-            <a:r>
-              <a:rPr lang="he-IL" dirty="0" err="1" smtClean="0"/>
-              <a:t>סטרימינג</a:t>
-            </a:r>
-            <a:r>
-              <a:rPr lang="he-IL" dirty="0" smtClean="0"/>
-              <a:t> – </a:t>
-            </a:r>
-            <a:r>
-              <a:rPr lang="en-US" dirty="0" smtClean="0"/>
-              <a:t>stream</a:t>
-            </a:r>
-            <a:endParaRPr lang="he-IL" dirty="0" smtClean="0"/>
-          </a:p>
-          <a:p>
-            <a:pPr algn="r" rtl="1">
-              <a:lnSpc>
-                <a:spcPct val="150000"/>
-              </a:lnSpc>
-            </a:pPr>
-            <a:endParaRPr lang="he-IL" dirty="0" smtClean="0"/>
-          </a:p>
-        </p:txBody>
-      </p:sp>
-    </p:spTree>
-    <p:extLst>
-      <p:ext uri="{BB962C8B-B14F-4D97-AF65-F5344CB8AC3E}">
-        <p14:creationId xmlns:p14="http://schemas.microsoft.com/office/powerpoint/2010/main" val="495121418"/>
-      </p:ext>
-    </p:extLst>
-  </p:cSld>
-  <p:clrMapOvr>
-    <a:masterClrMapping/>
-  </p:clrMapOvr>
-</p:sld>
-</file>
-
-<file path=ppt/slides/slide23.xml><?xml version="1.0" encoding="utf-8"?>
-<p:sld xmlns:a="http://schemas.openxmlformats.org/drawingml/2006/main" xmlns:r="http://schemas.openxmlformats.org/officeDocument/2006/relationships" xmlns:p="http://schemas.openxmlformats.org/presentationml/2006/main">
-  <p:cSld>
-    <p:spTree>
-      <p:nvGrpSpPr>
-        <p:cNvPr id="1" name=""/>
-        <p:cNvGrpSpPr/>
-        <p:nvPr/>
-      </p:nvGrpSpPr>
-      <p:grpSpPr>
-        <a:xfrm>
-          <a:off x="0" y="0"/>
-          <a:ext cx="0" cy="0"/>
-          <a:chOff x="0" y="0"/>
-          <a:chExt cx="0" cy="0"/>
-        </a:xfrm>
-      </p:grpSpPr>
-      <p:sp>
-        <p:nvSpPr>
-          <p:cNvPr id="2" name="Title 1"/>
-          <p:cNvSpPr>
-            <a:spLocks noGrp="1"/>
-          </p:cNvSpPr>
-          <p:nvPr>
-            <p:ph type="title"/>
-          </p:nvPr>
-        </p:nvSpPr>
-        <p:spPr>
-          <a:xfrm>
-            <a:off x="803366" y="121286"/>
-            <a:ext cx="10515600" cy="719604"/>
-          </a:xfrm>
-        </p:spPr>
-        <p:txBody>
-          <a:bodyPr/>
-          <a:lstStyle/>
-          <a:p>
-            <a:pPr algn="ctr" rtl="1"/>
-            <a:r>
-              <a:rPr lang="he-IL" dirty="0" smtClean="0">
-                <a:cs typeface="+mn-cs"/>
-              </a:rPr>
-              <a:t>היתרונות של </a:t>
-            </a:r>
-            <a:r>
-              <a:rPr lang="en-US" dirty="0" smtClean="0">
-                <a:cs typeface="+mn-cs"/>
-              </a:rPr>
-              <a:t>Node.JS</a:t>
-            </a:r>
-            <a:endParaRPr lang="en-US" dirty="0">
-              <a:cs typeface="+mn-cs"/>
-            </a:endParaRPr>
-          </a:p>
-        </p:txBody>
-      </p:sp>
-      <p:sp>
-        <p:nvSpPr>
-          <p:cNvPr id="3" name="TextBox 2"/>
-          <p:cNvSpPr txBox="1"/>
-          <p:nvPr/>
-        </p:nvSpPr>
-        <p:spPr>
-          <a:xfrm>
-            <a:off x="966556" y="1081522"/>
-            <a:ext cx="10597237" cy="5355312"/>
-          </a:xfrm>
-          <a:prstGeom prst="rect">
-            <a:avLst/>
-          </a:prstGeom>
-          <a:noFill/>
-        </p:spPr>
-        <p:txBody>
-          <a:bodyPr wrap="square" rtlCol="0">
-            <a:spAutoFit/>
-          </a:bodyPr>
-          <a:lstStyle/>
+            <a:pPr algn="r" rtl="1"/>
+            <a:endParaRPr lang="en-US" b="1" u="sng" dirty="0" smtClean="0"/>
+          </a:p>
           <a:p>
             <a:pPr algn="r" rtl="1"/>
             <a:r>
@@ -7501,7 +7298,11 @@
             </a:r>
             <a:r>
               <a:rPr lang="he-IL" dirty="0" smtClean="0"/>
-              <a:t> – הכתיבה פשוטה, ה-</a:t>
+              <a:t> </a:t>
+            </a:r>
+            <a:r>
+              <a:rPr lang="he-IL" dirty="0" smtClean="0"/>
+              <a:t>– הכתיבה פשוטה, ה-</a:t>
             </a:r>
             <a:r>
               <a:rPr lang="en-US" dirty="0" smtClean="0"/>
@@ -7590,7 +7391,11 @@
             <a:pPr algn="r" rtl="1"/>
             <a:r>
               <a:rPr lang="he-IL" b="1" u="sng" dirty="0" smtClean="0"/>
-              <a:t>התאמה ל-</a:t>
+              <a:t>תאימות </a:t>
+            </a:r>
+            <a:r>
+              <a:rPr lang="he-IL" b="1" u="sng" dirty="0" smtClean="0"/>
+              <a:t>ל-</a:t>
             </a:r>
             <a:r>
               <a:rPr lang="en-US" b="1" u="sng" dirty="0" smtClean="0"/>
@@ -7659,16 +7464,24 @@
           <a:p>
             <a:pPr algn="r" rtl="1"/>
             <a:r>
-              <a:rPr lang="he-IL" dirty="0" smtClean="0"/>
-              <a:t>התאמה לעולם ה-</a:t>
-            </a:r>
-            <a:r>
-              <a:rPr lang="en-US" dirty="0" smtClean="0"/>
+              <a:rPr lang="he-IL" b="1" u="sng" dirty="0" smtClean="0"/>
+              <a:t>תאימות </a:t>
+            </a:r>
+            <a:r>
+              <a:rPr lang="he-IL" b="1" u="sng" dirty="0" smtClean="0"/>
+              <a:t>לעולם ה-</a:t>
+            </a:r>
+            <a:r>
+              <a:rPr lang="en-US" b="1" u="sng" dirty="0" smtClean="0"/>
               <a:t>Cloud</a:t>
             </a:r>
             <a:r>
-              <a:rPr lang="he-IL" dirty="0" smtClean="0"/>
-              <a:t> – בזכות כל האמור לעיל, אפליקציות </a:t>
+              <a:rPr lang="he-IL" b="1" u="sng" dirty="0" smtClean="0"/>
+              <a:t> </a:t>
+            </a:r>
+            <a:r>
+              <a:rPr lang="he-IL" dirty="0" smtClean="0"/>
+              <a:t>– בזכות כל האמור לעיל, אפליקציות </a:t>
             </a:r>
             <a:r>
               <a:rPr lang="en-US" dirty="0" smtClean="0"/>
@@ -7702,8 +7515,12 @@
               <a:t> </a:t>
             </a:r>
             <a:r>
+              <a:rPr lang="en-US" b="1" dirty="0" smtClean="0"/>
+              <a:t>      </a:t>
+            </a:r>
+            <a:r>
               <a:rPr lang="he-IL" b="1" dirty="0" smtClean="0"/>
-              <a:t>	        </a:t>
+              <a:t> </a:t>
             </a:r>
             <a:r>
               <a:rPr lang="he-IL" dirty="0" smtClean="0"/>
@@ -7749,7 +7566,7 @@
 </p:sld>
 </file>
 
-<file path=ppt/slides/slide24.xml><?xml version="1.0" encoding="utf-8"?>
+<file path=ppt/slides/slide23.xml><?xml version="1.0" encoding="utf-8"?>
 <p:sld xmlns:a="http://schemas.openxmlformats.org/drawingml/2006/main" xmlns:r="http://schemas.openxmlformats.org/officeDocument/2006/relationships" xmlns:p="http://schemas.openxmlformats.org/presentationml/2006/main">
   <p:cSld>
     <p:spTree>
@@ -8004,6 +7821,13 @@
   <p:clrMapOvr>
     <a:masterClrMapping/>
   </p:clrMapOvr>
+  <p:timing>
+    <p:tnLst>
+      <p:par>
+        <p:cTn id="1" dur="indefinite" restart="never" nodeType="tmRoot"/>
+      </p:par>
+    </p:tnLst>
+  </p:timing>
 </p:sld>
 </file>
 
@@ -8074,6 +7898,13 @@
   <p:clrMapOvr>
     <a:masterClrMapping/>
   </p:clrMapOvr>
+  <p:timing>
+    <p:tnLst>
+      <p:par>
+        <p:cTn id="1" dur="indefinite" restart="never" nodeType="tmRoot"/>
+      </p:par>
+    </p:tnLst>
+  </p:timing>
 </p:sld>
 </file>
 
@@ -8179,6 +8010,13 @@
   <p:clrMapOvr>
     <a:masterClrMapping/>
   </p:clrMapOvr>
+  <p:timing>
+    <p:tnLst>
+      <p:par>
+        <p:cTn id="1" dur="indefinite" restart="never" nodeType="tmRoot"/>
+      </p:par>
+    </p:tnLst>
+  </p:timing>
 </p:sld>
 </file>
 
@@ -8372,6 +8210,13 @@
   <p:clrMapOvr>
     <a:masterClrMapping/>
   </p:clrMapOvr>
+  <p:timing>
+    <p:tnLst>
+      <p:par>
+        <p:cTn id="1" dur="indefinite" restart="never" nodeType="tmRoot"/>
+      </p:par>
+    </p:tnLst>
+  </p:timing>
 </p:sld>
 </file>
 
@@ -8490,11 +8335,18 @@
   <p:clrMapOvr>
     <a:masterClrMapping/>
   </p:clrMapOvr>
+  <p:timing>
+    <p:tnLst>
+      <p:par>
+        <p:cTn id="1" dur="indefinite" restart="never" nodeType="tmRoot"/>
+      </p:par>
+    </p:tnLst>
+  </p:timing>
 </p:sld>
 </file>
 
 <file path=ppt/slides/slide8.xml><?xml version="1.0" encoding="utf-8"?>
-<p:sld xmlns:a="http://schemas.openxmlformats.org/drawingml/2006/main" xmlns:r="http://schemas.openxmlformats.org/officeDocument/2006/relationships" xmlns:p="http://schemas.openxmlformats.org/presentationml/2006/main" show="0">
+<p:sld xmlns:a="http://schemas.openxmlformats.org/drawingml/2006/main" xmlns:r="http://schemas.openxmlformats.org/officeDocument/2006/relationships" xmlns:p="http://schemas.openxmlformats.org/presentationml/2006/main">
   <p:cSld>
     <p:spTree>
       <p:nvGrpSpPr>
@@ -8510,38 +8362,94 @@
           <a:chExt cx="0" cy="0"/>
         </a:xfrm>
       </p:grpSpPr>
-      <p:sp>
-        <p:nvSpPr>
-          <p:cNvPr id="2" name="Title 1"/>
-          <p:cNvSpPr>
-            <a:spLocks noGrp="1"/>
+      <p:pic>
+        <p:nvPicPr>
+          <p:cNvPr id="2050" name="Picture 2" descr="Related image"/>
+          <p:cNvPicPr>
+            <a:picLocks noChangeAspect="1" noChangeArrowheads="1"/>
+          </p:cNvPicPr>
+          <p:nvPr/>
+        </p:nvPicPr>
+        <p:blipFill>
+          <a:blip r:embed="rId2">
+            <a:extLst>
+              <a:ext uri="{28A0092B-C50C-407E-A947-70E740481C1C}">
+                <a14:useLocalDpi xmlns:a14="http://schemas.microsoft.com/office/drawing/2010/main" val="0"/>
+              </a:ext>
+            </a:extLst>
+          </a:blip>
+          <a:srcRect/>
+          <a:stretch>
+            <a:fillRect/>
+          </a:stretch>
+        </p:blipFill>
+        <p:spPr bwMode="auto">
+          <a:xfrm>
+            <a:off x="1198421" y="1181714"/>
+            <a:ext cx="10046274" cy="3980836"/>
+          </a:xfrm>
+          <a:prstGeom prst="rect">
+            <a:avLst/>
+          </a:prstGeom>
+          <a:noFill/>
+          <a:extLst>
+            <a:ext uri="{909E8E84-426E-40DD-AFC4-6F175D3DCCD1}">
+              <a14:hiddenFill xmlns:a14="http://schemas.microsoft.com/office/drawing/2010/main">
+                <a:solidFill>
+                  <a:srgbClr val="FFFFFF"/>
+                </a:solidFill>
+              </a14:hiddenFill>
+            </a:ext>
+          </a:extLst>
+        </p:spPr>
+      </p:pic>
+      <p:sp>
+        <p:nvSpPr>
+          <p:cNvPr id="7" name="Title 1"/>
+          <p:cNvSpPr txBox="1">
+            <a:spLocks/>
           </p:cNvSpPr>
-          <p:nvPr>
-            <p:ph type="title"/>
-          </p:nvPr>
+          <p:nvPr/>
         </p:nvSpPr>
         <p:spPr>
           <a:xfrm>
             <a:off x="729095" y="153948"/>
             <a:ext cx="10515600" cy="818216"/>
           </a:xfrm>
+          <a:prstGeom prst="rect">
+            <a:avLst/>
+          </a:prstGeom>
         </p:spPr>
         <p:txBody>
-          <a:bodyPr/>
-          <a:lstStyle/>
+          <a:bodyPr vert="horz" lIns="91440" tIns="45720" rIns="91440" bIns="45720" rtlCol="0" anchor="ctr">
+            <a:normAutofit/>
+          </a:bodyPr>
+          <a:lstStyle>
+            <a:lvl1pPr algn="l" defTabSz="914400" rtl="0" eaLnBrk="1" latinLnBrk="0" hangingPunct="1">
+              <a:lnSpc>
+                <a:spcPct val="90000"/>
+              </a:lnSpc>
+              <a:spcBef>
+                <a:spcPct val="0"/>
+              </a:spcBef>
+              <a:buNone/>
+              <a:defRPr sz="4400" kern="1200">
+                <a:solidFill>
+                  <a:schemeClr val="tx1"/>
+                </a:solidFill>
+                <a:latin typeface="+mj-lt"/>
+                <a:ea typeface="+mj-ea"/>
+                <a:cs typeface="+mj-cs"/>
+              </a:defRPr>
+            </a:lvl1pPr>
+          </a:lstStyle>
           <a:p>
             <a:pPr algn="ctr" rtl="1"/>
             <a:r>
               <a:rPr lang="en-US" dirty="0" smtClean="0">
                 <a:cs typeface="+mn-cs"/>
               </a:rPr>
-              <a:t>N</a:t>
-            </a:r>
-            <a:r>
-              <a:rPr lang="en-US" dirty="0" smtClean="0">
-                <a:cs typeface="+mn-cs"/>
-              </a:rPr>
-              <a:t>ode.JS – Under The Hood</a:t>
+              <a:t>Node.JS – Under The Hood</a:t>
             </a:r>
             <a:endParaRPr lang="en-US" dirty="0">
               <a:cs typeface="+mn-cs"/>
@@ -8549,787 +8457,10 @@
           </a:p>
         </p:txBody>
       </p:sp>
-      <p:sp>
-        <p:nvSpPr>
-          <p:cNvPr id="3" name="TextBox 2"/>
-          <p:cNvSpPr txBox="1"/>
-          <p:nvPr/>
-        </p:nvSpPr>
-        <p:spPr>
-          <a:xfrm>
-            <a:off x="968188" y="1018333"/>
-            <a:ext cx="10597237" cy="5909310"/>
-          </a:xfrm>
-          <a:prstGeom prst="rect">
-            <a:avLst/>
-          </a:prstGeom>
-          <a:noFill/>
-        </p:spPr>
-        <p:txBody>
-          <a:bodyPr wrap="square" rtlCol="0">
-            <a:spAutoFit/>
-          </a:bodyPr>
-          <a:lstStyle/>
-          <a:p>
-            <a:pPr algn="r" rtl="1"/>
-            <a:r>
-              <a:rPr lang="he-IL" dirty="0" smtClean="0"/>
-              <a:t>הקוד שלנו – </a:t>
-            </a:r>
-            <a:r>
-              <a:rPr lang="en-US" dirty="0" smtClean="0"/>
-              <a:t>100% </a:t>
-            </a:r>
-            <a:r>
-              <a:rPr lang="en-US" dirty="0" err="1" smtClean="0"/>
-              <a:t>Javascript</a:t>
-            </a:r>
-            <a:endParaRPr lang="he-IL" dirty="0" smtClean="0"/>
-          </a:p>
-          <a:p>
-            <a:pPr algn="r" rtl="1"/>
-            <a:endParaRPr lang="he-IL" dirty="0" smtClean="0"/>
-          </a:p>
-          <a:p>
-            <a:pPr algn="r" rtl="1"/>
-            <a:endParaRPr lang="he-IL" dirty="0" smtClean="0"/>
-          </a:p>
-          <a:p>
-            <a:pPr algn="r" rtl="1"/>
-            <a:endParaRPr lang="he-IL" dirty="0" smtClean="0"/>
-          </a:p>
-          <a:p>
-            <a:pPr algn="r" rtl="1"/>
-            <a:endParaRPr lang="he-IL" dirty="0"/>
-          </a:p>
-          <a:p>
-            <a:pPr algn="r" rtl="1"/>
-            <a:r>
-              <a:rPr lang="he-IL" dirty="0" smtClean="0"/>
-              <a:t>מנוע </a:t>
-            </a:r>
-            <a:r>
-              <a:rPr lang="en-US" dirty="0" smtClean="0"/>
-              <a:t>V8</a:t>
-            </a:r>
-            <a:r>
-              <a:rPr lang="he-IL" dirty="0" smtClean="0"/>
-              <a:t> של גוגל כרום – מפרסר ומריץ את קוד ה-</a:t>
-            </a:r>
-            <a:r>
-              <a:rPr lang="en-US" dirty="0" smtClean="0"/>
-              <a:t>JS</a:t>
-            </a:r>
-            <a:r>
-              <a:rPr lang="he-IL" dirty="0" smtClean="0"/>
-              <a:t> שלנו	</a:t>
-            </a:r>
-            <a:r>
-              <a:rPr lang="en-US" dirty="0" smtClean="0"/>
-              <a:t>		</a:t>
-            </a:r>
-            <a:r>
-              <a:rPr lang="he-IL" dirty="0" smtClean="0"/>
-              <a:t>- </a:t>
-            </a:r>
-            <a:r>
-              <a:rPr lang="en-US" dirty="0" smtClean="0"/>
-              <a:t>Single Threaded</a:t>
-            </a:r>
-            <a:endParaRPr lang="he-IL" dirty="0" smtClean="0"/>
-          </a:p>
-          <a:p>
-            <a:pPr algn="r" rtl="1"/>
-            <a:endParaRPr lang="he-IL" dirty="0" smtClean="0"/>
-          </a:p>
-          <a:p>
-            <a:pPr algn="r" rtl="1"/>
-            <a:endParaRPr lang="he-IL" dirty="0" smtClean="0"/>
-          </a:p>
-          <a:p>
-            <a:pPr algn="r" rtl="1"/>
-            <a:endParaRPr lang="he-IL" dirty="0" smtClean="0"/>
-          </a:p>
-          <a:p>
-            <a:pPr algn="r" rtl="1"/>
-            <a:endParaRPr lang="he-IL" dirty="0"/>
-          </a:p>
-          <a:p>
-            <a:pPr algn="r" rtl="1"/>
-            <a:r>
-              <a:rPr lang="he-IL" dirty="0" smtClean="0"/>
-              <a:t>מנוע </a:t>
-            </a:r>
-            <a:r>
-              <a:rPr lang="en-US" dirty="0" smtClean="0"/>
-              <a:t>Node.JS</a:t>
-            </a:r>
-            <a:r>
-              <a:rPr lang="he-IL" dirty="0" smtClean="0"/>
-              <a:t> – מתווך בין </a:t>
-            </a:r>
-            <a:r>
-              <a:rPr lang="en-US" dirty="0" smtClean="0"/>
-              <a:t>V8</a:t>
-            </a:r>
-            <a:r>
-              <a:rPr lang="he-IL" dirty="0" smtClean="0"/>
-              <a:t> ל-</a:t>
-            </a:r>
-            <a:r>
-              <a:rPr lang="en-US" dirty="0" err="1" smtClean="0"/>
-              <a:t>Libuv</a:t>
-            </a:r>
-            <a:r>
-              <a:rPr lang="he-IL" dirty="0" smtClean="0"/>
-              <a:t> </a:t>
-            </a:r>
-            <a:r>
-              <a:rPr lang="he-IL" sz="1200" dirty="0" smtClean="0"/>
-              <a:t>(עוטף פונקציונלית </a:t>
-            </a:r>
-            <a:r>
-              <a:rPr lang="en-US" sz="1200" dirty="0" smtClean="0"/>
-              <a:t>IO</a:t>
-            </a:r>
-            <a:r>
-              <a:rPr lang="he-IL" sz="1200" dirty="0" smtClean="0"/>
-              <a:t> של </a:t>
-            </a:r>
-            <a:r>
-              <a:rPr lang="en-US" sz="1200" dirty="0" err="1" smtClean="0"/>
-              <a:t>Libuv</a:t>
-            </a:r>
-            <a:r>
-              <a:rPr lang="he-IL" sz="1200" dirty="0" smtClean="0"/>
-              <a:t> וחושף ממשק </a:t>
-            </a:r>
-            <a:r>
-              <a:rPr lang="he-IL" sz="1200" dirty="0" err="1" smtClean="0"/>
-              <a:t>ג'אווסקריפטי</a:t>
-            </a:r>
-            <a:r>
-              <a:rPr lang="he-IL" sz="1200" dirty="0" smtClean="0"/>
-              <a:t> שאנחנו יכולים לייבא ולהשתמש בו)</a:t>
-            </a:r>
-          </a:p>
-          <a:p>
-            <a:pPr algn="r" rtl="1"/>
-            <a:endParaRPr lang="en-US" dirty="0" smtClean="0"/>
-          </a:p>
-          <a:p>
-            <a:pPr algn="r" rtl="1"/>
-            <a:endParaRPr lang="en-US" dirty="0"/>
-          </a:p>
-          <a:p>
-            <a:pPr algn="r" rtl="1"/>
-            <a:endParaRPr lang="en-US" dirty="0" smtClean="0"/>
-          </a:p>
-          <a:p>
-            <a:pPr algn="r" rtl="1"/>
-            <a:endParaRPr lang="he-IL" dirty="0"/>
-          </a:p>
-          <a:p>
-            <a:pPr algn="r" rtl="1"/>
-            <a:r>
-              <a:rPr lang="he-IL" dirty="0" smtClean="0"/>
-              <a:t>מנוע </a:t>
-            </a:r>
-            <a:r>
-              <a:rPr lang="en-US" dirty="0" err="1" smtClean="0"/>
-              <a:t>Libuv</a:t>
-            </a:r>
-            <a:r>
-              <a:rPr lang="he-IL" dirty="0" smtClean="0"/>
-              <a:t> – מנוע </a:t>
-            </a:r>
-            <a:r>
-              <a:rPr lang="en-US" dirty="0" smtClean="0"/>
-              <a:t>Cross Platform</a:t>
-            </a:r>
-            <a:r>
-              <a:rPr lang="he-IL" dirty="0" smtClean="0"/>
-              <a:t> - המספק יכולות </a:t>
-            </a:r>
-            <a:r>
-              <a:rPr lang="en-US" dirty="0" smtClean="0"/>
-              <a:t>IO</a:t>
-            </a:r>
-            <a:r>
-              <a:rPr lang="he-IL" dirty="0" smtClean="0"/>
-              <a:t> מול מערכת ההפעלה	- </a:t>
-            </a:r>
-            <a:r>
-              <a:rPr lang="en-US" dirty="0" smtClean="0"/>
-              <a:t>Multi Threaded</a:t>
-            </a:r>
-            <a:r>
-              <a:rPr lang="he-IL" dirty="0" smtClean="0"/>
-              <a:t> </a:t>
-            </a:r>
-          </a:p>
-          <a:p>
-            <a:pPr algn="r" rtl="1"/>
-            <a:endParaRPr lang="he-IL" dirty="0" smtClean="0"/>
-          </a:p>
-          <a:p>
-            <a:pPr algn="r" rtl="1"/>
-            <a:endParaRPr lang="he-IL" dirty="0" smtClean="0"/>
-          </a:p>
-          <a:p>
-            <a:pPr algn="r" rtl="1"/>
-            <a:endParaRPr lang="he-IL" dirty="0" smtClean="0"/>
-          </a:p>
-          <a:p>
-            <a:pPr algn="r" rtl="1"/>
-            <a:endParaRPr lang="he-IL" dirty="0" smtClean="0"/>
-          </a:p>
-          <a:p>
-            <a:pPr algn="r" rtl="1"/>
-            <a:r>
-              <a:rPr lang="he-IL" dirty="0" smtClean="0"/>
-              <a:t>מערכת ההפעלה</a:t>
-            </a:r>
-            <a:endParaRPr lang="en-US" dirty="0"/>
-          </a:p>
-        </p:txBody>
-      </p:sp>
-      <p:sp>
-        <p:nvSpPr>
-          <p:cNvPr id="4" name="Down Arrow 3"/>
-          <p:cNvSpPr/>
-          <p:nvPr/>
-        </p:nvSpPr>
-        <p:spPr>
-          <a:xfrm>
-            <a:off x="10151635" y="1532965"/>
-            <a:ext cx="466165" cy="744070"/>
-          </a:xfrm>
-          <a:prstGeom prst="downArrow">
-            <a:avLst/>
-          </a:prstGeom>
-        </p:spPr>
-        <p:style>
-          <a:lnRef idx="2">
-            <a:schemeClr val="accent1">
-              <a:shade val="50000"/>
-            </a:schemeClr>
-          </a:lnRef>
-          <a:fillRef idx="1">
-            <a:schemeClr val="accent1"/>
-          </a:fillRef>
-          <a:effectRef idx="0">
-            <a:schemeClr val="accent1"/>
-          </a:effectRef>
-          <a:fontRef idx="minor">
-            <a:schemeClr val="lt1"/>
-          </a:fontRef>
-        </p:style>
-        <p:txBody>
-          <a:bodyPr rtlCol="0" anchor="ctr"/>
-          <a:lstStyle/>
-          <a:p>
-            <a:pPr algn="ctr"/>
-            <a:endParaRPr lang="en-US"/>
-          </a:p>
-        </p:txBody>
-      </p:sp>
-      <p:sp>
-        <p:nvSpPr>
-          <p:cNvPr id="5" name="Down Arrow 4"/>
-          <p:cNvSpPr/>
-          <p:nvPr/>
-        </p:nvSpPr>
-        <p:spPr>
-          <a:xfrm>
-            <a:off x="10721788" y="2858705"/>
-            <a:ext cx="466165" cy="744070"/>
-          </a:xfrm>
-          <a:prstGeom prst="downArrow">
-            <a:avLst/>
-          </a:prstGeom>
-        </p:spPr>
-        <p:style>
-          <a:lnRef idx="2">
-            <a:schemeClr val="accent1">
-              <a:shade val="50000"/>
-            </a:schemeClr>
-          </a:lnRef>
-          <a:fillRef idx="1">
-            <a:schemeClr val="accent1"/>
-          </a:fillRef>
-          <a:effectRef idx="0">
-            <a:schemeClr val="accent1"/>
-          </a:effectRef>
-          <a:fontRef idx="minor">
-            <a:schemeClr val="lt1"/>
-          </a:fontRef>
-        </p:style>
-        <p:txBody>
-          <a:bodyPr rtlCol="0" anchor="ctr"/>
-          <a:lstStyle/>
-          <a:p>
-            <a:pPr algn="ctr"/>
-            <a:endParaRPr lang="en-US"/>
-          </a:p>
-        </p:txBody>
-      </p:sp>
-      <p:sp>
-        <p:nvSpPr>
-          <p:cNvPr id="6" name="Down Arrow 5"/>
-          <p:cNvSpPr/>
-          <p:nvPr/>
-        </p:nvSpPr>
-        <p:spPr>
-          <a:xfrm>
-            <a:off x="11266644" y="5758095"/>
-            <a:ext cx="305278" cy="658897"/>
-          </a:xfrm>
-          <a:prstGeom prst="downArrow">
-            <a:avLst/>
-          </a:prstGeom>
-          <a:solidFill>
-            <a:schemeClr val="accent2"/>
-          </a:solidFill>
-        </p:spPr>
-        <p:style>
-          <a:lnRef idx="2">
-            <a:schemeClr val="accent1">
-              <a:shade val="50000"/>
-            </a:schemeClr>
-          </a:lnRef>
-          <a:fillRef idx="1">
-            <a:schemeClr val="accent1"/>
-          </a:fillRef>
-          <a:effectRef idx="0">
-            <a:schemeClr val="accent1"/>
-          </a:effectRef>
-          <a:fontRef idx="minor">
-            <a:schemeClr val="lt1"/>
-          </a:fontRef>
-        </p:style>
-        <p:txBody>
-          <a:bodyPr rtlCol="0" anchor="ctr"/>
-          <a:lstStyle/>
-          <a:p>
-            <a:pPr algn="ctr"/>
-            <a:endParaRPr lang="en-US"/>
-          </a:p>
-        </p:txBody>
-      </p:sp>
-      <p:sp>
-        <p:nvSpPr>
-          <p:cNvPr id="7" name="Curved Left Arrow 6"/>
-          <p:cNvSpPr/>
-          <p:nvPr/>
-        </p:nvSpPr>
-        <p:spPr>
-          <a:xfrm>
-            <a:off x="10739718" y="4204448"/>
-            <a:ext cx="596153" cy="995082"/>
-          </a:xfrm>
-          <a:prstGeom prst="curvedLeftArrow">
-            <a:avLst/>
-          </a:prstGeom>
-        </p:spPr>
-        <p:style>
-          <a:lnRef idx="2">
-            <a:schemeClr val="accent1">
-              <a:shade val="50000"/>
-            </a:schemeClr>
-          </a:lnRef>
-          <a:fillRef idx="1">
-            <a:schemeClr val="accent1"/>
-          </a:fillRef>
-          <a:effectRef idx="0">
-            <a:schemeClr val="accent1"/>
-          </a:effectRef>
-          <a:fontRef idx="minor">
-            <a:schemeClr val="lt1"/>
-          </a:fontRef>
-        </p:style>
-        <p:txBody>
-          <a:bodyPr rtlCol="0" anchor="ctr"/>
-          <a:lstStyle/>
-          <a:p>
-            <a:pPr algn="ctr"/>
-            <a:endParaRPr lang="en-US">
-              <a:solidFill>
-                <a:schemeClr val="tx1"/>
-              </a:solidFill>
-            </a:endParaRPr>
-          </a:p>
-        </p:txBody>
-      </p:sp>
-      <p:sp>
-        <p:nvSpPr>
-          <p:cNvPr id="8" name="Curved Left Arrow 7"/>
-          <p:cNvSpPr/>
-          <p:nvPr/>
-        </p:nvSpPr>
-        <p:spPr>
-          <a:xfrm rot="10800000">
-            <a:off x="9529484" y="4150658"/>
-            <a:ext cx="596153" cy="995082"/>
-          </a:xfrm>
-          <a:prstGeom prst="curvedLeftArrow">
-            <a:avLst>
-              <a:gd name="adj1" fmla="val 25000"/>
-              <a:gd name="adj2" fmla="val 51516"/>
-              <a:gd name="adj3" fmla="val 25000"/>
-            </a:avLst>
-          </a:prstGeom>
-        </p:spPr>
-        <p:style>
-          <a:lnRef idx="2">
-            <a:schemeClr val="accent1">
-              <a:shade val="50000"/>
-            </a:schemeClr>
-          </a:lnRef>
-          <a:fillRef idx="1">
-            <a:schemeClr val="accent1"/>
-          </a:fillRef>
-          <a:effectRef idx="0">
-            <a:schemeClr val="accent1"/>
-          </a:effectRef>
-          <a:fontRef idx="minor">
-            <a:schemeClr val="lt1"/>
-          </a:fontRef>
-        </p:style>
-        <p:txBody>
-          <a:bodyPr rtlCol="0" anchor="ctr"/>
-          <a:lstStyle/>
-          <a:p>
-            <a:pPr algn="ctr"/>
-            <a:endParaRPr lang="en-US">
-              <a:solidFill>
-                <a:schemeClr val="tx1"/>
-              </a:solidFill>
-            </a:endParaRPr>
-          </a:p>
-        </p:txBody>
-      </p:sp>
-      <p:sp>
-        <p:nvSpPr>
-          <p:cNvPr id="9" name="TextBox 8"/>
-          <p:cNvSpPr txBox="1"/>
-          <p:nvPr/>
-        </p:nvSpPr>
-        <p:spPr>
-          <a:xfrm>
-            <a:off x="9620661" y="4499393"/>
-            <a:ext cx="1624034" cy="369332"/>
-          </a:xfrm>
-          <a:prstGeom prst="rect">
-            <a:avLst/>
-          </a:prstGeom>
-          <a:noFill/>
-        </p:spPr>
-        <p:txBody>
-          <a:bodyPr wrap="none" rtlCol="0">
-            <a:spAutoFit/>
-          </a:bodyPr>
-          <a:lstStyle/>
-          <a:p>
-            <a:r>
-              <a:rPr lang="en-US" dirty="0" smtClean="0">
-                <a:solidFill>
-                  <a:srgbClr val="0070C0"/>
-                </a:solidFill>
-              </a:rPr>
-              <a:t>The Event Loop</a:t>
-            </a:r>
-            <a:endParaRPr lang="en-US" dirty="0">
-              <a:solidFill>
-                <a:srgbClr val="0070C0"/>
-              </a:solidFill>
-            </a:endParaRPr>
-          </a:p>
-        </p:txBody>
-      </p:sp>
-      <p:sp>
-        <p:nvSpPr>
-          <p:cNvPr id="10" name="Down Arrow 9"/>
-          <p:cNvSpPr/>
-          <p:nvPr/>
-        </p:nvSpPr>
-        <p:spPr>
-          <a:xfrm rot="10800000">
-            <a:off x="10103760" y="5726340"/>
-            <a:ext cx="326315" cy="666218"/>
-          </a:xfrm>
-          <a:prstGeom prst="downArrow">
-            <a:avLst/>
-          </a:prstGeom>
-          <a:solidFill>
-            <a:schemeClr val="accent2"/>
-          </a:solidFill>
-        </p:spPr>
-        <p:style>
-          <a:lnRef idx="2">
-            <a:schemeClr val="accent1">
-              <a:shade val="50000"/>
-            </a:schemeClr>
-          </a:lnRef>
-          <a:fillRef idx="1">
-            <a:schemeClr val="accent1"/>
-          </a:fillRef>
-          <a:effectRef idx="0">
-            <a:schemeClr val="accent1"/>
-          </a:effectRef>
-          <a:fontRef idx="minor">
-            <a:schemeClr val="lt1"/>
-          </a:fontRef>
-        </p:style>
-        <p:txBody>
-          <a:bodyPr rtlCol="0" anchor="ctr"/>
-          <a:lstStyle/>
-          <a:p>
-            <a:pPr algn="ctr"/>
-            <a:endParaRPr lang="en-US"/>
-          </a:p>
-        </p:txBody>
-      </p:sp>
-      <p:sp>
-        <p:nvSpPr>
-          <p:cNvPr id="11" name="Down Arrow 10"/>
-          <p:cNvSpPr/>
-          <p:nvPr/>
-        </p:nvSpPr>
-        <p:spPr>
-          <a:xfrm rot="10800000">
-            <a:off x="9750852" y="2858705"/>
-            <a:ext cx="466165" cy="744070"/>
-          </a:xfrm>
-          <a:prstGeom prst="downArrow">
-            <a:avLst/>
-          </a:prstGeom>
-        </p:spPr>
-        <p:style>
-          <a:lnRef idx="2">
-            <a:schemeClr val="accent1">
-              <a:shade val="50000"/>
-            </a:schemeClr>
-          </a:lnRef>
-          <a:fillRef idx="1">
-            <a:schemeClr val="accent1"/>
-          </a:fillRef>
-          <a:effectRef idx="0">
-            <a:schemeClr val="accent1"/>
-          </a:effectRef>
-          <a:fontRef idx="minor">
-            <a:schemeClr val="lt1"/>
-          </a:fontRef>
-        </p:style>
-        <p:txBody>
-          <a:bodyPr rtlCol="0" anchor="ctr"/>
-          <a:lstStyle/>
-          <a:p>
-            <a:pPr algn="ctr"/>
-            <a:endParaRPr lang="en-US"/>
-          </a:p>
-        </p:txBody>
-      </p:sp>
-      <p:sp>
-        <p:nvSpPr>
-          <p:cNvPr id="12" name="TextBox 11"/>
-          <p:cNvSpPr txBox="1"/>
-          <p:nvPr/>
-        </p:nvSpPr>
-        <p:spPr>
-          <a:xfrm>
-            <a:off x="10389036" y="5920246"/>
-            <a:ext cx="976549" cy="461665"/>
-          </a:xfrm>
-          <a:prstGeom prst="rect">
-            <a:avLst/>
-          </a:prstGeom>
-          <a:noFill/>
-        </p:spPr>
-        <p:txBody>
-          <a:bodyPr wrap="none" rtlCol="0">
-            <a:spAutoFit/>
-          </a:bodyPr>
-          <a:lstStyle/>
-          <a:p>
-            <a:pPr algn="ctr"/>
-            <a:r>
-              <a:rPr lang="en-US" sz="1200" dirty="0" smtClean="0">
-                <a:solidFill>
-                  <a:schemeClr val="accent2"/>
-                </a:solidFill>
-              </a:rPr>
-              <a:t>Thread 1</a:t>
-            </a:r>
-            <a:endParaRPr lang="he-IL" sz="1200" dirty="0" smtClean="0">
-              <a:solidFill>
-                <a:schemeClr val="accent2"/>
-              </a:solidFill>
-            </a:endParaRPr>
-          </a:p>
-          <a:p>
-            <a:pPr algn="ctr"/>
-            <a:r>
-              <a:rPr lang="he-IL" sz="1200" dirty="0" smtClean="0">
-                <a:solidFill>
-                  <a:schemeClr val="accent2"/>
-                </a:solidFill>
-              </a:rPr>
-              <a:t>האזנה לפורט</a:t>
-            </a:r>
-            <a:endParaRPr lang="en-US" sz="1200" dirty="0">
-              <a:solidFill>
-                <a:schemeClr val="accent2"/>
-              </a:solidFill>
-            </a:endParaRPr>
-          </a:p>
-        </p:txBody>
-      </p:sp>
-      <p:sp>
-        <p:nvSpPr>
-          <p:cNvPr id="13" name="Down Arrow 12"/>
-          <p:cNvSpPr/>
-          <p:nvPr/>
-        </p:nvSpPr>
-        <p:spPr>
-          <a:xfrm>
-            <a:off x="9399057" y="5757130"/>
-            <a:ext cx="305278" cy="658897"/>
-          </a:xfrm>
-          <a:prstGeom prst="downArrow">
-            <a:avLst/>
-          </a:prstGeom>
-          <a:solidFill>
-            <a:schemeClr val="accent6"/>
-          </a:solidFill>
-        </p:spPr>
-        <p:style>
-          <a:lnRef idx="2">
-            <a:schemeClr val="accent1">
-              <a:shade val="50000"/>
-            </a:schemeClr>
-          </a:lnRef>
-          <a:fillRef idx="1">
-            <a:schemeClr val="accent1"/>
-          </a:fillRef>
-          <a:effectRef idx="0">
-            <a:schemeClr val="accent1"/>
-          </a:effectRef>
-          <a:fontRef idx="minor">
-            <a:schemeClr val="lt1"/>
-          </a:fontRef>
-        </p:style>
-        <p:txBody>
-          <a:bodyPr rtlCol="0" anchor="ctr"/>
-          <a:lstStyle/>
-          <a:p>
-            <a:pPr algn="ctr"/>
-            <a:endParaRPr lang="en-US"/>
-          </a:p>
-        </p:txBody>
-      </p:sp>
-      <p:sp>
-        <p:nvSpPr>
-          <p:cNvPr id="14" name="Down Arrow 13"/>
-          <p:cNvSpPr/>
-          <p:nvPr/>
-        </p:nvSpPr>
-        <p:spPr>
-          <a:xfrm rot="10800000">
-            <a:off x="8379613" y="5725375"/>
-            <a:ext cx="326315" cy="666218"/>
-          </a:xfrm>
-          <a:prstGeom prst="downArrow">
-            <a:avLst/>
-          </a:prstGeom>
-          <a:solidFill>
-            <a:schemeClr val="accent6"/>
-          </a:solidFill>
-        </p:spPr>
-        <p:style>
-          <a:lnRef idx="2">
-            <a:schemeClr val="accent1">
-              <a:shade val="50000"/>
-            </a:schemeClr>
-          </a:lnRef>
-          <a:fillRef idx="1">
-            <a:schemeClr val="accent1"/>
-          </a:fillRef>
-          <a:effectRef idx="0">
-            <a:schemeClr val="accent1"/>
-          </a:effectRef>
-          <a:fontRef idx="minor">
-            <a:schemeClr val="lt1"/>
-          </a:fontRef>
-        </p:style>
-        <p:txBody>
-          <a:bodyPr rtlCol="0" anchor="ctr"/>
-          <a:lstStyle/>
-          <a:p>
-            <a:pPr algn="ctr"/>
-            <a:endParaRPr lang="en-US"/>
-          </a:p>
-        </p:txBody>
-      </p:sp>
-      <p:sp>
-        <p:nvSpPr>
-          <p:cNvPr id="15" name="TextBox 14"/>
-          <p:cNvSpPr txBox="1"/>
-          <p:nvPr/>
-        </p:nvSpPr>
-        <p:spPr>
-          <a:xfrm>
-            <a:off x="8631170" y="5873466"/>
-            <a:ext cx="912429" cy="430887"/>
-          </a:xfrm>
-          <a:prstGeom prst="rect">
-            <a:avLst/>
-          </a:prstGeom>
-          <a:noFill/>
-        </p:spPr>
-        <p:txBody>
-          <a:bodyPr wrap="none" rtlCol="0">
-            <a:spAutoFit/>
-          </a:bodyPr>
-          <a:lstStyle/>
-          <a:p>
-            <a:pPr algn="ctr"/>
-            <a:r>
-              <a:rPr lang="en-US" sz="1100" dirty="0" smtClean="0">
-                <a:solidFill>
-                  <a:schemeClr val="accent6"/>
-                </a:solidFill>
-              </a:rPr>
-              <a:t>Thread 2</a:t>
-            </a:r>
-            <a:endParaRPr lang="he-IL" sz="1100" dirty="0" smtClean="0">
-              <a:solidFill>
-                <a:schemeClr val="accent6"/>
-              </a:solidFill>
-            </a:endParaRPr>
-          </a:p>
-          <a:p>
-            <a:pPr algn="ctr"/>
-            <a:r>
-              <a:rPr lang="he-IL" sz="1100" dirty="0" smtClean="0">
-                <a:solidFill>
-                  <a:schemeClr val="accent6"/>
-                </a:solidFill>
-              </a:rPr>
-              <a:t>קריאה מקובץ</a:t>
-            </a:r>
-            <a:endParaRPr lang="en-US" sz="1100" dirty="0">
-              <a:solidFill>
-                <a:schemeClr val="accent6"/>
-              </a:solidFill>
-            </a:endParaRPr>
-          </a:p>
-        </p:txBody>
-      </p:sp>
     </p:spTree>
     <p:extLst>
       <p:ext uri="{BB962C8B-B14F-4D97-AF65-F5344CB8AC3E}">
-        <p14:creationId xmlns:p14="http://schemas.microsoft.com/office/powerpoint/2010/main" val="1122583024"/>
+        <p14:creationId xmlns:p14="http://schemas.microsoft.com/office/powerpoint/2010/main" val="1827151398"/>
       </p:ext>
     </p:extLst>
   </p:cSld>
@@ -9344,6 +8475,13 @@
       <p:transition spd="slow"/>
     </mc:Fallback>
   </mc:AlternateContent>
+  <p:timing>
+    <p:tnLst>
+      <p:par>
+        <p:cTn id="1" dur="indefinite" restart="never" nodeType="tmRoot"/>
+      </p:par>
+    </p:tnLst>
+  </p:timing>
 </p:sld>
 </file>
 
@@ -9407,6 +8545,86 @@
       </p:pic>
       <p:sp>
         <p:nvSpPr>
+          <p:cNvPr id="16" name="Rectangle 15"/>
+          <p:cNvSpPr/>
+          <p:nvPr/>
+        </p:nvSpPr>
+        <p:spPr>
+          <a:xfrm>
+            <a:off x="1198421" y="1181714"/>
+            <a:ext cx="2367740" cy="1835806"/>
+          </a:xfrm>
+          <a:prstGeom prst="rect">
+            <a:avLst/>
+          </a:prstGeom>
+          <a:noFill/>
+          <a:ln w="127000">
+            <a:solidFill>
+              <a:srgbClr val="00B0F0"/>
+            </a:solidFill>
+          </a:ln>
+        </p:spPr>
+        <p:style>
+          <a:lnRef idx="2">
+            <a:schemeClr val="accent1">
+              <a:shade val="50000"/>
+            </a:schemeClr>
+          </a:lnRef>
+          <a:fillRef idx="1">
+            <a:schemeClr val="accent1"/>
+          </a:fillRef>
+          <a:effectRef idx="0">
+            <a:schemeClr val="accent1"/>
+          </a:effectRef>
+          <a:fontRef idx="minor">
+            <a:schemeClr val="lt1"/>
+          </a:fontRef>
+        </p:style>
+        <p:txBody>
+          <a:bodyPr rtlCol="0" anchor="ctr"/>
+          <a:lstStyle/>
+          <a:p>
+            <a:pPr algn="ctr"/>
+            <a:endParaRPr lang="en-US"/>
+          </a:p>
+        </p:txBody>
+      </p:sp>
+      <p:sp>
+        <p:nvSpPr>
+          <p:cNvPr id="17" name="Rectangle 16"/>
+          <p:cNvSpPr/>
+          <p:nvPr/>
+        </p:nvSpPr>
+        <p:spPr>
+          <a:xfrm>
+            <a:off x="5148695" y="5563791"/>
+            <a:ext cx="6096000" cy="369332"/>
+          </a:xfrm>
+          <a:prstGeom prst="rect">
+            <a:avLst/>
+          </a:prstGeom>
+        </p:spPr>
+        <p:txBody>
+          <a:bodyPr>
+            <a:spAutoFit/>
+          </a:bodyPr>
+          <a:lstStyle/>
+          <a:p>
+            <a:pPr algn="r" rtl="1"/>
+            <a:r>
+              <a:rPr lang="he-IL" dirty="0" smtClean="0"/>
+              <a:t>קוד האפליקציה שלנו – כתוב ב-</a:t>
+            </a:r>
+            <a:r>
+              <a:rPr lang="en-US" dirty="0" smtClean="0"/>
+              <a:t>JS</a:t>
+            </a:r>
+            <a:endParaRPr lang="en-US" dirty="0"/>
+          </a:p>
+        </p:txBody>
+      </p:sp>
+      <p:sp>
+        <p:nvSpPr>
           <p:cNvPr id="7" name="Title 1"/>
           <p:cNvSpPr txBox="1">
             <a:spLocks/>
@@ -9462,7 +8680,7 @@
     </p:spTree>
     <p:extLst>
       <p:ext uri="{BB962C8B-B14F-4D97-AF65-F5344CB8AC3E}">
-        <p14:creationId xmlns:p14="http://schemas.microsoft.com/office/powerpoint/2010/main" val="1827151398"/>
+        <p14:creationId xmlns:p14="http://schemas.microsoft.com/office/powerpoint/2010/main" val="3571532683"/>
       </p:ext>
     </p:extLst>
   </p:cSld>
@@ -9477,6 +8695,13 @@
       <p:transition spd="slow"/>
     </mc:Fallback>
   </mc:AlternateContent>
+  <p:timing>
+    <p:tnLst>
+      <p:par>
+        <p:cTn id="1" dur="indefinite" restart="never" nodeType="tmRoot"/>
+      </p:par>
+    </p:tnLst>
+  </p:timing>
 </p:sld>
 </file>
 

--- a/lecture/Presentation.pptx
+++ b/lecture/Presentation.pptx
@@ -4,6 +4,9 @@
   <p:sldMasterIdLst>
     <p:sldMasterId id="2147483648" r:id="rId1"/>
   </p:sldMasterIdLst>
+  <p:notesMasterIdLst>
+    <p:notesMasterId r:id="rId25"/>
+  </p:notesMasterIdLst>
   <p:sldIdLst>
     <p:sldId id="256" r:id="rId2"/>
     <p:sldId id="258" r:id="rId3"/>
@@ -144,6 +147,524 @@
     </p:extLst>
   </p:cmAuthor>
 </p:cmAuthorLst>
+</file>
+
+<file path=ppt/notesMasters/notesMaster1.xml><?xml version="1.0" encoding="utf-8"?>
+<p:notesMaster xmlns:a="http://schemas.openxmlformats.org/drawingml/2006/main" xmlns:r="http://schemas.openxmlformats.org/officeDocument/2006/relationships" xmlns:p="http://schemas.openxmlformats.org/presentationml/2006/main">
+  <p:cSld>
+    <p:bg>
+      <p:bgRef idx="1001">
+        <a:schemeClr val="bg1"/>
+      </p:bgRef>
+    </p:bg>
+    <p:spTree>
+      <p:nvGrpSpPr>
+        <p:cNvPr id="1" name=""/>
+        <p:cNvGrpSpPr/>
+        <p:nvPr/>
+      </p:nvGrpSpPr>
+      <p:grpSpPr>
+        <a:xfrm>
+          <a:off x="0" y="0"/>
+          <a:ext cx="0" cy="0"/>
+          <a:chOff x="0" y="0"/>
+          <a:chExt cx="0" cy="0"/>
+        </a:xfrm>
+      </p:grpSpPr>
+      <p:sp>
+        <p:nvSpPr>
+          <p:cNvPr id="2" name="Header Placeholder 1"/>
+          <p:cNvSpPr>
+            <a:spLocks noGrp="1"/>
+          </p:cNvSpPr>
+          <p:nvPr>
+            <p:ph type="hdr" sz="quarter"/>
+          </p:nvPr>
+        </p:nvSpPr>
+        <p:spPr>
+          <a:xfrm>
+            <a:off x="0" y="0"/>
+            <a:ext cx="2971800" cy="458788"/>
+          </a:xfrm>
+          <a:prstGeom prst="rect">
+            <a:avLst/>
+          </a:prstGeom>
+        </p:spPr>
+        <p:txBody>
+          <a:bodyPr vert="horz" lIns="91440" tIns="45720" rIns="91440" bIns="45720" rtlCol="0"/>
+          <a:lstStyle>
+            <a:lvl1pPr algn="l">
+              <a:defRPr sz="1200"/>
+            </a:lvl1pPr>
+          </a:lstStyle>
+          <a:p>
+            <a:endParaRPr lang="en-US"/>
+          </a:p>
+        </p:txBody>
+      </p:sp>
+      <p:sp>
+        <p:nvSpPr>
+          <p:cNvPr id="3" name="Date Placeholder 2"/>
+          <p:cNvSpPr>
+            <a:spLocks noGrp="1"/>
+          </p:cNvSpPr>
+          <p:nvPr>
+            <p:ph type="dt" idx="1"/>
+          </p:nvPr>
+        </p:nvSpPr>
+        <p:spPr>
+          <a:xfrm>
+            <a:off x="3884613" y="0"/>
+            <a:ext cx="2971800" cy="458788"/>
+          </a:xfrm>
+          <a:prstGeom prst="rect">
+            <a:avLst/>
+          </a:prstGeom>
+        </p:spPr>
+        <p:txBody>
+          <a:bodyPr vert="horz" lIns="91440" tIns="45720" rIns="91440" bIns="45720" rtlCol="0"/>
+          <a:lstStyle>
+            <a:lvl1pPr algn="r">
+              <a:defRPr sz="1200"/>
+            </a:lvl1pPr>
+          </a:lstStyle>
+          <a:p>
+            <a:fld id="{BCA1E7E7-C1E6-448B-9C58-907928B4E4CE}" type="datetimeFigureOut">
+              <a:rPr lang="en-US" smtClean="0"/>
+              <a:t>12/3/2019</a:t>
+            </a:fld>
+            <a:endParaRPr lang="en-US"/>
+          </a:p>
+        </p:txBody>
+      </p:sp>
+      <p:sp>
+        <p:nvSpPr>
+          <p:cNvPr id="4" name="Slide Image Placeholder 3"/>
+          <p:cNvSpPr>
+            <a:spLocks noGrp="1" noRot="1" noChangeAspect="1"/>
+          </p:cNvSpPr>
+          <p:nvPr>
+            <p:ph type="sldImg" idx="2"/>
+          </p:nvPr>
+        </p:nvSpPr>
+        <p:spPr>
+          <a:xfrm>
+            <a:off x="685800" y="1143000"/>
+            <a:ext cx="5486400" cy="3086100"/>
+          </a:xfrm>
+          <a:prstGeom prst="rect">
+            <a:avLst/>
+          </a:prstGeom>
+          <a:noFill/>
+          <a:ln w="12700">
+            <a:solidFill>
+              <a:prstClr val="black"/>
+            </a:solidFill>
+          </a:ln>
+        </p:spPr>
+        <p:txBody>
+          <a:bodyPr vert="horz" lIns="91440" tIns="45720" rIns="91440" bIns="45720" rtlCol="0" anchor="ctr"/>
+          <a:lstStyle/>
+          <a:p>
+            <a:endParaRPr lang="en-US"/>
+          </a:p>
+        </p:txBody>
+      </p:sp>
+      <p:sp>
+        <p:nvSpPr>
+          <p:cNvPr id="5" name="Notes Placeholder 4"/>
+          <p:cNvSpPr>
+            <a:spLocks noGrp="1"/>
+          </p:cNvSpPr>
+          <p:nvPr>
+            <p:ph type="body" sz="quarter" idx="3"/>
+          </p:nvPr>
+        </p:nvSpPr>
+        <p:spPr>
+          <a:xfrm>
+            <a:off x="685800" y="4400550"/>
+            <a:ext cx="5486400" cy="3600450"/>
+          </a:xfrm>
+          <a:prstGeom prst="rect">
+            <a:avLst/>
+          </a:prstGeom>
+        </p:spPr>
+        <p:txBody>
+          <a:bodyPr vert="horz" lIns="91440" tIns="45720" rIns="91440" bIns="45720" rtlCol="0"/>
+          <a:lstStyle/>
+          <a:p>
+            <a:pPr lvl="0"/>
+            <a:r>
+              <a:rPr lang="en-US" smtClean="0"/>
+              <a:t>Click to edit Master text styles</a:t>
+            </a:r>
+          </a:p>
+          <a:p>
+            <a:pPr lvl="1"/>
+            <a:r>
+              <a:rPr lang="en-US" smtClean="0"/>
+              <a:t>Second level</a:t>
+            </a:r>
+          </a:p>
+          <a:p>
+            <a:pPr lvl="2"/>
+            <a:r>
+              <a:rPr lang="en-US" smtClean="0"/>
+              <a:t>Third level</a:t>
+            </a:r>
+          </a:p>
+          <a:p>
+            <a:pPr lvl="3"/>
+            <a:r>
+              <a:rPr lang="en-US" smtClean="0"/>
+              <a:t>Fourth level</a:t>
+            </a:r>
+          </a:p>
+          <a:p>
+            <a:pPr lvl="4"/>
+            <a:r>
+              <a:rPr lang="en-US" smtClean="0"/>
+              <a:t>Fifth level</a:t>
+            </a:r>
+            <a:endParaRPr lang="en-US"/>
+          </a:p>
+        </p:txBody>
+      </p:sp>
+      <p:sp>
+        <p:nvSpPr>
+          <p:cNvPr id="6" name="Footer Placeholder 5"/>
+          <p:cNvSpPr>
+            <a:spLocks noGrp="1"/>
+          </p:cNvSpPr>
+          <p:nvPr>
+            <p:ph type="ftr" sz="quarter" idx="4"/>
+          </p:nvPr>
+        </p:nvSpPr>
+        <p:spPr>
+          <a:xfrm>
+            <a:off x="0" y="8685213"/>
+            <a:ext cx="2971800" cy="458787"/>
+          </a:xfrm>
+          <a:prstGeom prst="rect">
+            <a:avLst/>
+          </a:prstGeom>
+        </p:spPr>
+        <p:txBody>
+          <a:bodyPr vert="horz" lIns="91440" tIns="45720" rIns="91440" bIns="45720" rtlCol="0" anchor="b"/>
+          <a:lstStyle>
+            <a:lvl1pPr algn="l">
+              <a:defRPr sz="1200"/>
+            </a:lvl1pPr>
+          </a:lstStyle>
+          <a:p>
+            <a:endParaRPr lang="en-US"/>
+          </a:p>
+        </p:txBody>
+      </p:sp>
+      <p:sp>
+        <p:nvSpPr>
+          <p:cNvPr id="7" name="Slide Number Placeholder 6"/>
+          <p:cNvSpPr>
+            <a:spLocks noGrp="1"/>
+          </p:cNvSpPr>
+          <p:nvPr>
+            <p:ph type="sldNum" sz="quarter" idx="5"/>
+          </p:nvPr>
+        </p:nvSpPr>
+        <p:spPr>
+          <a:xfrm>
+            <a:off x="3884613" y="8685213"/>
+            <a:ext cx="2971800" cy="458787"/>
+          </a:xfrm>
+          <a:prstGeom prst="rect">
+            <a:avLst/>
+          </a:prstGeom>
+        </p:spPr>
+        <p:txBody>
+          <a:bodyPr vert="horz" lIns="91440" tIns="45720" rIns="91440" bIns="45720" rtlCol="0" anchor="b"/>
+          <a:lstStyle>
+            <a:lvl1pPr algn="r">
+              <a:defRPr sz="1200"/>
+            </a:lvl1pPr>
+          </a:lstStyle>
+          <a:p>
+            <a:fld id="{D55D9797-8221-4AB6-94E4-B9A173EC2791}" type="slidenum">
+              <a:rPr lang="en-US" smtClean="0"/>
+              <a:t>‹#›</a:t>
+            </a:fld>
+            <a:endParaRPr lang="en-US"/>
+          </a:p>
+        </p:txBody>
+      </p:sp>
+    </p:spTree>
+    <p:extLst>
+      <p:ext uri="{BB962C8B-B14F-4D97-AF65-F5344CB8AC3E}">
+        <p14:creationId xmlns:p14="http://schemas.microsoft.com/office/powerpoint/2010/main" val="3236706761"/>
+      </p:ext>
+    </p:extLst>
+  </p:cSld>
+  <p:clrMap bg1="lt1" tx1="dk1" bg2="lt2" tx2="dk2" accent1="accent1" accent2="accent2" accent3="accent3" accent4="accent4" accent5="accent5" accent6="accent6" hlink="hlink" folHlink="folHlink"/>
+  <p:notesStyle>
+    <a:lvl1pPr marL="0" algn="l" defTabSz="914400" rtl="0" eaLnBrk="1" latinLnBrk="0" hangingPunct="1">
+      <a:defRPr sz="1200" kern="1200">
+        <a:solidFill>
+          <a:schemeClr val="tx1"/>
+        </a:solidFill>
+        <a:latin typeface="+mn-lt"/>
+        <a:ea typeface="+mn-ea"/>
+        <a:cs typeface="+mn-cs"/>
+      </a:defRPr>
+    </a:lvl1pPr>
+    <a:lvl2pPr marL="457200" algn="l" defTabSz="914400" rtl="0" eaLnBrk="1" latinLnBrk="0" hangingPunct="1">
+      <a:defRPr sz="1200" kern="1200">
+        <a:solidFill>
+          <a:schemeClr val="tx1"/>
+        </a:solidFill>
+        <a:latin typeface="+mn-lt"/>
+        <a:ea typeface="+mn-ea"/>
+        <a:cs typeface="+mn-cs"/>
+      </a:defRPr>
+    </a:lvl2pPr>
+    <a:lvl3pPr marL="914400" algn="l" defTabSz="914400" rtl="0" eaLnBrk="1" latinLnBrk="0" hangingPunct="1">
+      <a:defRPr sz="1200" kern="1200">
+        <a:solidFill>
+          <a:schemeClr val="tx1"/>
+        </a:solidFill>
+        <a:latin typeface="+mn-lt"/>
+        <a:ea typeface="+mn-ea"/>
+        <a:cs typeface="+mn-cs"/>
+      </a:defRPr>
+    </a:lvl3pPr>
+    <a:lvl4pPr marL="1371600" algn="l" defTabSz="914400" rtl="0" eaLnBrk="1" latinLnBrk="0" hangingPunct="1">
+      <a:defRPr sz="1200" kern="1200">
+        <a:solidFill>
+          <a:schemeClr val="tx1"/>
+        </a:solidFill>
+        <a:latin typeface="+mn-lt"/>
+        <a:ea typeface="+mn-ea"/>
+        <a:cs typeface="+mn-cs"/>
+      </a:defRPr>
+    </a:lvl4pPr>
+    <a:lvl5pPr marL="1828800" algn="l" defTabSz="914400" rtl="0" eaLnBrk="1" latinLnBrk="0" hangingPunct="1">
+      <a:defRPr sz="1200" kern="1200">
+        <a:solidFill>
+          <a:schemeClr val="tx1"/>
+        </a:solidFill>
+        <a:latin typeface="+mn-lt"/>
+        <a:ea typeface="+mn-ea"/>
+        <a:cs typeface="+mn-cs"/>
+      </a:defRPr>
+    </a:lvl5pPr>
+    <a:lvl6pPr marL="2286000" algn="l" defTabSz="914400" rtl="0" eaLnBrk="1" latinLnBrk="0" hangingPunct="1">
+      <a:defRPr sz="1200" kern="1200">
+        <a:solidFill>
+          <a:schemeClr val="tx1"/>
+        </a:solidFill>
+        <a:latin typeface="+mn-lt"/>
+        <a:ea typeface="+mn-ea"/>
+        <a:cs typeface="+mn-cs"/>
+      </a:defRPr>
+    </a:lvl6pPr>
+    <a:lvl7pPr marL="2743200" algn="l" defTabSz="914400" rtl="0" eaLnBrk="1" latinLnBrk="0" hangingPunct="1">
+      <a:defRPr sz="1200" kern="1200">
+        <a:solidFill>
+          <a:schemeClr val="tx1"/>
+        </a:solidFill>
+        <a:latin typeface="+mn-lt"/>
+        <a:ea typeface="+mn-ea"/>
+        <a:cs typeface="+mn-cs"/>
+      </a:defRPr>
+    </a:lvl7pPr>
+    <a:lvl8pPr marL="3200400" algn="l" defTabSz="914400" rtl="0" eaLnBrk="1" latinLnBrk="0" hangingPunct="1">
+      <a:defRPr sz="1200" kern="1200">
+        <a:solidFill>
+          <a:schemeClr val="tx1"/>
+        </a:solidFill>
+        <a:latin typeface="+mn-lt"/>
+        <a:ea typeface="+mn-ea"/>
+        <a:cs typeface="+mn-cs"/>
+      </a:defRPr>
+    </a:lvl8pPr>
+    <a:lvl9pPr marL="3657600" algn="l" defTabSz="914400" rtl="0" eaLnBrk="1" latinLnBrk="0" hangingPunct="1">
+      <a:defRPr sz="1200" kern="1200">
+        <a:solidFill>
+          <a:schemeClr val="tx1"/>
+        </a:solidFill>
+        <a:latin typeface="+mn-lt"/>
+        <a:ea typeface="+mn-ea"/>
+        <a:cs typeface="+mn-cs"/>
+      </a:defRPr>
+    </a:lvl9pPr>
+  </p:notesStyle>
+</p:notesMaster>
+</file>
+
+<file path=ppt/notesSlides/notesSlide1.xml><?xml version="1.0" encoding="utf-8"?>
+<p:notes xmlns:a="http://schemas.openxmlformats.org/drawingml/2006/main" xmlns:r="http://schemas.openxmlformats.org/officeDocument/2006/relationships" xmlns:p="http://schemas.openxmlformats.org/presentationml/2006/main">
+  <p:cSld>
+    <p:spTree>
+      <p:nvGrpSpPr>
+        <p:cNvPr id="1" name=""/>
+        <p:cNvGrpSpPr/>
+        <p:nvPr/>
+      </p:nvGrpSpPr>
+      <p:grpSpPr>
+        <a:xfrm>
+          <a:off x="0" y="0"/>
+          <a:ext cx="0" cy="0"/>
+          <a:chOff x="0" y="0"/>
+          <a:chExt cx="0" cy="0"/>
+        </a:xfrm>
+      </p:grpSpPr>
+      <p:sp>
+        <p:nvSpPr>
+          <p:cNvPr id="2" name="Slide Image Placeholder 1"/>
+          <p:cNvSpPr>
+            <a:spLocks noGrp="1" noRot="1" noChangeAspect="1"/>
+          </p:cNvSpPr>
+          <p:nvPr>
+            <p:ph type="sldImg"/>
+          </p:nvPr>
+        </p:nvSpPr>
+        <p:spPr/>
+      </p:sp>
+      <p:sp>
+        <p:nvSpPr>
+          <p:cNvPr id="3" name="Notes Placeholder 2"/>
+          <p:cNvSpPr>
+            <a:spLocks noGrp="1"/>
+          </p:cNvSpPr>
+          <p:nvPr>
+            <p:ph type="body" idx="1"/>
+          </p:nvPr>
+        </p:nvSpPr>
+        <p:spPr/>
+        <p:txBody>
+          <a:bodyPr/>
+          <a:lstStyle/>
+          <a:p>
+            <a:endParaRPr lang="en-US" dirty="0"/>
+          </a:p>
+        </p:txBody>
+      </p:sp>
+      <p:sp>
+        <p:nvSpPr>
+          <p:cNvPr id="4" name="Slide Number Placeholder 3"/>
+          <p:cNvSpPr>
+            <a:spLocks noGrp="1"/>
+          </p:cNvSpPr>
+          <p:nvPr>
+            <p:ph type="sldNum" sz="quarter" idx="10"/>
+          </p:nvPr>
+        </p:nvSpPr>
+        <p:spPr/>
+        <p:txBody>
+          <a:bodyPr/>
+          <a:lstStyle/>
+          <a:p>
+            <a:fld id="{D55D9797-8221-4AB6-94E4-B9A173EC2791}" type="slidenum">
+              <a:rPr lang="en-US" smtClean="0"/>
+              <a:t>13</a:t>
+            </a:fld>
+            <a:endParaRPr lang="en-US"/>
+          </a:p>
+        </p:txBody>
+      </p:sp>
+    </p:spTree>
+    <p:extLst>
+      <p:ext uri="{BB962C8B-B14F-4D97-AF65-F5344CB8AC3E}">
+        <p14:creationId xmlns:p14="http://schemas.microsoft.com/office/powerpoint/2010/main" val="3581085086"/>
+      </p:ext>
+    </p:extLst>
+  </p:cSld>
+  <p:clrMapOvr>
+    <a:masterClrMapping/>
+  </p:clrMapOvr>
+</p:notes>
+</file>
+
+<file path=ppt/notesSlides/notesSlide2.xml><?xml version="1.0" encoding="utf-8"?>
+<p:notes xmlns:a="http://schemas.openxmlformats.org/drawingml/2006/main" xmlns:r="http://schemas.openxmlformats.org/officeDocument/2006/relationships" xmlns:p="http://schemas.openxmlformats.org/presentationml/2006/main">
+  <p:cSld>
+    <p:spTree>
+      <p:nvGrpSpPr>
+        <p:cNvPr id="1" name=""/>
+        <p:cNvGrpSpPr/>
+        <p:nvPr/>
+      </p:nvGrpSpPr>
+      <p:grpSpPr>
+        <a:xfrm>
+          <a:off x="0" y="0"/>
+          <a:ext cx="0" cy="0"/>
+          <a:chOff x="0" y="0"/>
+          <a:chExt cx="0" cy="0"/>
+        </a:xfrm>
+      </p:grpSpPr>
+      <p:sp>
+        <p:nvSpPr>
+          <p:cNvPr id="2" name="Slide Image Placeholder 1"/>
+          <p:cNvSpPr>
+            <a:spLocks noGrp="1" noRot="1" noChangeAspect="1"/>
+          </p:cNvSpPr>
+          <p:nvPr>
+            <p:ph type="sldImg"/>
+          </p:nvPr>
+        </p:nvSpPr>
+        <p:spPr/>
+      </p:sp>
+      <p:sp>
+        <p:nvSpPr>
+          <p:cNvPr id="3" name="Notes Placeholder 2"/>
+          <p:cNvSpPr>
+            <a:spLocks noGrp="1"/>
+          </p:cNvSpPr>
+          <p:nvPr>
+            <p:ph type="body" idx="1"/>
+          </p:nvPr>
+        </p:nvSpPr>
+        <p:spPr/>
+        <p:txBody>
+          <a:bodyPr/>
+          <a:lstStyle/>
+          <a:p>
+            <a:endParaRPr lang="en-US" dirty="0"/>
+          </a:p>
+        </p:txBody>
+      </p:sp>
+      <p:sp>
+        <p:nvSpPr>
+          <p:cNvPr id="4" name="Slide Number Placeholder 3"/>
+          <p:cNvSpPr>
+            <a:spLocks noGrp="1"/>
+          </p:cNvSpPr>
+          <p:nvPr>
+            <p:ph type="sldNum" sz="quarter" idx="10"/>
+          </p:nvPr>
+        </p:nvSpPr>
+        <p:spPr/>
+        <p:txBody>
+          <a:bodyPr/>
+          <a:lstStyle/>
+          <a:p>
+            <a:fld id="{D55D9797-8221-4AB6-94E4-B9A173EC2791}" type="slidenum">
+              <a:rPr lang="en-US" smtClean="0"/>
+              <a:t>14</a:t>
+            </a:fld>
+            <a:endParaRPr lang="en-US"/>
+          </a:p>
+        </p:txBody>
+      </p:sp>
+    </p:spTree>
+    <p:extLst>
+      <p:ext uri="{BB962C8B-B14F-4D97-AF65-F5344CB8AC3E}">
+        <p14:creationId xmlns:p14="http://schemas.microsoft.com/office/powerpoint/2010/main" val="2946294772"/>
+      </p:ext>
+    </p:extLst>
+  </p:cSld>
+  <p:clrMapOvr>
+    <a:masterClrMapping/>
+  </p:clrMapOvr>
+</p:notes>
 </file>
 
 <file path=ppt/slideLayouts/slideLayout1.xml><?xml version="1.0" encoding="utf-8"?>
@@ -3948,7 +4469,7 @@
           <p:nvPr/>
         </p:nvPicPr>
         <p:blipFill>
-          <a:blip r:embed="rId2">
+          <a:blip r:embed="rId3">
             <a:extLst>
               <a:ext uri="{28A0092B-C50C-407E-A947-70E740481C1C}">
                 <a14:useLocalDpi xmlns:a14="http://schemas.microsoft.com/office/drawing/2010/main" val="0"/>
@@ -3962,7 +4483,7 @@
         </p:blipFill>
         <p:spPr bwMode="auto">
           <a:xfrm>
-            <a:off x="1198421" y="1181714"/>
+            <a:off x="1198421" y="1171081"/>
             <a:ext cx="10046274" cy="3980836"/>
           </a:xfrm>
           <a:prstGeom prst="rect">
@@ -4215,7 +4736,7 @@
           <p:nvPr/>
         </p:nvPicPr>
         <p:blipFill>
-          <a:blip r:embed="rId2">
+          <a:blip r:embed="rId3">
             <a:extLst>
               <a:ext uri="{28A0092B-C50C-407E-A947-70E740481C1C}">
                 <a14:useLocalDpi xmlns:a14="http://schemas.microsoft.com/office/drawing/2010/main" val="0"/>
@@ -7298,11 +7819,7 @@
             </a:r>
             <a:r>
               <a:rPr lang="he-IL" dirty="0" smtClean="0"/>
-              <a:t> </a:t>
-            </a:r>
-            <a:r>
-              <a:rPr lang="he-IL" dirty="0" smtClean="0"/>
-              <a:t>– הכתיבה פשוטה, ה-</a:t>
+              <a:t> – הכתיבה פשוטה, ה-</a:t>
             </a:r>
             <a:r>
               <a:rPr lang="en-US" dirty="0" smtClean="0"/>
@@ -7391,11 +7908,7 @@
             <a:pPr algn="r" rtl="1"/>
             <a:r>
               <a:rPr lang="he-IL" b="1" u="sng" dirty="0" smtClean="0"/>
-              <a:t>תאימות </a:t>
-            </a:r>
-            <a:r>
-              <a:rPr lang="he-IL" b="1" u="sng" dirty="0" smtClean="0"/>
-              <a:t>ל-</a:t>
+              <a:t>תאימות ל-</a:t>
             </a:r>
             <a:r>
               <a:rPr lang="en-US" b="1" u="sng" dirty="0" smtClean="0"/>
@@ -7465,11 +7978,7 @@
             <a:pPr algn="r" rtl="1"/>
             <a:r>
               <a:rPr lang="he-IL" b="1" u="sng" dirty="0" smtClean="0"/>
-              <a:t>תאימות </a:t>
-            </a:r>
-            <a:r>
-              <a:rPr lang="he-IL" b="1" u="sng" dirty="0" smtClean="0"/>
-              <a:t>לעולם ה-</a:t>
+              <a:t>תאימות לעולם ה-</a:t>
             </a:r>
             <a:r>
               <a:rPr lang="en-US" b="1" u="sng" dirty="0" smtClean="0"/>
@@ -8964,4 +9473,265 @@
     </a:ext>
   </a:extLst>
 </a:theme>
+</file>
+
+<file path=ppt/theme/theme2.xml><?xml version="1.0" encoding="utf-8"?>
+<a:theme xmlns:a="http://schemas.openxmlformats.org/drawingml/2006/main" name="Office Theme">
+  <a:themeElements>
+    <a:clrScheme name="Office">
+      <a:dk1>
+        <a:sysClr val="windowText" lastClr="000000"/>
+      </a:dk1>
+      <a:lt1>
+        <a:sysClr val="window" lastClr="FFFFFF"/>
+      </a:lt1>
+      <a:dk2>
+        <a:srgbClr val="44546A"/>
+      </a:dk2>
+      <a:lt2>
+        <a:srgbClr val="E7E6E6"/>
+      </a:lt2>
+      <a:accent1>
+        <a:srgbClr val="5B9BD5"/>
+      </a:accent1>
+      <a:accent2>
+        <a:srgbClr val="ED7D31"/>
+      </a:accent2>
+      <a:accent3>
+        <a:srgbClr val="A5A5A5"/>
+      </a:accent3>
+      <a:accent4>
+        <a:srgbClr val="FFC000"/>
+      </a:accent4>
+      <a:accent5>
+        <a:srgbClr val="4472C4"/>
+      </a:accent5>
+      <a:accent6>
+        <a:srgbClr val="70AD47"/>
+      </a:accent6>
+      <a:hlink>
+        <a:srgbClr val="0563C1"/>
+      </a:hlink>
+      <a:folHlink>
+        <a:srgbClr val="954F72"/>
+      </a:folHlink>
+    </a:clrScheme>
+    <a:fontScheme name="Office">
+      <a:majorFont>
+        <a:latin typeface="Calibri Light" panose="020F0302020204030204"/>
+        <a:ea typeface=""/>
+        <a:cs typeface=""/>
+        <a:font script="Jpan" typeface="ＭＳ Ｐゴシック"/>
+        <a:font script="Hang" typeface="맑은 고딕"/>
+        <a:font script="Hans" typeface="宋体"/>
+        <a:font script="Hant" typeface="新細明體"/>
+        <a:font script="Arab" typeface="Times New Roman"/>
+        <a:font script="Hebr" typeface="Times New Roman"/>
+        <a:font script="Thai" typeface="Angsana New"/>
+        <a:font script="Ethi" typeface="Nyala"/>
+        <a:font script="Beng" typeface="Vrinda"/>
+        <a:font script="Gujr" typeface="Shruti"/>
+        <a:font script="Khmr" typeface="MoolBoran"/>
+        <a:font script="Knda" typeface="Tunga"/>
+        <a:font script="Guru" typeface="Raavi"/>
+        <a:font script="Cans" typeface="Euphemia"/>
+        <a:font script="Cher" typeface="Plantagenet Cherokee"/>
+        <a:font script="Yiii" typeface="Microsoft Yi Baiti"/>
+        <a:font script="Tibt" typeface="Microsoft Himalaya"/>
+        <a:font script="Thaa" typeface="MV Boli"/>
+        <a:font script="Deva" typeface="Mangal"/>
+        <a:font script="Telu" typeface="Gautami"/>
+        <a:font script="Taml" typeface="Latha"/>
+        <a:font script="Syrc" typeface="Estrangelo Edessa"/>
+        <a:font script="Orya" typeface="Kalinga"/>
+        <a:font script="Mlym" typeface="Kartika"/>
+        <a:font script="Laoo" typeface="DokChampa"/>
+        <a:font script="Sinh" typeface="Iskoola Pota"/>
+        <a:font script="Mong" typeface="Mongolian Baiti"/>
+        <a:font script="Viet" typeface="Times New Roman"/>
+        <a:font script="Uigh" typeface="Microsoft Uighur"/>
+        <a:font script="Geor" typeface="Sylfaen"/>
+      </a:majorFont>
+      <a:minorFont>
+        <a:latin typeface="Calibri" panose="020F0502020204030204"/>
+        <a:ea typeface=""/>
+        <a:cs typeface=""/>
+        <a:font script="Jpan" typeface="ＭＳ Ｐゴシック"/>
+        <a:font script="Hang" typeface="맑은 고딕"/>
+        <a:font script="Hans" typeface="宋体"/>
+        <a:font script="Hant" typeface="新細明體"/>
+        <a:font script="Arab" typeface="Arial"/>
+        <a:font script="Hebr" typeface="Arial"/>
+        <a:font script="Thai" typeface="Cordia New"/>
+        <a:font script="Ethi" typeface="Nyala"/>
+        <a:font script="Beng" typeface="Vrinda"/>
+        <a:font script="Gujr" typeface="Shruti"/>
+        <a:font script="Khmr" typeface="DaunPenh"/>
+        <a:font script="Knda" typeface="Tunga"/>
+        <a:font script="Guru" typeface="Raavi"/>
+        <a:font script="Cans" typeface="Euphemia"/>
+        <a:font script="Cher" typeface="Plantagenet Cherokee"/>
+        <a:font script="Yiii" typeface="Microsoft Yi Baiti"/>
+        <a:font script="Tibt" typeface="Microsoft Himalaya"/>
+        <a:font script="Thaa" typeface="MV Boli"/>
+        <a:font script="Deva" typeface="Mangal"/>
+        <a:font script="Telu" typeface="Gautami"/>
+        <a:font script="Taml" typeface="Latha"/>
+        <a:font script="Syrc" typeface="Estrangelo Edessa"/>
+        <a:font script="Orya" typeface="Kalinga"/>
+        <a:font script="Mlym" typeface="Kartika"/>
+        <a:font script="Laoo" typeface="DokChampa"/>
+        <a:font script="Sinh" typeface="Iskoola Pota"/>
+        <a:font script="Mong" typeface="Mongolian Baiti"/>
+        <a:font script="Viet" typeface="Arial"/>
+        <a:font script="Uigh" typeface="Microsoft Uighur"/>
+        <a:font script="Geor" typeface="Sylfaen"/>
+      </a:minorFont>
+    </a:fontScheme>
+    <a:fmtScheme name="Office">
+      <a:fillStyleLst>
+        <a:solidFill>
+          <a:schemeClr val="phClr"/>
+        </a:solidFill>
+        <a:gradFill rotWithShape="1">
+          <a:gsLst>
+            <a:gs pos="0">
+              <a:schemeClr val="phClr">
+                <a:lumMod val="110000"/>
+                <a:satMod val="105000"/>
+                <a:tint val="67000"/>
+              </a:schemeClr>
+            </a:gs>
+            <a:gs pos="50000">
+              <a:schemeClr val="phClr">
+                <a:lumMod val="105000"/>
+                <a:satMod val="103000"/>
+                <a:tint val="73000"/>
+              </a:schemeClr>
+            </a:gs>
+            <a:gs pos="100000">
+              <a:schemeClr val="phClr">
+                <a:lumMod val="105000"/>
+                <a:satMod val="109000"/>
+                <a:tint val="81000"/>
+              </a:schemeClr>
+            </a:gs>
+          </a:gsLst>
+          <a:lin ang="5400000" scaled="0"/>
+        </a:gradFill>
+        <a:gradFill rotWithShape="1">
+          <a:gsLst>
+            <a:gs pos="0">
+              <a:schemeClr val="phClr">
+                <a:satMod val="103000"/>
+                <a:lumMod val="102000"/>
+                <a:tint val="94000"/>
+              </a:schemeClr>
+            </a:gs>
+            <a:gs pos="50000">
+              <a:schemeClr val="phClr">
+                <a:satMod val="110000"/>
+                <a:lumMod val="100000"/>
+                <a:shade val="100000"/>
+              </a:schemeClr>
+            </a:gs>
+            <a:gs pos="100000">
+              <a:schemeClr val="phClr">
+                <a:lumMod val="99000"/>
+                <a:satMod val="120000"/>
+                <a:shade val="78000"/>
+              </a:schemeClr>
+            </a:gs>
+          </a:gsLst>
+          <a:lin ang="5400000" scaled="0"/>
+        </a:gradFill>
+      </a:fillStyleLst>
+      <a:lnStyleLst>
+        <a:ln w="6350" cap="flat" cmpd="sng" algn="ctr">
+          <a:solidFill>
+            <a:schemeClr val="phClr"/>
+          </a:solidFill>
+          <a:prstDash val="solid"/>
+          <a:miter lim="800000"/>
+        </a:ln>
+        <a:ln w="12700" cap="flat" cmpd="sng" algn="ctr">
+          <a:solidFill>
+            <a:schemeClr val="phClr"/>
+          </a:solidFill>
+          <a:prstDash val="solid"/>
+          <a:miter lim="800000"/>
+        </a:ln>
+        <a:ln w="19050" cap="flat" cmpd="sng" algn="ctr">
+          <a:solidFill>
+            <a:schemeClr val="phClr"/>
+          </a:solidFill>
+          <a:prstDash val="solid"/>
+          <a:miter lim="800000"/>
+        </a:ln>
+      </a:lnStyleLst>
+      <a:effectStyleLst>
+        <a:effectStyle>
+          <a:effectLst/>
+        </a:effectStyle>
+        <a:effectStyle>
+          <a:effectLst/>
+        </a:effectStyle>
+        <a:effectStyle>
+          <a:effectLst>
+            <a:outerShdw blurRad="57150" dist="19050" dir="5400000" algn="ctr" rotWithShape="0">
+              <a:srgbClr val="000000">
+                <a:alpha val="63000"/>
+              </a:srgbClr>
+            </a:outerShdw>
+          </a:effectLst>
+        </a:effectStyle>
+      </a:effectStyleLst>
+      <a:bgFillStyleLst>
+        <a:solidFill>
+          <a:schemeClr val="phClr"/>
+        </a:solidFill>
+        <a:solidFill>
+          <a:schemeClr val="phClr">
+            <a:tint val="95000"/>
+            <a:satMod val="170000"/>
+          </a:schemeClr>
+        </a:solidFill>
+        <a:gradFill rotWithShape="1">
+          <a:gsLst>
+            <a:gs pos="0">
+              <a:schemeClr val="phClr">
+                <a:tint val="93000"/>
+                <a:satMod val="150000"/>
+                <a:shade val="98000"/>
+                <a:lumMod val="102000"/>
+              </a:schemeClr>
+            </a:gs>
+            <a:gs pos="50000">
+              <a:schemeClr val="phClr">
+                <a:tint val="98000"/>
+                <a:satMod val="130000"/>
+                <a:shade val="90000"/>
+                <a:lumMod val="103000"/>
+              </a:schemeClr>
+            </a:gs>
+            <a:gs pos="100000">
+              <a:schemeClr val="phClr">
+                <a:shade val="63000"/>
+                <a:satMod val="120000"/>
+              </a:schemeClr>
+            </a:gs>
+          </a:gsLst>
+          <a:lin ang="5400000" scaled="0"/>
+        </a:gradFill>
+      </a:bgFillStyleLst>
+    </a:fmtScheme>
+  </a:themeElements>
+  <a:objectDefaults/>
+  <a:extraClrSchemeLst/>
+  <a:extLst>
+    <a:ext uri="{05A4C25C-085E-4340-85A3-A5531E510DB2}">
+      <thm15:themeFamily xmlns:thm15="http://schemas.microsoft.com/office/thememl/2012/main" name="Office Theme" id="{62F939B6-93AF-4DB8-9C6B-D6C7DFDC589F}" vid="{4A3C46E8-61CC-4603-A589-7422A47A8E4A}"/>
+    </a:ext>
+  </a:extLst>
+</a:theme>
 </file>